--- a/Business/Telco Integrator - Business Case.pptx
+++ b/Business/Telco Integrator - Business Case.pptx
@@ -12,6 +12,7 @@
     <p:sldId id="261" r:id="rId6"/>
     <p:sldId id="258" r:id="rId7"/>
     <p:sldId id="262" r:id="rId8"/>
+    <p:sldId id="263" r:id="rId9"/>
   </p:sldIdLst>
   <p:sldSz cx="12192000" cy="6858000"/>
   <p:notesSz cx="6858000" cy="9144000"/>
@@ -110,6 +111,11 @@
       </a:defRPr>
     </a:lvl9pPr>
   </p:defaultTextStyle>
+  <p:extLst>
+    <p:ext uri="{EFAFB233-063F-42B5-8137-9DF3F51BA10A}">
+      <p15:sldGuideLst xmlns:p15="http://schemas.microsoft.com/office/powerpoint/2012/main"/>
+    </p:ext>
+  </p:extLst>
 </p:presentation>
 </file>
 
@@ -582,7 +588,7 @@
           <a:p>
             <a:fld id="{EA0C0817-A112-4847-8014-A94B7D2A4EA3}" type="datetime1">
               <a:rPr lang="en-US" smtClean="0"/>
-              <a:t>2/8/21</a:t>
+              <a:t>5/6/21</a:t>
             </a:fld>
             <a:endParaRPr lang="en-US" dirty="0"/>
           </a:p>
@@ -784,7 +790,7 @@
           <a:p>
             <a:fld id="{134F40B7-36AB-4376-BE14-EF7004D79BB9}" type="datetime1">
               <a:rPr lang="en-US" smtClean="0"/>
-              <a:t>2/8/21</a:t>
+              <a:t>5/6/21</a:t>
             </a:fld>
             <a:endParaRPr lang="en-US"/>
           </a:p>
@@ -964,7 +970,7 @@
           <a:p>
             <a:fld id="{FF87CAB8-DCAE-46A5-AADA-B3FAD11A54E0}" type="datetime1">
               <a:rPr lang="en-US" smtClean="0"/>
-              <a:t>2/8/21</a:t>
+              <a:t>5/6/21</a:t>
             </a:fld>
             <a:endParaRPr lang="en-US"/>
           </a:p>
@@ -1134,7 +1140,7 @@
           <a:p>
             <a:fld id="{7332B432-ACDA-4023-A761-2BAB76577B62}" type="datetime1">
               <a:rPr lang="en-US" smtClean="0"/>
-              <a:t>2/8/21</a:t>
+              <a:t>5/6/21</a:t>
             </a:fld>
             <a:endParaRPr lang="en-US"/>
           </a:p>
@@ -1733,7 +1739,7 @@
           <a:p>
             <a:fld id="{D9C646AA-F36E-4540-911D-FFFC0A0EF24A}" type="datetime1">
               <a:rPr lang="en-US" smtClean="0"/>
-              <a:t>2/8/21</a:t>
+              <a:t>5/6/21</a:t>
             </a:fld>
             <a:endParaRPr lang="en-US" dirty="0"/>
           </a:p>
@@ -2053,7 +2059,7 @@
           <a:p>
             <a:fld id="{69186D26-FA5F-4637-B602-B7C2DC34CFD4}" type="datetime1">
               <a:rPr lang="en-US" smtClean="0"/>
-              <a:t>2/8/21</a:t>
+              <a:t>5/6/21</a:t>
             </a:fld>
             <a:endParaRPr lang="en-US"/>
           </a:p>
@@ -2488,7 +2494,7 @@
           <a:p>
             <a:fld id="{8A7F15D8-96D1-4781-BC50-CA8A088B2FE4}" type="datetime1">
               <a:rPr lang="en-US" smtClean="0"/>
-              <a:t>2/8/21</a:t>
+              <a:t>5/6/21</a:t>
             </a:fld>
             <a:endParaRPr lang="en-US"/>
           </a:p>
@@ -2606,7 +2612,7 @@
           <a:p>
             <a:fld id="{F9A96C99-B8F8-4528-BD05-0E16E943DC09}" type="datetime1">
               <a:rPr lang="en-US" smtClean="0"/>
-              <a:t>2/8/21</a:t>
+              <a:t>5/6/21</a:t>
             </a:fld>
             <a:endParaRPr lang="en-US"/>
           </a:p>
@@ -2701,7 +2707,7 @@
           <a:p>
             <a:fld id="{03636942-C211-4B28-8DBD-C953E00AF71B}" type="datetime1">
               <a:rPr lang="en-US" smtClean="0"/>
-              <a:t>2/8/21</a:t>
+              <a:t>5/6/21</a:t>
             </a:fld>
             <a:endParaRPr lang="en-US"/>
           </a:p>
@@ -3118,7 +3124,7 @@
           <a:p>
             <a:fld id="{7E8D12A6-918A-48BD-8CB9-CA713993B0EA}" type="datetime1">
               <a:rPr lang="en-US" smtClean="0"/>
-              <a:t>2/8/21</a:t>
+              <a:t>5/6/21</a:t>
             </a:fld>
             <a:endParaRPr lang="en-US"/>
           </a:p>
@@ -3380,7 +3386,7 @@
             <a:fld id="{E778CE86-875F-4587-BCF6-FA054AFC0D53}" type="datetime1">
               <a:rPr lang="en-US" smtClean="0"/>
               <a:pPr/>
-              <a:t>2/8/21</a:t>
+              <a:t>5/6/21</a:t>
             </a:fld>
             <a:endParaRPr lang="en-US" dirty="0"/>
           </a:p>
@@ -3896,7 +3902,7 @@
           <a:p>
             <a:fld id="{F6FA2B21-3FCD-4721-B95C-427943F61125}" type="datetime1">
               <a:rPr lang="en-US" smtClean="0"/>
-              <a:t>2/8/21</a:t>
+              <a:t>5/6/21</a:t>
             </a:fld>
             <a:endParaRPr lang="en-US"/>
           </a:p>
@@ -6870,14 +6876,14 @@
           <a:lstStyle/>
           <a:p>
             <a:r>
-              <a:rPr lang="en-US" sz="3200" b="1" dirty="0"/>
+              <a:rPr lang="en-US" sz="3200" b="1" u="sng" dirty="0"/>
               <a:t>The Telco Integrator reduces</a:t>
             </a:r>
             <a:r>
-              <a:rPr lang="en-US" sz="3200" dirty="0"/>
+              <a:rPr lang="en-US" sz="3200" u="sng" dirty="0"/>
               <a:t> integration cost, risk and time for the supply chain</a:t>
             </a:r>
-            <a:endParaRPr lang="en-US" sz="3200" b="1" dirty="0"/>
+            <a:endParaRPr lang="en-US" sz="3200" b="1" u="sng" dirty="0"/>
           </a:p>
         </p:txBody>
       </p:sp>
@@ -7482,6 +7488,507 @@
     <p:extLst>
       <p:ext uri="{BB962C8B-B14F-4D97-AF65-F5344CB8AC3E}">
         <p14:creationId xmlns:p14="http://schemas.microsoft.com/office/powerpoint/2010/main" val="1836474059"/>
+      </p:ext>
+    </p:extLst>
+  </p:cSld>
+  <p:clrMapOvr>
+    <a:masterClrMapping/>
+  </p:clrMapOvr>
+</p:sld>
+</file>
+
+<file path=ppt/slides/slide8.xml><?xml version="1.0" encoding="utf-8"?>
+<p:sld xmlns:a="http://schemas.openxmlformats.org/drawingml/2006/main" xmlns:r="http://schemas.openxmlformats.org/officeDocument/2006/relationships" xmlns:p="http://schemas.openxmlformats.org/presentationml/2006/main">
+  <p:cSld>
+    <p:bg>
+      <p:bgPr>
+        <a:solidFill>
+          <a:schemeClr val="bg1"/>
+        </a:solidFill>
+        <a:effectLst/>
+      </p:bgPr>
+    </p:bg>
+    <p:spTree>
+      <p:nvGrpSpPr>
+        <p:cNvPr id="1" name=""/>
+        <p:cNvGrpSpPr/>
+        <p:nvPr/>
+      </p:nvGrpSpPr>
+      <p:grpSpPr>
+        <a:xfrm>
+          <a:off x="0" y="0"/>
+          <a:ext cx="0" cy="0"/>
+          <a:chOff x="0" y="0"/>
+          <a:chExt cx="0" cy="0"/>
+        </a:xfrm>
+      </p:grpSpPr>
+      <p:sp>
+        <p:nvSpPr>
+          <p:cNvPr id="8" name="Rectangle 7">
+            <a:extLst>
+              <a:ext uri="{FF2B5EF4-FFF2-40B4-BE49-F238E27FC236}">
+                <a16:creationId xmlns:a16="http://schemas.microsoft.com/office/drawing/2014/main" id="{70120F84-A866-4D9F-8B1C-9120A013D654}"/>
+              </a:ext>
+              <a:ext uri="{C183D7F6-B498-43B3-948B-1728B52AA6E4}">
+                <adec:decorative xmlns:adec="http://schemas.microsoft.com/office/drawing/2017/decorative" val="1"/>
+              </a:ext>
+            </a:extLst>
+          </p:cNvPr>
+          <p:cNvSpPr>
+            <a:spLocks noGrp="1" noRot="1" noChangeAspect="1" noMove="1" noResize="1" noEditPoints="1" noAdjustHandles="1" noChangeArrowheads="1" noChangeShapeType="1" noTextEdit="1"/>
+          </p:cNvSpPr>
+          <p:nvPr>
+            <p:extLst>
+              <p:ext uri="{386F3935-93C4-4BCD-93E2-E3B085C9AB24}">
+                <p16:designElem xmlns:p16="http://schemas.microsoft.com/office/powerpoint/2015/main" val="1"/>
+              </p:ext>
+            </p:extLst>
+          </p:nvPr>
+        </p:nvSpPr>
+        <p:spPr>
+          <a:xfrm>
+            <a:off x="0" y="0"/>
+            <a:ext cx="12192001" cy="6858000"/>
+          </a:xfrm>
+          <a:prstGeom prst="rect">
+            <a:avLst/>
+          </a:prstGeom>
+          <a:solidFill>
+            <a:schemeClr val="tx1">
+              <a:lumMod val="65000"/>
+              <a:lumOff val="35000"/>
+            </a:schemeClr>
+          </a:solidFill>
+          <a:ln>
+            <a:noFill/>
+          </a:ln>
+        </p:spPr>
+        <p:style>
+          <a:lnRef idx="2">
+            <a:schemeClr val="accent1">
+              <a:shade val="50000"/>
+            </a:schemeClr>
+          </a:lnRef>
+          <a:fillRef idx="1">
+            <a:schemeClr val="accent1"/>
+          </a:fillRef>
+          <a:effectRef idx="0">
+            <a:schemeClr val="accent1"/>
+          </a:effectRef>
+          <a:fontRef idx="minor">
+            <a:schemeClr val="lt1"/>
+          </a:fontRef>
+        </p:style>
+        <p:txBody>
+          <a:bodyPr rot="0" spcFirstLastPara="0" vert="horz" wrap="square" lIns="91440" tIns="45720" rIns="91440" bIns="45720" numCol="1" spcCol="0" rtlCol="0" fromWordArt="0" anchor="ctr" anchorCtr="0" forceAA="0" compatLnSpc="1">
+            <a:prstTxWarp prst="textNoShape">
+              <a:avLst/>
+            </a:prstTxWarp>
+            <a:noAutofit/>
+          </a:bodyPr>
+          <a:lstStyle>
+            <a:defPPr>
+              <a:defRPr lang="en-US"/>
+            </a:defPPr>
+            <a:lvl1pPr marL="0" algn="l" defTabSz="914400" rtl="0" eaLnBrk="1" latinLnBrk="0" hangingPunct="1">
+              <a:defRPr sz="1800" kern="1200">
+                <a:solidFill>
+                  <a:schemeClr val="lt1"/>
+                </a:solidFill>
+                <a:latin typeface="+mn-lt"/>
+                <a:ea typeface="+mn-ea"/>
+                <a:cs typeface="+mn-cs"/>
+              </a:defRPr>
+            </a:lvl1pPr>
+            <a:lvl2pPr marL="457200" algn="l" defTabSz="914400" rtl="0" eaLnBrk="1" latinLnBrk="0" hangingPunct="1">
+              <a:defRPr sz="1800" kern="1200">
+                <a:solidFill>
+                  <a:schemeClr val="lt1"/>
+                </a:solidFill>
+                <a:latin typeface="+mn-lt"/>
+                <a:ea typeface="+mn-ea"/>
+                <a:cs typeface="+mn-cs"/>
+              </a:defRPr>
+            </a:lvl2pPr>
+            <a:lvl3pPr marL="914400" algn="l" defTabSz="914400" rtl="0" eaLnBrk="1" latinLnBrk="0" hangingPunct="1">
+              <a:defRPr sz="1800" kern="1200">
+                <a:solidFill>
+                  <a:schemeClr val="lt1"/>
+                </a:solidFill>
+                <a:latin typeface="+mn-lt"/>
+                <a:ea typeface="+mn-ea"/>
+                <a:cs typeface="+mn-cs"/>
+              </a:defRPr>
+            </a:lvl3pPr>
+            <a:lvl4pPr marL="1371600" algn="l" defTabSz="914400" rtl="0" eaLnBrk="1" latinLnBrk="0" hangingPunct="1">
+              <a:defRPr sz="1800" kern="1200">
+                <a:solidFill>
+                  <a:schemeClr val="lt1"/>
+                </a:solidFill>
+                <a:latin typeface="+mn-lt"/>
+                <a:ea typeface="+mn-ea"/>
+                <a:cs typeface="+mn-cs"/>
+              </a:defRPr>
+            </a:lvl4pPr>
+            <a:lvl5pPr marL="1828800" algn="l" defTabSz="914400" rtl="0" eaLnBrk="1" latinLnBrk="0" hangingPunct="1">
+              <a:defRPr sz="1800" kern="1200">
+                <a:solidFill>
+                  <a:schemeClr val="lt1"/>
+                </a:solidFill>
+                <a:latin typeface="+mn-lt"/>
+                <a:ea typeface="+mn-ea"/>
+                <a:cs typeface="+mn-cs"/>
+              </a:defRPr>
+            </a:lvl5pPr>
+            <a:lvl6pPr marL="2286000" algn="l" defTabSz="914400" rtl="0" eaLnBrk="1" latinLnBrk="0" hangingPunct="1">
+              <a:defRPr sz="1800" kern="1200">
+                <a:solidFill>
+                  <a:schemeClr val="lt1"/>
+                </a:solidFill>
+                <a:latin typeface="+mn-lt"/>
+                <a:ea typeface="+mn-ea"/>
+                <a:cs typeface="+mn-cs"/>
+              </a:defRPr>
+            </a:lvl6pPr>
+            <a:lvl7pPr marL="2743200" algn="l" defTabSz="914400" rtl="0" eaLnBrk="1" latinLnBrk="0" hangingPunct="1">
+              <a:defRPr sz="1800" kern="1200">
+                <a:solidFill>
+                  <a:schemeClr val="lt1"/>
+                </a:solidFill>
+                <a:latin typeface="+mn-lt"/>
+                <a:ea typeface="+mn-ea"/>
+                <a:cs typeface="+mn-cs"/>
+              </a:defRPr>
+            </a:lvl7pPr>
+            <a:lvl8pPr marL="3200400" algn="l" defTabSz="914400" rtl="0" eaLnBrk="1" latinLnBrk="0" hangingPunct="1">
+              <a:defRPr sz="1800" kern="1200">
+                <a:solidFill>
+                  <a:schemeClr val="lt1"/>
+                </a:solidFill>
+                <a:latin typeface="+mn-lt"/>
+                <a:ea typeface="+mn-ea"/>
+                <a:cs typeface="+mn-cs"/>
+              </a:defRPr>
+            </a:lvl8pPr>
+            <a:lvl9pPr marL="3657600" algn="l" defTabSz="914400" rtl="0" eaLnBrk="1" latinLnBrk="0" hangingPunct="1">
+              <a:defRPr sz="1800" kern="1200">
+                <a:solidFill>
+                  <a:schemeClr val="lt1"/>
+                </a:solidFill>
+                <a:latin typeface="+mn-lt"/>
+                <a:ea typeface="+mn-ea"/>
+                <a:cs typeface="+mn-cs"/>
+              </a:defRPr>
+            </a:lvl9pPr>
+          </a:lstStyle>
+          <a:p>
+            <a:pPr algn="ctr"/>
+            <a:endParaRPr lang="en-US"/>
+          </a:p>
+        </p:txBody>
+      </p:sp>
+      <p:sp useBgFill="1">
+        <p:nvSpPr>
+          <p:cNvPr id="10" name="Rectangle 9">
+            <a:extLst>
+              <a:ext uri="{FF2B5EF4-FFF2-40B4-BE49-F238E27FC236}">
+                <a16:creationId xmlns:a16="http://schemas.microsoft.com/office/drawing/2014/main" id="{252FEFEF-6AC0-46B6-AC09-11FC56196FA4}"/>
+              </a:ext>
+              <a:ext uri="{C183D7F6-B498-43B3-948B-1728B52AA6E4}">
+                <adec:decorative xmlns:adec="http://schemas.microsoft.com/office/drawing/2017/decorative" val="1"/>
+              </a:ext>
+            </a:extLst>
+          </p:cNvPr>
+          <p:cNvSpPr>
+            <a:spLocks noGrp="1" noRot="1" noChangeAspect="1" noMove="1" noResize="1" noEditPoints="1" noAdjustHandles="1" noChangeArrowheads="1" noChangeShapeType="1" noTextEdit="1"/>
+          </p:cNvSpPr>
+          <p:nvPr>
+            <p:extLst>
+              <p:ext uri="{386F3935-93C4-4BCD-93E2-E3B085C9AB24}">
+                <p16:designElem xmlns:p16="http://schemas.microsoft.com/office/powerpoint/2015/main" val="1"/>
+              </p:ext>
+            </p:extLst>
+          </p:nvPr>
+        </p:nvSpPr>
+        <p:spPr>
+          <a:xfrm>
+            <a:off x="210312" y="226665"/>
+            <a:ext cx="11722608" cy="6382512"/>
+          </a:xfrm>
+          <a:prstGeom prst="rect">
+            <a:avLst/>
+          </a:prstGeom>
+          <a:ln w="6350" cap="flat" cmpd="sng" algn="ctr">
+            <a:noFill/>
+            <a:prstDash val="solid"/>
+          </a:ln>
+          <a:effectLst>
+            <a:softEdge rad="0"/>
+          </a:effectLst>
+        </p:spPr>
+      </p:sp>
+      <p:sp>
+        <p:nvSpPr>
+          <p:cNvPr id="19" name="Rectangle 18">
+            <a:extLst>
+              <a:ext uri="{FF2B5EF4-FFF2-40B4-BE49-F238E27FC236}">
+                <a16:creationId xmlns:a16="http://schemas.microsoft.com/office/drawing/2014/main" id="{7213DC6C-753D-6644-867F-CF3B5A47F16E}"/>
+              </a:ext>
+            </a:extLst>
+          </p:cNvPr>
+          <p:cNvSpPr/>
+          <p:nvPr/>
+        </p:nvSpPr>
+        <p:spPr>
+          <a:xfrm>
+            <a:off x="5845589" y="1210300"/>
+            <a:ext cx="6087328" cy="3217612"/>
+          </a:xfrm>
+          <a:prstGeom prst="rect">
+            <a:avLst/>
+          </a:prstGeom>
+        </p:spPr>
+        <p:txBody>
+          <a:bodyPr wrap="square">
+            <a:spAutoFit/>
+          </a:bodyPr>
+          <a:lstStyle/>
+          <a:p>
+            <a:pPr lvl="1"/>
+            <a:endParaRPr lang="en-US" sz="1900" dirty="0">
+              <a:solidFill>
+                <a:srgbClr val="002060"/>
+              </a:solidFill>
+              <a:latin typeface="Avenir Medium" panose="02000503020000020003" pitchFamily="2" charset="0"/>
+            </a:endParaRPr>
+          </a:p>
+          <a:p>
+            <a:pPr lvl="1"/>
+            <a:r>
+              <a:rPr lang="en-US" sz="1900" dirty="0">
+                <a:solidFill>
+                  <a:srgbClr val="002060"/>
+                </a:solidFill>
+                <a:latin typeface="Avenir Medium" panose="02000503020000020003" pitchFamily="2" charset="0"/>
+              </a:rPr>
+              <a:t>The Telco Integrator leverages existing business processes, using Process Mining</a:t>
+            </a:r>
+          </a:p>
+          <a:p>
+            <a:pPr marL="1200150" lvl="2" indent="-285750">
+              <a:lnSpc>
+                <a:spcPct val="200000"/>
+              </a:lnSpc>
+              <a:buFont typeface="Arial" panose="020B0604020202020204" pitchFamily="34" charset="0"/>
+              <a:buChar char="•"/>
+            </a:pPr>
+            <a:r>
+              <a:rPr lang="en-US" sz="1900" b="1" dirty="0">
+                <a:solidFill>
+                  <a:srgbClr val="002060"/>
+                </a:solidFill>
+              </a:rPr>
+              <a:t>Provides telco pipelines as part of IBM OMS</a:t>
+            </a:r>
+          </a:p>
+          <a:p>
+            <a:pPr marL="1200150" lvl="2" indent="-285750">
+              <a:lnSpc>
+                <a:spcPct val="200000"/>
+              </a:lnSpc>
+              <a:buFont typeface="Arial" panose="020B0604020202020204" pitchFamily="34" charset="0"/>
+              <a:buChar char="•"/>
+            </a:pPr>
+            <a:r>
+              <a:rPr lang="en-US" sz="1900" b="1" dirty="0">
+                <a:solidFill>
+                  <a:srgbClr val="002060"/>
+                </a:solidFill>
+              </a:rPr>
+              <a:t>Accelerates the process modeling</a:t>
+            </a:r>
+          </a:p>
+          <a:p>
+            <a:pPr marL="1200150" lvl="2" indent="-285750">
+              <a:lnSpc>
+                <a:spcPct val="200000"/>
+              </a:lnSpc>
+              <a:buFont typeface="Arial" panose="020B0604020202020204" pitchFamily="34" charset="0"/>
+              <a:buChar char="•"/>
+            </a:pPr>
+            <a:r>
+              <a:rPr lang="en-US" sz="1900" b="1" dirty="0">
+                <a:solidFill>
+                  <a:srgbClr val="002060"/>
+                </a:solidFill>
+              </a:rPr>
+              <a:t>Industry-aligned pipelines can be tailored to fit specific customer needs</a:t>
+            </a:r>
+          </a:p>
+        </p:txBody>
+      </p:sp>
+      <p:sp>
+        <p:nvSpPr>
+          <p:cNvPr id="20" name="Title 1">
+            <a:extLst>
+              <a:ext uri="{FF2B5EF4-FFF2-40B4-BE49-F238E27FC236}">
+                <a16:creationId xmlns:a16="http://schemas.microsoft.com/office/drawing/2014/main" id="{3C69BE4E-42FD-6346-A092-86A0A2762E52}"/>
+              </a:ext>
+            </a:extLst>
+          </p:cNvPr>
+          <p:cNvSpPr>
+            <a:spLocks noGrp="1"/>
+          </p:cNvSpPr>
+          <p:nvPr>
+            <p:ph type="title"/>
+          </p:nvPr>
+        </p:nvSpPr>
+        <p:spPr>
+          <a:xfrm>
+            <a:off x="210312" y="247261"/>
+            <a:ext cx="11722608" cy="1003299"/>
+          </a:xfrm>
+        </p:spPr>
+        <p:txBody>
+          <a:bodyPr>
+            <a:normAutofit/>
+          </a:bodyPr>
+          <a:lstStyle/>
+          <a:p>
+            <a:r>
+              <a:rPr lang="en-US" sz="3200" b="1" u="sng" dirty="0"/>
+              <a:t>The Telco Integrator </a:t>
+            </a:r>
+            <a:r>
+              <a:rPr lang="en-US" sz="3200" u="sng" dirty="0"/>
+              <a:t>leverages existing business processes</a:t>
+            </a:r>
+            <a:endParaRPr lang="en-US" sz="3200" b="1" u="sng" dirty="0"/>
+          </a:p>
+        </p:txBody>
+      </p:sp>
+      <p:cxnSp>
+        <p:nvCxnSpPr>
+          <p:cNvPr id="22" name="Straight Connector 21">
+            <a:extLst>
+              <a:ext uri="{FF2B5EF4-FFF2-40B4-BE49-F238E27FC236}">
+                <a16:creationId xmlns:a16="http://schemas.microsoft.com/office/drawing/2014/main" id="{743D9423-5F3F-3B4D-BC50-759E472FE4FE}"/>
+              </a:ext>
+            </a:extLst>
+          </p:cNvPr>
+          <p:cNvCxnSpPr>
+            <a:cxnSpLocks/>
+          </p:cNvCxnSpPr>
+          <p:nvPr/>
+        </p:nvCxnSpPr>
+        <p:spPr>
+          <a:xfrm>
+            <a:off x="5845589" y="1556951"/>
+            <a:ext cx="0" cy="3107328"/>
+          </a:xfrm>
+          <a:prstGeom prst="line">
+            <a:avLst/>
+          </a:prstGeom>
+          <a:ln w="38100">
+            <a:solidFill>
+              <a:srgbClr val="002060"/>
+            </a:solidFill>
+          </a:ln>
+        </p:spPr>
+        <p:style>
+          <a:lnRef idx="1">
+            <a:schemeClr val="accent1"/>
+          </a:lnRef>
+          <a:fillRef idx="0">
+            <a:schemeClr val="accent1"/>
+          </a:fillRef>
+          <a:effectRef idx="0">
+            <a:schemeClr val="accent1"/>
+          </a:effectRef>
+          <a:fontRef idx="minor">
+            <a:schemeClr val="tx1"/>
+          </a:fontRef>
+        </p:style>
+      </p:cxnSp>
+      <p:sp>
+        <p:nvSpPr>
+          <p:cNvPr id="23" name="Rectangle 22">
+            <a:extLst>
+              <a:ext uri="{FF2B5EF4-FFF2-40B4-BE49-F238E27FC236}">
+                <a16:creationId xmlns:a16="http://schemas.microsoft.com/office/drawing/2014/main" id="{6CB54C1F-C83A-1A4C-9AD3-4EE3CD83DDAA}"/>
+              </a:ext>
+            </a:extLst>
+          </p:cNvPr>
+          <p:cNvSpPr/>
+          <p:nvPr/>
+        </p:nvSpPr>
+        <p:spPr>
+          <a:xfrm>
+            <a:off x="259080" y="1799739"/>
+            <a:ext cx="5721161" cy="2431435"/>
+          </a:xfrm>
+          <a:prstGeom prst="rect">
+            <a:avLst/>
+          </a:prstGeom>
+        </p:spPr>
+        <p:txBody>
+          <a:bodyPr wrap="square">
+            <a:spAutoFit/>
+          </a:bodyPr>
+          <a:lstStyle/>
+          <a:p>
+            <a:pPr lvl="1"/>
+            <a:endParaRPr lang="en-US" sz="1900" dirty="0">
+              <a:solidFill>
+                <a:srgbClr val="002060"/>
+              </a:solidFill>
+              <a:latin typeface="Avenir Medium" panose="02000503020000020003" pitchFamily="2" charset="0"/>
+            </a:endParaRPr>
+          </a:p>
+          <a:p>
+            <a:pPr lvl="1"/>
+            <a:r>
+              <a:rPr lang="en-US" sz="1900" dirty="0">
+                <a:solidFill>
+                  <a:srgbClr val="002060"/>
+                </a:solidFill>
+                <a:latin typeface="Avenir Medium" panose="02000503020000020003" pitchFamily="2" charset="0"/>
+              </a:rPr>
+              <a:t>In typical Telco engagements, the business processes that are involved in the organization are customer management, product management and order processing.</a:t>
+            </a:r>
+          </a:p>
+          <a:p>
+            <a:pPr lvl="1"/>
+            <a:endParaRPr lang="en-US" sz="1900" dirty="0">
+              <a:solidFill>
+                <a:srgbClr val="002060"/>
+              </a:solidFill>
+              <a:latin typeface="Avenir Medium" panose="02000503020000020003" pitchFamily="2" charset="0"/>
+            </a:endParaRPr>
+          </a:p>
+          <a:p>
+            <a:pPr lvl="1"/>
+            <a:r>
+              <a:rPr lang="en-US" sz="1900" dirty="0">
+                <a:solidFill>
+                  <a:srgbClr val="002060"/>
+                </a:solidFill>
+                <a:latin typeface="Avenir Medium" panose="02000503020000020003" pitchFamily="2" charset="0"/>
+              </a:rPr>
+              <a:t>CSPs should be able to leverage those processes in their integration solutions.</a:t>
+            </a:r>
+            <a:endParaRPr lang="en-US" sz="1900" dirty="0">
+              <a:solidFill>
+                <a:srgbClr val="002060"/>
+              </a:solidFill>
+            </a:endParaRPr>
+          </a:p>
+        </p:txBody>
+      </p:sp>
+    </p:spTree>
+    <p:extLst>
+      <p:ext uri="{BB962C8B-B14F-4D97-AF65-F5344CB8AC3E}">
+        <p14:creationId xmlns:p14="http://schemas.microsoft.com/office/powerpoint/2010/main" val="122242794"/>
       </p:ext>
     </p:extLst>
   </p:cSld>

--- a/Business/Telco Integrator - Business Case.pptx
+++ b/Business/Telco Integrator - Business Case.pptx
@@ -5,18 +5,28 @@
     <p:sldMasterId id="2147483673" r:id="rId1"/>
   </p:sldMasterIdLst>
   <p:notesMasterIdLst>
-    <p:notesMasterId r:id="rId11"/>
+    <p:notesMasterId r:id="rId21"/>
   </p:notesMasterIdLst>
   <p:sldIdLst>
     <p:sldId id="256" r:id="rId2"/>
-    <p:sldId id="257" r:id="rId3"/>
-    <p:sldId id="259" r:id="rId4"/>
-    <p:sldId id="260" r:id="rId5"/>
-    <p:sldId id="261" r:id="rId6"/>
-    <p:sldId id="258" r:id="rId7"/>
-    <p:sldId id="262" r:id="rId8"/>
-    <p:sldId id="263" r:id="rId9"/>
-    <p:sldId id="264" r:id="rId10"/>
+    <p:sldId id="267" r:id="rId3"/>
+    <p:sldId id="257" r:id="rId4"/>
+    <p:sldId id="259" r:id="rId5"/>
+    <p:sldId id="265" r:id="rId6"/>
+    <p:sldId id="266" r:id="rId7"/>
+    <p:sldId id="268" r:id="rId8"/>
+    <p:sldId id="260" r:id="rId9"/>
+    <p:sldId id="261" r:id="rId10"/>
+    <p:sldId id="258" r:id="rId11"/>
+    <p:sldId id="262" r:id="rId12"/>
+    <p:sldId id="263" r:id="rId13"/>
+    <p:sldId id="269" r:id="rId14"/>
+    <p:sldId id="264" r:id="rId15"/>
+    <p:sldId id="270" r:id="rId16"/>
+    <p:sldId id="271" r:id="rId17"/>
+    <p:sldId id="272" r:id="rId18"/>
+    <p:sldId id="273" r:id="rId19"/>
+    <p:sldId id="274" r:id="rId20"/>
   </p:sldIdLst>
   <p:sldSz cx="12192000" cy="6858000"/>
   <p:notesSz cx="6858000" cy="9144000"/>
@@ -123,6 +133,32 @@
 </p:presentation>
 </file>
 
+<file path=ppt/commentAuthors.xml><?xml version="1.0" encoding="utf-8"?>
+<p:cmAuthorLst xmlns:a="http://schemas.openxmlformats.org/drawingml/2006/main" xmlns:r="http://schemas.openxmlformats.org/officeDocument/2006/relationships" xmlns:p="http://schemas.openxmlformats.org/presentationml/2006/main">
+  <p:cmAuthor id="1" name="Werner Tod" initials="WT" lastIdx="1" clrIdx="0">
+    <p:extLst>
+      <p:ext uri="{19B8F6BF-5375-455C-9EA6-DF929625EA0E}">
+        <p15:presenceInfo xmlns:p15="http://schemas.microsoft.com/office/powerpoint/2012/main" userId="S::wtod@de.ibm.com::4e55dad5-9543-4928-bf98-77384e0614cb" providerId="AD"/>
+      </p:ext>
+    </p:extLst>
+  </p:cmAuthor>
+</p:cmAuthorLst>
+</file>
+
+<file path=ppt/comments/comment1.xml><?xml version="1.0" encoding="utf-8"?>
+<p:cmLst xmlns:a="http://schemas.openxmlformats.org/drawingml/2006/main" xmlns:r="http://schemas.openxmlformats.org/officeDocument/2006/relationships" xmlns:p="http://schemas.openxmlformats.org/presentationml/2006/main">
+  <p:cm authorId="1" dt="2021-06-29T11:21:42.092" idx="1">
+    <p:pos x="2901" y="2081"/>
+    <p:text>What are they running today?</p:text>
+    <p:extLst>
+      <p:ext uri="{C676402C-5697-4E1C-873F-D02D1690AC5C}">
+        <p15:threadingInfo xmlns:p15="http://schemas.microsoft.com/office/powerpoint/2012/main" timeZoneBias="-120"/>
+      </p:ext>
+    </p:extLst>
+  </p:cm>
+</p:cmLst>
+</file>
+
 <file path=ppt/notesMasters/notesMaster1.xml><?xml version="1.0" encoding="utf-8"?>
 <p:notesMaster xmlns:a="http://schemas.openxmlformats.org/drawingml/2006/main" xmlns:r="http://schemas.openxmlformats.org/officeDocument/2006/relationships" xmlns:p="http://schemas.openxmlformats.org/presentationml/2006/main">
   <p:cSld>
@@ -205,7 +241,7 @@
           <a:p>
             <a:fld id="{C2FFCE37-189F-5F45-AD20-00B1DF149488}" type="datetimeFigureOut">
               <a:rPr lang="en-DE" smtClean="0"/>
-              <a:t>17.05.21</a:t>
+              <a:t>29.06.21</a:t>
             </a:fld>
             <a:endParaRPr lang="en-DE"/>
           </a:p>
@@ -538,7 +574,7 @@
           <a:p>
             <a:fld id="{42EF68D9-C043-F94D-87AF-38CA0D678316}" type="slidenum">
               <a:rPr lang="en-US" smtClean="0"/>
-              <a:t>9</a:t>
+              <a:t>14</a:t>
             </a:fld>
             <a:endParaRPr lang="en-US"/>
           </a:p>
@@ -1026,7 +1062,7 @@
           <a:p>
             <a:fld id="{EA0C0817-A112-4847-8014-A94B7D2A4EA3}" type="datetime1">
               <a:rPr lang="en-US" smtClean="0"/>
-              <a:t>5/17/21</a:t>
+              <a:t>6/29/21</a:t>
             </a:fld>
             <a:endParaRPr lang="en-US" dirty="0"/>
           </a:p>
@@ -1228,7 +1264,7 @@
           <a:p>
             <a:fld id="{134F40B7-36AB-4376-BE14-EF7004D79BB9}" type="datetime1">
               <a:rPr lang="en-US" smtClean="0"/>
-              <a:t>5/17/21</a:t>
+              <a:t>6/29/21</a:t>
             </a:fld>
             <a:endParaRPr lang="en-US"/>
           </a:p>
@@ -1408,7 +1444,7 @@
           <a:p>
             <a:fld id="{FF87CAB8-DCAE-46A5-AADA-B3FAD11A54E0}" type="datetime1">
               <a:rPr lang="en-US" smtClean="0"/>
-              <a:t>5/17/21</a:t>
+              <a:t>6/29/21</a:t>
             </a:fld>
             <a:endParaRPr lang="en-US"/>
           </a:p>
@@ -1578,7 +1614,7 @@
           <a:p>
             <a:fld id="{7332B432-ACDA-4023-A761-2BAB76577B62}" type="datetime1">
               <a:rPr lang="en-US" smtClean="0"/>
-              <a:t>5/17/21</a:t>
+              <a:t>6/29/21</a:t>
             </a:fld>
             <a:endParaRPr lang="en-US"/>
           </a:p>
@@ -2177,7 +2213,7 @@
           <a:p>
             <a:fld id="{D9C646AA-F36E-4540-911D-FFFC0A0EF24A}" type="datetime1">
               <a:rPr lang="en-US" smtClean="0"/>
-              <a:t>5/17/21</a:t>
+              <a:t>6/29/21</a:t>
             </a:fld>
             <a:endParaRPr lang="en-US" dirty="0"/>
           </a:p>
@@ -2497,7 +2533,7 @@
           <a:p>
             <a:fld id="{69186D26-FA5F-4637-B602-B7C2DC34CFD4}" type="datetime1">
               <a:rPr lang="en-US" smtClean="0"/>
-              <a:t>5/17/21</a:t>
+              <a:t>6/29/21</a:t>
             </a:fld>
             <a:endParaRPr lang="en-US"/>
           </a:p>
@@ -2932,7 +2968,7 @@
           <a:p>
             <a:fld id="{8A7F15D8-96D1-4781-BC50-CA8A088B2FE4}" type="datetime1">
               <a:rPr lang="en-US" smtClean="0"/>
-              <a:t>5/17/21</a:t>
+              <a:t>6/29/21</a:t>
             </a:fld>
             <a:endParaRPr lang="en-US"/>
           </a:p>
@@ -3050,7 +3086,7 @@
           <a:p>
             <a:fld id="{F9A96C99-B8F8-4528-BD05-0E16E943DC09}" type="datetime1">
               <a:rPr lang="en-US" smtClean="0"/>
-              <a:t>5/17/21</a:t>
+              <a:t>6/29/21</a:t>
             </a:fld>
             <a:endParaRPr lang="en-US"/>
           </a:p>
@@ -3145,7 +3181,7 @@
           <a:p>
             <a:fld id="{03636942-C211-4B28-8DBD-C953E00AF71B}" type="datetime1">
               <a:rPr lang="en-US" smtClean="0"/>
-              <a:t>5/17/21</a:t>
+              <a:t>6/29/21</a:t>
             </a:fld>
             <a:endParaRPr lang="en-US"/>
           </a:p>
@@ -3562,7 +3598,7 @@
           <a:p>
             <a:fld id="{7E8D12A6-918A-48BD-8CB9-CA713993B0EA}" type="datetime1">
               <a:rPr lang="en-US" smtClean="0"/>
-              <a:t>5/17/21</a:t>
+              <a:t>6/29/21</a:t>
             </a:fld>
             <a:endParaRPr lang="en-US"/>
           </a:p>
@@ -3824,7 +3860,7 @@
             <a:fld id="{E778CE86-875F-4587-BCF6-FA054AFC0D53}" type="datetime1">
               <a:rPr lang="en-US" smtClean="0"/>
               <a:pPr/>
-              <a:t>5/17/21</a:t>
+              <a:t>6/29/21</a:t>
             </a:fld>
             <a:endParaRPr lang="en-US" dirty="0"/>
           </a:p>
@@ -4340,7 +4376,7 @@
           <a:p>
             <a:fld id="{F6FA2B21-3FCD-4721-B95C-427943F61125}" type="datetime1">
               <a:rPr lang="en-US" smtClean="0"/>
-              <a:t>5/17/21</a:t>
+              <a:t>6/29/21</a:t>
             </a:fld>
             <a:endParaRPr lang="en-US"/>
           </a:p>
@@ -4964,7 +5000,7 @@
           <a:lstStyle/>
           <a:p>
             <a:r>
-              <a:rPr lang="en-US" sz="4400">
+              <a:rPr lang="en-US" sz="4400" dirty="0">
                 <a:solidFill>
                   <a:schemeClr val="tx1"/>
                 </a:solidFill>
@@ -5008,12 +5044,12 @@
               </a:spcAft>
             </a:pPr>
             <a:r>
-              <a:rPr lang="en-US">
+              <a:rPr lang="en-US" dirty="0">
                 <a:solidFill>
                   <a:schemeClr val="tx1"/>
                 </a:solidFill>
               </a:rPr>
-              <a:t>A Business Perspective</a:t>
+              <a:t>Business Perspective and Asset Description</a:t>
             </a:r>
           </a:p>
         </p:txBody>
@@ -5170,7 +5206,7 @@
 </p:sld>
 </file>
 
-<file path=ppt/slides/slide2.xml><?xml version="1.0" encoding="utf-8"?>
+<file path=ppt/slides/slide10.xml><?xml version="1.0" encoding="utf-8"?>
 <p:sld xmlns:a="http://schemas.openxmlformats.org/drawingml/2006/main" xmlns:r="http://schemas.openxmlformats.org/officeDocument/2006/relationships" xmlns:p="http://schemas.openxmlformats.org/presentationml/2006/main">
   <p:cSld>
     <p:bg>
@@ -5402,10 +5438,101 @@
       </p:sp>
       <p:sp>
         <p:nvSpPr>
-          <p:cNvPr id="2" name="Title 1">
+          <p:cNvPr id="19" name="Rectangle 18">
             <a:extLst>
               <a:ext uri="{FF2B5EF4-FFF2-40B4-BE49-F238E27FC236}">
-                <a16:creationId xmlns:a16="http://schemas.microsoft.com/office/drawing/2014/main" id="{E78C2EC3-3C61-4849-8C25-80B30BAA62A8}"/>
+                <a16:creationId xmlns:a16="http://schemas.microsoft.com/office/drawing/2014/main" id="{7213DC6C-753D-6644-867F-CF3B5A47F16E}"/>
+              </a:ext>
+            </a:extLst>
+          </p:cNvPr>
+          <p:cNvSpPr/>
+          <p:nvPr/>
+        </p:nvSpPr>
+        <p:spPr>
+          <a:xfrm>
+            <a:off x="5845589" y="1210300"/>
+            <a:ext cx="6087328" cy="2723823"/>
+          </a:xfrm>
+          <a:prstGeom prst="rect">
+            <a:avLst/>
+          </a:prstGeom>
+        </p:spPr>
+        <p:txBody>
+          <a:bodyPr wrap="square">
+            <a:spAutoFit/>
+          </a:bodyPr>
+          <a:lstStyle/>
+          <a:p>
+            <a:pPr lvl="1"/>
+            <a:endParaRPr lang="en-US" sz="1900" dirty="0">
+              <a:solidFill>
+                <a:srgbClr val="002060"/>
+              </a:solidFill>
+              <a:latin typeface="Avenir Medium" panose="02000503020000020003" pitchFamily="2" charset="0"/>
+            </a:endParaRPr>
+          </a:p>
+          <a:p>
+            <a:pPr lvl="1"/>
+            <a:r>
+              <a:rPr lang="en-US" sz="1900" dirty="0">
+                <a:solidFill>
+                  <a:srgbClr val="002060"/>
+                </a:solidFill>
+                <a:latin typeface="Avenir Medium" panose="02000503020000020003" pitchFamily="2" charset="0"/>
+              </a:rPr>
+              <a:t>The Telco Integrator and Open APIs</a:t>
+            </a:r>
+          </a:p>
+          <a:p>
+            <a:pPr marL="742950" lvl="1" indent="-285750">
+              <a:lnSpc>
+                <a:spcPct val="200000"/>
+              </a:lnSpc>
+              <a:buFont typeface="Arial" panose="020B0604020202020204" pitchFamily="34" charset="0"/>
+              <a:buChar char="•"/>
+            </a:pPr>
+            <a:r>
+              <a:rPr lang="en-US" sz="1900" dirty="0">
+                <a:solidFill>
+                  <a:srgbClr val="002060"/>
+                </a:solidFill>
+              </a:rPr>
+              <a:t>Cut down time and risks in transformation projects</a:t>
+            </a:r>
+          </a:p>
+          <a:p>
+            <a:pPr marL="742950" lvl="1" indent="-285750">
+              <a:lnSpc>
+                <a:spcPct val="200000"/>
+              </a:lnSpc>
+              <a:buFont typeface="Arial" panose="020B0604020202020204" pitchFamily="34" charset="0"/>
+              <a:buChar char="•"/>
+            </a:pPr>
+            <a:r>
+              <a:rPr lang="en-US" sz="1900" dirty="0">
+                <a:solidFill>
+                  <a:srgbClr val="002060"/>
+                </a:solidFill>
+              </a:rPr>
+              <a:t>Lower recurring costs of maintenance and future change requests</a:t>
+            </a:r>
+          </a:p>
+          <a:p>
+            <a:pPr lvl="1"/>
+            <a:endParaRPr lang="en-US" sz="1900" b="1" dirty="0">
+              <a:solidFill>
+                <a:srgbClr val="002060"/>
+              </a:solidFill>
+            </a:endParaRPr>
+          </a:p>
+        </p:txBody>
+      </p:sp>
+      <p:sp>
+        <p:nvSpPr>
+          <p:cNvPr id="20" name="Title 1">
+            <a:extLst>
+              <a:ext uri="{FF2B5EF4-FFF2-40B4-BE49-F238E27FC236}">
+                <a16:creationId xmlns:a16="http://schemas.microsoft.com/office/drawing/2014/main" id="{3C69BE4E-42FD-6346-A092-86A0A2762E52}"/>
               </a:ext>
             </a:extLst>
           </p:cNvPr>
@@ -5418,8 +5545,8 @@
         </p:nvSpPr>
         <p:spPr>
           <a:xfrm>
-            <a:off x="531341" y="451691"/>
-            <a:ext cx="11121081" cy="994050"/>
+            <a:off x="210312" y="247261"/>
+            <a:ext cx="11722608" cy="1003299"/>
           </a:xfrm>
         </p:spPr>
         <p:txBody>
@@ -5429,123 +5556,141 @@
           <a:lstStyle/>
           <a:p>
             <a:r>
-              <a:rPr lang="en-US" dirty="0"/>
-              <a:t>What is the Telco Integrator?</a:t>
+              <a:rPr lang="en-US" sz="3200" b="1" u="sng" dirty="0"/>
+              <a:t>The Telco Integrator reduces</a:t>
             </a:r>
+            <a:r>
+              <a:rPr lang="en-US" sz="3200" u="sng" dirty="0"/>
+              <a:t> integration cost, risk and time for the supply chain</a:t>
+            </a:r>
+            <a:endParaRPr lang="en-US" sz="3200" b="1" u="sng" dirty="0"/>
           </a:p>
         </p:txBody>
       </p:sp>
-      <p:sp>
-        <p:nvSpPr>
-          <p:cNvPr id="3" name="Content Placeholder 2">
+      <p:cxnSp>
+        <p:nvCxnSpPr>
+          <p:cNvPr id="22" name="Straight Connector 21">
             <a:extLst>
               <a:ext uri="{FF2B5EF4-FFF2-40B4-BE49-F238E27FC236}">
-                <a16:creationId xmlns:a16="http://schemas.microsoft.com/office/drawing/2014/main" id="{3CF89308-280A-2D45-B048-2F391CD7DCAD}"/>
+                <a16:creationId xmlns:a16="http://schemas.microsoft.com/office/drawing/2014/main" id="{743D9423-5F3F-3B4D-BC50-759E472FE4FE}"/>
               </a:ext>
             </a:extLst>
           </p:cNvPr>
-          <p:cNvSpPr>
-            <a:spLocks noGrp="1"/>
-          </p:cNvSpPr>
-          <p:nvPr>
-            <p:ph idx="1"/>
-          </p:nvPr>
+          <p:cNvCxnSpPr>
+            <a:cxnSpLocks/>
+          </p:cNvCxnSpPr>
+          <p:nvPr/>
+        </p:nvCxnSpPr>
+        <p:spPr>
+          <a:xfrm>
+            <a:off x="5845589" y="1556951"/>
+            <a:ext cx="0" cy="2855658"/>
+          </a:xfrm>
+          <a:prstGeom prst="line">
+            <a:avLst/>
+          </a:prstGeom>
+          <a:ln w="38100">
+            <a:solidFill>
+              <a:srgbClr val="002060"/>
+            </a:solidFill>
+          </a:ln>
+        </p:spPr>
+        <p:style>
+          <a:lnRef idx="1">
+            <a:schemeClr val="accent1"/>
+          </a:lnRef>
+          <a:fillRef idx="0">
+            <a:schemeClr val="accent1"/>
+          </a:fillRef>
+          <a:effectRef idx="0">
+            <a:schemeClr val="accent1"/>
+          </a:effectRef>
+          <a:fontRef idx="minor">
+            <a:schemeClr val="tx1"/>
+          </a:fontRef>
+        </p:style>
+      </p:cxnSp>
+      <p:sp>
+        <p:nvSpPr>
+          <p:cNvPr id="23" name="Rectangle 22">
+            <a:extLst>
+              <a:ext uri="{FF2B5EF4-FFF2-40B4-BE49-F238E27FC236}">
+                <a16:creationId xmlns:a16="http://schemas.microsoft.com/office/drawing/2014/main" id="{6CB54C1F-C83A-1A4C-9AD3-4EE3CD83DDAA}"/>
+              </a:ext>
+            </a:extLst>
+          </p:cNvPr>
+          <p:cNvSpPr/>
+          <p:nvPr/>
         </p:nvSpPr>
         <p:spPr>
           <a:xfrm>
-            <a:off x="531341" y="1445741"/>
-            <a:ext cx="10167139" cy="4519970"/>
-          </a:xfrm>
+            <a:off x="-135920" y="1271155"/>
+            <a:ext cx="5721161" cy="2431435"/>
+          </a:xfrm>
+          <a:prstGeom prst="rect">
+            <a:avLst/>
+          </a:prstGeom>
         </p:spPr>
         <p:txBody>
-          <a:bodyPr>
-            <a:normAutofit/>
+          <a:bodyPr wrap="square">
+            <a:spAutoFit/>
           </a:bodyPr>
           <a:lstStyle/>
           <a:p>
-            <a:pPr marL="0" indent="0">
-              <a:buNone/>
+            <a:pPr lvl="1"/>
+            <a:endParaRPr lang="en-US" sz="1900" dirty="0">
+              <a:solidFill>
+                <a:srgbClr val="002060"/>
+              </a:solidFill>
+              <a:latin typeface="Avenir Medium" panose="02000503020000020003" pitchFamily="2" charset="0"/>
+            </a:endParaRPr>
+          </a:p>
+          <a:p>
+            <a:pPr lvl="1"/>
+            <a:r>
+              <a:rPr lang="en-US" sz="1900" dirty="0">
+                <a:solidFill>
+                  <a:srgbClr val="002060"/>
+                </a:solidFill>
+                <a:latin typeface="Avenir Medium" panose="02000503020000020003" pitchFamily="2" charset="0"/>
+              </a:rPr>
+              <a:t>CSPs under pressure to improve efficiency and overall agility.</a:t>
+            </a:r>
+          </a:p>
+          <a:p>
+            <a:pPr marL="742950" lvl="1" indent="-285750">
+              <a:lnSpc>
+                <a:spcPct val="200000"/>
+              </a:lnSpc>
+              <a:buFont typeface="Arial" panose="020B0604020202020204" pitchFamily="34" charset="0"/>
+              <a:buChar char="•"/>
             </a:pPr>
             <a:r>
-              <a:rPr lang="en-US" sz="1600" b="1" dirty="0"/>
-              <a:t>The Telco Integrator helps CSPs implement TM Forum Open APIs and provides consistent interactions with top order negotiation systems such as Siebel and Salesforce </a:t>
+              <a:rPr lang="en-US" sz="1900" dirty="0">
+                <a:solidFill>
+                  <a:srgbClr val="002060"/>
+                </a:solidFill>
+              </a:rPr>
+              <a:t>Reduce costs associated with outdated integrations</a:t>
             </a:r>
-            <a:r>
-              <a:rPr lang="en-US" sz="1600" b="1" dirty="0" err="1"/>
-              <a:t>Vlocity</a:t>
-            </a:r>
-            <a:r>
-              <a:rPr lang="en-US" sz="1600" b="1" dirty="0"/>
-              <a:t>.</a:t>
-            </a:r>
-          </a:p>
-          <a:p>
-            <a:pPr marL="0" indent="0">
-              <a:buNone/>
+          </a:p>
+          <a:p>
+            <a:pPr marL="742950" lvl="1" indent="-285750">
+              <a:buFont typeface="Arial" panose="020B0604020202020204" pitchFamily="34" charset="0"/>
+              <a:buChar char="•"/>
             </a:pPr>
-            <a:endParaRPr lang="en-US" sz="1600" dirty="0"/>
-          </a:p>
-          <a:p>
-            <a:r>
-              <a:rPr lang="en-US" sz="1600" dirty="0"/>
-              <a:t>A Cloud-native asset based on IBM Cloud Pak for Integration that leverages IBM Cloud Pak for Data to infuse AI into telco processes</a:t>
-            </a:r>
-          </a:p>
-          <a:p>
-            <a:r>
-              <a:rPr lang="en-US" sz="1600" u="sng" dirty="0"/>
-              <a:t>Key features</a:t>
-            </a:r>
-            <a:r>
-              <a:rPr lang="en-US" sz="1600" dirty="0"/>
-              <a:t>:</a:t>
-            </a:r>
-          </a:p>
-          <a:p>
-            <a:pPr lvl="1"/>
-            <a:r>
-              <a:rPr lang="en-US" sz="1400" dirty="0"/>
-              <a:t>Exposes TM Forum APIs through a secure gateway</a:t>
-            </a:r>
-          </a:p>
-          <a:p>
-            <a:pPr lvl="1"/>
-            <a:r>
-              <a:rPr lang="en-US" sz="1400" dirty="0"/>
-              <a:t>Routing and data transformation implemented in IBM enterprise broker</a:t>
-            </a:r>
-          </a:p>
-          <a:p>
-            <a:pPr lvl="1"/>
-            <a:r>
-              <a:rPr lang="en-US" sz="1400" dirty="0"/>
-              <a:t>Sterling Order Management pipelines are used for Order state management</a:t>
-            </a:r>
-          </a:p>
-          <a:p>
-            <a:pPr lvl="1"/>
-            <a:r>
-              <a:rPr lang="en-US" sz="1400" dirty="0"/>
-              <a:t>Provides an order decomposition and execution build plan decision system </a:t>
-            </a:r>
-          </a:p>
-          <a:p>
-            <a:pPr lvl="1"/>
-            <a:r>
-              <a:rPr lang="en-US" sz="1400" dirty="0"/>
-              <a:t>A Kafka broker implements an event-based messaging system for OSS and BSS systems</a:t>
-            </a:r>
-          </a:p>
-          <a:p>
-            <a:pPr lvl="1"/>
-            <a:endParaRPr lang="en-US" sz="1400" dirty="0"/>
+            <a:endParaRPr lang="en-US" sz="1900" dirty="0">
+              <a:solidFill>
+                <a:srgbClr val="002060"/>
+              </a:solidFill>
+            </a:endParaRPr>
           </a:p>
         </p:txBody>
       </p:sp>
     </p:spTree>
     <p:extLst>
       <p:ext uri="{BB962C8B-B14F-4D97-AF65-F5344CB8AC3E}">
-        <p14:creationId xmlns:p14="http://schemas.microsoft.com/office/powerpoint/2010/main" val="2655206713"/>
+        <p14:creationId xmlns:p14="http://schemas.microsoft.com/office/powerpoint/2010/main" val="1019581265"/>
       </p:ext>
     </p:extLst>
   </p:cSld>
@@ -5555,7 +5700,7 @@
 </p:sld>
 </file>
 
-<file path=ppt/slides/slide3.xml><?xml version="1.0" encoding="utf-8"?>
+<file path=ppt/slides/slide11.xml><?xml version="1.0" encoding="utf-8"?>
 <p:sld xmlns:a="http://schemas.openxmlformats.org/drawingml/2006/main" xmlns:r="http://schemas.openxmlformats.org/officeDocument/2006/relationships" xmlns:p="http://schemas.openxmlformats.org/presentationml/2006/main">
   <p:cSld>
     <p:bg>
@@ -5787,10 +5932,101 @@
       </p:sp>
       <p:sp>
         <p:nvSpPr>
-          <p:cNvPr id="2" name="Title 1">
+          <p:cNvPr id="19" name="Rectangle 18">
             <a:extLst>
               <a:ext uri="{FF2B5EF4-FFF2-40B4-BE49-F238E27FC236}">
-                <a16:creationId xmlns:a16="http://schemas.microsoft.com/office/drawing/2014/main" id="{E78C2EC3-3C61-4849-8C25-80B30BAA62A8}"/>
+                <a16:creationId xmlns:a16="http://schemas.microsoft.com/office/drawing/2014/main" id="{7213DC6C-753D-6644-867F-CF3B5A47F16E}"/>
+              </a:ext>
+            </a:extLst>
+          </p:cNvPr>
+          <p:cNvSpPr/>
+          <p:nvPr/>
+        </p:nvSpPr>
+        <p:spPr>
+          <a:xfrm>
+            <a:off x="5845589" y="1210300"/>
+            <a:ext cx="6087328" cy="3600986"/>
+          </a:xfrm>
+          <a:prstGeom prst="rect">
+            <a:avLst/>
+          </a:prstGeom>
+        </p:spPr>
+        <p:txBody>
+          <a:bodyPr wrap="square">
+            <a:spAutoFit/>
+          </a:bodyPr>
+          <a:lstStyle/>
+          <a:p>
+            <a:pPr lvl="1"/>
+            <a:endParaRPr lang="en-US" sz="1900" dirty="0">
+              <a:solidFill>
+                <a:srgbClr val="002060"/>
+              </a:solidFill>
+              <a:latin typeface="Avenir Medium" panose="02000503020000020003" pitchFamily="2" charset="0"/>
+            </a:endParaRPr>
+          </a:p>
+          <a:p>
+            <a:pPr lvl="1"/>
+            <a:r>
+              <a:rPr lang="en-US" sz="1900" dirty="0">
+                <a:solidFill>
+                  <a:srgbClr val="002060"/>
+                </a:solidFill>
+                <a:latin typeface="Avenir Medium" panose="02000503020000020003" pitchFamily="2" charset="0"/>
+              </a:rPr>
+              <a:t>The Telco Integrator enables intelligent workflows </a:t>
+            </a:r>
+          </a:p>
+          <a:p>
+            <a:pPr marL="1200150" lvl="2" indent="-285750">
+              <a:lnSpc>
+                <a:spcPct val="200000"/>
+              </a:lnSpc>
+              <a:buFont typeface="Arial" panose="020B0604020202020204" pitchFamily="34" charset="0"/>
+              <a:buChar char="•"/>
+            </a:pPr>
+            <a:r>
+              <a:rPr lang="en-US" sz="1900" dirty="0">
+                <a:solidFill>
+                  <a:srgbClr val="002060"/>
+                </a:solidFill>
+              </a:rPr>
+              <a:t>Streaming real time data to augment strategic decision-making</a:t>
+            </a:r>
+          </a:p>
+          <a:p>
+            <a:pPr marL="1200150" lvl="2" indent="-285750">
+              <a:lnSpc>
+                <a:spcPct val="200000"/>
+              </a:lnSpc>
+              <a:buFont typeface="Arial" panose="020B0604020202020204" pitchFamily="34" charset="0"/>
+              <a:buChar char="•"/>
+            </a:pPr>
+            <a:r>
+              <a:rPr lang="en-US" sz="1900" dirty="0">
+                <a:solidFill>
+                  <a:srgbClr val="002060"/>
+                </a:solidFill>
+              </a:rPr>
+              <a:t>Extend data and insights from core to customer</a:t>
+            </a:r>
+          </a:p>
+          <a:p>
+            <a:pPr lvl="1"/>
+            <a:endParaRPr lang="en-US" sz="1900" b="1" dirty="0">
+              <a:solidFill>
+                <a:srgbClr val="002060"/>
+              </a:solidFill>
+            </a:endParaRPr>
+          </a:p>
+        </p:txBody>
+      </p:sp>
+      <p:sp>
+        <p:nvSpPr>
+          <p:cNvPr id="20" name="Title 1">
+            <a:extLst>
+              <a:ext uri="{FF2B5EF4-FFF2-40B4-BE49-F238E27FC236}">
+                <a16:creationId xmlns:a16="http://schemas.microsoft.com/office/drawing/2014/main" id="{3C69BE4E-42FD-6346-A092-86A0A2762E52}"/>
               </a:ext>
             </a:extLst>
           </p:cNvPr>
@@ -5803,8 +6039,8 @@
         </p:nvSpPr>
         <p:spPr>
           <a:xfrm>
-            <a:off x="531341" y="451691"/>
-            <a:ext cx="11121081" cy="994050"/>
+            <a:off x="210312" y="247261"/>
+            <a:ext cx="11722608" cy="1003299"/>
           </a:xfrm>
         </p:spPr>
         <p:txBody>
@@ -5814,72 +6050,124 @@
           <a:lstStyle/>
           <a:p>
             <a:r>
-              <a:rPr lang="en-US" dirty="0"/>
-              <a:t>Why the Telco Integrator?</a:t>
+              <a:rPr lang="en-US" sz="3200" b="1" u="sng" dirty="0"/>
+              <a:t>The Telco Integrator e</a:t>
             </a:r>
+            <a:r>
+              <a:rPr lang="en-US" sz="3200" u="sng" dirty="0"/>
+              <a:t>nables intelligent workflows</a:t>
+            </a:r>
+            <a:endParaRPr lang="en-US" sz="3200" b="1" u="sng" dirty="0"/>
           </a:p>
         </p:txBody>
       </p:sp>
-      <p:sp>
-        <p:nvSpPr>
-          <p:cNvPr id="3" name="Content Placeholder 2">
+      <p:cxnSp>
+        <p:nvCxnSpPr>
+          <p:cNvPr id="22" name="Straight Connector 21">
             <a:extLst>
               <a:ext uri="{FF2B5EF4-FFF2-40B4-BE49-F238E27FC236}">
-                <a16:creationId xmlns:a16="http://schemas.microsoft.com/office/drawing/2014/main" id="{3CF89308-280A-2D45-B048-2F391CD7DCAD}"/>
+                <a16:creationId xmlns:a16="http://schemas.microsoft.com/office/drawing/2014/main" id="{743D9423-5F3F-3B4D-BC50-759E472FE4FE}"/>
               </a:ext>
             </a:extLst>
           </p:cNvPr>
-          <p:cNvSpPr>
-            <a:spLocks noGrp="1"/>
-          </p:cNvSpPr>
-          <p:nvPr>
-            <p:ph idx="1"/>
-          </p:nvPr>
+          <p:cNvCxnSpPr>
+            <a:cxnSpLocks/>
+          </p:cNvCxnSpPr>
+          <p:nvPr/>
+        </p:nvCxnSpPr>
+        <p:spPr>
+          <a:xfrm>
+            <a:off x="5845589" y="1556951"/>
+            <a:ext cx="0" cy="3107328"/>
+          </a:xfrm>
+          <a:prstGeom prst="line">
+            <a:avLst/>
+          </a:prstGeom>
+          <a:ln w="38100">
+            <a:solidFill>
+              <a:srgbClr val="002060"/>
+            </a:solidFill>
+          </a:ln>
+        </p:spPr>
+        <p:style>
+          <a:lnRef idx="1">
+            <a:schemeClr val="accent1"/>
+          </a:lnRef>
+          <a:fillRef idx="0">
+            <a:schemeClr val="accent1"/>
+          </a:fillRef>
+          <a:effectRef idx="0">
+            <a:schemeClr val="accent1"/>
+          </a:effectRef>
+          <a:fontRef idx="minor">
+            <a:schemeClr val="tx1"/>
+          </a:fontRef>
+        </p:style>
+      </p:cxnSp>
+      <p:sp>
+        <p:nvSpPr>
+          <p:cNvPr id="23" name="Rectangle 22">
+            <a:extLst>
+              <a:ext uri="{FF2B5EF4-FFF2-40B4-BE49-F238E27FC236}">
+                <a16:creationId xmlns:a16="http://schemas.microsoft.com/office/drawing/2014/main" id="{6CB54C1F-C83A-1A4C-9AD3-4EE3CD83DDAA}"/>
+              </a:ext>
+            </a:extLst>
+          </p:cNvPr>
+          <p:cNvSpPr/>
+          <p:nvPr/>
         </p:nvSpPr>
         <p:spPr>
           <a:xfrm>
-            <a:off x="531341" y="1779373"/>
-            <a:ext cx="4992129" cy="4186338"/>
-          </a:xfrm>
+            <a:off x="259080" y="2479673"/>
+            <a:ext cx="5721161" cy="1261884"/>
+          </a:xfrm>
+          <a:prstGeom prst="rect">
+            <a:avLst/>
+          </a:prstGeom>
         </p:spPr>
         <p:txBody>
-          <a:bodyPr>
-            <a:normAutofit/>
+          <a:bodyPr wrap="square">
+            <a:spAutoFit/>
           </a:bodyPr>
           <a:lstStyle/>
           <a:p>
+            <a:pPr lvl="1"/>
+            <a:endParaRPr lang="en-US" sz="1900" dirty="0">
+              <a:solidFill>
+                <a:srgbClr val="002060"/>
+              </a:solidFill>
+              <a:latin typeface="Avenir Medium" panose="02000503020000020003" pitchFamily="2" charset="0"/>
+            </a:endParaRPr>
+          </a:p>
+          <a:p>
+            <a:pPr lvl="1"/>
             <a:r>
-              <a:rPr lang="en-US" sz="1600" b="1" dirty="0"/>
-              <a:t>Dramatically Improve Business &amp; IT Agility</a:t>
+              <a:rPr lang="en-US" sz="1900" dirty="0">
+                <a:solidFill>
+                  <a:srgbClr val="002060"/>
+                </a:solidFill>
+                <a:latin typeface="Avenir Medium" panose="02000503020000020003" pitchFamily="2" charset="0"/>
+              </a:rPr>
+              <a:t>CSPs should abandon monolithic ERP for Intelligent Operations Platforms (IOPs)</a:t>
             </a:r>
           </a:p>
           <a:p>
-            <a:r>
-              <a:rPr lang="en-US" sz="1600" b="1" dirty="0"/>
-              <a:t>Enable a Global Wholesale Connectivity Ecosystem</a:t>
-            </a:r>
-          </a:p>
-          <a:p>
-            <a:r>
-              <a:rPr lang="en-US" sz="1600" b="1" dirty="0"/>
-              <a:t>Reduce Integration Cost, Risk and Time for Entire Supply Chain</a:t>
-            </a:r>
-          </a:p>
-          <a:p>
-            <a:r>
-              <a:rPr lang="en-US" sz="1600" b="1" dirty="0"/>
-              <a:t>Reduce Cost and Complexity of CSP Operations</a:t>
-            </a:r>
-          </a:p>
-          <a:p>
-            <a:endParaRPr lang="en-US" sz="1600" b="1" dirty="0"/>
+            <a:pPr marL="742950" lvl="1" indent="-285750">
+              <a:buFont typeface="Arial" panose="020B0604020202020204" pitchFamily="34" charset="0"/>
+              <a:buChar char="•"/>
+            </a:pPr>
+            <a:endParaRPr lang="en-US" sz="1900" dirty="0">
+              <a:solidFill>
+                <a:srgbClr val="002060"/>
+              </a:solidFill>
+            </a:endParaRPr>
           </a:p>
         </p:txBody>
       </p:sp>
     </p:spTree>
     <p:extLst>
       <p:ext uri="{BB962C8B-B14F-4D97-AF65-F5344CB8AC3E}">
-        <p14:creationId xmlns:p14="http://schemas.microsoft.com/office/powerpoint/2010/main" val="1707457896"/>
+        <p14:creationId xmlns:p14="http://schemas.microsoft.com/office/powerpoint/2010/main" val="1836474059"/>
       </p:ext>
     </p:extLst>
   </p:cSld>
@@ -5889,7 +6177,7 @@
 </p:sld>
 </file>
 
-<file path=ppt/slides/slide4.xml><?xml version="1.0" encoding="utf-8"?>
+<file path=ppt/slides/slide12.xml><?xml version="1.0" encoding="utf-8"?>
 <p:sld xmlns:a="http://schemas.openxmlformats.org/drawingml/2006/main" xmlns:r="http://schemas.openxmlformats.org/officeDocument/2006/relationships" xmlns:p="http://schemas.openxmlformats.org/presentationml/2006/main">
   <p:cSld>
     <p:bg>
@@ -6134,7 +6422,7 @@
         <p:spPr>
           <a:xfrm>
             <a:off x="5845589" y="1210300"/>
-            <a:ext cx="6087328" cy="3600986"/>
+            <a:ext cx="6087328" cy="3217612"/>
           </a:xfrm>
           <a:prstGeom prst="rect">
             <a:avLst/>
@@ -6163,7 +6451,7 @@
                 </a:solidFill>
                 <a:latin typeface="Avenir Medium" panose="02000503020000020003" pitchFamily="2" charset="0"/>
               </a:rPr>
-              <a:t>The Telco Integrator enables a modular platform architecture</a:t>
+              <a:t>The Telco Integrator leverages existing business processes, using Process Mining</a:t>
             </a:r>
           </a:p>
           <a:p>
@@ -6180,554 +6468,7 @@
                   <a:srgbClr val="002060"/>
                 </a:solidFill>
               </a:rPr>
-              <a:t>Abstract underlying complexity</a:t>
-            </a:r>
-          </a:p>
-          <a:p>
-            <a:pPr marL="1200150" lvl="2" indent="-285750">
-              <a:lnSpc>
-                <a:spcPct val="200000"/>
-              </a:lnSpc>
-              <a:buFont typeface="Arial" panose="020B0604020202020204" pitchFamily="34" charset="0"/>
-              <a:buChar char="•"/>
-            </a:pPr>
-            <a:r>
-              <a:rPr lang="en-US" sz="1900" b="1" dirty="0">
-                <a:solidFill>
-                  <a:srgbClr val="002060"/>
-                </a:solidFill>
-              </a:rPr>
-              <a:t>Reduce time-to-market for new services</a:t>
-            </a:r>
-          </a:p>
-          <a:p>
-            <a:pPr marL="1200150" lvl="2" indent="-285750">
-              <a:lnSpc>
-                <a:spcPct val="200000"/>
-              </a:lnSpc>
-              <a:buFont typeface="Arial" panose="020B0604020202020204" pitchFamily="34" charset="0"/>
-              <a:buChar char="•"/>
-            </a:pPr>
-            <a:r>
-              <a:rPr lang="en-US" sz="1900" b="1" dirty="0">
-                <a:solidFill>
-                  <a:srgbClr val="002060"/>
-                </a:solidFill>
-              </a:rPr>
-              <a:t>Reduce cost of creating and operating new services</a:t>
-            </a:r>
-          </a:p>
-          <a:p>
-            <a:pPr lvl="1"/>
-            <a:endParaRPr lang="en-US" sz="1900" b="1" dirty="0">
-              <a:solidFill>
-                <a:srgbClr val="002060"/>
-              </a:solidFill>
-            </a:endParaRPr>
-          </a:p>
-        </p:txBody>
-      </p:sp>
-      <p:sp>
-        <p:nvSpPr>
-          <p:cNvPr id="20" name="Title 1">
-            <a:extLst>
-              <a:ext uri="{FF2B5EF4-FFF2-40B4-BE49-F238E27FC236}">
-                <a16:creationId xmlns:a16="http://schemas.microsoft.com/office/drawing/2014/main" id="{3C69BE4E-42FD-6346-A092-86A0A2762E52}"/>
-              </a:ext>
-            </a:extLst>
-          </p:cNvPr>
-          <p:cNvSpPr>
-            <a:spLocks noGrp="1"/>
-          </p:cNvSpPr>
-          <p:nvPr>
-            <p:ph type="title"/>
-          </p:nvPr>
-        </p:nvSpPr>
-        <p:spPr>
-          <a:xfrm>
-            <a:off x="210312" y="247261"/>
-            <a:ext cx="11722608" cy="1003299"/>
-          </a:xfrm>
-        </p:spPr>
-        <p:txBody>
-          <a:bodyPr>
-            <a:normAutofit/>
-          </a:bodyPr>
-          <a:lstStyle/>
-          <a:p>
-            <a:r>
-              <a:rPr lang="en-US" sz="3200" b="1" u="sng" dirty="0"/>
-              <a:t>The Telco Integrator </a:t>
-            </a:r>
-            <a:r>
-              <a:rPr lang="en-US" sz="3200" u="sng" dirty="0"/>
-              <a:t>dramatically improves business and IT agility</a:t>
-            </a:r>
-            <a:endParaRPr lang="en-US" sz="3200" b="1" u="sng" dirty="0"/>
-          </a:p>
-        </p:txBody>
-      </p:sp>
-      <p:cxnSp>
-        <p:nvCxnSpPr>
-          <p:cNvPr id="22" name="Straight Connector 21">
-            <a:extLst>
-              <a:ext uri="{FF2B5EF4-FFF2-40B4-BE49-F238E27FC236}">
-                <a16:creationId xmlns:a16="http://schemas.microsoft.com/office/drawing/2014/main" id="{743D9423-5F3F-3B4D-BC50-759E472FE4FE}"/>
-              </a:ext>
-            </a:extLst>
-          </p:cNvPr>
-          <p:cNvCxnSpPr>
-            <a:cxnSpLocks/>
-          </p:cNvCxnSpPr>
-          <p:nvPr/>
-        </p:nvCxnSpPr>
-        <p:spPr>
-          <a:xfrm>
-            <a:off x="5845589" y="1556951"/>
-            <a:ext cx="0" cy="3254335"/>
-          </a:xfrm>
-          <a:prstGeom prst="line">
-            <a:avLst/>
-          </a:prstGeom>
-          <a:ln w="38100">
-            <a:solidFill>
-              <a:srgbClr val="002060"/>
-            </a:solidFill>
-          </a:ln>
-        </p:spPr>
-        <p:style>
-          <a:lnRef idx="1">
-            <a:schemeClr val="accent1"/>
-          </a:lnRef>
-          <a:fillRef idx="0">
-            <a:schemeClr val="accent1"/>
-          </a:fillRef>
-          <a:effectRef idx="0">
-            <a:schemeClr val="accent1"/>
-          </a:effectRef>
-          <a:fontRef idx="minor">
-            <a:schemeClr val="tx1"/>
-          </a:fontRef>
-        </p:style>
-      </p:cxnSp>
-      <p:sp>
-        <p:nvSpPr>
-          <p:cNvPr id="23" name="Rectangle 22">
-            <a:extLst>
-              <a:ext uri="{FF2B5EF4-FFF2-40B4-BE49-F238E27FC236}">
-                <a16:creationId xmlns:a16="http://schemas.microsoft.com/office/drawing/2014/main" id="{6CB54C1F-C83A-1A4C-9AD3-4EE3CD83DDAA}"/>
-              </a:ext>
-            </a:extLst>
-          </p:cNvPr>
-          <p:cNvSpPr/>
-          <p:nvPr/>
-        </p:nvSpPr>
-        <p:spPr>
-          <a:xfrm>
-            <a:off x="-135920" y="1271155"/>
-            <a:ext cx="5721161" cy="3600986"/>
-          </a:xfrm>
-          <a:prstGeom prst="rect">
-            <a:avLst/>
-          </a:prstGeom>
-        </p:spPr>
-        <p:txBody>
-          <a:bodyPr wrap="square">
-            <a:spAutoFit/>
-          </a:bodyPr>
-          <a:lstStyle/>
-          <a:p>
-            <a:pPr lvl="1"/>
-            <a:endParaRPr lang="en-US" sz="1900" dirty="0">
-              <a:solidFill>
-                <a:srgbClr val="002060"/>
-              </a:solidFill>
-              <a:latin typeface="Avenir Medium" panose="02000503020000020003" pitchFamily="2" charset="0"/>
-            </a:endParaRPr>
-          </a:p>
-          <a:p>
-            <a:pPr lvl="1"/>
-            <a:r>
-              <a:rPr lang="en-US" sz="1900" dirty="0">
-                <a:solidFill>
-                  <a:srgbClr val="002060"/>
-                </a:solidFill>
-                <a:latin typeface="Avenir Medium" panose="02000503020000020003" pitchFamily="2" charset="0"/>
-              </a:rPr>
-              <a:t>CSPs under pressure to improve efficiency and overall agility.</a:t>
-            </a:r>
-          </a:p>
-          <a:p>
-            <a:pPr marL="742950" lvl="1" indent="-285750">
-              <a:lnSpc>
-                <a:spcPct val="200000"/>
-              </a:lnSpc>
-              <a:buFont typeface="Arial" panose="020B0604020202020204" pitchFamily="34" charset="0"/>
-              <a:buChar char="•"/>
-            </a:pPr>
-            <a:r>
-              <a:rPr lang="en-US" sz="1900" dirty="0">
-                <a:solidFill>
-                  <a:srgbClr val="002060"/>
-                </a:solidFill>
-              </a:rPr>
-              <a:t>Reduce costs associated with outdated integrations</a:t>
-            </a:r>
-          </a:p>
-          <a:p>
-            <a:pPr marL="742950" lvl="1" indent="-285750">
-              <a:lnSpc>
-                <a:spcPct val="200000"/>
-              </a:lnSpc>
-              <a:buFont typeface="Arial" panose="020B0604020202020204" pitchFamily="34" charset="0"/>
-              <a:buChar char="•"/>
-            </a:pPr>
-            <a:r>
-              <a:rPr lang="en-US" sz="1900" dirty="0">
-                <a:solidFill>
-                  <a:srgbClr val="002060"/>
-                </a:solidFill>
-              </a:rPr>
-              <a:t>Provide a pragmatic way to cut time and risks in enterprise transformation</a:t>
-            </a:r>
-          </a:p>
-          <a:p>
-            <a:pPr marL="742950" lvl="1" indent="-285750">
-              <a:buFont typeface="Arial" panose="020B0604020202020204" pitchFamily="34" charset="0"/>
-              <a:buChar char="•"/>
-            </a:pPr>
-            <a:endParaRPr lang="en-US" sz="1900" dirty="0">
-              <a:solidFill>
-                <a:srgbClr val="002060"/>
-              </a:solidFill>
-            </a:endParaRPr>
-          </a:p>
-        </p:txBody>
-      </p:sp>
-      <p:sp>
-        <p:nvSpPr>
-          <p:cNvPr id="3" name="Rectangle 2">
-            <a:extLst>
-              <a:ext uri="{FF2B5EF4-FFF2-40B4-BE49-F238E27FC236}">
-                <a16:creationId xmlns:a16="http://schemas.microsoft.com/office/drawing/2014/main" id="{AFE0AE87-8CAB-C240-8107-7E1BC07D7A61}"/>
-              </a:ext>
-            </a:extLst>
-          </p:cNvPr>
-          <p:cNvSpPr/>
-          <p:nvPr/>
-        </p:nvSpPr>
-        <p:spPr>
-          <a:xfrm>
-            <a:off x="553674" y="5218739"/>
-            <a:ext cx="11148964" cy="369332"/>
-          </a:xfrm>
-          <a:prstGeom prst="rect">
-            <a:avLst/>
-          </a:prstGeom>
-        </p:spPr>
-        <p:txBody>
-          <a:bodyPr wrap="square">
-            <a:spAutoFit/>
-          </a:bodyPr>
-          <a:lstStyle/>
-          <a:p>
-            <a:r>
-              <a:rPr lang="en-US" b="1" i="1" dirty="0">
-                <a:latin typeface="Avenir Black Oblique" panose="02000503020000020003" pitchFamily="2" charset="0"/>
-              </a:rPr>
-              <a:t>The Telco Integrator runs on any cloud and integrates with any OSS/BSS.</a:t>
-            </a:r>
-          </a:p>
-        </p:txBody>
-      </p:sp>
-    </p:spTree>
-    <p:extLst>
-      <p:ext uri="{BB962C8B-B14F-4D97-AF65-F5344CB8AC3E}">
-        <p14:creationId xmlns:p14="http://schemas.microsoft.com/office/powerpoint/2010/main" val="4254816886"/>
-      </p:ext>
-    </p:extLst>
-  </p:cSld>
-  <p:clrMapOvr>
-    <a:masterClrMapping/>
-  </p:clrMapOvr>
-</p:sld>
-</file>
-
-<file path=ppt/slides/slide5.xml><?xml version="1.0" encoding="utf-8"?>
-<p:sld xmlns:a="http://schemas.openxmlformats.org/drawingml/2006/main" xmlns:r="http://schemas.openxmlformats.org/officeDocument/2006/relationships" xmlns:p="http://schemas.openxmlformats.org/presentationml/2006/main">
-  <p:cSld>
-    <p:bg>
-      <p:bgPr>
-        <a:solidFill>
-          <a:schemeClr val="bg1"/>
-        </a:solidFill>
-        <a:effectLst/>
-      </p:bgPr>
-    </p:bg>
-    <p:spTree>
-      <p:nvGrpSpPr>
-        <p:cNvPr id="1" name=""/>
-        <p:cNvGrpSpPr/>
-        <p:nvPr/>
-      </p:nvGrpSpPr>
-      <p:grpSpPr>
-        <a:xfrm>
-          <a:off x="0" y="0"/>
-          <a:ext cx="0" cy="0"/>
-          <a:chOff x="0" y="0"/>
-          <a:chExt cx="0" cy="0"/>
-        </a:xfrm>
-      </p:grpSpPr>
-      <p:sp>
-        <p:nvSpPr>
-          <p:cNvPr id="8" name="Rectangle 7">
-            <a:extLst>
-              <a:ext uri="{FF2B5EF4-FFF2-40B4-BE49-F238E27FC236}">
-                <a16:creationId xmlns:a16="http://schemas.microsoft.com/office/drawing/2014/main" id="{70120F84-A866-4D9F-8B1C-9120A013D654}"/>
-              </a:ext>
-              <a:ext uri="{C183D7F6-B498-43B3-948B-1728B52AA6E4}">
-                <adec:decorative xmlns:adec="http://schemas.microsoft.com/office/drawing/2017/decorative" val="1"/>
-              </a:ext>
-            </a:extLst>
-          </p:cNvPr>
-          <p:cNvSpPr>
-            <a:spLocks noGrp="1" noRot="1" noChangeAspect="1" noMove="1" noResize="1" noEditPoints="1" noAdjustHandles="1" noChangeArrowheads="1" noChangeShapeType="1" noTextEdit="1"/>
-          </p:cNvSpPr>
-          <p:nvPr>
-            <p:extLst>
-              <p:ext uri="{386F3935-93C4-4BCD-93E2-E3B085C9AB24}">
-                <p16:designElem xmlns:p16="http://schemas.microsoft.com/office/powerpoint/2015/main" val="1"/>
-              </p:ext>
-            </p:extLst>
-          </p:nvPr>
-        </p:nvSpPr>
-        <p:spPr>
-          <a:xfrm>
-            <a:off x="0" y="0"/>
-            <a:ext cx="12192001" cy="6858000"/>
-          </a:xfrm>
-          <a:prstGeom prst="rect">
-            <a:avLst/>
-          </a:prstGeom>
-          <a:solidFill>
-            <a:schemeClr val="tx1">
-              <a:lumMod val="65000"/>
-              <a:lumOff val="35000"/>
-            </a:schemeClr>
-          </a:solidFill>
-          <a:ln>
-            <a:noFill/>
-          </a:ln>
-        </p:spPr>
-        <p:style>
-          <a:lnRef idx="2">
-            <a:schemeClr val="accent1">
-              <a:shade val="50000"/>
-            </a:schemeClr>
-          </a:lnRef>
-          <a:fillRef idx="1">
-            <a:schemeClr val="accent1"/>
-          </a:fillRef>
-          <a:effectRef idx="0">
-            <a:schemeClr val="accent1"/>
-          </a:effectRef>
-          <a:fontRef idx="minor">
-            <a:schemeClr val="lt1"/>
-          </a:fontRef>
-        </p:style>
-        <p:txBody>
-          <a:bodyPr rot="0" spcFirstLastPara="0" vert="horz" wrap="square" lIns="91440" tIns="45720" rIns="91440" bIns="45720" numCol="1" spcCol="0" rtlCol="0" fromWordArt="0" anchor="ctr" anchorCtr="0" forceAA="0" compatLnSpc="1">
-            <a:prstTxWarp prst="textNoShape">
-              <a:avLst/>
-            </a:prstTxWarp>
-            <a:noAutofit/>
-          </a:bodyPr>
-          <a:lstStyle>
-            <a:defPPr>
-              <a:defRPr lang="en-US"/>
-            </a:defPPr>
-            <a:lvl1pPr marL="0" algn="l" defTabSz="914400" rtl="0" eaLnBrk="1" latinLnBrk="0" hangingPunct="1">
-              <a:defRPr sz="1800" kern="1200">
-                <a:solidFill>
-                  <a:schemeClr val="lt1"/>
-                </a:solidFill>
-                <a:latin typeface="+mn-lt"/>
-                <a:ea typeface="+mn-ea"/>
-                <a:cs typeface="+mn-cs"/>
-              </a:defRPr>
-            </a:lvl1pPr>
-            <a:lvl2pPr marL="457200" algn="l" defTabSz="914400" rtl="0" eaLnBrk="1" latinLnBrk="0" hangingPunct="1">
-              <a:defRPr sz="1800" kern="1200">
-                <a:solidFill>
-                  <a:schemeClr val="lt1"/>
-                </a:solidFill>
-                <a:latin typeface="+mn-lt"/>
-                <a:ea typeface="+mn-ea"/>
-                <a:cs typeface="+mn-cs"/>
-              </a:defRPr>
-            </a:lvl2pPr>
-            <a:lvl3pPr marL="914400" algn="l" defTabSz="914400" rtl="0" eaLnBrk="1" latinLnBrk="0" hangingPunct="1">
-              <a:defRPr sz="1800" kern="1200">
-                <a:solidFill>
-                  <a:schemeClr val="lt1"/>
-                </a:solidFill>
-                <a:latin typeface="+mn-lt"/>
-                <a:ea typeface="+mn-ea"/>
-                <a:cs typeface="+mn-cs"/>
-              </a:defRPr>
-            </a:lvl3pPr>
-            <a:lvl4pPr marL="1371600" algn="l" defTabSz="914400" rtl="0" eaLnBrk="1" latinLnBrk="0" hangingPunct="1">
-              <a:defRPr sz="1800" kern="1200">
-                <a:solidFill>
-                  <a:schemeClr val="lt1"/>
-                </a:solidFill>
-                <a:latin typeface="+mn-lt"/>
-                <a:ea typeface="+mn-ea"/>
-                <a:cs typeface="+mn-cs"/>
-              </a:defRPr>
-            </a:lvl4pPr>
-            <a:lvl5pPr marL="1828800" algn="l" defTabSz="914400" rtl="0" eaLnBrk="1" latinLnBrk="0" hangingPunct="1">
-              <a:defRPr sz="1800" kern="1200">
-                <a:solidFill>
-                  <a:schemeClr val="lt1"/>
-                </a:solidFill>
-                <a:latin typeface="+mn-lt"/>
-                <a:ea typeface="+mn-ea"/>
-                <a:cs typeface="+mn-cs"/>
-              </a:defRPr>
-            </a:lvl5pPr>
-            <a:lvl6pPr marL="2286000" algn="l" defTabSz="914400" rtl="0" eaLnBrk="1" latinLnBrk="0" hangingPunct="1">
-              <a:defRPr sz="1800" kern="1200">
-                <a:solidFill>
-                  <a:schemeClr val="lt1"/>
-                </a:solidFill>
-                <a:latin typeface="+mn-lt"/>
-                <a:ea typeface="+mn-ea"/>
-                <a:cs typeface="+mn-cs"/>
-              </a:defRPr>
-            </a:lvl6pPr>
-            <a:lvl7pPr marL="2743200" algn="l" defTabSz="914400" rtl="0" eaLnBrk="1" latinLnBrk="0" hangingPunct="1">
-              <a:defRPr sz="1800" kern="1200">
-                <a:solidFill>
-                  <a:schemeClr val="lt1"/>
-                </a:solidFill>
-                <a:latin typeface="+mn-lt"/>
-                <a:ea typeface="+mn-ea"/>
-                <a:cs typeface="+mn-cs"/>
-              </a:defRPr>
-            </a:lvl7pPr>
-            <a:lvl8pPr marL="3200400" algn="l" defTabSz="914400" rtl="0" eaLnBrk="1" latinLnBrk="0" hangingPunct="1">
-              <a:defRPr sz="1800" kern="1200">
-                <a:solidFill>
-                  <a:schemeClr val="lt1"/>
-                </a:solidFill>
-                <a:latin typeface="+mn-lt"/>
-                <a:ea typeface="+mn-ea"/>
-                <a:cs typeface="+mn-cs"/>
-              </a:defRPr>
-            </a:lvl8pPr>
-            <a:lvl9pPr marL="3657600" algn="l" defTabSz="914400" rtl="0" eaLnBrk="1" latinLnBrk="0" hangingPunct="1">
-              <a:defRPr sz="1800" kern="1200">
-                <a:solidFill>
-                  <a:schemeClr val="lt1"/>
-                </a:solidFill>
-                <a:latin typeface="+mn-lt"/>
-                <a:ea typeface="+mn-ea"/>
-                <a:cs typeface="+mn-cs"/>
-              </a:defRPr>
-            </a:lvl9pPr>
-          </a:lstStyle>
-          <a:p>
-            <a:pPr algn="ctr"/>
-            <a:endParaRPr lang="en-US"/>
-          </a:p>
-        </p:txBody>
-      </p:sp>
-      <p:sp useBgFill="1">
-        <p:nvSpPr>
-          <p:cNvPr id="10" name="Rectangle 9">
-            <a:extLst>
-              <a:ext uri="{FF2B5EF4-FFF2-40B4-BE49-F238E27FC236}">
-                <a16:creationId xmlns:a16="http://schemas.microsoft.com/office/drawing/2014/main" id="{252FEFEF-6AC0-46B6-AC09-11FC56196FA4}"/>
-              </a:ext>
-              <a:ext uri="{C183D7F6-B498-43B3-948B-1728B52AA6E4}">
-                <adec:decorative xmlns:adec="http://schemas.microsoft.com/office/drawing/2017/decorative" val="1"/>
-              </a:ext>
-            </a:extLst>
-          </p:cNvPr>
-          <p:cNvSpPr>
-            <a:spLocks noGrp="1" noRot="1" noChangeAspect="1" noMove="1" noResize="1" noEditPoints="1" noAdjustHandles="1" noChangeArrowheads="1" noChangeShapeType="1" noTextEdit="1"/>
-          </p:cNvSpPr>
-          <p:nvPr>
-            <p:extLst>
-              <p:ext uri="{386F3935-93C4-4BCD-93E2-E3B085C9AB24}">
-                <p16:designElem xmlns:p16="http://schemas.microsoft.com/office/powerpoint/2015/main" val="1"/>
-              </p:ext>
-            </p:extLst>
-          </p:nvPr>
-        </p:nvSpPr>
-        <p:spPr>
-          <a:xfrm>
-            <a:off x="210312" y="226665"/>
-            <a:ext cx="11722608" cy="6382512"/>
-          </a:xfrm>
-          <a:prstGeom prst="rect">
-            <a:avLst/>
-          </a:prstGeom>
-          <a:ln w="6350" cap="flat" cmpd="sng" algn="ctr">
-            <a:noFill/>
-            <a:prstDash val="solid"/>
-          </a:ln>
-          <a:effectLst>
-            <a:softEdge rad="0"/>
-          </a:effectLst>
-        </p:spPr>
-      </p:sp>
-      <p:sp>
-        <p:nvSpPr>
-          <p:cNvPr id="19" name="Rectangle 18">
-            <a:extLst>
-              <a:ext uri="{FF2B5EF4-FFF2-40B4-BE49-F238E27FC236}">
-                <a16:creationId xmlns:a16="http://schemas.microsoft.com/office/drawing/2014/main" id="{7213DC6C-753D-6644-867F-CF3B5A47F16E}"/>
-              </a:ext>
-            </a:extLst>
-          </p:cNvPr>
-          <p:cNvSpPr/>
-          <p:nvPr/>
-        </p:nvSpPr>
-        <p:spPr>
-          <a:xfrm>
-            <a:off x="5845589" y="1210300"/>
-            <a:ext cx="6087328" cy="3308598"/>
-          </a:xfrm>
-          <a:prstGeom prst="rect">
-            <a:avLst/>
-          </a:prstGeom>
-        </p:spPr>
-        <p:txBody>
-          <a:bodyPr wrap="square">
-            <a:spAutoFit/>
-          </a:bodyPr>
-          <a:lstStyle/>
-          <a:p>
-            <a:pPr lvl="1"/>
-            <a:endParaRPr lang="en-US" sz="1900" dirty="0">
-              <a:solidFill>
-                <a:srgbClr val="002060"/>
-              </a:solidFill>
-              <a:latin typeface="Avenir Medium" panose="02000503020000020003" pitchFamily="2" charset="0"/>
-            </a:endParaRPr>
-          </a:p>
-          <a:p>
-            <a:pPr lvl="1"/>
-            <a:r>
-              <a:rPr lang="en-US" sz="1900" dirty="0">
-                <a:solidFill>
-                  <a:srgbClr val="002060"/>
-                </a:solidFill>
-                <a:latin typeface="Avenir Medium" panose="02000503020000020003" pitchFamily="2" charset="0"/>
-              </a:rPr>
-              <a:t>The Telco Integrator enables operators</a:t>
+              <a:t>Provides telco pipelines as part of IBM OMS</a:t>
             </a:r>
           </a:p>
           <a:p>
@@ -6744,7 +6485,7 @@
                   <a:srgbClr val="002060"/>
                 </a:solidFill>
               </a:rPr>
-              <a:t>Improve and simplify provisioning, flexibility, scalability of wholesale services</a:t>
+              <a:t>Accelerates the process modeling</a:t>
             </a:r>
           </a:p>
           <a:p>
@@ -6757,1505 +6498,6 @@
             </a:pPr>
             <a:r>
               <a:rPr lang="en-US" sz="1900" dirty="0">
-                <a:solidFill>
-                  <a:srgbClr val="002060"/>
-                </a:solidFill>
-              </a:rPr>
-              <a:t>Work together to deliver network services at global scale</a:t>
-            </a:r>
-          </a:p>
-          <a:p>
-            <a:pPr lvl="1"/>
-            <a:endParaRPr lang="en-US" sz="1900" b="1" dirty="0">
-              <a:solidFill>
-                <a:srgbClr val="002060"/>
-              </a:solidFill>
-            </a:endParaRPr>
-          </a:p>
-        </p:txBody>
-      </p:sp>
-      <p:sp>
-        <p:nvSpPr>
-          <p:cNvPr id="20" name="Title 1">
-            <a:extLst>
-              <a:ext uri="{FF2B5EF4-FFF2-40B4-BE49-F238E27FC236}">
-                <a16:creationId xmlns:a16="http://schemas.microsoft.com/office/drawing/2014/main" id="{3C69BE4E-42FD-6346-A092-86A0A2762E52}"/>
-              </a:ext>
-            </a:extLst>
-          </p:cNvPr>
-          <p:cNvSpPr>
-            <a:spLocks noGrp="1"/>
-          </p:cNvSpPr>
-          <p:nvPr>
-            <p:ph type="title"/>
-          </p:nvPr>
-        </p:nvSpPr>
-        <p:spPr>
-          <a:xfrm>
-            <a:off x="210312" y="247261"/>
-            <a:ext cx="11722608" cy="1003299"/>
-          </a:xfrm>
-        </p:spPr>
-        <p:txBody>
-          <a:bodyPr>
-            <a:normAutofit/>
-          </a:bodyPr>
-          <a:lstStyle/>
-          <a:p>
-            <a:r>
-              <a:rPr lang="en-US" sz="3200" b="1" u="sng" dirty="0"/>
-              <a:t>The Telco Integrator e</a:t>
-            </a:r>
-            <a:r>
-              <a:rPr lang="en-US" sz="3200" u="sng" dirty="0"/>
-              <a:t>nables a global connectivity ecosystem </a:t>
-            </a:r>
-            <a:endParaRPr lang="en-US" sz="3200" b="1" u="sng" dirty="0"/>
-          </a:p>
-        </p:txBody>
-      </p:sp>
-      <p:cxnSp>
-        <p:nvCxnSpPr>
-          <p:cNvPr id="22" name="Straight Connector 21">
-            <a:extLst>
-              <a:ext uri="{FF2B5EF4-FFF2-40B4-BE49-F238E27FC236}">
-                <a16:creationId xmlns:a16="http://schemas.microsoft.com/office/drawing/2014/main" id="{743D9423-5F3F-3B4D-BC50-759E472FE4FE}"/>
-              </a:ext>
-            </a:extLst>
-          </p:cNvPr>
-          <p:cNvCxnSpPr>
-            <a:cxnSpLocks/>
-          </p:cNvCxnSpPr>
-          <p:nvPr/>
-        </p:nvCxnSpPr>
-        <p:spPr>
-          <a:xfrm>
-            <a:off x="5845589" y="1556951"/>
-            <a:ext cx="0" cy="3107328"/>
-          </a:xfrm>
-          <a:prstGeom prst="line">
-            <a:avLst/>
-          </a:prstGeom>
-          <a:ln w="38100">
-            <a:solidFill>
-              <a:srgbClr val="002060"/>
-            </a:solidFill>
-          </a:ln>
-        </p:spPr>
-        <p:style>
-          <a:lnRef idx="1">
-            <a:schemeClr val="accent1"/>
-          </a:lnRef>
-          <a:fillRef idx="0">
-            <a:schemeClr val="accent1"/>
-          </a:fillRef>
-          <a:effectRef idx="0">
-            <a:schemeClr val="accent1"/>
-          </a:effectRef>
-          <a:fontRef idx="minor">
-            <a:schemeClr val="tx1"/>
-          </a:fontRef>
-        </p:style>
-      </p:cxnSp>
-      <p:sp>
-        <p:nvSpPr>
-          <p:cNvPr id="23" name="Rectangle 22">
-            <a:extLst>
-              <a:ext uri="{FF2B5EF4-FFF2-40B4-BE49-F238E27FC236}">
-                <a16:creationId xmlns:a16="http://schemas.microsoft.com/office/drawing/2014/main" id="{6CB54C1F-C83A-1A4C-9AD3-4EE3CD83DDAA}"/>
-              </a:ext>
-            </a:extLst>
-          </p:cNvPr>
-          <p:cNvSpPr/>
-          <p:nvPr/>
-        </p:nvSpPr>
-        <p:spPr>
-          <a:xfrm>
-            <a:off x="-135920" y="1271155"/>
-            <a:ext cx="5721161" cy="3308598"/>
-          </a:xfrm>
-          <a:prstGeom prst="rect">
-            <a:avLst/>
-          </a:prstGeom>
-        </p:spPr>
-        <p:txBody>
-          <a:bodyPr wrap="square">
-            <a:spAutoFit/>
-          </a:bodyPr>
-          <a:lstStyle/>
-          <a:p>
-            <a:pPr lvl="1"/>
-            <a:endParaRPr lang="en-US" sz="1900" dirty="0">
-              <a:solidFill>
-                <a:srgbClr val="002060"/>
-              </a:solidFill>
-              <a:latin typeface="Avenir Medium" panose="02000503020000020003" pitchFamily="2" charset="0"/>
-            </a:endParaRPr>
-          </a:p>
-          <a:p>
-            <a:pPr lvl="1"/>
-            <a:r>
-              <a:rPr lang="en-US" sz="1900" dirty="0">
-                <a:solidFill>
-                  <a:srgbClr val="002060"/>
-                </a:solidFill>
-                <a:latin typeface="Avenir Medium" panose="02000503020000020003" pitchFamily="2" charset="0"/>
-              </a:rPr>
-              <a:t>Pain points in the current ecosystem </a:t>
-            </a:r>
-          </a:p>
-          <a:p>
-            <a:pPr marL="742950" lvl="1" indent="-285750">
-              <a:lnSpc>
-                <a:spcPct val="200000"/>
-              </a:lnSpc>
-              <a:buFont typeface="Arial" panose="020B0604020202020204" pitchFamily="34" charset="0"/>
-              <a:buChar char="•"/>
-            </a:pPr>
-            <a:r>
-              <a:rPr lang="en-US" sz="1900" dirty="0">
-                <a:solidFill>
-                  <a:srgbClr val="002060"/>
-                </a:solidFill>
-              </a:rPr>
-              <a:t>Inefficient and largely manual processes</a:t>
-            </a:r>
-          </a:p>
-          <a:p>
-            <a:pPr marL="742950" lvl="1" indent="-285750">
-              <a:lnSpc>
-                <a:spcPct val="200000"/>
-              </a:lnSpc>
-              <a:buFont typeface="Arial" panose="020B0604020202020204" pitchFamily="34" charset="0"/>
-              <a:buChar char="•"/>
-            </a:pPr>
-            <a:r>
-              <a:rPr lang="en-US" sz="1900" dirty="0">
-                <a:solidFill>
-                  <a:srgbClr val="002060"/>
-                </a:solidFill>
-              </a:rPr>
-              <a:t>Processes are not compatible with Software-Defined Networks and Network Functions Virtualization</a:t>
-            </a:r>
-          </a:p>
-          <a:p>
-            <a:pPr marL="742950" lvl="1" indent="-285750">
-              <a:buFont typeface="Arial" panose="020B0604020202020204" pitchFamily="34" charset="0"/>
-              <a:buChar char="•"/>
-            </a:pPr>
-            <a:endParaRPr lang="en-US" sz="1900" dirty="0">
-              <a:solidFill>
-                <a:srgbClr val="002060"/>
-              </a:solidFill>
-            </a:endParaRPr>
-          </a:p>
-        </p:txBody>
-      </p:sp>
-    </p:spTree>
-    <p:extLst>
-      <p:ext uri="{BB962C8B-B14F-4D97-AF65-F5344CB8AC3E}">
-        <p14:creationId xmlns:p14="http://schemas.microsoft.com/office/powerpoint/2010/main" val="1149355120"/>
-      </p:ext>
-    </p:extLst>
-  </p:cSld>
-  <p:clrMapOvr>
-    <a:masterClrMapping/>
-  </p:clrMapOvr>
-</p:sld>
-</file>
-
-<file path=ppt/slides/slide6.xml><?xml version="1.0" encoding="utf-8"?>
-<p:sld xmlns:a="http://schemas.openxmlformats.org/drawingml/2006/main" xmlns:r="http://schemas.openxmlformats.org/officeDocument/2006/relationships" xmlns:p="http://schemas.openxmlformats.org/presentationml/2006/main">
-  <p:cSld>
-    <p:bg>
-      <p:bgPr>
-        <a:solidFill>
-          <a:schemeClr val="bg1"/>
-        </a:solidFill>
-        <a:effectLst/>
-      </p:bgPr>
-    </p:bg>
-    <p:spTree>
-      <p:nvGrpSpPr>
-        <p:cNvPr id="1" name=""/>
-        <p:cNvGrpSpPr/>
-        <p:nvPr/>
-      </p:nvGrpSpPr>
-      <p:grpSpPr>
-        <a:xfrm>
-          <a:off x="0" y="0"/>
-          <a:ext cx="0" cy="0"/>
-          <a:chOff x="0" y="0"/>
-          <a:chExt cx="0" cy="0"/>
-        </a:xfrm>
-      </p:grpSpPr>
-      <p:sp>
-        <p:nvSpPr>
-          <p:cNvPr id="8" name="Rectangle 7">
-            <a:extLst>
-              <a:ext uri="{FF2B5EF4-FFF2-40B4-BE49-F238E27FC236}">
-                <a16:creationId xmlns:a16="http://schemas.microsoft.com/office/drawing/2014/main" id="{70120F84-A866-4D9F-8B1C-9120A013D654}"/>
-              </a:ext>
-              <a:ext uri="{C183D7F6-B498-43B3-948B-1728B52AA6E4}">
-                <adec:decorative xmlns:adec="http://schemas.microsoft.com/office/drawing/2017/decorative" val="1"/>
-              </a:ext>
-            </a:extLst>
-          </p:cNvPr>
-          <p:cNvSpPr>
-            <a:spLocks noGrp="1" noRot="1" noChangeAspect="1" noMove="1" noResize="1" noEditPoints="1" noAdjustHandles="1" noChangeArrowheads="1" noChangeShapeType="1" noTextEdit="1"/>
-          </p:cNvSpPr>
-          <p:nvPr>
-            <p:extLst>
-              <p:ext uri="{386F3935-93C4-4BCD-93E2-E3B085C9AB24}">
-                <p16:designElem xmlns:p16="http://schemas.microsoft.com/office/powerpoint/2015/main" val="1"/>
-              </p:ext>
-            </p:extLst>
-          </p:nvPr>
-        </p:nvSpPr>
-        <p:spPr>
-          <a:xfrm>
-            <a:off x="0" y="0"/>
-            <a:ext cx="12192001" cy="6858000"/>
-          </a:xfrm>
-          <a:prstGeom prst="rect">
-            <a:avLst/>
-          </a:prstGeom>
-          <a:solidFill>
-            <a:schemeClr val="tx1">
-              <a:lumMod val="65000"/>
-              <a:lumOff val="35000"/>
-            </a:schemeClr>
-          </a:solidFill>
-          <a:ln>
-            <a:noFill/>
-          </a:ln>
-        </p:spPr>
-        <p:style>
-          <a:lnRef idx="2">
-            <a:schemeClr val="accent1">
-              <a:shade val="50000"/>
-            </a:schemeClr>
-          </a:lnRef>
-          <a:fillRef idx="1">
-            <a:schemeClr val="accent1"/>
-          </a:fillRef>
-          <a:effectRef idx="0">
-            <a:schemeClr val="accent1"/>
-          </a:effectRef>
-          <a:fontRef idx="minor">
-            <a:schemeClr val="lt1"/>
-          </a:fontRef>
-        </p:style>
-        <p:txBody>
-          <a:bodyPr rot="0" spcFirstLastPara="0" vert="horz" wrap="square" lIns="91440" tIns="45720" rIns="91440" bIns="45720" numCol="1" spcCol="0" rtlCol="0" fromWordArt="0" anchor="ctr" anchorCtr="0" forceAA="0" compatLnSpc="1">
-            <a:prstTxWarp prst="textNoShape">
-              <a:avLst/>
-            </a:prstTxWarp>
-            <a:noAutofit/>
-          </a:bodyPr>
-          <a:lstStyle>
-            <a:defPPr>
-              <a:defRPr lang="en-US"/>
-            </a:defPPr>
-            <a:lvl1pPr marL="0" algn="l" defTabSz="914400" rtl="0" eaLnBrk="1" latinLnBrk="0" hangingPunct="1">
-              <a:defRPr sz="1800" kern="1200">
-                <a:solidFill>
-                  <a:schemeClr val="lt1"/>
-                </a:solidFill>
-                <a:latin typeface="+mn-lt"/>
-                <a:ea typeface="+mn-ea"/>
-                <a:cs typeface="+mn-cs"/>
-              </a:defRPr>
-            </a:lvl1pPr>
-            <a:lvl2pPr marL="457200" algn="l" defTabSz="914400" rtl="0" eaLnBrk="1" latinLnBrk="0" hangingPunct="1">
-              <a:defRPr sz="1800" kern="1200">
-                <a:solidFill>
-                  <a:schemeClr val="lt1"/>
-                </a:solidFill>
-                <a:latin typeface="+mn-lt"/>
-                <a:ea typeface="+mn-ea"/>
-                <a:cs typeface="+mn-cs"/>
-              </a:defRPr>
-            </a:lvl2pPr>
-            <a:lvl3pPr marL="914400" algn="l" defTabSz="914400" rtl="0" eaLnBrk="1" latinLnBrk="0" hangingPunct="1">
-              <a:defRPr sz="1800" kern="1200">
-                <a:solidFill>
-                  <a:schemeClr val="lt1"/>
-                </a:solidFill>
-                <a:latin typeface="+mn-lt"/>
-                <a:ea typeface="+mn-ea"/>
-                <a:cs typeface="+mn-cs"/>
-              </a:defRPr>
-            </a:lvl3pPr>
-            <a:lvl4pPr marL="1371600" algn="l" defTabSz="914400" rtl="0" eaLnBrk="1" latinLnBrk="0" hangingPunct="1">
-              <a:defRPr sz="1800" kern="1200">
-                <a:solidFill>
-                  <a:schemeClr val="lt1"/>
-                </a:solidFill>
-                <a:latin typeface="+mn-lt"/>
-                <a:ea typeface="+mn-ea"/>
-                <a:cs typeface="+mn-cs"/>
-              </a:defRPr>
-            </a:lvl4pPr>
-            <a:lvl5pPr marL="1828800" algn="l" defTabSz="914400" rtl="0" eaLnBrk="1" latinLnBrk="0" hangingPunct="1">
-              <a:defRPr sz="1800" kern="1200">
-                <a:solidFill>
-                  <a:schemeClr val="lt1"/>
-                </a:solidFill>
-                <a:latin typeface="+mn-lt"/>
-                <a:ea typeface="+mn-ea"/>
-                <a:cs typeface="+mn-cs"/>
-              </a:defRPr>
-            </a:lvl5pPr>
-            <a:lvl6pPr marL="2286000" algn="l" defTabSz="914400" rtl="0" eaLnBrk="1" latinLnBrk="0" hangingPunct="1">
-              <a:defRPr sz="1800" kern="1200">
-                <a:solidFill>
-                  <a:schemeClr val="lt1"/>
-                </a:solidFill>
-                <a:latin typeface="+mn-lt"/>
-                <a:ea typeface="+mn-ea"/>
-                <a:cs typeface="+mn-cs"/>
-              </a:defRPr>
-            </a:lvl6pPr>
-            <a:lvl7pPr marL="2743200" algn="l" defTabSz="914400" rtl="0" eaLnBrk="1" latinLnBrk="0" hangingPunct="1">
-              <a:defRPr sz="1800" kern="1200">
-                <a:solidFill>
-                  <a:schemeClr val="lt1"/>
-                </a:solidFill>
-                <a:latin typeface="+mn-lt"/>
-                <a:ea typeface="+mn-ea"/>
-                <a:cs typeface="+mn-cs"/>
-              </a:defRPr>
-            </a:lvl7pPr>
-            <a:lvl8pPr marL="3200400" algn="l" defTabSz="914400" rtl="0" eaLnBrk="1" latinLnBrk="0" hangingPunct="1">
-              <a:defRPr sz="1800" kern="1200">
-                <a:solidFill>
-                  <a:schemeClr val="lt1"/>
-                </a:solidFill>
-                <a:latin typeface="+mn-lt"/>
-                <a:ea typeface="+mn-ea"/>
-                <a:cs typeface="+mn-cs"/>
-              </a:defRPr>
-            </a:lvl8pPr>
-            <a:lvl9pPr marL="3657600" algn="l" defTabSz="914400" rtl="0" eaLnBrk="1" latinLnBrk="0" hangingPunct="1">
-              <a:defRPr sz="1800" kern="1200">
-                <a:solidFill>
-                  <a:schemeClr val="lt1"/>
-                </a:solidFill>
-                <a:latin typeface="+mn-lt"/>
-                <a:ea typeface="+mn-ea"/>
-                <a:cs typeface="+mn-cs"/>
-              </a:defRPr>
-            </a:lvl9pPr>
-          </a:lstStyle>
-          <a:p>
-            <a:pPr algn="ctr"/>
-            <a:endParaRPr lang="en-US"/>
-          </a:p>
-        </p:txBody>
-      </p:sp>
-      <p:sp useBgFill="1">
-        <p:nvSpPr>
-          <p:cNvPr id="10" name="Rectangle 9">
-            <a:extLst>
-              <a:ext uri="{FF2B5EF4-FFF2-40B4-BE49-F238E27FC236}">
-                <a16:creationId xmlns:a16="http://schemas.microsoft.com/office/drawing/2014/main" id="{252FEFEF-6AC0-46B6-AC09-11FC56196FA4}"/>
-              </a:ext>
-              <a:ext uri="{C183D7F6-B498-43B3-948B-1728B52AA6E4}">
-                <adec:decorative xmlns:adec="http://schemas.microsoft.com/office/drawing/2017/decorative" val="1"/>
-              </a:ext>
-            </a:extLst>
-          </p:cNvPr>
-          <p:cNvSpPr>
-            <a:spLocks noGrp="1" noRot="1" noChangeAspect="1" noMove="1" noResize="1" noEditPoints="1" noAdjustHandles="1" noChangeArrowheads="1" noChangeShapeType="1" noTextEdit="1"/>
-          </p:cNvSpPr>
-          <p:nvPr>
-            <p:extLst>
-              <p:ext uri="{386F3935-93C4-4BCD-93E2-E3B085C9AB24}">
-                <p16:designElem xmlns:p16="http://schemas.microsoft.com/office/powerpoint/2015/main" val="1"/>
-              </p:ext>
-            </p:extLst>
-          </p:nvPr>
-        </p:nvSpPr>
-        <p:spPr>
-          <a:xfrm>
-            <a:off x="210312" y="226665"/>
-            <a:ext cx="11722608" cy="6382512"/>
-          </a:xfrm>
-          <a:prstGeom prst="rect">
-            <a:avLst/>
-          </a:prstGeom>
-          <a:ln w="6350" cap="flat" cmpd="sng" algn="ctr">
-            <a:noFill/>
-            <a:prstDash val="solid"/>
-          </a:ln>
-          <a:effectLst>
-            <a:softEdge rad="0"/>
-          </a:effectLst>
-        </p:spPr>
-      </p:sp>
-      <p:sp>
-        <p:nvSpPr>
-          <p:cNvPr id="19" name="Rectangle 18">
-            <a:extLst>
-              <a:ext uri="{FF2B5EF4-FFF2-40B4-BE49-F238E27FC236}">
-                <a16:creationId xmlns:a16="http://schemas.microsoft.com/office/drawing/2014/main" id="{7213DC6C-753D-6644-867F-CF3B5A47F16E}"/>
-              </a:ext>
-            </a:extLst>
-          </p:cNvPr>
-          <p:cNvSpPr/>
-          <p:nvPr/>
-        </p:nvSpPr>
-        <p:spPr>
-          <a:xfrm>
-            <a:off x="5845589" y="1210300"/>
-            <a:ext cx="6087328" cy="2723823"/>
-          </a:xfrm>
-          <a:prstGeom prst="rect">
-            <a:avLst/>
-          </a:prstGeom>
-        </p:spPr>
-        <p:txBody>
-          <a:bodyPr wrap="square">
-            <a:spAutoFit/>
-          </a:bodyPr>
-          <a:lstStyle/>
-          <a:p>
-            <a:pPr lvl="1"/>
-            <a:endParaRPr lang="en-US" sz="1900" dirty="0">
-              <a:solidFill>
-                <a:srgbClr val="002060"/>
-              </a:solidFill>
-              <a:latin typeface="Avenir Medium" panose="02000503020000020003" pitchFamily="2" charset="0"/>
-            </a:endParaRPr>
-          </a:p>
-          <a:p>
-            <a:pPr lvl="1"/>
-            <a:r>
-              <a:rPr lang="en-US" sz="1900" dirty="0">
-                <a:solidFill>
-                  <a:srgbClr val="002060"/>
-                </a:solidFill>
-                <a:latin typeface="Avenir Medium" panose="02000503020000020003" pitchFamily="2" charset="0"/>
-              </a:rPr>
-              <a:t>The Telco Integrator and Open APIs</a:t>
-            </a:r>
-          </a:p>
-          <a:p>
-            <a:pPr marL="742950" lvl="1" indent="-285750">
-              <a:lnSpc>
-                <a:spcPct val="200000"/>
-              </a:lnSpc>
-              <a:buFont typeface="Arial" panose="020B0604020202020204" pitchFamily="34" charset="0"/>
-              <a:buChar char="•"/>
-            </a:pPr>
-            <a:r>
-              <a:rPr lang="en-US" sz="1900" dirty="0">
-                <a:solidFill>
-                  <a:srgbClr val="002060"/>
-                </a:solidFill>
-              </a:rPr>
-              <a:t>Cut down time and risks in transformation projects</a:t>
-            </a:r>
-          </a:p>
-          <a:p>
-            <a:pPr marL="742950" lvl="1" indent="-285750">
-              <a:lnSpc>
-                <a:spcPct val="200000"/>
-              </a:lnSpc>
-              <a:buFont typeface="Arial" panose="020B0604020202020204" pitchFamily="34" charset="0"/>
-              <a:buChar char="•"/>
-            </a:pPr>
-            <a:r>
-              <a:rPr lang="en-US" sz="1900" dirty="0">
-                <a:solidFill>
-                  <a:srgbClr val="002060"/>
-                </a:solidFill>
-              </a:rPr>
-              <a:t>Lower recurring costs of maintenance and future change requests</a:t>
-            </a:r>
-          </a:p>
-          <a:p>
-            <a:pPr lvl="1"/>
-            <a:endParaRPr lang="en-US" sz="1900" b="1" dirty="0">
-              <a:solidFill>
-                <a:srgbClr val="002060"/>
-              </a:solidFill>
-            </a:endParaRPr>
-          </a:p>
-        </p:txBody>
-      </p:sp>
-      <p:sp>
-        <p:nvSpPr>
-          <p:cNvPr id="20" name="Title 1">
-            <a:extLst>
-              <a:ext uri="{FF2B5EF4-FFF2-40B4-BE49-F238E27FC236}">
-                <a16:creationId xmlns:a16="http://schemas.microsoft.com/office/drawing/2014/main" id="{3C69BE4E-42FD-6346-A092-86A0A2762E52}"/>
-              </a:ext>
-            </a:extLst>
-          </p:cNvPr>
-          <p:cNvSpPr>
-            <a:spLocks noGrp="1"/>
-          </p:cNvSpPr>
-          <p:nvPr>
-            <p:ph type="title"/>
-          </p:nvPr>
-        </p:nvSpPr>
-        <p:spPr>
-          <a:xfrm>
-            <a:off x="210312" y="247261"/>
-            <a:ext cx="11722608" cy="1003299"/>
-          </a:xfrm>
-        </p:spPr>
-        <p:txBody>
-          <a:bodyPr>
-            <a:normAutofit/>
-          </a:bodyPr>
-          <a:lstStyle/>
-          <a:p>
-            <a:r>
-              <a:rPr lang="en-US" sz="3200" b="1" u="sng" dirty="0"/>
-              <a:t>The Telco Integrator reduces</a:t>
-            </a:r>
-            <a:r>
-              <a:rPr lang="en-US" sz="3200" u="sng" dirty="0"/>
-              <a:t> integration cost, risk and time for the supply chain</a:t>
-            </a:r>
-            <a:endParaRPr lang="en-US" sz="3200" b="1" u="sng" dirty="0"/>
-          </a:p>
-        </p:txBody>
-      </p:sp>
-      <p:cxnSp>
-        <p:nvCxnSpPr>
-          <p:cNvPr id="22" name="Straight Connector 21">
-            <a:extLst>
-              <a:ext uri="{FF2B5EF4-FFF2-40B4-BE49-F238E27FC236}">
-                <a16:creationId xmlns:a16="http://schemas.microsoft.com/office/drawing/2014/main" id="{743D9423-5F3F-3B4D-BC50-759E472FE4FE}"/>
-              </a:ext>
-            </a:extLst>
-          </p:cNvPr>
-          <p:cNvCxnSpPr>
-            <a:cxnSpLocks/>
-          </p:cNvCxnSpPr>
-          <p:nvPr/>
-        </p:nvCxnSpPr>
-        <p:spPr>
-          <a:xfrm>
-            <a:off x="5845589" y="1556951"/>
-            <a:ext cx="0" cy="2855658"/>
-          </a:xfrm>
-          <a:prstGeom prst="line">
-            <a:avLst/>
-          </a:prstGeom>
-          <a:ln w="38100">
-            <a:solidFill>
-              <a:srgbClr val="002060"/>
-            </a:solidFill>
-          </a:ln>
-        </p:spPr>
-        <p:style>
-          <a:lnRef idx="1">
-            <a:schemeClr val="accent1"/>
-          </a:lnRef>
-          <a:fillRef idx="0">
-            <a:schemeClr val="accent1"/>
-          </a:fillRef>
-          <a:effectRef idx="0">
-            <a:schemeClr val="accent1"/>
-          </a:effectRef>
-          <a:fontRef idx="minor">
-            <a:schemeClr val="tx1"/>
-          </a:fontRef>
-        </p:style>
-      </p:cxnSp>
-      <p:sp>
-        <p:nvSpPr>
-          <p:cNvPr id="23" name="Rectangle 22">
-            <a:extLst>
-              <a:ext uri="{FF2B5EF4-FFF2-40B4-BE49-F238E27FC236}">
-                <a16:creationId xmlns:a16="http://schemas.microsoft.com/office/drawing/2014/main" id="{6CB54C1F-C83A-1A4C-9AD3-4EE3CD83DDAA}"/>
-              </a:ext>
-            </a:extLst>
-          </p:cNvPr>
-          <p:cNvSpPr/>
-          <p:nvPr/>
-        </p:nvSpPr>
-        <p:spPr>
-          <a:xfrm>
-            <a:off x="-135920" y="1271155"/>
-            <a:ext cx="5721161" cy="2431435"/>
-          </a:xfrm>
-          <a:prstGeom prst="rect">
-            <a:avLst/>
-          </a:prstGeom>
-        </p:spPr>
-        <p:txBody>
-          <a:bodyPr wrap="square">
-            <a:spAutoFit/>
-          </a:bodyPr>
-          <a:lstStyle/>
-          <a:p>
-            <a:pPr lvl="1"/>
-            <a:endParaRPr lang="en-US" sz="1900" dirty="0">
-              <a:solidFill>
-                <a:srgbClr val="002060"/>
-              </a:solidFill>
-              <a:latin typeface="Avenir Medium" panose="02000503020000020003" pitchFamily="2" charset="0"/>
-            </a:endParaRPr>
-          </a:p>
-          <a:p>
-            <a:pPr lvl="1"/>
-            <a:r>
-              <a:rPr lang="en-US" sz="1900" dirty="0">
-                <a:solidFill>
-                  <a:srgbClr val="002060"/>
-                </a:solidFill>
-                <a:latin typeface="Avenir Medium" panose="02000503020000020003" pitchFamily="2" charset="0"/>
-              </a:rPr>
-              <a:t>CSPs under pressure to improve efficiency and overall agility.</a:t>
-            </a:r>
-          </a:p>
-          <a:p>
-            <a:pPr marL="742950" lvl="1" indent="-285750">
-              <a:lnSpc>
-                <a:spcPct val="200000"/>
-              </a:lnSpc>
-              <a:buFont typeface="Arial" panose="020B0604020202020204" pitchFamily="34" charset="0"/>
-              <a:buChar char="•"/>
-            </a:pPr>
-            <a:r>
-              <a:rPr lang="en-US" sz="1900" dirty="0">
-                <a:solidFill>
-                  <a:srgbClr val="002060"/>
-                </a:solidFill>
-              </a:rPr>
-              <a:t>Reduce costs associated with outdated integrations</a:t>
-            </a:r>
-          </a:p>
-          <a:p>
-            <a:pPr marL="742950" lvl="1" indent="-285750">
-              <a:buFont typeface="Arial" panose="020B0604020202020204" pitchFamily="34" charset="0"/>
-              <a:buChar char="•"/>
-            </a:pPr>
-            <a:endParaRPr lang="en-US" sz="1900" dirty="0">
-              <a:solidFill>
-                <a:srgbClr val="002060"/>
-              </a:solidFill>
-            </a:endParaRPr>
-          </a:p>
-        </p:txBody>
-      </p:sp>
-    </p:spTree>
-    <p:extLst>
-      <p:ext uri="{BB962C8B-B14F-4D97-AF65-F5344CB8AC3E}">
-        <p14:creationId xmlns:p14="http://schemas.microsoft.com/office/powerpoint/2010/main" val="1019581265"/>
-      </p:ext>
-    </p:extLst>
-  </p:cSld>
-  <p:clrMapOvr>
-    <a:masterClrMapping/>
-  </p:clrMapOvr>
-</p:sld>
-</file>
-
-<file path=ppt/slides/slide7.xml><?xml version="1.0" encoding="utf-8"?>
-<p:sld xmlns:a="http://schemas.openxmlformats.org/drawingml/2006/main" xmlns:r="http://schemas.openxmlformats.org/officeDocument/2006/relationships" xmlns:p="http://schemas.openxmlformats.org/presentationml/2006/main">
-  <p:cSld>
-    <p:bg>
-      <p:bgPr>
-        <a:solidFill>
-          <a:schemeClr val="bg1"/>
-        </a:solidFill>
-        <a:effectLst/>
-      </p:bgPr>
-    </p:bg>
-    <p:spTree>
-      <p:nvGrpSpPr>
-        <p:cNvPr id="1" name=""/>
-        <p:cNvGrpSpPr/>
-        <p:nvPr/>
-      </p:nvGrpSpPr>
-      <p:grpSpPr>
-        <a:xfrm>
-          <a:off x="0" y="0"/>
-          <a:ext cx="0" cy="0"/>
-          <a:chOff x="0" y="0"/>
-          <a:chExt cx="0" cy="0"/>
-        </a:xfrm>
-      </p:grpSpPr>
-      <p:sp>
-        <p:nvSpPr>
-          <p:cNvPr id="8" name="Rectangle 7">
-            <a:extLst>
-              <a:ext uri="{FF2B5EF4-FFF2-40B4-BE49-F238E27FC236}">
-                <a16:creationId xmlns:a16="http://schemas.microsoft.com/office/drawing/2014/main" id="{70120F84-A866-4D9F-8B1C-9120A013D654}"/>
-              </a:ext>
-              <a:ext uri="{C183D7F6-B498-43B3-948B-1728B52AA6E4}">
-                <adec:decorative xmlns:adec="http://schemas.microsoft.com/office/drawing/2017/decorative" val="1"/>
-              </a:ext>
-            </a:extLst>
-          </p:cNvPr>
-          <p:cNvSpPr>
-            <a:spLocks noGrp="1" noRot="1" noChangeAspect="1" noMove="1" noResize="1" noEditPoints="1" noAdjustHandles="1" noChangeArrowheads="1" noChangeShapeType="1" noTextEdit="1"/>
-          </p:cNvSpPr>
-          <p:nvPr>
-            <p:extLst>
-              <p:ext uri="{386F3935-93C4-4BCD-93E2-E3B085C9AB24}">
-                <p16:designElem xmlns:p16="http://schemas.microsoft.com/office/powerpoint/2015/main" val="1"/>
-              </p:ext>
-            </p:extLst>
-          </p:nvPr>
-        </p:nvSpPr>
-        <p:spPr>
-          <a:xfrm>
-            <a:off x="0" y="0"/>
-            <a:ext cx="12192001" cy="6858000"/>
-          </a:xfrm>
-          <a:prstGeom prst="rect">
-            <a:avLst/>
-          </a:prstGeom>
-          <a:solidFill>
-            <a:schemeClr val="tx1">
-              <a:lumMod val="65000"/>
-              <a:lumOff val="35000"/>
-            </a:schemeClr>
-          </a:solidFill>
-          <a:ln>
-            <a:noFill/>
-          </a:ln>
-        </p:spPr>
-        <p:style>
-          <a:lnRef idx="2">
-            <a:schemeClr val="accent1">
-              <a:shade val="50000"/>
-            </a:schemeClr>
-          </a:lnRef>
-          <a:fillRef idx="1">
-            <a:schemeClr val="accent1"/>
-          </a:fillRef>
-          <a:effectRef idx="0">
-            <a:schemeClr val="accent1"/>
-          </a:effectRef>
-          <a:fontRef idx="minor">
-            <a:schemeClr val="lt1"/>
-          </a:fontRef>
-        </p:style>
-        <p:txBody>
-          <a:bodyPr rot="0" spcFirstLastPara="0" vert="horz" wrap="square" lIns="91440" tIns="45720" rIns="91440" bIns="45720" numCol="1" spcCol="0" rtlCol="0" fromWordArt="0" anchor="ctr" anchorCtr="0" forceAA="0" compatLnSpc="1">
-            <a:prstTxWarp prst="textNoShape">
-              <a:avLst/>
-            </a:prstTxWarp>
-            <a:noAutofit/>
-          </a:bodyPr>
-          <a:lstStyle>
-            <a:defPPr>
-              <a:defRPr lang="en-US"/>
-            </a:defPPr>
-            <a:lvl1pPr marL="0" algn="l" defTabSz="914400" rtl="0" eaLnBrk="1" latinLnBrk="0" hangingPunct="1">
-              <a:defRPr sz="1800" kern="1200">
-                <a:solidFill>
-                  <a:schemeClr val="lt1"/>
-                </a:solidFill>
-                <a:latin typeface="+mn-lt"/>
-                <a:ea typeface="+mn-ea"/>
-                <a:cs typeface="+mn-cs"/>
-              </a:defRPr>
-            </a:lvl1pPr>
-            <a:lvl2pPr marL="457200" algn="l" defTabSz="914400" rtl="0" eaLnBrk="1" latinLnBrk="0" hangingPunct="1">
-              <a:defRPr sz="1800" kern="1200">
-                <a:solidFill>
-                  <a:schemeClr val="lt1"/>
-                </a:solidFill>
-                <a:latin typeface="+mn-lt"/>
-                <a:ea typeface="+mn-ea"/>
-                <a:cs typeface="+mn-cs"/>
-              </a:defRPr>
-            </a:lvl2pPr>
-            <a:lvl3pPr marL="914400" algn="l" defTabSz="914400" rtl="0" eaLnBrk="1" latinLnBrk="0" hangingPunct="1">
-              <a:defRPr sz="1800" kern="1200">
-                <a:solidFill>
-                  <a:schemeClr val="lt1"/>
-                </a:solidFill>
-                <a:latin typeface="+mn-lt"/>
-                <a:ea typeface="+mn-ea"/>
-                <a:cs typeface="+mn-cs"/>
-              </a:defRPr>
-            </a:lvl3pPr>
-            <a:lvl4pPr marL="1371600" algn="l" defTabSz="914400" rtl="0" eaLnBrk="1" latinLnBrk="0" hangingPunct="1">
-              <a:defRPr sz="1800" kern="1200">
-                <a:solidFill>
-                  <a:schemeClr val="lt1"/>
-                </a:solidFill>
-                <a:latin typeface="+mn-lt"/>
-                <a:ea typeface="+mn-ea"/>
-                <a:cs typeface="+mn-cs"/>
-              </a:defRPr>
-            </a:lvl4pPr>
-            <a:lvl5pPr marL="1828800" algn="l" defTabSz="914400" rtl="0" eaLnBrk="1" latinLnBrk="0" hangingPunct="1">
-              <a:defRPr sz="1800" kern="1200">
-                <a:solidFill>
-                  <a:schemeClr val="lt1"/>
-                </a:solidFill>
-                <a:latin typeface="+mn-lt"/>
-                <a:ea typeface="+mn-ea"/>
-                <a:cs typeface="+mn-cs"/>
-              </a:defRPr>
-            </a:lvl5pPr>
-            <a:lvl6pPr marL="2286000" algn="l" defTabSz="914400" rtl="0" eaLnBrk="1" latinLnBrk="0" hangingPunct="1">
-              <a:defRPr sz="1800" kern="1200">
-                <a:solidFill>
-                  <a:schemeClr val="lt1"/>
-                </a:solidFill>
-                <a:latin typeface="+mn-lt"/>
-                <a:ea typeface="+mn-ea"/>
-                <a:cs typeface="+mn-cs"/>
-              </a:defRPr>
-            </a:lvl6pPr>
-            <a:lvl7pPr marL="2743200" algn="l" defTabSz="914400" rtl="0" eaLnBrk="1" latinLnBrk="0" hangingPunct="1">
-              <a:defRPr sz="1800" kern="1200">
-                <a:solidFill>
-                  <a:schemeClr val="lt1"/>
-                </a:solidFill>
-                <a:latin typeface="+mn-lt"/>
-                <a:ea typeface="+mn-ea"/>
-                <a:cs typeface="+mn-cs"/>
-              </a:defRPr>
-            </a:lvl7pPr>
-            <a:lvl8pPr marL="3200400" algn="l" defTabSz="914400" rtl="0" eaLnBrk="1" latinLnBrk="0" hangingPunct="1">
-              <a:defRPr sz="1800" kern="1200">
-                <a:solidFill>
-                  <a:schemeClr val="lt1"/>
-                </a:solidFill>
-                <a:latin typeface="+mn-lt"/>
-                <a:ea typeface="+mn-ea"/>
-                <a:cs typeface="+mn-cs"/>
-              </a:defRPr>
-            </a:lvl8pPr>
-            <a:lvl9pPr marL="3657600" algn="l" defTabSz="914400" rtl="0" eaLnBrk="1" latinLnBrk="0" hangingPunct="1">
-              <a:defRPr sz="1800" kern="1200">
-                <a:solidFill>
-                  <a:schemeClr val="lt1"/>
-                </a:solidFill>
-                <a:latin typeface="+mn-lt"/>
-                <a:ea typeface="+mn-ea"/>
-                <a:cs typeface="+mn-cs"/>
-              </a:defRPr>
-            </a:lvl9pPr>
-          </a:lstStyle>
-          <a:p>
-            <a:pPr algn="ctr"/>
-            <a:endParaRPr lang="en-US"/>
-          </a:p>
-        </p:txBody>
-      </p:sp>
-      <p:sp useBgFill="1">
-        <p:nvSpPr>
-          <p:cNvPr id="10" name="Rectangle 9">
-            <a:extLst>
-              <a:ext uri="{FF2B5EF4-FFF2-40B4-BE49-F238E27FC236}">
-                <a16:creationId xmlns:a16="http://schemas.microsoft.com/office/drawing/2014/main" id="{252FEFEF-6AC0-46B6-AC09-11FC56196FA4}"/>
-              </a:ext>
-              <a:ext uri="{C183D7F6-B498-43B3-948B-1728B52AA6E4}">
-                <adec:decorative xmlns:adec="http://schemas.microsoft.com/office/drawing/2017/decorative" val="1"/>
-              </a:ext>
-            </a:extLst>
-          </p:cNvPr>
-          <p:cNvSpPr>
-            <a:spLocks noGrp="1" noRot="1" noChangeAspect="1" noMove="1" noResize="1" noEditPoints="1" noAdjustHandles="1" noChangeArrowheads="1" noChangeShapeType="1" noTextEdit="1"/>
-          </p:cNvSpPr>
-          <p:nvPr>
-            <p:extLst>
-              <p:ext uri="{386F3935-93C4-4BCD-93E2-E3B085C9AB24}">
-                <p16:designElem xmlns:p16="http://schemas.microsoft.com/office/powerpoint/2015/main" val="1"/>
-              </p:ext>
-            </p:extLst>
-          </p:nvPr>
-        </p:nvSpPr>
-        <p:spPr>
-          <a:xfrm>
-            <a:off x="210312" y="226665"/>
-            <a:ext cx="11722608" cy="6382512"/>
-          </a:xfrm>
-          <a:prstGeom prst="rect">
-            <a:avLst/>
-          </a:prstGeom>
-          <a:ln w="6350" cap="flat" cmpd="sng" algn="ctr">
-            <a:noFill/>
-            <a:prstDash val="solid"/>
-          </a:ln>
-          <a:effectLst>
-            <a:softEdge rad="0"/>
-          </a:effectLst>
-        </p:spPr>
-      </p:sp>
-      <p:sp>
-        <p:nvSpPr>
-          <p:cNvPr id="19" name="Rectangle 18">
-            <a:extLst>
-              <a:ext uri="{FF2B5EF4-FFF2-40B4-BE49-F238E27FC236}">
-                <a16:creationId xmlns:a16="http://schemas.microsoft.com/office/drawing/2014/main" id="{7213DC6C-753D-6644-867F-CF3B5A47F16E}"/>
-              </a:ext>
-            </a:extLst>
-          </p:cNvPr>
-          <p:cNvSpPr/>
-          <p:nvPr/>
-        </p:nvSpPr>
-        <p:spPr>
-          <a:xfrm>
-            <a:off x="5845589" y="1210300"/>
-            <a:ext cx="6087328" cy="3600986"/>
-          </a:xfrm>
-          <a:prstGeom prst="rect">
-            <a:avLst/>
-          </a:prstGeom>
-        </p:spPr>
-        <p:txBody>
-          <a:bodyPr wrap="square">
-            <a:spAutoFit/>
-          </a:bodyPr>
-          <a:lstStyle/>
-          <a:p>
-            <a:pPr lvl="1"/>
-            <a:endParaRPr lang="en-US" sz="1900" dirty="0">
-              <a:solidFill>
-                <a:srgbClr val="002060"/>
-              </a:solidFill>
-              <a:latin typeface="Avenir Medium" panose="02000503020000020003" pitchFamily="2" charset="0"/>
-            </a:endParaRPr>
-          </a:p>
-          <a:p>
-            <a:pPr lvl="1"/>
-            <a:r>
-              <a:rPr lang="en-US" sz="1900" dirty="0">
-                <a:solidFill>
-                  <a:srgbClr val="002060"/>
-                </a:solidFill>
-                <a:latin typeface="Avenir Medium" panose="02000503020000020003" pitchFamily="2" charset="0"/>
-              </a:rPr>
-              <a:t>The Telco Integrator enables intelligent workflows </a:t>
-            </a:r>
-          </a:p>
-          <a:p>
-            <a:pPr marL="1200150" lvl="2" indent="-285750">
-              <a:lnSpc>
-                <a:spcPct val="200000"/>
-              </a:lnSpc>
-              <a:buFont typeface="Arial" panose="020B0604020202020204" pitchFamily="34" charset="0"/>
-              <a:buChar char="•"/>
-            </a:pPr>
-            <a:r>
-              <a:rPr lang="en-US" sz="1900" dirty="0">
-                <a:solidFill>
-                  <a:srgbClr val="002060"/>
-                </a:solidFill>
-              </a:rPr>
-              <a:t>Streaming real time data to augment strategic decision-making</a:t>
-            </a:r>
-          </a:p>
-          <a:p>
-            <a:pPr marL="1200150" lvl="2" indent="-285750">
-              <a:lnSpc>
-                <a:spcPct val="200000"/>
-              </a:lnSpc>
-              <a:buFont typeface="Arial" panose="020B0604020202020204" pitchFamily="34" charset="0"/>
-              <a:buChar char="•"/>
-            </a:pPr>
-            <a:r>
-              <a:rPr lang="en-US" sz="1900" dirty="0">
-                <a:solidFill>
-                  <a:srgbClr val="002060"/>
-                </a:solidFill>
-              </a:rPr>
-              <a:t>Extend data and insights from core to customer</a:t>
-            </a:r>
-          </a:p>
-          <a:p>
-            <a:pPr lvl="1"/>
-            <a:endParaRPr lang="en-US" sz="1900" b="1" dirty="0">
-              <a:solidFill>
-                <a:srgbClr val="002060"/>
-              </a:solidFill>
-            </a:endParaRPr>
-          </a:p>
-        </p:txBody>
-      </p:sp>
-      <p:sp>
-        <p:nvSpPr>
-          <p:cNvPr id="20" name="Title 1">
-            <a:extLst>
-              <a:ext uri="{FF2B5EF4-FFF2-40B4-BE49-F238E27FC236}">
-                <a16:creationId xmlns:a16="http://schemas.microsoft.com/office/drawing/2014/main" id="{3C69BE4E-42FD-6346-A092-86A0A2762E52}"/>
-              </a:ext>
-            </a:extLst>
-          </p:cNvPr>
-          <p:cNvSpPr>
-            <a:spLocks noGrp="1"/>
-          </p:cNvSpPr>
-          <p:nvPr>
-            <p:ph type="title"/>
-          </p:nvPr>
-        </p:nvSpPr>
-        <p:spPr>
-          <a:xfrm>
-            <a:off x="210312" y="247261"/>
-            <a:ext cx="11722608" cy="1003299"/>
-          </a:xfrm>
-        </p:spPr>
-        <p:txBody>
-          <a:bodyPr>
-            <a:normAutofit/>
-          </a:bodyPr>
-          <a:lstStyle/>
-          <a:p>
-            <a:r>
-              <a:rPr lang="en-US" sz="3200" b="1" u="sng" dirty="0"/>
-              <a:t>The Telco Integrator e</a:t>
-            </a:r>
-            <a:r>
-              <a:rPr lang="en-US" sz="3200" u="sng" dirty="0"/>
-              <a:t>nables intelligent workflows</a:t>
-            </a:r>
-            <a:endParaRPr lang="en-US" sz="3200" b="1" u="sng" dirty="0"/>
-          </a:p>
-        </p:txBody>
-      </p:sp>
-      <p:cxnSp>
-        <p:nvCxnSpPr>
-          <p:cNvPr id="22" name="Straight Connector 21">
-            <a:extLst>
-              <a:ext uri="{FF2B5EF4-FFF2-40B4-BE49-F238E27FC236}">
-                <a16:creationId xmlns:a16="http://schemas.microsoft.com/office/drawing/2014/main" id="{743D9423-5F3F-3B4D-BC50-759E472FE4FE}"/>
-              </a:ext>
-            </a:extLst>
-          </p:cNvPr>
-          <p:cNvCxnSpPr>
-            <a:cxnSpLocks/>
-          </p:cNvCxnSpPr>
-          <p:nvPr/>
-        </p:nvCxnSpPr>
-        <p:spPr>
-          <a:xfrm>
-            <a:off x="5845589" y="1556951"/>
-            <a:ext cx="0" cy="3107328"/>
-          </a:xfrm>
-          <a:prstGeom prst="line">
-            <a:avLst/>
-          </a:prstGeom>
-          <a:ln w="38100">
-            <a:solidFill>
-              <a:srgbClr val="002060"/>
-            </a:solidFill>
-          </a:ln>
-        </p:spPr>
-        <p:style>
-          <a:lnRef idx="1">
-            <a:schemeClr val="accent1"/>
-          </a:lnRef>
-          <a:fillRef idx="0">
-            <a:schemeClr val="accent1"/>
-          </a:fillRef>
-          <a:effectRef idx="0">
-            <a:schemeClr val="accent1"/>
-          </a:effectRef>
-          <a:fontRef idx="minor">
-            <a:schemeClr val="tx1"/>
-          </a:fontRef>
-        </p:style>
-      </p:cxnSp>
-      <p:sp>
-        <p:nvSpPr>
-          <p:cNvPr id="23" name="Rectangle 22">
-            <a:extLst>
-              <a:ext uri="{FF2B5EF4-FFF2-40B4-BE49-F238E27FC236}">
-                <a16:creationId xmlns:a16="http://schemas.microsoft.com/office/drawing/2014/main" id="{6CB54C1F-C83A-1A4C-9AD3-4EE3CD83DDAA}"/>
-              </a:ext>
-            </a:extLst>
-          </p:cNvPr>
-          <p:cNvSpPr/>
-          <p:nvPr/>
-        </p:nvSpPr>
-        <p:spPr>
-          <a:xfrm>
-            <a:off x="259080" y="2479673"/>
-            <a:ext cx="5721161" cy="1261884"/>
-          </a:xfrm>
-          <a:prstGeom prst="rect">
-            <a:avLst/>
-          </a:prstGeom>
-        </p:spPr>
-        <p:txBody>
-          <a:bodyPr wrap="square">
-            <a:spAutoFit/>
-          </a:bodyPr>
-          <a:lstStyle/>
-          <a:p>
-            <a:pPr lvl="1"/>
-            <a:endParaRPr lang="en-US" sz="1900" dirty="0">
-              <a:solidFill>
-                <a:srgbClr val="002060"/>
-              </a:solidFill>
-              <a:latin typeface="Avenir Medium" panose="02000503020000020003" pitchFamily="2" charset="0"/>
-            </a:endParaRPr>
-          </a:p>
-          <a:p>
-            <a:pPr lvl="1"/>
-            <a:r>
-              <a:rPr lang="en-US" sz="1900" dirty="0">
-                <a:solidFill>
-                  <a:srgbClr val="002060"/>
-                </a:solidFill>
-                <a:latin typeface="Avenir Medium" panose="02000503020000020003" pitchFamily="2" charset="0"/>
-              </a:rPr>
-              <a:t>CSPs should abandon monolithic ERP for Intelligent Operations Platforms (IOPs)</a:t>
-            </a:r>
-          </a:p>
-          <a:p>
-            <a:pPr marL="742950" lvl="1" indent="-285750">
-              <a:buFont typeface="Arial" panose="020B0604020202020204" pitchFamily="34" charset="0"/>
-              <a:buChar char="•"/>
-            </a:pPr>
-            <a:endParaRPr lang="en-US" sz="1900" dirty="0">
-              <a:solidFill>
-                <a:srgbClr val="002060"/>
-              </a:solidFill>
-            </a:endParaRPr>
-          </a:p>
-        </p:txBody>
-      </p:sp>
-    </p:spTree>
-    <p:extLst>
-      <p:ext uri="{BB962C8B-B14F-4D97-AF65-F5344CB8AC3E}">
-        <p14:creationId xmlns:p14="http://schemas.microsoft.com/office/powerpoint/2010/main" val="1836474059"/>
-      </p:ext>
-    </p:extLst>
-  </p:cSld>
-  <p:clrMapOvr>
-    <a:masterClrMapping/>
-  </p:clrMapOvr>
-</p:sld>
-</file>
-
-<file path=ppt/slides/slide8.xml><?xml version="1.0" encoding="utf-8"?>
-<p:sld xmlns:a="http://schemas.openxmlformats.org/drawingml/2006/main" xmlns:r="http://schemas.openxmlformats.org/officeDocument/2006/relationships" xmlns:p="http://schemas.openxmlformats.org/presentationml/2006/main">
-  <p:cSld>
-    <p:bg>
-      <p:bgPr>
-        <a:solidFill>
-          <a:schemeClr val="bg1"/>
-        </a:solidFill>
-        <a:effectLst/>
-      </p:bgPr>
-    </p:bg>
-    <p:spTree>
-      <p:nvGrpSpPr>
-        <p:cNvPr id="1" name=""/>
-        <p:cNvGrpSpPr/>
-        <p:nvPr/>
-      </p:nvGrpSpPr>
-      <p:grpSpPr>
-        <a:xfrm>
-          <a:off x="0" y="0"/>
-          <a:ext cx="0" cy="0"/>
-          <a:chOff x="0" y="0"/>
-          <a:chExt cx="0" cy="0"/>
-        </a:xfrm>
-      </p:grpSpPr>
-      <p:sp>
-        <p:nvSpPr>
-          <p:cNvPr id="8" name="Rectangle 7">
-            <a:extLst>
-              <a:ext uri="{FF2B5EF4-FFF2-40B4-BE49-F238E27FC236}">
-                <a16:creationId xmlns:a16="http://schemas.microsoft.com/office/drawing/2014/main" id="{70120F84-A866-4D9F-8B1C-9120A013D654}"/>
-              </a:ext>
-              <a:ext uri="{C183D7F6-B498-43B3-948B-1728B52AA6E4}">
-                <adec:decorative xmlns:adec="http://schemas.microsoft.com/office/drawing/2017/decorative" val="1"/>
-              </a:ext>
-            </a:extLst>
-          </p:cNvPr>
-          <p:cNvSpPr>
-            <a:spLocks noGrp="1" noRot="1" noChangeAspect="1" noMove="1" noResize="1" noEditPoints="1" noAdjustHandles="1" noChangeArrowheads="1" noChangeShapeType="1" noTextEdit="1"/>
-          </p:cNvSpPr>
-          <p:nvPr>
-            <p:extLst>
-              <p:ext uri="{386F3935-93C4-4BCD-93E2-E3B085C9AB24}">
-                <p16:designElem xmlns:p16="http://schemas.microsoft.com/office/powerpoint/2015/main" val="1"/>
-              </p:ext>
-            </p:extLst>
-          </p:nvPr>
-        </p:nvSpPr>
-        <p:spPr>
-          <a:xfrm>
-            <a:off x="0" y="0"/>
-            <a:ext cx="12192001" cy="6858000"/>
-          </a:xfrm>
-          <a:prstGeom prst="rect">
-            <a:avLst/>
-          </a:prstGeom>
-          <a:solidFill>
-            <a:schemeClr val="tx1">
-              <a:lumMod val="65000"/>
-              <a:lumOff val="35000"/>
-            </a:schemeClr>
-          </a:solidFill>
-          <a:ln>
-            <a:noFill/>
-          </a:ln>
-        </p:spPr>
-        <p:style>
-          <a:lnRef idx="2">
-            <a:schemeClr val="accent1">
-              <a:shade val="50000"/>
-            </a:schemeClr>
-          </a:lnRef>
-          <a:fillRef idx="1">
-            <a:schemeClr val="accent1"/>
-          </a:fillRef>
-          <a:effectRef idx="0">
-            <a:schemeClr val="accent1"/>
-          </a:effectRef>
-          <a:fontRef idx="minor">
-            <a:schemeClr val="lt1"/>
-          </a:fontRef>
-        </p:style>
-        <p:txBody>
-          <a:bodyPr rot="0" spcFirstLastPara="0" vert="horz" wrap="square" lIns="91440" tIns="45720" rIns="91440" bIns="45720" numCol="1" spcCol="0" rtlCol="0" fromWordArt="0" anchor="ctr" anchorCtr="0" forceAA="0" compatLnSpc="1">
-            <a:prstTxWarp prst="textNoShape">
-              <a:avLst/>
-            </a:prstTxWarp>
-            <a:noAutofit/>
-          </a:bodyPr>
-          <a:lstStyle>
-            <a:defPPr>
-              <a:defRPr lang="en-US"/>
-            </a:defPPr>
-            <a:lvl1pPr marL="0" algn="l" defTabSz="914400" rtl="0" eaLnBrk="1" latinLnBrk="0" hangingPunct="1">
-              <a:defRPr sz="1800" kern="1200">
-                <a:solidFill>
-                  <a:schemeClr val="lt1"/>
-                </a:solidFill>
-                <a:latin typeface="+mn-lt"/>
-                <a:ea typeface="+mn-ea"/>
-                <a:cs typeface="+mn-cs"/>
-              </a:defRPr>
-            </a:lvl1pPr>
-            <a:lvl2pPr marL="457200" algn="l" defTabSz="914400" rtl="0" eaLnBrk="1" latinLnBrk="0" hangingPunct="1">
-              <a:defRPr sz="1800" kern="1200">
-                <a:solidFill>
-                  <a:schemeClr val="lt1"/>
-                </a:solidFill>
-                <a:latin typeface="+mn-lt"/>
-                <a:ea typeface="+mn-ea"/>
-                <a:cs typeface="+mn-cs"/>
-              </a:defRPr>
-            </a:lvl2pPr>
-            <a:lvl3pPr marL="914400" algn="l" defTabSz="914400" rtl="0" eaLnBrk="1" latinLnBrk="0" hangingPunct="1">
-              <a:defRPr sz="1800" kern="1200">
-                <a:solidFill>
-                  <a:schemeClr val="lt1"/>
-                </a:solidFill>
-                <a:latin typeface="+mn-lt"/>
-                <a:ea typeface="+mn-ea"/>
-                <a:cs typeface="+mn-cs"/>
-              </a:defRPr>
-            </a:lvl3pPr>
-            <a:lvl4pPr marL="1371600" algn="l" defTabSz="914400" rtl="0" eaLnBrk="1" latinLnBrk="0" hangingPunct="1">
-              <a:defRPr sz="1800" kern="1200">
-                <a:solidFill>
-                  <a:schemeClr val="lt1"/>
-                </a:solidFill>
-                <a:latin typeface="+mn-lt"/>
-                <a:ea typeface="+mn-ea"/>
-                <a:cs typeface="+mn-cs"/>
-              </a:defRPr>
-            </a:lvl4pPr>
-            <a:lvl5pPr marL="1828800" algn="l" defTabSz="914400" rtl="0" eaLnBrk="1" latinLnBrk="0" hangingPunct="1">
-              <a:defRPr sz="1800" kern="1200">
-                <a:solidFill>
-                  <a:schemeClr val="lt1"/>
-                </a:solidFill>
-                <a:latin typeface="+mn-lt"/>
-                <a:ea typeface="+mn-ea"/>
-                <a:cs typeface="+mn-cs"/>
-              </a:defRPr>
-            </a:lvl5pPr>
-            <a:lvl6pPr marL="2286000" algn="l" defTabSz="914400" rtl="0" eaLnBrk="1" latinLnBrk="0" hangingPunct="1">
-              <a:defRPr sz="1800" kern="1200">
-                <a:solidFill>
-                  <a:schemeClr val="lt1"/>
-                </a:solidFill>
-                <a:latin typeface="+mn-lt"/>
-                <a:ea typeface="+mn-ea"/>
-                <a:cs typeface="+mn-cs"/>
-              </a:defRPr>
-            </a:lvl6pPr>
-            <a:lvl7pPr marL="2743200" algn="l" defTabSz="914400" rtl="0" eaLnBrk="1" latinLnBrk="0" hangingPunct="1">
-              <a:defRPr sz="1800" kern="1200">
-                <a:solidFill>
-                  <a:schemeClr val="lt1"/>
-                </a:solidFill>
-                <a:latin typeface="+mn-lt"/>
-                <a:ea typeface="+mn-ea"/>
-                <a:cs typeface="+mn-cs"/>
-              </a:defRPr>
-            </a:lvl7pPr>
-            <a:lvl8pPr marL="3200400" algn="l" defTabSz="914400" rtl="0" eaLnBrk="1" latinLnBrk="0" hangingPunct="1">
-              <a:defRPr sz="1800" kern="1200">
-                <a:solidFill>
-                  <a:schemeClr val="lt1"/>
-                </a:solidFill>
-                <a:latin typeface="+mn-lt"/>
-                <a:ea typeface="+mn-ea"/>
-                <a:cs typeface="+mn-cs"/>
-              </a:defRPr>
-            </a:lvl8pPr>
-            <a:lvl9pPr marL="3657600" algn="l" defTabSz="914400" rtl="0" eaLnBrk="1" latinLnBrk="0" hangingPunct="1">
-              <a:defRPr sz="1800" kern="1200">
-                <a:solidFill>
-                  <a:schemeClr val="lt1"/>
-                </a:solidFill>
-                <a:latin typeface="+mn-lt"/>
-                <a:ea typeface="+mn-ea"/>
-                <a:cs typeface="+mn-cs"/>
-              </a:defRPr>
-            </a:lvl9pPr>
-          </a:lstStyle>
-          <a:p>
-            <a:pPr algn="ctr"/>
-            <a:endParaRPr lang="en-US"/>
-          </a:p>
-        </p:txBody>
-      </p:sp>
-      <p:sp useBgFill="1">
-        <p:nvSpPr>
-          <p:cNvPr id="10" name="Rectangle 9">
-            <a:extLst>
-              <a:ext uri="{FF2B5EF4-FFF2-40B4-BE49-F238E27FC236}">
-                <a16:creationId xmlns:a16="http://schemas.microsoft.com/office/drawing/2014/main" id="{252FEFEF-6AC0-46B6-AC09-11FC56196FA4}"/>
-              </a:ext>
-              <a:ext uri="{C183D7F6-B498-43B3-948B-1728B52AA6E4}">
-                <adec:decorative xmlns:adec="http://schemas.microsoft.com/office/drawing/2017/decorative" val="1"/>
-              </a:ext>
-            </a:extLst>
-          </p:cNvPr>
-          <p:cNvSpPr>
-            <a:spLocks noGrp="1" noRot="1" noChangeAspect="1" noMove="1" noResize="1" noEditPoints="1" noAdjustHandles="1" noChangeArrowheads="1" noChangeShapeType="1" noTextEdit="1"/>
-          </p:cNvSpPr>
-          <p:nvPr>
-            <p:extLst>
-              <p:ext uri="{386F3935-93C4-4BCD-93E2-E3B085C9AB24}">
-                <p16:designElem xmlns:p16="http://schemas.microsoft.com/office/powerpoint/2015/main" val="1"/>
-              </p:ext>
-            </p:extLst>
-          </p:nvPr>
-        </p:nvSpPr>
-        <p:spPr>
-          <a:xfrm>
-            <a:off x="210312" y="226665"/>
-            <a:ext cx="11722608" cy="6382512"/>
-          </a:xfrm>
-          <a:prstGeom prst="rect">
-            <a:avLst/>
-          </a:prstGeom>
-          <a:ln w="6350" cap="flat" cmpd="sng" algn="ctr">
-            <a:noFill/>
-            <a:prstDash val="solid"/>
-          </a:ln>
-          <a:effectLst>
-            <a:softEdge rad="0"/>
-          </a:effectLst>
-        </p:spPr>
-      </p:sp>
-      <p:sp>
-        <p:nvSpPr>
-          <p:cNvPr id="19" name="Rectangle 18">
-            <a:extLst>
-              <a:ext uri="{FF2B5EF4-FFF2-40B4-BE49-F238E27FC236}">
-                <a16:creationId xmlns:a16="http://schemas.microsoft.com/office/drawing/2014/main" id="{7213DC6C-753D-6644-867F-CF3B5A47F16E}"/>
-              </a:ext>
-            </a:extLst>
-          </p:cNvPr>
-          <p:cNvSpPr/>
-          <p:nvPr/>
-        </p:nvSpPr>
-        <p:spPr>
-          <a:xfrm>
-            <a:off x="5845589" y="1210300"/>
-            <a:ext cx="6087328" cy="3217612"/>
-          </a:xfrm>
-          <a:prstGeom prst="rect">
-            <a:avLst/>
-          </a:prstGeom>
-        </p:spPr>
-        <p:txBody>
-          <a:bodyPr wrap="square">
-            <a:spAutoFit/>
-          </a:bodyPr>
-          <a:lstStyle/>
-          <a:p>
-            <a:pPr lvl="1"/>
-            <a:endParaRPr lang="en-US" sz="1900" dirty="0">
-              <a:solidFill>
-                <a:srgbClr val="002060"/>
-              </a:solidFill>
-              <a:latin typeface="Avenir Medium" panose="02000503020000020003" pitchFamily="2" charset="0"/>
-            </a:endParaRPr>
-          </a:p>
-          <a:p>
-            <a:pPr lvl="1"/>
-            <a:r>
-              <a:rPr lang="en-US" sz="1900" dirty="0">
-                <a:solidFill>
-                  <a:srgbClr val="002060"/>
-                </a:solidFill>
-                <a:latin typeface="Avenir Medium" panose="02000503020000020003" pitchFamily="2" charset="0"/>
-              </a:rPr>
-              <a:t>The Telco Integrator leverages existing business processes, using Process Mining</a:t>
-            </a:r>
-          </a:p>
-          <a:p>
-            <a:pPr marL="1200150" lvl="2" indent="-285750">
-              <a:lnSpc>
-                <a:spcPct val="200000"/>
-              </a:lnSpc>
-              <a:buFont typeface="Arial" panose="020B0604020202020204" pitchFamily="34" charset="0"/>
-              <a:buChar char="•"/>
-            </a:pPr>
-            <a:r>
-              <a:rPr lang="en-US" sz="1900" b="1" dirty="0">
-                <a:solidFill>
-                  <a:srgbClr val="002060"/>
-                </a:solidFill>
-              </a:rPr>
-              <a:t>Provides telco pipelines as part of IBM OMS</a:t>
-            </a:r>
-          </a:p>
-          <a:p>
-            <a:pPr marL="1200150" lvl="2" indent="-285750">
-              <a:lnSpc>
-                <a:spcPct val="200000"/>
-              </a:lnSpc>
-              <a:buFont typeface="Arial" panose="020B0604020202020204" pitchFamily="34" charset="0"/>
-              <a:buChar char="•"/>
-            </a:pPr>
-            <a:r>
-              <a:rPr lang="en-US" sz="1900" b="1" dirty="0">
-                <a:solidFill>
-                  <a:srgbClr val="002060"/>
-                </a:solidFill>
-              </a:rPr>
-              <a:t>Accelerates the process modeling</a:t>
-            </a:r>
-          </a:p>
-          <a:p>
-            <a:pPr marL="1200150" lvl="2" indent="-285750">
-              <a:lnSpc>
-                <a:spcPct val="200000"/>
-              </a:lnSpc>
-              <a:buFont typeface="Arial" panose="020B0604020202020204" pitchFamily="34" charset="0"/>
-              <a:buChar char="•"/>
-            </a:pPr>
-            <a:r>
-              <a:rPr lang="en-US" sz="1900" b="1" dirty="0">
                 <a:solidFill>
                   <a:srgbClr val="002060"/>
                 </a:solidFill>
@@ -8436,7 +6678,94 @@
 </p:sld>
 </file>
 
-<file path=ppt/slides/slide9.xml><?xml version="1.0" encoding="utf-8"?>
+<file path=ppt/slides/slide13.xml><?xml version="1.0" encoding="utf-8"?>
+<p:sld xmlns:a="http://schemas.openxmlformats.org/drawingml/2006/main" xmlns:r="http://schemas.openxmlformats.org/officeDocument/2006/relationships" xmlns:p="http://schemas.openxmlformats.org/presentationml/2006/main">
+  <p:cSld>
+    <p:spTree>
+      <p:nvGrpSpPr>
+        <p:cNvPr id="1" name=""/>
+        <p:cNvGrpSpPr/>
+        <p:nvPr/>
+      </p:nvGrpSpPr>
+      <p:grpSpPr>
+        <a:xfrm>
+          <a:off x="0" y="0"/>
+          <a:ext cx="0" cy="0"/>
+          <a:chOff x="0" y="0"/>
+          <a:chExt cx="0" cy="0"/>
+        </a:xfrm>
+      </p:grpSpPr>
+      <p:sp>
+        <p:nvSpPr>
+          <p:cNvPr id="4" name="Title 3">
+            <a:extLst>
+              <a:ext uri="{FF2B5EF4-FFF2-40B4-BE49-F238E27FC236}">
+                <a16:creationId xmlns:a16="http://schemas.microsoft.com/office/drawing/2014/main" id="{A443A8A7-A3A5-194C-8553-414321DA5A13}"/>
+              </a:ext>
+            </a:extLst>
+          </p:cNvPr>
+          <p:cNvSpPr>
+            <a:spLocks noGrp="1"/>
+          </p:cNvSpPr>
+          <p:nvPr>
+            <p:ph type="title"/>
+          </p:nvPr>
+        </p:nvSpPr>
+        <p:spPr/>
+        <p:txBody>
+          <a:bodyPr/>
+          <a:lstStyle/>
+          <a:p>
+            <a:r>
+              <a:rPr lang="en-GB" dirty="0"/>
+              <a:t>A</a:t>
+            </a:r>
+            <a:r>
+              <a:rPr lang="en-DE" dirty="0"/>
+              <a:t>rchitecture overview</a:t>
+            </a:r>
+          </a:p>
+        </p:txBody>
+      </p:sp>
+      <p:sp>
+        <p:nvSpPr>
+          <p:cNvPr id="5" name="Text Placeholder 4">
+            <a:extLst>
+              <a:ext uri="{FF2B5EF4-FFF2-40B4-BE49-F238E27FC236}">
+                <a16:creationId xmlns:a16="http://schemas.microsoft.com/office/drawing/2014/main" id="{FD92DF40-ED06-6847-A05D-03CC08E1E252}"/>
+              </a:ext>
+            </a:extLst>
+          </p:cNvPr>
+          <p:cNvSpPr>
+            <a:spLocks noGrp="1"/>
+          </p:cNvSpPr>
+          <p:nvPr>
+            <p:ph type="body" idx="1"/>
+          </p:nvPr>
+        </p:nvSpPr>
+        <p:spPr/>
+        <p:txBody>
+          <a:bodyPr/>
+          <a:lstStyle/>
+          <a:p>
+            <a:endParaRPr lang="en-DE" dirty="0"/>
+          </a:p>
+        </p:txBody>
+      </p:sp>
+    </p:spTree>
+    <p:extLst>
+      <p:ext uri="{BB962C8B-B14F-4D97-AF65-F5344CB8AC3E}">
+        <p14:creationId xmlns:p14="http://schemas.microsoft.com/office/powerpoint/2010/main" val="3865355821"/>
+      </p:ext>
+    </p:extLst>
+  </p:cSld>
+  <p:clrMapOvr>
+    <a:masterClrMapping/>
+  </p:clrMapOvr>
+</p:sld>
+</file>
+
+<file path=ppt/slides/slide14.xml><?xml version="1.0" encoding="utf-8"?>
 <p:sld xmlns:a="http://schemas.openxmlformats.org/drawingml/2006/main" xmlns:r="http://schemas.openxmlformats.org/officeDocument/2006/relationships" xmlns:p="http://schemas.openxmlformats.org/presentationml/2006/main">
   <p:cSld>
     <p:spTree>
@@ -8671,7 +7000,7 @@
           </a:ln>
           <a:extLst>
             <a:ext uri="{C572A759-6A51-4108-AA02-DFA0A04FC94B}">
-              <ma14:wrappingTextBoxFlag xmlns="" xmlns:m="http://schemas.openxmlformats.org/officeDocument/2006/math" xmlns:a14="http://schemas.microsoft.com/office/drawing/2010/main" xmlns:ma14="http://schemas.microsoft.com/office/mac/drawingml/2011/main" val="1"/>
+              <ma14:wrappingTextBoxFlag xmlns:ma14="http://schemas.microsoft.com/office/mac/drawingml/2011/main" xmlns:a14="http://schemas.microsoft.com/office/drawing/2010/main" xmlns:m="http://schemas.openxmlformats.org/officeDocument/2006/math" xmlns="" val="1"/>
             </a:ext>
           </a:extLst>
         </p:spPr>
@@ -8753,7 +7082,7 @@
           </a:ln>
           <a:extLst>
             <a:ext uri="{C572A759-6A51-4108-AA02-DFA0A04FC94B}">
-              <ma14:wrappingTextBoxFlag xmlns="" xmlns:m="http://schemas.openxmlformats.org/officeDocument/2006/math" xmlns:a14="http://schemas.microsoft.com/office/drawing/2010/main" xmlns:ma14="http://schemas.microsoft.com/office/mac/drawingml/2011/main" val="1"/>
+              <ma14:wrappingTextBoxFlag xmlns:ma14="http://schemas.microsoft.com/office/mac/drawingml/2011/main" xmlns:a14="http://schemas.microsoft.com/office/drawing/2010/main" xmlns:m="http://schemas.openxmlformats.org/officeDocument/2006/math" xmlns="" val="1"/>
             </a:ext>
           </a:extLst>
         </p:spPr>
@@ -8894,7 +7223,7 @@
             <a:effectLst/>
             <a:extLst>
               <a:ext uri="{C572A759-6A51-4108-AA02-DFA0A04FC94B}">
-                <ma14:wrappingTextBoxFlag xmlns="" xmlns:m="http://schemas.openxmlformats.org/officeDocument/2006/math" xmlns:a14="http://schemas.microsoft.com/office/drawing/2010/main" xmlns:ma14="http://schemas.microsoft.com/office/mac/drawingml/2011/main" val="1"/>
+                <ma14:wrappingTextBoxFlag xmlns:ma14="http://schemas.microsoft.com/office/mac/drawingml/2011/main" xmlns:a14="http://schemas.microsoft.com/office/drawing/2010/main" xmlns:m="http://schemas.openxmlformats.org/officeDocument/2006/math" xmlns="" val="1"/>
               </a:ext>
             </a:extLst>
           </p:spPr>
@@ -9000,7 +7329,7 @@
             <a:effectLst/>
             <a:extLst>
               <a:ext uri="{C572A759-6A51-4108-AA02-DFA0A04FC94B}">
-                <ma14:wrappingTextBoxFlag xmlns="" xmlns:m="http://schemas.openxmlformats.org/officeDocument/2006/math" xmlns:a14="http://schemas.microsoft.com/office/drawing/2010/main" xmlns:ma14="http://schemas.microsoft.com/office/mac/drawingml/2011/main" val="1"/>
+                <ma14:wrappingTextBoxFlag xmlns:ma14="http://schemas.microsoft.com/office/mac/drawingml/2011/main" xmlns:a14="http://schemas.microsoft.com/office/drawing/2010/main" xmlns:m="http://schemas.openxmlformats.org/officeDocument/2006/math" xmlns="" val="1"/>
               </a:ext>
             </a:extLst>
           </p:spPr>
@@ -9106,7 +7435,7 @@
             <a:effectLst/>
             <a:extLst>
               <a:ext uri="{C572A759-6A51-4108-AA02-DFA0A04FC94B}">
-                <ma14:wrappingTextBoxFlag xmlns="" xmlns:m="http://schemas.openxmlformats.org/officeDocument/2006/math" xmlns:a14="http://schemas.microsoft.com/office/drawing/2010/main" xmlns:ma14="http://schemas.microsoft.com/office/mac/drawingml/2011/main" val="1"/>
+                <ma14:wrappingTextBoxFlag xmlns:ma14="http://schemas.microsoft.com/office/mac/drawingml/2011/main" xmlns:a14="http://schemas.microsoft.com/office/drawing/2010/main" xmlns:m="http://schemas.openxmlformats.org/officeDocument/2006/math" xmlns="" val="1"/>
               </a:ext>
             </a:extLst>
           </p:spPr>
@@ -9246,7 +7575,7 @@
             <a:effectLst/>
             <a:extLst>
               <a:ext uri="{C572A759-6A51-4108-AA02-DFA0A04FC94B}">
-                <ma14:wrappingTextBoxFlag xmlns="" xmlns:m="http://schemas.openxmlformats.org/officeDocument/2006/math" xmlns:a14="http://schemas.microsoft.com/office/drawing/2010/main" xmlns:ma14="http://schemas.microsoft.com/office/mac/drawingml/2011/main" val="1"/>
+                <ma14:wrappingTextBoxFlag xmlns:ma14="http://schemas.microsoft.com/office/mac/drawingml/2011/main" xmlns:a14="http://schemas.microsoft.com/office/drawing/2010/main" xmlns:m="http://schemas.openxmlformats.org/officeDocument/2006/math" xmlns="" val="1"/>
               </a:ext>
             </a:extLst>
           </p:spPr>
@@ -9352,7 +7681,7 @@
             <a:effectLst/>
             <a:extLst>
               <a:ext uri="{C572A759-6A51-4108-AA02-DFA0A04FC94B}">
-                <ma14:wrappingTextBoxFlag xmlns="" xmlns:m="http://schemas.openxmlformats.org/officeDocument/2006/math" xmlns:a14="http://schemas.microsoft.com/office/drawing/2010/main" xmlns:ma14="http://schemas.microsoft.com/office/mac/drawingml/2011/main" val="1"/>
+                <ma14:wrappingTextBoxFlag xmlns:ma14="http://schemas.microsoft.com/office/mac/drawingml/2011/main" xmlns:a14="http://schemas.microsoft.com/office/drawing/2010/main" xmlns:m="http://schemas.openxmlformats.org/officeDocument/2006/math" xmlns="" val="1"/>
               </a:ext>
             </a:extLst>
           </p:spPr>
@@ -9492,7 +7821,7 @@
             <a:effectLst/>
             <a:extLst>
               <a:ext uri="{C572A759-6A51-4108-AA02-DFA0A04FC94B}">
-                <ma14:wrappingTextBoxFlag xmlns="" xmlns:m="http://schemas.openxmlformats.org/officeDocument/2006/math" xmlns:a14="http://schemas.microsoft.com/office/drawing/2010/main" xmlns:ma14="http://schemas.microsoft.com/office/mac/drawingml/2011/main" val="1"/>
+                <ma14:wrappingTextBoxFlag xmlns:ma14="http://schemas.microsoft.com/office/mac/drawingml/2011/main" xmlns:a14="http://schemas.microsoft.com/office/drawing/2010/main" xmlns:m="http://schemas.openxmlformats.org/officeDocument/2006/math" xmlns="" val="1"/>
               </a:ext>
             </a:extLst>
           </p:spPr>
@@ -9635,7 +7964,7 @@
               <a:effectLst/>
               <a:extLst>
                 <a:ext uri="{C572A759-6A51-4108-AA02-DFA0A04FC94B}">
-                  <ma14:wrappingTextBoxFlag xmlns="" xmlns:m="http://schemas.openxmlformats.org/officeDocument/2006/math" xmlns:a14="http://schemas.microsoft.com/office/drawing/2010/main" xmlns:ma14="http://schemas.microsoft.com/office/mac/drawingml/2011/main" val="1"/>
+                  <ma14:wrappingTextBoxFlag xmlns:ma14="http://schemas.microsoft.com/office/mac/drawingml/2011/main" xmlns:a14="http://schemas.microsoft.com/office/drawing/2010/main" xmlns:m="http://schemas.openxmlformats.org/officeDocument/2006/math" xmlns="" val="1"/>
                 </a:ext>
               </a:extLst>
             </p:spPr>
@@ -9775,7 +8104,7 @@
               <a:effectLst/>
               <a:extLst>
                 <a:ext uri="{C572A759-6A51-4108-AA02-DFA0A04FC94B}">
-                  <ma14:wrappingTextBoxFlag xmlns="" xmlns:m="http://schemas.openxmlformats.org/officeDocument/2006/math" xmlns:a14="http://schemas.microsoft.com/office/drawing/2010/main" xmlns:ma14="http://schemas.microsoft.com/office/mac/drawingml/2011/main" val="1"/>
+                  <ma14:wrappingTextBoxFlag xmlns:ma14="http://schemas.microsoft.com/office/mac/drawingml/2011/main" xmlns:a14="http://schemas.microsoft.com/office/drawing/2010/main" xmlns:m="http://schemas.openxmlformats.org/officeDocument/2006/math" xmlns="" val="1"/>
                 </a:ext>
               </a:extLst>
             </p:spPr>
@@ -9915,7 +8244,7 @@
               <a:effectLst/>
               <a:extLst>
                 <a:ext uri="{C572A759-6A51-4108-AA02-DFA0A04FC94B}">
-                  <ma14:wrappingTextBoxFlag xmlns="" xmlns:m="http://schemas.openxmlformats.org/officeDocument/2006/math" xmlns:a14="http://schemas.microsoft.com/office/drawing/2010/main" xmlns:ma14="http://schemas.microsoft.com/office/mac/drawingml/2011/main" val="1"/>
+                  <ma14:wrappingTextBoxFlag xmlns:ma14="http://schemas.microsoft.com/office/mac/drawingml/2011/main" xmlns:a14="http://schemas.microsoft.com/office/drawing/2010/main" xmlns:m="http://schemas.openxmlformats.org/officeDocument/2006/math" xmlns="" val="1"/>
                 </a:ext>
               </a:extLst>
             </p:spPr>
@@ -10055,7 +8384,7 @@
               <a:effectLst/>
               <a:extLst>
                 <a:ext uri="{C572A759-6A51-4108-AA02-DFA0A04FC94B}">
-                  <ma14:wrappingTextBoxFlag xmlns="" xmlns:m="http://schemas.openxmlformats.org/officeDocument/2006/math" xmlns:a14="http://schemas.microsoft.com/office/drawing/2010/main" xmlns:ma14="http://schemas.microsoft.com/office/mac/drawingml/2011/main" val="1"/>
+                  <ma14:wrappingTextBoxFlag xmlns:ma14="http://schemas.microsoft.com/office/mac/drawingml/2011/main" xmlns:a14="http://schemas.microsoft.com/office/drawing/2010/main" xmlns:m="http://schemas.openxmlformats.org/officeDocument/2006/math" xmlns="" val="1"/>
                 </a:ext>
               </a:extLst>
             </p:spPr>
@@ -10195,7 +8524,7 @@
               <a:effectLst/>
               <a:extLst>
                 <a:ext uri="{C572A759-6A51-4108-AA02-DFA0A04FC94B}">
-                  <ma14:wrappingTextBoxFlag xmlns="" xmlns:m="http://schemas.openxmlformats.org/officeDocument/2006/math" xmlns:a14="http://schemas.microsoft.com/office/drawing/2010/main" xmlns:ma14="http://schemas.microsoft.com/office/mac/drawingml/2011/main" val="1"/>
+                  <ma14:wrappingTextBoxFlag xmlns:ma14="http://schemas.microsoft.com/office/mac/drawingml/2011/main" xmlns:a14="http://schemas.microsoft.com/office/drawing/2010/main" xmlns:m="http://schemas.openxmlformats.org/officeDocument/2006/math" xmlns="" val="1"/>
                 </a:ext>
               </a:extLst>
             </p:spPr>
@@ -10335,7 +8664,7 @@
               <a:effectLst/>
               <a:extLst>
                 <a:ext uri="{C572A759-6A51-4108-AA02-DFA0A04FC94B}">
-                  <ma14:wrappingTextBoxFlag xmlns="" xmlns:m="http://schemas.openxmlformats.org/officeDocument/2006/math" xmlns:a14="http://schemas.microsoft.com/office/drawing/2010/main" xmlns:ma14="http://schemas.microsoft.com/office/mac/drawingml/2011/main" val="1"/>
+                  <ma14:wrappingTextBoxFlag xmlns:ma14="http://schemas.microsoft.com/office/mac/drawingml/2011/main" xmlns:a14="http://schemas.microsoft.com/office/drawing/2010/main" xmlns:m="http://schemas.openxmlformats.org/officeDocument/2006/math" xmlns="" val="1"/>
                 </a:ext>
               </a:extLst>
             </p:spPr>
@@ -10381,7 +8710,7 @@
           </a:ln>
           <a:extLst>
             <a:ext uri="{C572A759-6A51-4108-AA02-DFA0A04FC94B}">
-              <ma14:wrappingTextBoxFlag xmlns="" xmlns:m="http://schemas.openxmlformats.org/officeDocument/2006/math" xmlns:a14="http://schemas.microsoft.com/office/drawing/2010/main" xmlns:ma14="http://schemas.microsoft.com/office/mac/drawingml/2011/main" val="1"/>
+              <ma14:wrappingTextBoxFlag xmlns:ma14="http://schemas.microsoft.com/office/mac/drawingml/2011/main" xmlns:a14="http://schemas.microsoft.com/office/drawing/2010/main" xmlns:m="http://schemas.openxmlformats.org/officeDocument/2006/math" xmlns="" val="1"/>
             </a:ext>
           </a:extLst>
         </p:spPr>
@@ -10433,7 +8762,7 @@
           </a:ln>
           <a:extLst>
             <a:ext uri="{C572A759-6A51-4108-AA02-DFA0A04FC94B}">
-              <ma14:wrappingTextBoxFlag xmlns="" xmlns:m="http://schemas.openxmlformats.org/officeDocument/2006/math" xmlns:a14="http://schemas.microsoft.com/office/drawing/2010/main" xmlns:ma14="http://schemas.microsoft.com/office/mac/drawingml/2011/main" val="1"/>
+              <ma14:wrappingTextBoxFlag xmlns:ma14="http://schemas.microsoft.com/office/mac/drawingml/2011/main" xmlns:a14="http://schemas.microsoft.com/office/drawing/2010/main" xmlns:m="http://schemas.openxmlformats.org/officeDocument/2006/math" xmlns="" val="1"/>
             </a:ext>
           </a:extLst>
         </p:spPr>
@@ -10538,7 +8867,7 @@
             <a:effectLst/>
             <a:extLst>
               <a:ext uri="{C572A759-6A51-4108-AA02-DFA0A04FC94B}">
-                <ma14:wrappingTextBoxFlag xmlns="" xmlns:m="http://schemas.openxmlformats.org/officeDocument/2006/math" xmlns:a14="http://schemas.microsoft.com/office/drawing/2010/main" xmlns:ma14="http://schemas.microsoft.com/office/mac/drawingml/2011/main" val="1"/>
+                <ma14:wrappingTextBoxFlag xmlns:ma14="http://schemas.microsoft.com/office/mac/drawingml/2011/main" xmlns:a14="http://schemas.microsoft.com/office/drawing/2010/main" xmlns:m="http://schemas.openxmlformats.org/officeDocument/2006/math" xmlns="" val="1"/>
               </a:ext>
             </a:extLst>
           </p:spPr>
@@ -10794,7 +9123,7 @@
             <a:effectLst/>
             <a:extLst>
               <a:ext uri="{C572A759-6A51-4108-AA02-DFA0A04FC94B}">
-                <ma14:wrappingTextBoxFlag xmlns="" xmlns:m="http://schemas.openxmlformats.org/officeDocument/2006/math" xmlns:a14="http://schemas.microsoft.com/office/drawing/2010/main" xmlns:ma14="http://schemas.microsoft.com/office/mac/drawingml/2011/main" val="1"/>
+                <ma14:wrappingTextBoxFlag xmlns:ma14="http://schemas.microsoft.com/office/mac/drawingml/2011/main" xmlns:a14="http://schemas.microsoft.com/office/drawing/2010/main" xmlns:m="http://schemas.openxmlformats.org/officeDocument/2006/math" xmlns="" val="1"/>
               </a:ext>
             </a:extLst>
           </p:spPr>
@@ -10900,7 +9229,7 @@
             <a:effectLst/>
             <a:extLst>
               <a:ext uri="{C572A759-6A51-4108-AA02-DFA0A04FC94B}">
-                <ma14:wrappingTextBoxFlag xmlns="" xmlns:m="http://schemas.openxmlformats.org/officeDocument/2006/math" xmlns:a14="http://schemas.microsoft.com/office/drawing/2010/main" xmlns:ma14="http://schemas.microsoft.com/office/mac/drawingml/2011/main" val="1"/>
+                <ma14:wrappingTextBoxFlag xmlns:ma14="http://schemas.microsoft.com/office/mac/drawingml/2011/main" xmlns:a14="http://schemas.microsoft.com/office/drawing/2010/main" xmlns:m="http://schemas.openxmlformats.org/officeDocument/2006/math" xmlns="" val="1"/>
               </a:ext>
             </a:extLst>
           </p:spPr>
@@ -11006,7 +9335,7 @@
             <a:effectLst/>
             <a:extLst>
               <a:ext uri="{C572A759-6A51-4108-AA02-DFA0A04FC94B}">
-                <ma14:wrappingTextBoxFlag xmlns="" xmlns:m="http://schemas.openxmlformats.org/officeDocument/2006/math" xmlns:a14="http://schemas.microsoft.com/office/drawing/2010/main" xmlns:ma14="http://schemas.microsoft.com/office/mac/drawingml/2011/main" val="1"/>
+                <ma14:wrappingTextBoxFlag xmlns:ma14="http://schemas.microsoft.com/office/mac/drawingml/2011/main" xmlns:a14="http://schemas.microsoft.com/office/drawing/2010/main" xmlns:m="http://schemas.openxmlformats.org/officeDocument/2006/math" xmlns="" val="1"/>
               </a:ext>
             </a:extLst>
           </p:spPr>
@@ -11112,7 +9441,7 @@
             <a:effectLst/>
             <a:extLst>
               <a:ext uri="{C572A759-6A51-4108-AA02-DFA0A04FC94B}">
-                <ma14:wrappingTextBoxFlag xmlns="" xmlns:m="http://schemas.openxmlformats.org/officeDocument/2006/math" xmlns:a14="http://schemas.microsoft.com/office/drawing/2010/main" xmlns:ma14="http://schemas.microsoft.com/office/mac/drawingml/2011/main" val="1"/>
+                <ma14:wrappingTextBoxFlag xmlns:ma14="http://schemas.microsoft.com/office/mac/drawingml/2011/main" xmlns:a14="http://schemas.microsoft.com/office/drawing/2010/main" xmlns:m="http://schemas.openxmlformats.org/officeDocument/2006/math" xmlns="" val="1"/>
               </a:ext>
             </a:extLst>
           </p:spPr>
@@ -11218,7 +9547,7 @@
             <a:effectLst/>
             <a:extLst>
               <a:ext uri="{C572A759-6A51-4108-AA02-DFA0A04FC94B}">
-                <ma14:wrappingTextBoxFlag xmlns="" xmlns:m="http://schemas.openxmlformats.org/officeDocument/2006/math" xmlns:a14="http://schemas.microsoft.com/office/drawing/2010/main" xmlns:ma14="http://schemas.microsoft.com/office/mac/drawingml/2011/main" val="1"/>
+                <ma14:wrappingTextBoxFlag xmlns:ma14="http://schemas.microsoft.com/office/mac/drawingml/2011/main" xmlns:a14="http://schemas.microsoft.com/office/drawing/2010/main" xmlns:m="http://schemas.openxmlformats.org/officeDocument/2006/math" xmlns="" val="1"/>
               </a:ext>
             </a:extLst>
           </p:spPr>
@@ -11324,7 +9653,7 @@
             <a:effectLst/>
             <a:extLst>
               <a:ext uri="{C572A759-6A51-4108-AA02-DFA0A04FC94B}">
-                <ma14:wrappingTextBoxFlag xmlns="" xmlns:m="http://schemas.openxmlformats.org/officeDocument/2006/math" xmlns:a14="http://schemas.microsoft.com/office/drawing/2010/main" xmlns:ma14="http://schemas.microsoft.com/office/mac/drawingml/2011/main" val="1"/>
+                <ma14:wrappingTextBoxFlag xmlns:ma14="http://schemas.microsoft.com/office/mac/drawingml/2011/main" xmlns:a14="http://schemas.microsoft.com/office/drawing/2010/main" xmlns:m="http://schemas.openxmlformats.org/officeDocument/2006/math" xmlns="" val="1"/>
               </a:ext>
             </a:extLst>
           </p:spPr>
@@ -11430,7 +9759,7 @@
             <a:effectLst/>
             <a:extLst>
               <a:ext uri="{C572A759-6A51-4108-AA02-DFA0A04FC94B}">
-                <ma14:wrappingTextBoxFlag xmlns="" xmlns:m="http://schemas.openxmlformats.org/officeDocument/2006/math" xmlns:a14="http://schemas.microsoft.com/office/drawing/2010/main" xmlns:ma14="http://schemas.microsoft.com/office/mac/drawingml/2011/main" val="1"/>
+                <ma14:wrappingTextBoxFlag xmlns:ma14="http://schemas.microsoft.com/office/mac/drawingml/2011/main" xmlns:a14="http://schemas.microsoft.com/office/drawing/2010/main" xmlns:m="http://schemas.openxmlformats.org/officeDocument/2006/math" xmlns="" val="1"/>
               </a:ext>
             </a:extLst>
           </p:spPr>
@@ -11475,7 +9804,7 @@
           </a:ln>
           <a:extLst>
             <a:ext uri="{C572A759-6A51-4108-AA02-DFA0A04FC94B}">
-              <ma14:wrappingTextBoxFlag xmlns="" xmlns:m="http://schemas.openxmlformats.org/officeDocument/2006/math" xmlns:a14="http://schemas.microsoft.com/office/drawing/2010/main" xmlns:ma14="http://schemas.microsoft.com/office/mac/drawingml/2011/main" val="1"/>
+              <ma14:wrappingTextBoxFlag xmlns:ma14="http://schemas.microsoft.com/office/mac/drawingml/2011/main" xmlns:a14="http://schemas.microsoft.com/office/drawing/2010/main" xmlns:m="http://schemas.openxmlformats.org/officeDocument/2006/math" xmlns="" val="1"/>
             </a:ext>
           </a:extLst>
         </p:spPr>
@@ -11515,7 +9844,7 @@
           </a:ln>
           <a:extLst>
             <a:ext uri="{C572A759-6A51-4108-AA02-DFA0A04FC94B}">
-              <ma14:wrappingTextBoxFlag xmlns="" xmlns:m="http://schemas.openxmlformats.org/officeDocument/2006/math" xmlns:a14="http://schemas.microsoft.com/office/drawing/2010/main" xmlns:ma14="http://schemas.microsoft.com/office/mac/drawingml/2011/main" val="1"/>
+              <ma14:wrappingTextBoxFlag xmlns:ma14="http://schemas.microsoft.com/office/mac/drawingml/2011/main" xmlns:a14="http://schemas.microsoft.com/office/drawing/2010/main" xmlns:m="http://schemas.openxmlformats.org/officeDocument/2006/math" xmlns="" val="1"/>
             </a:ext>
           </a:extLst>
         </p:spPr>
@@ -11555,7 +9884,7 @@
           </a:ln>
           <a:extLst>
             <a:ext uri="{C572A759-6A51-4108-AA02-DFA0A04FC94B}">
-              <ma14:wrappingTextBoxFlag xmlns="" xmlns:m="http://schemas.openxmlformats.org/officeDocument/2006/math" xmlns:a14="http://schemas.microsoft.com/office/drawing/2010/main" xmlns:ma14="http://schemas.microsoft.com/office/mac/drawingml/2011/main" val="1"/>
+              <ma14:wrappingTextBoxFlag xmlns:ma14="http://schemas.microsoft.com/office/mac/drawingml/2011/main" xmlns:a14="http://schemas.microsoft.com/office/drawing/2010/main" xmlns:m="http://schemas.openxmlformats.org/officeDocument/2006/math" xmlns="" val="1"/>
             </a:ext>
           </a:extLst>
         </p:spPr>
@@ -11597,7 +9926,7 @@
           </a:ln>
           <a:extLst>
             <a:ext uri="{C572A759-6A51-4108-AA02-DFA0A04FC94B}">
-              <ma14:wrappingTextBoxFlag xmlns="" xmlns:m="http://schemas.openxmlformats.org/officeDocument/2006/math" xmlns:a14="http://schemas.microsoft.com/office/drawing/2010/main" xmlns:ma14="http://schemas.microsoft.com/office/mac/drawingml/2011/main" val="1"/>
+              <ma14:wrappingTextBoxFlag xmlns:ma14="http://schemas.microsoft.com/office/mac/drawingml/2011/main" xmlns:a14="http://schemas.microsoft.com/office/drawing/2010/main" xmlns:m="http://schemas.openxmlformats.org/officeDocument/2006/math" xmlns="" val="1"/>
             </a:ext>
           </a:extLst>
         </p:spPr>
@@ -11649,7 +9978,7 @@
           </a:ln>
           <a:extLst>
             <a:ext uri="{C572A759-6A51-4108-AA02-DFA0A04FC94B}">
-              <ma14:wrappingTextBoxFlag xmlns="" xmlns:m="http://schemas.openxmlformats.org/officeDocument/2006/math" xmlns:a14="http://schemas.microsoft.com/office/drawing/2010/main" xmlns:ma14="http://schemas.microsoft.com/office/mac/drawingml/2011/main" val="1"/>
+              <ma14:wrappingTextBoxFlag xmlns:ma14="http://schemas.microsoft.com/office/mac/drawingml/2011/main" xmlns:a14="http://schemas.microsoft.com/office/drawing/2010/main" xmlns:m="http://schemas.openxmlformats.org/officeDocument/2006/math" xmlns="" val="1"/>
             </a:ext>
           </a:extLst>
         </p:spPr>
@@ -11773,7 +10102,7 @@
           </a:ln>
           <a:extLst>
             <a:ext uri="{C572A759-6A51-4108-AA02-DFA0A04FC94B}">
-              <ma14:wrappingTextBoxFlag xmlns="" xmlns:m="http://schemas.openxmlformats.org/officeDocument/2006/math" xmlns:a14="http://schemas.microsoft.com/office/drawing/2010/main" xmlns:ma14="http://schemas.microsoft.com/office/mac/drawingml/2011/main" val="1"/>
+              <ma14:wrappingTextBoxFlag xmlns:ma14="http://schemas.microsoft.com/office/mac/drawingml/2011/main" xmlns:a14="http://schemas.microsoft.com/office/drawing/2010/main" xmlns:m="http://schemas.openxmlformats.org/officeDocument/2006/math" xmlns="" val="1"/>
             </a:ext>
           </a:extLst>
         </p:spPr>
@@ -11886,7 +10215,7 @@
             <a:effectLst/>
             <a:extLst>
               <a:ext uri="{C572A759-6A51-4108-AA02-DFA0A04FC94B}">
-                <ma14:wrappingTextBoxFlag xmlns="" xmlns:m="http://schemas.openxmlformats.org/officeDocument/2006/math" xmlns:a14="http://schemas.microsoft.com/office/drawing/2010/main" xmlns:ma14="http://schemas.microsoft.com/office/mac/drawingml/2011/main" val="1"/>
+                <ma14:wrappingTextBoxFlag xmlns:ma14="http://schemas.microsoft.com/office/mac/drawingml/2011/main" xmlns:a14="http://schemas.microsoft.com/office/drawing/2010/main" xmlns:m="http://schemas.openxmlformats.org/officeDocument/2006/math" xmlns="" val="1"/>
               </a:ext>
             </a:extLst>
           </p:spPr>
@@ -11992,7 +10321,7 @@
             <a:effectLst/>
             <a:extLst>
               <a:ext uri="{C572A759-6A51-4108-AA02-DFA0A04FC94B}">
-                <ma14:wrappingTextBoxFlag xmlns="" xmlns:m="http://schemas.openxmlformats.org/officeDocument/2006/math" xmlns:a14="http://schemas.microsoft.com/office/drawing/2010/main" xmlns:ma14="http://schemas.microsoft.com/office/mac/drawingml/2011/main" val="1"/>
+                <ma14:wrappingTextBoxFlag xmlns:ma14="http://schemas.microsoft.com/office/mac/drawingml/2011/main" xmlns:a14="http://schemas.microsoft.com/office/drawing/2010/main" xmlns:m="http://schemas.openxmlformats.org/officeDocument/2006/math" xmlns="" val="1"/>
               </a:ext>
             </a:extLst>
           </p:spPr>
@@ -12098,7 +10427,7 @@
             <a:effectLst/>
             <a:extLst>
               <a:ext uri="{C572A759-6A51-4108-AA02-DFA0A04FC94B}">
-                <ma14:wrappingTextBoxFlag xmlns="" xmlns:m="http://schemas.openxmlformats.org/officeDocument/2006/math" xmlns:a14="http://schemas.microsoft.com/office/drawing/2010/main" xmlns:ma14="http://schemas.microsoft.com/office/mac/drawingml/2011/main" val="1"/>
+                <ma14:wrappingTextBoxFlag xmlns:ma14="http://schemas.microsoft.com/office/mac/drawingml/2011/main" xmlns:a14="http://schemas.microsoft.com/office/drawing/2010/main" xmlns:m="http://schemas.openxmlformats.org/officeDocument/2006/math" xmlns="" val="1"/>
               </a:ext>
             </a:extLst>
           </p:spPr>
@@ -12250,7 +10579,7 @@
             <a:effectLst/>
             <a:extLst>
               <a:ext uri="{C572A759-6A51-4108-AA02-DFA0A04FC94B}">
-                <ma14:wrappingTextBoxFlag xmlns="" xmlns:m="http://schemas.openxmlformats.org/officeDocument/2006/math" xmlns:a14="http://schemas.microsoft.com/office/drawing/2010/main" xmlns:ma14="http://schemas.microsoft.com/office/mac/drawingml/2011/main" val="1"/>
+                <ma14:wrappingTextBoxFlag xmlns:ma14="http://schemas.microsoft.com/office/mac/drawingml/2011/main" xmlns:a14="http://schemas.microsoft.com/office/drawing/2010/main" xmlns:m="http://schemas.openxmlformats.org/officeDocument/2006/math" xmlns="" val="1"/>
               </a:ext>
             </a:extLst>
           </p:spPr>
@@ -12714,7 +11043,7 @@
             <a:effectLst/>
             <a:extLst>
               <a:ext uri="{C572A759-6A51-4108-AA02-DFA0A04FC94B}">
-                <ma14:wrappingTextBoxFlag xmlns="" xmlns:m="http://schemas.openxmlformats.org/officeDocument/2006/math" xmlns:a14="http://schemas.microsoft.com/office/drawing/2010/main" xmlns:ma14="http://schemas.microsoft.com/office/mac/drawingml/2011/main" val="1"/>
+                <ma14:wrappingTextBoxFlag xmlns:ma14="http://schemas.microsoft.com/office/mac/drawingml/2011/main" xmlns:a14="http://schemas.microsoft.com/office/drawing/2010/main" xmlns:m="http://schemas.openxmlformats.org/officeDocument/2006/math" xmlns="" val="1"/>
               </a:ext>
             </a:extLst>
           </p:spPr>
@@ -12820,7 +11149,7 @@
             <a:effectLst/>
             <a:extLst>
               <a:ext uri="{C572A759-6A51-4108-AA02-DFA0A04FC94B}">
-                <ma14:wrappingTextBoxFlag xmlns="" xmlns:m="http://schemas.openxmlformats.org/officeDocument/2006/math" xmlns:a14="http://schemas.microsoft.com/office/drawing/2010/main" xmlns:ma14="http://schemas.microsoft.com/office/mac/drawingml/2011/main" val="1"/>
+                <ma14:wrappingTextBoxFlag xmlns:ma14="http://schemas.microsoft.com/office/mac/drawingml/2011/main" xmlns:a14="http://schemas.microsoft.com/office/drawing/2010/main" xmlns:m="http://schemas.openxmlformats.org/officeDocument/2006/math" xmlns="" val="1"/>
               </a:ext>
             </a:extLst>
           </p:spPr>
@@ -12926,7 +11255,7 @@
             <a:effectLst/>
             <a:extLst>
               <a:ext uri="{C572A759-6A51-4108-AA02-DFA0A04FC94B}">
-                <ma14:wrappingTextBoxFlag xmlns="" xmlns:m="http://schemas.openxmlformats.org/officeDocument/2006/math" xmlns:a14="http://schemas.microsoft.com/office/drawing/2010/main" xmlns:ma14="http://schemas.microsoft.com/office/mac/drawingml/2011/main" val="1"/>
+                <ma14:wrappingTextBoxFlag xmlns:ma14="http://schemas.microsoft.com/office/mac/drawingml/2011/main" xmlns:a14="http://schemas.microsoft.com/office/drawing/2010/main" xmlns:m="http://schemas.openxmlformats.org/officeDocument/2006/math" xmlns="" val="1"/>
               </a:ext>
             </a:extLst>
           </p:spPr>
@@ -13057,7 +11386,7 @@
           </a:ln>
           <a:extLst>
             <a:ext uri="{C572A759-6A51-4108-AA02-DFA0A04FC94B}">
-              <ma14:wrappingTextBoxFlag xmlns="" xmlns:m="http://schemas.openxmlformats.org/officeDocument/2006/math" xmlns:a14="http://schemas.microsoft.com/office/drawing/2010/main" xmlns:ma14="http://schemas.microsoft.com/office/mac/drawingml/2011/main" val="1"/>
+              <ma14:wrappingTextBoxFlag xmlns:ma14="http://schemas.microsoft.com/office/mac/drawingml/2011/main" xmlns:a14="http://schemas.microsoft.com/office/drawing/2010/main" xmlns:m="http://schemas.openxmlformats.org/officeDocument/2006/math" xmlns="" val="1"/>
             </a:ext>
           </a:extLst>
         </p:spPr>
@@ -13099,7 +11428,7 @@
           </a:ln>
           <a:extLst>
             <a:ext uri="{C572A759-6A51-4108-AA02-DFA0A04FC94B}">
-              <ma14:wrappingTextBoxFlag xmlns="" xmlns:m="http://schemas.openxmlformats.org/officeDocument/2006/math" xmlns:a14="http://schemas.microsoft.com/office/drawing/2010/main" xmlns:ma14="http://schemas.microsoft.com/office/mac/drawingml/2011/main" val="1"/>
+              <ma14:wrappingTextBoxFlag xmlns:ma14="http://schemas.microsoft.com/office/mac/drawingml/2011/main" xmlns:a14="http://schemas.microsoft.com/office/drawing/2010/main" xmlns:m="http://schemas.openxmlformats.org/officeDocument/2006/math" xmlns="" val="1"/>
             </a:ext>
           </a:extLst>
         </p:spPr>
@@ -13176,7 +11505,7 @@
           </a:ln>
           <a:extLst>
             <a:ext uri="{C572A759-6A51-4108-AA02-DFA0A04FC94B}">
-              <ma14:wrappingTextBoxFlag xmlns="" xmlns:m="http://schemas.openxmlformats.org/officeDocument/2006/math" xmlns:a14="http://schemas.microsoft.com/office/drawing/2010/main" xmlns:ma14="http://schemas.microsoft.com/office/mac/drawingml/2011/main" val="1"/>
+              <ma14:wrappingTextBoxFlag xmlns:ma14="http://schemas.microsoft.com/office/mac/drawingml/2011/main" xmlns:a14="http://schemas.microsoft.com/office/drawing/2010/main" xmlns:m="http://schemas.openxmlformats.org/officeDocument/2006/math" xmlns="" val="1"/>
             </a:ext>
           </a:extLst>
         </p:spPr>
@@ -13444,7 +11773,7 @@
           </a:ln>
           <a:extLst>
             <a:ext uri="{C572A759-6A51-4108-AA02-DFA0A04FC94B}">
-              <ma14:wrappingTextBoxFlag xmlns="" xmlns:m="http://schemas.openxmlformats.org/officeDocument/2006/math" xmlns:a14="http://schemas.microsoft.com/office/drawing/2010/main" xmlns:ma14="http://schemas.microsoft.com/office/mac/drawingml/2011/main" val="1"/>
+              <ma14:wrappingTextBoxFlag xmlns:ma14="http://schemas.microsoft.com/office/mac/drawingml/2011/main" xmlns:a14="http://schemas.microsoft.com/office/drawing/2010/main" xmlns:m="http://schemas.openxmlformats.org/officeDocument/2006/math" xmlns="" val="1"/>
             </a:ext>
           </a:extLst>
         </p:spPr>
@@ -13545,7 +11874,7 @@
             <a:effectLst/>
             <a:extLst>
               <a:ext uri="{C572A759-6A51-4108-AA02-DFA0A04FC94B}">
-                <ma14:wrappingTextBoxFlag xmlns="" xmlns:m="http://schemas.openxmlformats.org/officeDocument/2006/math" xmlns:a14="http://schemas.microsoft.com/office/drawing/2010/main" xmlns:ma14="http://schemas.microsoft.com/office/mac/drawingml/2011/main" val="1"/>
+                <ma14:wrappingTextBoxFlag xmlns:ma14="http://schemas.microsoft.com/office/mac/drawingml/2011/main" xmlns:a14="http://schemas.microsoft.com/office/drawing/2010/main" xmlns:m="http://schemas.openxmlformats.org/officeDocument/2006/math" xmlns="" val="1"/>
               </a:ext>
             </a:extLst>
           </p:spPr>
@@ -13651,7 +11980,7 @@
             <a:effectLst/>
             <a:extLst>
               <a:ext uri="{C572A759-6A51-4108-AA02-DFA0A04FC94B}">
-                <ma14:wrappingTextBoxFlag xmlns="" xmlns:m="http://schemas.openxmlformats.org/officeDocument/2006/math" xmlns:a14="http://schemas.microsoft.com/office/drawing/2010/main" xmlns:ma14="http://schemas.microsoft.com/office/mac/drawingml/2011/main" val="1"/>
+                <ma14:wrappingTextBoxFlag xmlns:ma14="http://schemas.microsoft.com/office/mac/drawingml/2011/main" xmlns:a14="http://schemas.microsoft.com/office/drawing/2010/main" xmlns:m="http://schemas.openxmlformats.org/officeDocument/2006/math" xmlns="" val="1"/>
               </a:ext>
             </a:extLst>
           </p:spPr>
@@ -13757,7 +12086,7 @@
             <a:effectLst/>
             <a:extLst>
               <a:ext uri="{C572A759-6A51-4108-AA02-DFA0A04FC94B}">
-                <ma14:wrappingTextBoxFlag xmlns="" xmlns:m="http://schemas.openxmlformats.org/officeDocument/2006/math" xmlns:a14="http://schemas.microsoft.com/office/drawing/2010/main" xmlns:ma14="http://schemas.microsoft.com/office/mac/drawingml/2011/main" val="1"/>
+                <ma14:wrappingTextBoxFlag xmlns:ma14="http://schemas.microsoft.com/office/mac/drawingml/2011/main" xmlns:a14="http://schemas.microsoft.com/office/drawing/2010/main" xmlns:m="http://schemas.openxmlformats.org/officeDocument/2006/math" xmlns="" val="1"/>
               </a:ext>
             </a:extLst>
           </p:spPr>
@@ -13897,7 +12226,7 @@
             <a:effectLst/>
             <a:extLst>
               <a:ext uri="{C572A759-6A51-4108-AA02-DFA0A04FC94B}">
-                <ma14:wrappingTextBoxFlag xmlns="" xmlns:m="http://schemas.openxmlformats.org/officeDocument/2006/math" xmlns:a14="http://schemas.microsoft.com/office/drawing/2010/main" xmlns:ma14="http://schemas.microsoft.com/office/mac/drawingml/2011/main" val="1"/>
+                <ma14:wrappingTextBoxFlag xmlns:ma14="http://schemas.microsoft.com/office/mac/drawingml/2011/main" xmlns:a14="http://schemas.microsoft.com/office/drawing/2010/main" xmlns:m="http://schemas.openxmlformats.org/officeDocument/2006/math" xmlns="" val="1"/>
               </a:ext>
             </a:extLst>
           </p:spPr>
@@ -14003,7 +12332,7 @@
             <a:effectLst/>
             <a:extLst>
               <a:ext uri="{C572A759-6A51-4108-AA02-DFA0A04FC94B}">
-                <ma14:wrappingTextBoxFlag xmlns="" xmlns:m="http://schemas.openxmlformats.org/officeDocument/2006/math" xmlns:a14="http://schemas.microsoft.com/office/drawing/2010/main" xmlns:ma14="http://schemas.microsoft.com/office/mac/drawingml/2011/main" val="1"/>
+                <ma14:wrappingTextBoxFlag xmlns:ma14="http://schemas.microsoft.com/office/mac/drawingml/2011/main" xmlns:a14="http://schemas.microsoft.com/office/drawing/2010/main" xmlns:m="http://schemas.openxmlformats.org/officeDocument/2006/math" xmlns="" val="1"/>
               </a:ext>
             </a:extLst>
           </p:spPr>
@@ -14109,7 +12438,7 @@
             <a:effectLst/>
             <a:extLst>
               <a:ext uri="{C572A759-6A51-4108-AA02-DFA0A04FC94B}">
-                <ma14:wrappingTextBoxFlag xmlns="" xmlns:m="http://schemas.openxmlformats.org/officeDocument/2006/math" xmlns:a14="http://schemas.microsoft.com/office/drawing/2010/main" xmlns:ma14="http://schemas.microsoft.com/office/mac/drawingml/2011/main" val="1"/>
+                <ma14:wrappingTextBoxFlag xmlns:ma14="http://schemas.microsoft.com/office/mac/drawingml/2011/main" xmlns:a14="http://schemas.microsoft.com/office/drawing/2010/main" xmlns:m="http://schemas.openxmlformats.org/officeDocument/2006/math" xmlns="" val="1"/>
               </a:ext>
             </a:extLst>
           </p:spPr>
@@ -14211,7 +12540,7 @@
             <a:effectLst/>
             <a:extLst>
               <a:ext uri="{C572A759-6A51-4108-AA02-DFA0A04FC94B}">
-                <ma14:wrappingTextBoxFlag xmlns="" xmlns:m="http://schemas.openxmlformats.org/officeDocument/2006/math" xmlns:a14="http://schemas.microsoft.com/office/drawing/2010/main" xmlns:ma14="http://schemas.microsoft.com/office/mac/drawingml/2011/main" val="1"/>
+                <ma14:wrappingTextBoxFlag xmlns:ma14="http://schemas.microsoft.com/office/mac/drawingml/2011/main" xmlns:a14="http://schemas.microsoft.com/office/drawing/2010/main" xmlns:m="http://schemas.openxmlformats.org/officeDocument/2006/math" xmlns="" val="1"/>
               </a:ext>
             </a:extLst>
           </p:spPr>
@@ -14330,7 +12659,7 @@
             <a:effectLst/>
             <a:extLst>
               <a:ext uri="{C572A759-6A51-4108-AA02-DFA0A04FC94B}">
-                <ma14:wrappingTextBoxFlag xmlns="" xmlns:m="http://schemas.openxmlformats.org/officeDocument/2006/math" xmlns:a14="http://schemas.microsoft.com/office/drawing/2010/main" xmlns:ma14="http://schemas.microsoft.com/office/mac/drawingml/2011/main" val="1"/>
+                <ma14:wrappingTextBoxFlag xmlns:ma14="http://schemas.microsoft.com/office/mac/drawingml/2011/main" xmlns:a14="http://schemas.microsoft.com/office/drawing/2010/main" xmlns:m="http://schemas.openxmlformats.org/officeDocument/2006/math" xmlns="" val="1"/>
               </a:ext>
             </a:extLst>
           </p:spPr>
@@ -14445,7 +12774,7 @@
             <a:effectLst/>
             <a:extLst>
               <a:ext uri="{C572A759-6A51-4108-AA02-DFA0A04FC94B}">
-                <ma14:wrappingTextBoxFlag xmlns="" xmlns:m="http://schemas.openxmlformats.org/officeDocument/2006/math" xmlns:a14="http://schemas.microsoft.com/office/drawing/2010/main" xmlns:ma14="http://schemas.microsoft.com/office/mac/drawingml/2011/main" val="1"/>
+                <ma14:wrappingTextBoxFlag xmlns:ma14="http://schemas.microsoft.com/office/mac/drawingml/2011/main" xmlns:a14="http://schemas.microsoft.com/office/drawing/2010/main" xmlns:m="http://schemas.openxmlformats.org/officeDocument/2006/math" xmlns="" val="1"/>
               </a:ext>
             </a:extLst>
           </p:spPr>
@@ -14763,7 +13092,7 @@
           </a:ln>
           <a:extLst>
             <a:ext uri="{C572A759-6A51-4108-AA02-DFA0A04FC94B}">
-              <ma14:wrappingTextBoxFlag xmlns="" xmlns:m="http://schemas.openxmlformats.org/officeDocument/2006/math" xmlns:a14="http://schemas.microsoft.com/office/drawing/2010/main" xmlns:ma14="http://schemas.microsoft.com/office/mac/drawingml/2011/main" val="1"/>
+              <ma14:wrappingTextBoxFlag xmlns:ma14="http://schemas.microsoft.com/office/mac/drawingml/2011/main" xmlns:a14="http://schemas.microsoft.com/office/drawing/2010/main" xmlns:m="http://schemas.openxmlformats.org/officeDocument/2006/math" xmlns="" val="1"/>
             </a:ext>
           </a:extLst>
         </p:spPr>
@@ -14870,7 +13199,7 @@
           </a:ln>
           <a:extLst>
             <a:ext uri="{C572A759-6A51-4108-AA02-DFA0A04FC94B}">
-              <ma14:wrappingTextBoxFlag xmlns="" xmlns:m="http://schemas.openxmlformats.org/officeDocument/2006/math" xmlns:a14="http://schemas.microsoft.com/office/drawing/2010/main" xmlns:ma14="http://schemas.microsoft.com/office/mac/drawingml/2011/main" val="1"/>
+              <ma14:wrappingTextBoxFlag xmlns:ma14="http://schemas.microsoft.com/office/mac/drawingml/2011/main" xmlns:a14="http://schemas.microsoft.com/office/drawing/2010/main" xmlns:m="http://schemas.openxmlformats.org/officeDocument/2006/math" xmlns="" val="1"/>
             </a:ext>
           </a:extLst>
         </p:spPr>
@@ -15056,7 +13385,7 @@
             <a:effectLst/>
             <a:extLst>
               <a:ext uri="{C572A759-6A51-4108-AA02-DFA0A04FC94B}">
-                <ma14:wrappingTextBoxFlag xmlns="" xmlns:m="http://schemas.openxmlformats.org/officeDocument/2006/math" xmlns:a14="http://schemas.microsoft.com/office/drawing/2010/main" xmlns:ma14="http://schemas.microsoft.com/office/mac/drawingml/2011/main" val="1"/>
+                <ma14:wrappingTextBoxFlag xmlns:ma14="http://schemas.microsoft.com/office/mac/drawingml/2011/main" xmlns:a14="http://schemas.microsoft.com/office/drawing/2010/main" xmlns:m="http://schemas.openxmlformats.org/officeDocument/2006/math" xmlns="" val="1"/>
               </a:ext>
             </a:extLst>
           </p:spPr>
@@ -15191,7 +13520,7 @@
               <a:effectLst/>
               <a:extLst>
                 <a:ext uri="{C572A759-6A51-4108-AA02-DFA0A04FC94B}">
-                  <ma14:wrappingTextBoxFlag xmlns="" xmlns:m="http://schemas.openxmlformats.org/officeDocument/2006/math" xmlns:a14="http://schemas.microsoft.com/office/drawing/2010/main" xmlns:ma14="http://schemas.microsoft.com/office/mac/drawingml/2011/main" val="1"/>
+                  <ma14:wrappingTextBoxFlag xmlns:ma14="http://schemas.microsoft.com/office/mac/drawingml/2011/main" xmlns:a14="http://schemas.microsoft.com/office/drawing/2010/main" xmlns:m="http://schemas.openxmlformats.org/officeDocument/2006/math" xmlns="" val="1"/>
                 </a:ext>
               </a:extLst>
             </p:spPr>
@@ -15304,7 +13633,7 @@
             <a:effectLst/>
             <a:extLst>
               <a:ext uri="{C572A759-6A51-4108-AA02-DFA0A04FC94B}">
-                <ma14:wrappingTextBoxFlag xmlns="" xmlns:m="http://schemas.openxmlformats.org/officeDocument/2006/math" xmlns:a14="http://schemas.microsoft.com/office/drawing/2010/main" xmlns:ma14="http://schemas.microsoft.com/office/mac/drawingml/2011/main" val="1"/>
+                <ma14:wrappingTextBoxFlag xmlns:ma14="http://schemas.microsoft.com/office/mac/drawingml/2011/main" xmlns:a14="http://schemas.microsoft.com/office/drawing/2010/main" xmlns:m="http://schemas.openxmlformats.org/officeDocument/2006/math" xmlns="" val="1"/>
               </a:ext>
             </a:extLst>
           </p:spPr>
@@ -15347,7 +13676,7 @@
             <a:effectLst/>
             <a:extLst>
               <a:ext uri="{C572A759-6A51-4108-AA02-DFA0A04FC94B}">
-                <ma14:wrappingTextBoxFlag xmlns="" xmlns:m="http://schemas.openxmlformats.org/officeDocument/2006/math" xmlns:a14="http://schemas.microsoft.com/office/drawing/2010/main" xmlns:ma14="http://schemas.microsoft.com/office/mac/drawingml/2011/main" val="1"/>
+                <ma14:wrappingTextBoxFlag xmlns:ma14="http://schemas.microsoft.com/office/mac/drawingml/2011/main" xmlns:a14="http://schemas.microsoft.com/office/drawing/2010/main" xmlns:m="http://schemas.openxmlformats.org/officeDocument/2006/math" xmlns="" val="1"/>
               </a:ext>
             </a:extLst>
           </p:spPr>
@@ -15390,7 +13719,7 @@
             <a:effectLst/>
             <a:extLst>
               <a:ext uri="{C572A759-6A51-4108-AA02-DFA0A04FC94B}">
-                <ma14:wrappingTextBoxFlag xmlns="" xmlns:m="http://schemas.openxmlformats.org/officeDocument/2006/math" xmlns:a14="http://schemas.microsoft.com/office/drawing/2010/main" xmlns:ma14="http://schemas.microsoft.com/office/mac/drawingml/2011/main" val="1"/>
+                <ma14:wrappingTextBoxFlag xmlns:ma14="http://schemas.microsoft.com/office/mac/drawingml/2011/main" xmlns:a14="http://schemas.microsoft.com/office/drawing/2010/main" xmlns:m="http://schemas.openxmlformats.org/officeDocument/2006/math" xmlns="" val="1"/>
               </a:ext>
             </a:extLst>
           </p:spPr>
@@ -15483,7 +13812,7 @@
             <a:effectLst/>
             <a:extLst>
               <a:ext uri="{C572A759-6A51-4108-AA02-DFA0A04FC94B}">
-                <ma14:wrappingTextBoxFlag xmlns="" xmlns:m="http://schemas.openxmlformats.org/officeDocument/2006/math" xmlns:a14="http://schemas.microsoft.com/office/drawing/2010/main" xmlns:ma14="http://schemas.microsoft.com/office/mac/drawingml/2011/main" val="1"/>
+                <ma14:wrappingTextBoxFlag xmlns:ma14="http://schemas.microsoft.com/office/mac/drawingml/2011/main" xmlns:a14="http://schemas.microsoft.com/office/drawing/2010/main" xmlns:m="http://schemas.openxmlformats.org/officeDocument/2006/math" xmlns="" val="1"/>
               </a:ext>
             </a:extLst>
           </p:spPr>
@@ -15537,7 +13866,7 @@
             <a:effectLst/>
             <a:extLst>
               <a:ext uri="{C572A759-6A51-4108-AA02-DFA0A04FC94B}">
-                <ma14:wrappingTextBoxFlag xmlns="" xmlns:m="http://schemas.openxmlformats.org/officeDocument/2006/math" xmlns:a14="http://schemas.microsoft.com/office/drawing/2010/main" xmlns:ma14="http://schemas.microsoft.com/office/mac/drawingml/2011/main" val="1"/>
+                <ma14:wrappingTextBoxFlag xmlns:ma14="http://schemas.microsoft.com/office/mac/drawingml/2011/main" xmlns:a14="http://schemas.microsoft.com/office/drawing/2010/main" xmlns:m="http://schemas.openxmlformats.org/officeDocument/2006/math" xmlns="" val="1"/>
               </a:ext>
             </a:extLst>
           </p:spPr>
@@ -15653,7 +13982,7 @@
             <a:effectLst/>
             <a:extLst>
               <a:ext uri="{C572A759-6A51-4108-AA02-DFA0A04FC94B}">
-                <ma14:wrappingTextBoxFlag xmlns="" xmlns:m="http://schemas.openxmlformats.org/officeDocument/2006/math" xmlns:a14="http://schemas.microsoft.com/office/drawing/2010/main" xmlns:ma14="http://schemas.microsoft.com/office/mac/drawingml/2011/main" val="1"/>
+                <ma14:wrappingTextBoxFlag xmlns:ma14="http://schemas.microsoft.com/office/mac/drawingml/2011/main" xmlns:a14="http://schemas.microsoft.com/office/drawing/2010/main" xmlns:m="http://schemas.openxmlformats.org/officeDocument/2006/math" xmlns="" val="1"/>
               </a:ext>
             </a:extLst>
           </p:spPr>
@@ -15700,7 +14029,7 @@
           </a:ln>
           <a:extLst>
             <a:ext uri="{C572A759-6A51-4108-AA02-DFA0A04FC94B}">
-              <ma14:wrappingTextBoxFlag xmlns="" xmlns:m="http://schemas.openxmlformats.org/officeDocument/2006/math" xmlns:a14="http://schemas.microsoft.com/office/drawing/2010/main" xmlns:ma14="http://schemas.microsoft.com/office/mac/drawingml/2011/main" val="1"/>
+              <ma14:wrappingTextBoxFlag xmlns:ma14="http://schemas.microsoft.com/office/mac/drawingml/2011/main" xmlns:a14="http://schemas.microsoft.com/office/drawing/2010/main" xmlns:m="http://schemas.openxmlformats.org/officeDocument/2006/math" xmlns="" val="1"/>
             </a:ext>
           </a:extLst>
         </p:spPr>
@@ -15774,7 +14103,7 @@
           </a:ln>
           <a:extLst>
             <a:ext uri="{C572A759-6A51-4108-AA02-DFA0A04FC94B}">
-              <ma14:wrappingTextBoxFlag xmlns="" xmlns:m="http://schemas.openxmlformats.org/officeDocument/2006/math" xmlns:a14="http://schemas.microsoft.com/office/drawing/2010/main" xmlns:ma14="http://schemas.microsoft.com/office/mac/drawingml/2011/main" val="1"/>
+              <ma14:wrappingTextBoxFlag xmlns:ma14="http://schemas.microsoft.com/office/mac/drawingml/2011/main" xmlns:a14="http://schemas.microsoft.com/office/drawing/2010/main" xmlns:m="http://schemas.openxmlformats.org/officeDocument/2006/math" xmlns="" val="1"/>
             </a:ext>
           </a:extLst>
         </p:spPr>
@@ -15820,7 +14149,7 @@
           </a:ln>
           <a:extLst>
             <a:ext uri="{C572A759-6A51-4108-AA02-DFA0A04FC94B}">
-              <ma14:wrappingTextBoxFlag xmlns="" xmlns:m="http://schemas.openxmlformats.org/officeDocument/2006/math" xmlns:a14="http://schemas.microsoft.com/office/drawing/2010/main" xmlns:ma14="http://schemas.microsoft.com/office/mac/drawingml/2011/main" val="1"/>
+              <ma14:wrappingTextBoxFlag xmlns:ma14="http://schemas.microsoft.com/office/mac/drawingml/2011/main" xmlns:a14="http://schemas.microsoft.com/office/drawing/2010/main" xmlns:m="http://schemas.openxmlformats.org/officeDocument/2006/math" xmlns="" val="1"/>
             </a:ext>
           </a:extLst>
         </p:spPr>
@@ -15866,7 +14195,7 @@
           </a:ln>
           <a:extLst>
             <a:ext uri="{C572A759-6A51-4108-AA02-DFA0A04FC94B}">
-              <ma14:wrappingTextBoxFlag xmlns="" xmlns:m="http://schemas.openxmlformats.org/officeDocument/2006/math" xmlns:a14="http://schemas.microsoft.com/office/drawing/2010/main" xmlns:ma14="http://schemas.microsoft.com/office/mac/drawingml/2011/main" val="1"/>
+              <ma14:wrappingTextBoxFlag xmlns:ma14="http://schemas.microsoft.com/office/mac/drawingml/2011/main" xmlns:a14="http://schemas.microsoft.com/office/drawing/2010/main" xmlns:m="http://schemas.openxmlformats.org/officeDocument/2006/math" xmlns="" val="1"/>
             </a:ext>
           </a:extLst>
         </p:spPr>
@@ -15950,7 +14279,7 @@
           </a:ln>
           <a:extLst>
             <a:ext uri="{C572A759-6A51-4108-AA02-DFA0A04FC94B}">
-              <ma14:wrappingTextBoxFlag xmlns="" xmlns:m="http://schemas.openxmlformats.org/officeDocument/2006/math" xmlns:a14="http://schemas.microsoft.com/office/drawing/2010/main" xmlns:ma14="http://schemas.microsoft.com/office/mac/drawingml/2011/main" val="1"/>
+              <ma14:wrappingTextBoxFlag xmlns:ma14="http://schemas.microsoft.com/office/mac/drawingml/2011/main" xmlns:a14="http://schemas.microsoft.com/office/drawing/2010/main" xmlns:m="http://schemas.openxmlformats.org/officeDocument/2006/math" xmlns="" val="1"/>
             </a:ext>
           </a:extLst>
         </p:spPr>
@@ -16015,7 +14344,7 @@
           </a:ln>
           <a:extLst>
             <a:ext uri="{C572A759-6A51-4108-AA02-DFA0A04FC94B}">
-              <ma14:wrappingTextBoxFlag xmlns="" xmlns:m="http://schemas.openxmlformats.org/officeDocument/2006/math" xmlns:a14="http://schemas.microsoft.com/office/drawing/2010/main" xmlns:ma14="http://schemas.microsoft.com/office/mac/drawingml/2011/main" val="1"/>
+              <ma14:wrappingTextBoxFlag xmlns:ma14="http://schemas.microsoft.com/office/mac/drawingml/2011/main" xmlns:a14="http://schemas.microsoft.com/office/drawing/2010/main" xmlns:m="http://schemas.openxmlformats.org/officeDocument/2006/math" xmlns="" val="1"/>
             </a:ext>
           </a:extLst>
         </p:spPr>
@@ -16077,7 +14406,7 @@
           </a:ln>
           <a:extLst>
             <a:ext uri="{C572A759-6A51-4108-AA02-DFA0A04FC94B}">
-              <ma14:wrappingTextBoxFlag xmlns="" xmlns:m="http://schemas.openxmlformats.org/officeDocument/2006/math" xmlns:a14="http://schemas.microsoft.com/office/drawing/2010/main" xmlns:ma14="http://schemas.microsoft.com/office/mac/drawingml/2011/main" val="1"/>
+              <ma14:wrappingTextBoxFlag xmlns:ma14="http://schemas.microsoft.com/office/mac/drawingml/2011/main" xmlns:a14="http://schemas.microsoft.com/office/drawing/2010/main" xmlns:m="http://schemas.openxmlformats.org/officeDocument/2006/math" xmlns="" val="1"/>
             </a:ext>
           </a:extLst>
         </p:spPr>
@@ -16138,7 +14467,7 @@
           </a:ln>
           <a:extLst>
             <a:ext uri="{C572A759-6A51-4108-AA02-DFA0A04FC94B}">
-              <ma14:wrappingTextBoxFlag xmlns="" xmlns:m="http://schemas.openxmlformats.org/officeDocument/2006/math" xmlns:a14="http://schemas.microsoft.com/office/drawing/2010/main" xmlns:ma14="http://schemas.microsoft.com/office/mac/drawingml/2011/main" val="1"/>
+              <ma14:wrappingTextBoxFlag xmlns:ma14="http://schemas.microsoft.com/office/mac/drawingml/2011/main" xmlns:a14="http://schemas.microsoft.com/office/drawing/2010/main" xmlns:m="http://schemas.openxmlformats.org/officeDocument/2006/math" xmlns="" val="1"/>
             </a:ext>
           </a:extLst>
         </p:spPr>
@@ -16240,7 +14569,7 @@
             <a:effectLst/>
             <a:extLst>
               <a:ext uri="{C572A759-6A51-4108-AA02-DFA0A04FC94B}">
-                <ma14:wrappingTextBoxFlag xmlns="" xmlns:m="http://schemas.openxmlformats.org/officeDocument/2006/math" xmlns:a14="http://schemas.microsoft.com/office/drawing/2010/main" xmlns:ma14="http://schemas.microsoft.com/office/mac/drawingml/2011/main" val="1"/>
+                <ma14:wrappingTextBoxFlag xmlns:ma14="http://schemas.microsoft.com/office/mac/drawingml/2011/main" xmlns:a14="http://schemas.microsoft.com/office/drawing/2010/main" xmlns:m="http://schemas.openxmlformats.org/officeDocument/2006/math" xmlns="" val="1"/>
               </a:ext>
             </a:extLst>
           </p:spPr>
@@ -16367,7 +14696,7 @@
             <a:effectLst/>
             <a:extLst>
               <a:ext uri="{C572A759-6A51-4108-AA02-DFA0A04FC94B}">
-                <ma14:wrappingTextBoxFlag xmlns="" xmlns:m="http://schemas.openxmlformats.org/officeDocument/2006/math" xmlns:a14="http://schemas.microsoft.com/office/drawing/2010/main" xmlns:ma14="http://schemas.microsoft.com/office/mac/drawingml/2011/main" val="1"/>
+                <ma14:wrappingTextBoxFlag xmlns:ma14="http://schemas.microsoft.com/office/mac/drawingml/2011/main" xmlns:a14="http://schemas.microsoft.com/office/drawing/2010/main" xmlns:m="http://schemas.openxmlformats.org/officeDocument/2006/math" xmlns="" val="1"/>
               </a:ext>
             </a:extLst>
           </p:spPr>
@@ -16469,7 +14798,7 @@
             <a:effectLst/>
             <a:extLst>
               <a:ext uri="{C572A759-6A51-4108-AA02-DFA0A04FC94B}">
-                <ma14:wrappingTextBoxFlag xmlns="" xmlns:m="http://schemas.openxmlformats.org/officeDocument/2006/math" xmlns:a14="http://schemas.microsoft.com/office/drawing/2010/main" xmlns:ma14="http://schemas.microsoft.com/office/mac/drawingml/2011/main" val="1"/>
+                <ma14:wrappingTextBoxFlag xmlns:ma14="http://schemas.microsoft.com/office/mac/drawingml/2011/main" xmlns:a14="http://schemas.microsoft.com/office/drawing/2010/main" xmlns:m="http://schemas.openxmlformats.org/officeDocument/2006/math" xmlns="" val="1"/>
               </a:ext>
             </a:extLst>
           </p:spPr>
@@ -16661,7 +14990,7 @@
             <a:effectLst/>
             <a:extLst>
               <a:ext uri="{C572A759-6A51-4108-AA02-DFA0A04FC94B}">
-                <ma14:wrappingTextBoxFlag xmlns="" xmlns:m="http://schemas.openxmlformats.org/officeDocument/2006/math" xmlns:a14="http://schemas.microsoft.com/office/drawing/2010/main" xmlns:ma14="http://schemas.microsoft.com/office/mac/drawingml/2011/main" val="1"/>
+                <ma14:wrappingTextBoxFlag xmlns:ma14="http://schemas.microsoft.com/office/mac/drawingml/2011/main" xmlns:a14="http://schemas.microsoft.com/office/drawing/2010/main" xmlns:m="http://schemas.openxmlformats.org/officeDocument/2006/math" xmlns="" val="1"/>
               </a:ext>
             </a:extLst>
           </p:spPr>
@@ -16704,7 +15033,7 @@
             <a:effectLst/>
             <a:extLst>
               <a:ext uri="{C572A759-6A51-4108-AA02-DFA0A04FC94B}">
-                <ma14:wrappingTextBoxFlag xmlns="" xmlns:m="http://schemas.openxmlformats.org/officeDocument/2006/math" xmlns:a14="http://schemas.microsoft.com/office/drawing/2010/main" xmlns:ma14="http://schemas.microsoft.com/office/mac/drawingml/2011/main" val="1"/>
+                <ma14:wrappingTextBoxFlag xmlns:ma14="http://schemas.microsoft.com/office/mac/drawingml/2011/main" xmlns:a14="http://schemas.microsoft.com/office/drawing/2010/main" xmlns:m="http://schemas.openxmlformats.org/officeDocument/2006/math" xmlns="" val="1"/>
               </a:ext>
             </a:extLst>
           </p:spPr>
@@ -16767,7 +15096,7 @@
           </a:ln>
           <a:extLst>
             <a:ext uri="{C572A759-6A51-4108-AA02-DFA0A04FC94B}">
-              <ma14:wrappingTextBoxFlag xmlns="" xmlns:m="http://schemas.openxmlformats.org/officeDocument/2006/math" xmlns:a14="http://schemas.microsoft.com/office/drawing/2010/main" xmlns:ma14="http://schemas.microsoft.com/office/mac/drawingml/2011/main" val="1"/>
+              <ma14:wrappingTextBoxFlag xmlns:ma14="http://schemas.microsoft.com/office/mac/drawingml/2011/main" xmlns:a14="http://schemas.microsoft.com/office/drawing/2010/main" xmlns:m="http://schemas.openxmlformats.org/officeDocument/2006/math" xmlns="" val="1"/>
             </a:ext>
           </a:extLst>
         </p:spPr>
@@ -16830,7 +15159,7 @@
           </a:ln>
           <a:extLst>
             <a:ext uri="{C572A759-6A51-4108-AA02-DFA0A04FC94B}">
-              <ma14:wrappingTextBoxFlag xmlns="" xmlns:m="http://schemas.openxmlformats.org/officeDocument/2006/math" xmlns:a14="http://schemas.microsoft.com/office/drawing/2010/main" xmlns:ma14="http://schemas.microsoft.com/office/mac/drawingml/2011/main" val="1"/>
+              <ma14:wrappingTextBoxFlag xmlns:ma14="http://schemas.microsoft.com/office/mac/drawingml/2011/main" xmlns:a14="http://schemas.microsoft.com/office/drawing/2010/main" xmlns:m="http://schemas.openxmlformats.org/officeDocument/2006/math" xmlns="" val="1"/>
             </a:ext>
           </a:extLst>
         </p:spPr>
@@ -17037,7 +15366,7 @@
               <a:effectLst/>
               <a:extLst>
                 <a:ext uri="{C572A759-6A51-4108-AA02-DFA0A04FC94B}">
-                  <ma14:wrappingTextBoxFlag xmlns="" xmlns:m="http://schemas.openxmlformats.org/officeDocument/2006/math" xmlns:a14="http://schemas.microsoft.com/office/drawing/2010/main" xmlns:ma14="http://schemas.microsoft.com/office/mac/drawingml/2011/main" val="1"/>
+                  <ma14:wrappingTextBoxFlag xmlns:ma14="http://schemas.microsoft.com/office/mac/drawingml/2011/main" xmlns:a14="http://schemas.microsoft.com/office/drawing/2010/main" xmlns:m="http://schemas.openxmlformats.org/officeDocument/2006/math" xmlns="" val="1"/>
                 </a:ext>
               </a:extLst>
             </p:spPr>
@@ -17085,7 +15414,7 @@
               <a:effectLst/>
               <a:extLst>
                 <a:ext uri="{C572A759-6A51-4108-AA02-DFA0A04FC94B}">
-                  <ma14:wrappingTextBoxFlag xmlns="" xmlns:m="http://schemas.openxmlformats.org/officeDocument/2006/math" xmlns:a14="http://schemas.microsoft.com/office/drawing/2010/main" xmlns:ma14="http://schemas.microsoft.com/office/mac/drawingml/2011/main" val="1"/>
+                  <ma14:wrappingTextBoxFlag xmlns:ma14="http://schemas.microsoft.com/office/mac/drawingml/2011/main" xmlns:a14="http://schemas.microsoft.com/office/drawing/2010/main" xmlns:m="http://schemas.openxmlformats.org/officeDocument/2006/math" xmlns="" val="1"/>
                 </a:ext>
               </a:extLst>
             </p:spPr>
@@ -17167,7 +15496,7 @@
               <a:effectLst/>
               <a:extLst>
                 <a:ext uri="{C572A759-6A51-4108-AA02-DFA0A04FC94B}">
-                  <ma14:wrappingTextBoxFlag xmlns="" xmlns:m="http://schemas.openxmlformats.org/officeDocument/2006/math" xmlns:a14="http://schemas.microsoft.com/office/drawing/2010/main" xmlns:ma14="http://schemas.microsoft.com/office/mac/drawingml/2011/main" val="1"/>
+                  <ma14:wrappingTextBoxFlag xmlns:ma14="http://schemas.microsoft.com/office/mac/drawingml/2011/main" xmlns:a14="http://schemas.microsoft.com/office/drawing/2010/main" xmlns:m="http://schemas.openxmlformats.org/officeDocument/2006/math" xmlns="" val="1"/>
                 </a:ext>
               </a:extLst>
             </p:spPr>
@@ -17248,7 +15577,7 @@
             <a:effectLst/>
             <a:extLst>
               <a:ext uri="{C572A759-6A51-4108-AA02-DFA0A04FC94B}">
-                <ma14:wrappingTextBoxFlag xmlns="" xmlns:m="http://schemas.openxmlformats.org/officeDocument/2006/math" xmlns:a14="http://schemas.microsoft.com/office/drawing/2010/main" xmlns:ma14="http://schemas.microsoft.com/office/mac/drawingml/2011/main" val="1"/>
+                <ma14:wrappingTextBoxFlag xmlns:ma14="http://schemas.microsoft.com/office/mac/drawingml/2011/main" xmlns:a14="http://schemas.microsoft.com/office/drawing/2010/main" xmlns:m="http://schemas.openxmlformats.org/officeDocument/2006/math" xmlns="" val="1"/>
               </a:ext>
             </a:extLst>
           </p:spPr>
@@ -17553,7 +15882,7 @@
             <a:effectLst/>
             <a:extLst>
               <a:ext uri="{C572A759-6A51-4108-AA02-DFA0A04FC94B}">
-                <ma14:wrappingTextBoxFlag xmlns="" xmlns:m="http://schemas.openxmlformats.org/officeDocument/2006/math" xmlns:a14="http://schemas.microsoft.com/office/drawing/2010/main" xmlns:ma14="http://schemas.microsoft.com/office/mac/drawingml/2011/main" val="1"/>
+                <ma14:wrappingTextBoxFlag xmlns:ma14="http://schemas.microsoft.com/office/mac/drawingml/2011/main" xmlns:a14="http://schemas.microsoft.com/office/drawing/2010/main" xmlns:m="http://schemas.openxmlformats.org/officeDocument/2006/math" xmlns="" val="1"/>
               </a:ext>
             </a:extLst>
           </p:spPr>
@@ -17722,7 +16051,7 @@
           </a:ln>
           <a:extLst>
             <a:ext uri="{C572A759-6A51-4108-AA02-DFA0A04FC94B}">
-              <ma14:wrappingTextBoxFlag xmlns="" xmlns:m="http://schemas.openxmlformats.org/officeDocument/2006/math" xmlns:a14="http://schemas.microsoft.com/office/drawing/2010/main" xmlns:ma14="http://schemas.microsoft.com/office/mac/drawingml/2011/main" val="1"/>
+              <ma14:wrappingTextBoxFlag xmlns:ma14="http://schemas.microsoft.com/office/mac/drawingml/2011/main" xmlns:a14="http://schemas.microsoft.com/office/drawing/2010/main" xmlns:m="http://schemas.openxmlformats.org/officeDocument/2006/math" xmlns="" val="1"/>
             </a:ext>
           </a:extLst>
         </p:spPr>
@@ -17781,7 +16110,7 @@
           </a:ln>
           <a:extLst>
             <a:ext uri="{C572A759-6A51-4108-AA02-DFA0A04FC94B}">
-              <ma14:wrappingTextBoxFlag xmlns="" xmlns:m="http://schemas.openxmlformats.org/officeDocument/2006/math" xmlns:a14="http://schemas.microsoft.com/office/drawing/2010/main" xmlns:ma14="http://schemas.microsoft.com/office/mac/drawingml/2011/main" val="1"/>
+              <ma14:wrappingTextBoxFlag xmlns:ma14="http://schemas.microsoft.com/office/mac/drawingml/2011/main" xmlns:a14="http://schemas.microsoft.com/office/drawing/2010/main" xmlns:m="http://schemas.openxmlformats.org/officeDocument/2006/math" xmlns="" val="1"/>
             </a:ext>
           </a:extLst>
         </p:spPr>
@@ -18043,7 +16372,7 @@
           </a:ln>
           <a:extLst>
             <a:ext uri="{C572A759-6A51-4108-AA02-DFA0A04FC94B}">
-              <ma14:wrappingTextBoxFlag xmlns="" xmlns:m="http://schemas.openxmlformats.org/officeDocument/2006/math" xmlns:a14="http://schemas.microsoft.com/office/drawing/2010/main" xmlns:ma14="http://schemas.microsoft.com/office/mac/drawingml/2011/main" val="1"/>
+              <ma14:wrappingTextBoxFlag xmlns:ma14="http://schemas.microsoft.com/office/mac/drawingml/2011/main" xmlns:a14="http://schemas.microsoft.com/office/drawing/2010/main" xmlns:m="http://schemas.openxmlformats.org/officeDocument/2006/math" xmlns="" val="1"/>
             </a:ext>
           </a:extLst>
         </p:spPr>
@@ -18085,7 +16414,7 @@
           </a:ln>
           <a:extLst>
             <a:ext uri="{C572A759-6A51-4108-AA02-DFA0A04FC94B}">
-              <ma14:wrappingTextBoxFlag xmlns="" xmlns:m="http://schemas.openxmlformats.org/officeDocument/2006/math" xmlns:a14="http://schemas.microsoft.com/office/drawing/2010/main" xmlns:ma14="http://schemas.microsoft.com/office/mac/drawingml/2011/main" val="1"/>
+              <ma14:wrappingTextBoxFlag xmlns:ma14="http://schemas.microsoft.com/office/mac/drawingml/2011/main" xmlns:a14="http://schemas.microsoft.com/office/drawing/2010/main" xmlns:m="http://schemas.openxmlformats.org/officeDocument/2006/math" xmlns="" val="1"/>
             </a:ext>
           </a:extLst>
         </p:spPr>
@@ -18127,7 +16456,7 @@
           </a:ln>
           <a:extLst>
             <a:ext uri="{C572A759-6A51-4108-AA02-DFA0A04FC94B}">
-              <ma14:wrappingTextBoxFlag xmlns="" xmlns:m="http://schemas.openxmlformats.org/officeDocument/2006/math" xmlns:a14="http://schemas.microsoft.com/office/drawing/2010/main" xmlns:ma14="http://schemas.microsoft.com/office/mac/drawingml/2011/main" val="1"/>
+              <ma14:wrappingTextBoxFlag xmlns:ma14="http://schemas.microsoft.com/office/mac/drawingml/2011/main" xmlns:a14="http://schemas.microsoft.com/office/drawing/2010/main" xmlns:m="http://schemas.openxmlformats.org/officeDocument/2006/math" xmlns="" val="1"/>
             </a:ext>
           </a:extLst>
         </p:spPr>
@@ -18196,7 +16525,7 @@
           </a:ln>
           <a:extLst>
             <a:ext uri="{C572A759-6A51-4108-AA02-DFA0A04FC94B}">
-              <ma14:wrappingTextBoxFlag xmlns="" xmlns:m="http://schemas.openxmlformats.org/officeDocument/2006/math" xmlns:a14="http://schemas.microsoft.com/office/drawing/2010/main" xmlns:ma14="http://schemas.microsoft.com/office/mac/drawingml/2011/main" val="1"/>
+              <ma14:wrappingTextBoxFlag xmlns:ma14="http://schemas.microsoft.com/office/mac/drawingml/2011/main" xmlns:a14="http://schemas.microsoft.com/office/drawing/2010/main" xmlns:m="http://schemas.openxmlformats.org/officeDocument/2006/math" xmlns="" val="1"/>
             </a:ext>
           </a:extLst>
         </p:spPr>
@@ -18293,7 +16622,7 @@
           </a:ln>
           <a:extLst>
             <a:ext uri="{C572A759-6A51-4108-AA02-DFA0A04FC94B}">
-              <ma14:wrappingTextBoxFlag xmlns="" xmlns:m="http://schemas.openxmlformats.org/officeDocument/2006/math" xmlns:a14="http://schemas.microsoft.com/office/drawing/2010/main" xmlns:ma14="http://schemas.microsoft.com/office/mac/drawingml/2011/main" val="1"/>
+              <ma14:wrappingTextBoxFlag xmlns:ma14="http://schemas.microsoft.com/office/mac/drawingml/2011/main" xmlns:a14="http://schemas.microsoft.com/office/drawing/2010/main" xmlns:m="http://schemas.openxmlformats.org/officeDocument/2006/math" xmlns="" val="1"/>
             </a:ext>
           </a:extLst>
         </p:spPr>
@@ -18335,7 +16664,7 @@
           </a:ln>
           <a:extLst>
             <a:ext uri="{C572A759-6A51-4108-AA02-DFA0A04FC94B}">
-              <ma14:wrappingTextBoxFlag xmlns="" xmlns:m="http://schemas.openxmlformats.org/officeDocument/2006/math" xmlns:a14="http://schemas.microsoft.com/office/drawing/2010/main" xmlns:ma14="http://schemas.microsoft.com/office/mac/drawingml/2011/main" val="1"/>
+              <ma14:wrappingTextBoxFlag xmlns:ma14="http://schemas.microsoft.com/office/mac/drawingml/2011/main" xmlns:a14="http://schemas.microsoft.com/office/drawing/2010/main" xmlns:m="http://schemas.openxmlformats.org/officeDocument/2006/math" xmlns="" val="1"/>
             </a:ext>
           </a:extLst>
         </p:spPr>
@@ -18407,7 +16736,7 @@
           </a:ln>
           <a:extLst>
             <a:ext uri="{C572A759-6A51-4108-AA02-DFA0A04FC94B}">
-              <ma14:wrappingTextBoxFlag xmlns="" xmlns:m="http://schemas.openxmlformats.org/officeDocument/2006/math" xmlns:a14="http://schemas.microsoft.com/office/drawing/2010/main" xmlns:ma14="http://schemas.microsoft.com/office/mac/drawingml/2011/main" val="1"/>
+              <ma14:wrappingTextBoxFlag xmlns:ma14="http://schemas.microsoft.com/office/mac/drawingml/2011/main" xmlns:a14="http://schemas.microsoft.com/office/drawing/2010/main" xmlns:m="http://schemas.openxmlformats.org/officeDocument/2006/math" xmlns="" val="1"/>
             </a:ext>
           </a:extLst>
         </p:spPr>
@@ -18469,7 +16798,7 @@
           </a:ln>
           <a:extLst>
             <a:ext uri="{C572A759-6A51-4108-AA02-DFA0A04FC94B}">
-              <ma14:wrappingTextBoxFlag xmlns="" xmlns:m="http://schemas.openxmlformats.org/officeDocument/2006/math" xmlns:a14="http://schemas.microsoft.com/office/drawing/2010/main" xmlns:ma14="http://schemas.microsoft.com/office/mac/drawingml/2011/main" val="1"/>
+              <ma14:wrappingTextBoxFlag xmlns:ma14="http://schemas.microsoft.com/office/mac/drawingml/2011/main" xmlns:a14="http://schemas.microsoft.com/office/drawing/2010/main" xmlns:m="http://schemas.openxmlformats.org/officeDocument/2006/math" xmlns="" val="1"/>
             </a:ext>
           </a:extLst>
         </p:spPr>
@@ -18622,7 +16951,7 @@
             <a:effectLst/>
             <a:extLst>
               <a:ext uri="{C572A759-6A51-4108-AA02-DFA0A04FC94B}">
-                <ma14:wrappingTextBoxFlag xmlns="" xmlns:m="http://schemas.openxmlformats.org/officeDocument/2006/math" xmlns:a14="http://schemas.microsoft.com/office/drawing/2010/main" xmlns:ma14="http://schemas.microsoft.com/office/mac/drawingml/2011/main" val="1"/>
+                <ma14:wrappingTextBoxFlag xmlns:ma14="http://schemas.microsoft.com/office/mac/drawingml/2011/main" xmlns:a14="http://schemas.microsoft.com/office/drawing/2010/main" xmlns:m="http://schemas.openxmlformats.org/officeDocument/2006/math" xmlns="" val="1"/>
               </a:ext>
             </a:extLst>
           </p:spPr>
@@ -18736,7 +17065,7 @@
             <a:effectLst/>
             <a:extLst>
               <a:ext uri="{C572A759-6A51-4108-AA02-DFA0A04FC94B}">
-                <ma14:wrappingTextBoxFlag xmlns="" xmlns:m="http://schemas.openxmlformats.org/officeDocument/2006/math" xmlns:a14="http://schemas.microsoft.com/office/drawing/2010/main" xmlns:ma14="http://schemas.microsoft.com/office/mac/drawingml/2011/main" val="1"/>
+                <ma14:wrappingTextBoxFlag xmlns:ma14="http://schemas.microsoft.com/office/mac/drawingml/2011/main" xmlns:a14="http://schemas.microsoft.com/office/drawing/2010/main" xmlns:m="http://schemas.openxmlformats.org/officeDocument/2006/math" xmlns="" val="1"/>
               </a:ext>
             </a:extLst>
           </p:spPr>
@@ -18789,7 +17118,7 @@
           </a:ln>
           <a:extLst>
             <a:ext uri="{C572A759-6A51-4108-AA02-DFA0A04FC94B}">
-              <ma14:wrappingTextBoxFlag xmlns="" xmlns:m="http://schemas.openxmlformats.org/officeDocument/2006/math" xmlns:a14="http://schemas.microsoft.com/office/drawing/2010/main" xmlns:ma14="http://schemas.microsoft.com/office/mac/drawingml/2011/main" val="1"/>
+              <ma14:wrappingTextBoxFlag xmlns:ma14="http://schemas.microsoft.com/office/mac/drawingml/2011/main" xmlns:a14="http://schemas.microsoft.com/office/drawing/2010/main" xmlns:m="http://schemas.openxmlformats.org/officeDocument/2006/math" xmlns="" val="1"/>
             </a:ext>
           </a:extLst>
         </p:spPr>
@@ -18844,7 +17173,7 @@
           </a:ln>
           <a:extLst>
             <a:ext uri="{C572A759-6A51-4108-AA02-DFA0A04FC94B}">
-              <ma14:wrappingTextBoxFlag xmlns="" xmlns:m="http://schemas.openxmlformats.org/officeDocument/2006/math" xmlns:a14="http://schemas.microsoft.com/office/drawing/2010/main" xmlns:ma14="http://schemas.microsoft.com/office/mac/drawingml/2011/main" val="1"/>
+              <ma14:wrappingTextBoxFlag xmlns:ma14="http://schemas.microsoft.com/office/mac/drawingml/2011/main" xmlns:a14="http://schemas.microsoft.com/office/drawing/2010/main" xmlns:m="http://schemas.openxmlformats.org/officeDocument/2006/math" xmlns="" val="1"/>
             </a:ext>
           </a:extLst>
         </p:spPr>
@@ -18899,7 +17228,7 @@
           </a:ln>
           <a:extLst>
             <a:ext uri="{C572A759-6A51-4108-AA02-DFA0A04FC94B}">
-              <ma14:wrappingTextBoxFlag xmlns="" xmlns:m="http://schemas.openxmlformats.org/officeDocument/2006/math" xmlns:a14="http://schemas.microsoft.com/office/drawing/2010/main" xmlns:ma14="http://schemas.microsoft.com/office/mac/drawingml/2011/main" val="1"/>
+              <ma14:wrappingTextBoxFlag xmlns:ma14="http://schemas.microsoft.com/office/mac/drawingml/2011/main" xmlns:a14="http://schemas.microsoft.com/office/drawing/2010/main" xmlns:m="http://schemas.openxmlformats.org/officeDocument/2006/math" xmlns="" val="1"/>
             </a:ext>
           </a:extLst>
         </p:spPr>
@@ -18939,7 +17268,7 @@
         <p:dissolve/>
       </p:transition>
     </mc:Choice>
-    <mc:Fallback xmlns="" xmlns:m="http://schemas.openxmlformats.org/officeDocument/2006/math" xmlns:a14="http://schemas.microsoft.com/office/drawing/2010/main">
+    <mc:Fallback xmlns:a14="http://schemas.microsoft.com/office/drawing/2010/main" xmlns:m="http://schemas.openxmlformats.org/officeDocument/2006/math" xmlns="">
       <p:transition spd="slow">
         <p:fade/>
       </p:transition>
@@ -20755,6 +19084,4644 @@
 </p:sld>
 </file>
 
+<file path=ppt/slides/slide15.xml><?xml version="1.0" encoding="utf-8"?>
+<p:sld xmlns:a="http://schemas.openxmlformats.org/drawingml/2006/main" xmlns:r="http://schemas.openxmlformats.org/officeDocument/2006/relationships" xmlns:p="http://schemas.openxmlformats.org/presentationml/2006/main">
+  <p:cSld>
+    <p:spTree>
+      <p:nvGrpSpPr>
+        <p:cNvPr id="1" name=""/>
+        <p:cNvGrpSpPr/>
+        <p:nvPr/>
+      </p:nvGrpSpPr>
+      <p:grpSpPr>
+        <a:xfrm>
+          <a:off x="0" y="0"/>
+          <a:ext cx="0" cy="0"/>
+          <a:chOff x="0" y="0"/>
+          <a:chExt cx="0" cy="0"/>
+        </a:xfrm>
+      </p:grpSpPr>
+      <p:sp>
+        <p:nvSpPr>
+          <p:cNvPr id="4" name="Title 3">
+            <a:extLst>
+              <a:ext uri="{FF2B5EF4-FFF2-40B4-BE49-F238E27FC236}">
+                <a16:creationId xmlns:a16="http://schemas.microsoft.com/office/drawing/2014/main" id="{A443A8A7-A3A5-194C-8553-414321DA5A13}"/>
+              </a:ext>
+            </a:extLst>
+          </p:cNvPr>
+          <p:cNvSpPr>
+            <a:spLocks noGrp="1"/>
+          </p:cNvSpPr>
+          <p:nvPr>
+            <p:ph type="title"/>
+          </p:nvPr>
+        </p:nvSpPr>
+        <p:spPr/>
+        <p:txBody>
+          <a:bodyPr/>
+          <a:lstStyle/>
+          <a:p>
+            <a:r>
+              <a:rPr lang="de-DE" dirty="0"/>
+              <a:t>Asset </a:t>
+            </a:r>
+            <a:r>
+              <a:rPr lang="de-DE" dirty="0" err="1"/>
+              <a:t>implementation</a:t>
+            </a:r>
+            <a:endParaRPr lang="en-DE" dirty="0"/>
+          </a:p>
+        </p:txBody>
+      </p:sp>
+      <p:sp>
+        <p:nvSpPr>
+          <p:cNvPr id="5" name="Text Placeholder 4">
+            <a:extLst>
+              <a:ext uri="{FF2B5EF4-FFF2-40B4-BE49-F238E27FC236}">
+                <a16:creationId xmlns:a16="http://schemas.microsoft.com/office/drawing/2014/main" id="{FD92DF40-ED06-6847-A05D-03CC08E1E252}"/>
+              </a:ext>
+            </a:extLst>
+          </p:cNvPr>
+          <p:cNvSpPr>
+            <a:spLocks noGrp="1"/>
+          </p:cNvSpPr>
+          <p:nvPr>
+            <p:ph type="body" idx="1"/>
+          </p:nvPr>
+        </p:nvSpPr>
+        <p:spPr/>
+        <p:txBody>
+          <a:bodyPr/>
+          <a:lstStyle/>
+          <a:p>
+            <a:endParaRPr lang="en-DE" dirty="0"/>
+          </a:p>
+        </p:txBody>
+      </p:sp>
+    </p:spTree>
+    <p:extLst>
+      <p:ext uri="{BB962C8B-B14F-4D97-AF65-F5344CB8AC3E}">
+        <p14:creationId xmlns:p14="http://schemas.microsoft.com/office/powerpoint/2010/main" val="3199398279"/>
+      </p:ext>
+    </p:extLst>
+  </p:cSld>
+  <p:clrMapOvr>
+    <a:masterClrMapping/>
+  </p:clrMapOvr>
+</p:sld>
+</file>
+
+<file path=ppt/slides/slide16.xml><?xml version="1.0" encoding="utf-8"?>
+<p:sld xmlns:a="http://schemas.openxmlformats.org/drawingml/2006/main" xmlns:r="http://schemas.openxmlformats.org/officeDocument/2006/relationships" xmlns:p="http://schemas.openxmlformats.org/presentationml/2006/main">
+  <p:cSld>
+    <p:bg>
+      <p:bgPr>
+        <a:solidFill>
+          <a:schemeClr val="bg1"/>
+        </a:solidFill>
+        <a:effectLst/>
+      </p:bgPr>
+    </p:bg>
+    <p:spTree>
+      <p:nvGrpSpPr>
+        <p:cNvPr id="1" name=""/>
+        <p:cNvGrpSpPr/>
+        <p:nvPr/>
+      </p:nvGrpSpPr>
+      <p:grpSpPr>
+        <a:xfrm>
+          <a:off x="0" y="0"/>
+          <a:ext cx="0" cy="0"/>
+          <a:chOff x="0" y="0"/>
+          <a:chExt cx="0" cy="0"/>
+        </a:xfrm>
+      </p:grpSpPr>
+      <p:sp>
+        <p:nvSpPr>
+          <p:cNvPr id="8" name="Rectangle 7">
+            <a:extLst>
+              <a:ext uri="{FF2B5EF4-FFF2-40B4-BE49-F238E27FC236}">
+                <a16:creationId xmlns:a16="http://schemas.microsoft.com/office/drawing/2014/main" id="{70120F84-A866-4D9F-8B1C-9120A013D654}"/>
+              </a:ext>
+              <a:ext uri="{C183D7F6-B498-43B3-948B-1728B52AA6E4}">
+                <adec:decorative xmlns:adec="http://schemas.microsoft.com/office/drawing/2017/decorative" val="1"/>
+              </a:ext>
+            </a:extLst>
+          </p:cNvPr>
+          <p:cNvSpPr>
+            <a:spLocks noGrp="1" noRot="1" noChangeAspect="1" noMove="1" noResize="1" noEditPoints="1" noAdjustHandles="1" noChangeArrowheads="1" noChangeShapeType="1" noTextEdit="1"/>
+          </p:cNvSpPr>
+          <p:nvPr>
+            <p:extLst>
+              <p:ext uri="{386F3935-93C4-4BCD-93E2-E3B085C9AB24}">
+                <p16:designElem xmlns:p16="http://schemas.microsoft.com/office/powerpoint/2015/main" val="1"/>
+              </p:ext>
+            </p:extLst>
+          </p:nvPr>
+        </p:nvSpPr>
+        <p:spPr>
+          <a:xfrm>
+            <a:off x="0" y="0"/>
+            <a:ext cx="12192001" cy="6858000"/>
+          </a:xfrm>
+          <a:prstGeom prst="rect">
+            <a:avLst/>
+          </a:prstGeom>
+          <a:solidFill>
+            <a:schemeClr val="tx1">
+              <a:lumMod val="65000"/>
+              <a:lumOff val="35000"/>
+            </a:schemeClr>
+          </a:solidFill>
+          <a:ln>
+            <a:noFill/>
+          </a:ln>
+        </p:spPr>
+        <p:style>
+          <a:lnRef idx="2">
+            <a:schemeClr val="accent1">
+              <a:shade val="50000"/>
+            </a:schemeClr>
+          </a:lnRef>
+          <a:fillRef idx="1">
+            <a:schemeClr val="accent1"/>
+          </a:fillRef>
+          <a:effectRef idx="0">
+            <a:schemeClr val="accent1"/>
+          </a:effectRef>
+          <a:fontRef idx="minor">
+            <a:schemeClr val="lt1"/>
+          </a:fontRef>
+        </p:style>
+        <p:txBody>
+          <a:bodyPr rot="0" spcFirstLastPara="0" vert="horz" wrap="square" lIns="91440" tIns="45720" rIns="91440" bIns="45720" numCol="1" spcCol="0" rtlCol="0" fromWordArt="0" anchor="ctr" anchorCtr="0" forceAA="0" compatLnSpc="1">
+            <a:prstTxWarp prst="textNoShape">
+              <a:avLst/>
+            </a:prstTxWarp>
+            <a:noAutofit/>
+          </a:bodyPr>
+          <a:lstStyle>
+            <a:defPPr>
+              <a:defRPr lang="en-US"/>
+            </a:defPPr>
+            <a:lvl1pPr marL="0" algn="l" defTabSz="914400" rtl="0" eaLnBrk="1" latinLnBrk="0" hangingPunct="1">
+              <a:defRPr sz="1800" kern="1200">
+                <a:solidFill>
+                  <a:schemeClr val="lt1"/>
+                </a:solidFill>
+                <a:latin typeface="+mn-lt"/>
+                <a:ea typeface="+mn-ea"/>
+                <a:cs typeface="+mn-cs"/>
+              </a:defRPr>
+            </a:lvl1pPr>
+            <a:lvl2pPr marL="457200" algn="l" defTabSz="914400" rtl="0" eaLnBrk="1" latinLnBrk="0" hangingPunct="1">
+              <a:defRPr sz="1800" kern="1200">
+                <a:solidFill>
+                  <a:schemeClr val="lt1"/>
+                </a:solidFill>
+                <a:latin typeface="+mn-lt"/>
+                <a:ea typeface="+mn-ea"/>
+                <a:cs typeface="+mn-cs"/>
+              </a:defRPr>
+            </a:lvl2pPr>
+            <a:lvl3pPr marL="914400" algn="l" defTabSz="914400" rtl="0" eaLnBrk="1" latinLnBrk="0" hangingPunct="1">
+              <a:defRPr sz="1800" kern="1200">
+                <a:solidFill>
+                  <a:schemeClr val="lt1"/>
+                </a:solidFill>
+                <a:latin typeface="+mn-lt"/>
+                <a:ea typeface="+mn-ea"/>
+                <a:cs typeface="+mn-cs"/>
+              </a:defRPr>
+            </a:lvl3pPr>
+            <a:lvl4pPr marL="1371600" algn="l" defTabSz="914400" rtl="0" eaLnBrk="1" latinLnBrk="0" hangingPunct="1">
+              <a:defRPr sz="1800" kern="1200">
+                <a:solidFill>
+                  <a:schemeClr val="lt1"/>
+                </a:solidFill>
+                <a:latin typeface="+mn-lt"/>
+                <a:ea typeface="+mn-ea"/>
+                <a:cs typeface="+mn-cs"/>
+              </a:defRPr>
+            </a:lvl4pPr>
+            <a:lvl5pPr marL="1828800" algn="l" defTabSz="914400" rtl="0" eaLnBrk="1" latinLnBrk="0" hangingPunct="1">
+              <a:defRPr sz="1800" kern="1200">
+                <a:solidFill>
+                  <a:schemeClr val="lt1"/>
+                </a:solidFill>
+                <a:latin typeface="+mn-lt"/>
+                <a:ea typeface="+mn-ea"/>
+                <a:cs typeface="+mn-cs"/>
+              </a:defRPr>
+            </a:lvl5pPr>
+            <a:lvl6pPr marL="2286000" algn="l" defTabSz="914400" rtl="0" eaLnBrk="1" latinLnBrk="0" hangingPunct="1">
+              <a:defRPr sz="1800" kern="1200">
+                <a:solidFill>
+                  <a:schemeClr val="lt1"/>
+                </a:solidFill>
+                <a:latin typeface="+mn-lt"/>
+                <a:ea typeface="+mn-ea"/>
+                <a:cs typeface="+mn-cs"/>
+              </a:defRPr>
+            </a:lvl6pPr>
+            <a:lvl7pPr marL="2743200" algn="l" defTabSz="914400" rtl="0" eaLnBrk="1" latinLnBrk="0" hangingPunct="1">
+              <a:defRPr sz="1800" kern="1200">
+                <a:solidFill>
+                  <a:schemeClr val="lt1"/>
+                </a:solidFill>
+                <a:latin typeface="+mn-lt"/>
+                <a:ea typeface="+mn-ea"/>
+                <a:cs typeface="+mn-cs"/>
+              </a:defRPr>
+            </a:lvl7pPr>
+            <a:lvl8pPr marL="3200400" algn="l" defTabSz="914400" rtl="0" eaLnBrk="1" latinLnBrk="0" hangingPunct="1">
+              <a:defRPr sz="1800" kern="1200">
+                <a:solidFill>
+                  <a:schemeClr val="lt1"/>
+                </a:solidFill>
+                <a:latin typeface="+mn-lt"/>
+                <a:ea typeface="+mn-ea"/>
+                <a:cs typeface="+mn-cs"/>
+              </a:defRPr>
+            </a:lvl8pPr>
+            <a:lvl9pPr marL="3657600" algn="l" defTabSz="914400" rtl="0" eaLnBrk="1" latinLnBrk="0" hangingPunct="1">
+              <a:defRPr sz="1800" kern="1200">
+                <a:solidFill>
+                  <a:schemeClr val="lt1"/>
+                </a:solidFill>
+                <a:latin typeface="+mn-lt"/>
+                <a:ea typeface="+mn-ea"/>
+                <a:cs typeface="+mn-cs"/>
+              </a:defRPr>
+            </a:lvl9pPr>
+          </a:lstStyle>
+          <a:p>
+            <a:pPr algn="ctr"/>
+            <a:endParaRPr lang="en-US"/>
+          </a:p>
+        </p:txBody>
+      </p:sp>
+      <p:sp useBgFill="1">
+        <p:nvSpPr>
+          <p:cNvPr id="10" name="Rectangle 9">
+            <a:extLst>
+              <a:ext uri="{FF2B5EF4-FFF2-40B4-BE49-F238E27FC236}">
+                <a16:creationId xmlns:a16="http://schemas.microsoft.com/office/drawing/2014/main" id="{252FEFEF-6AC0-46B6-AC09-11FC56196FA4}"/>
+              </a:ext>
+              <a:ext uri="{C183D7F6-B498-43B3-948B-1728B52AA6E4}">
+                <adec:decorative xmlns:adec="http://schemas.microsoft.com/office/drawing/2017/decorative" val="1"/>
+              </a:ext>
+            </a:extLst>
+          </p:cNvPr>
+          <p:cNvSpPr>
+            <a:spLocks noGrp="1" noRot="1" noChangeAspect="1" noMove="1" noResize="1" noEditPoints="1" noAdjustHandles="1" noChangeArrowheads="1" noChangeShapeType="1" noTextEdit="1"/>
+          </p:cNvSpPr>
+          <p:nvPr>
+            <p:extLst>
+              <p:ext uri="{386F3935-93C4-4BCD-93E2-E3B085C9AB24}">
+                <p16:designElem xmlns:p16="http://schemas.microsoft.com/office/powerpoint/2015/main" val="1"/>
+              </p:ext>
+            </p:extLst>
+          </p:nvPr>
+        </p:nvSpPr>
+        <p:spPr>
+          <a:xfrm>
+            <a:off x="210312" y="226665"/>
+            <a:ext cx="11722608" cy="6382512"/>
+          </a:xfrm>
+          <a:prstGeom prst="rect">
+            <a:avLst/>
+          </a:prstGeom>
+          <a:ln w="6350" cap="flat" cmpd="sng" algn="ctr">
+            <a:noFill/>
+            <a:prstDash val="solid"/>
+          </a:ln>
+          <a:effectLst>
+            <a:softEdge rad="0"/>
+          </a:effectLst>
+        </p:spPr>
+      </p:sp>
+      <p:sp>
+        <p:nvSpPr>
+          <p:cNvPr id="2" name="Title 1">
+            <a:extLst>
+              <a:ext uri="{FF2B5EF4-FFF2-40B4-BE49-F238E27FC236}">
+                <a16:creationId xmlns:a16="http://schemas.microsoft.com/office/drawing/2014/main" id="{E78C2EC3-3C61-4849-8C25-80B30BAA62A8}"/>
+              </a:ext>
+            </a:extLst>
+          </p:cNvPr>
+          <p:cNvSpPr>
+            <a:spLocks noGrp="1"/>
+          </p:cNvSpPr>
+          <p:nvPr>
+            <p:ph type="title"/>
+          </p:nvPr>
+        </p:nvSpPr>
+        <p:spPr>
+          <a:xfrm>
+            <a:off x="531341" y="451691"/>
+            <a:ext cx="11121081" cy="994050"/>
+          </a:xfrm>
+        </p:spPr>
+        <p:txBody>
+          <a:bodyPr>
+            <a:normAutofit/>
+          </a:bodyPr>
+          <a:lstStyle/>
+          <a:p>
+            <a:r>
+              <a:rPr lang="en-US" dirty="0"/>
+              <a:t>Telco Integrator - Tooling</a:t>
+            </a:r>
+          </a:p>
+        </p:txBody>
+      </p:sp>
+      <p:sp>
+        <p:nvSpPr>
+          <p:cNvPr id="3" name="Content Placeholder 2">
+            <a:extLst>
+              <a:ext uri="{FF2B5EF4-FFF2-40B4-BE49-F238E27FC236}">
+                <a16:creationId xmlns:a16="http://schemas.microsoft.com/office/drawing/2014/main" id="{3CF89308-280A-2D45-B048-2F391CD7DCAD}"/>
+              </a:ext>
+            </a:extLst>
+          </p:cNvPr>
+          <p:cNvSpPr>
+            <a:spLocks noGrp="1"/>
+          </p:cNvSpPr>
+          <p:nvPr>
+            <p:ph idx="1"/>
+          </p:nvPr>
+        </p:nvSpPr>
+        <p:spPr>
+          <a:xfrm>
+            <a:off x="531341" y="1779373"/>
+            <a:ext cx="4992129" cy="4186338"/>
+          </a:xfrm>
+        </p:spPr>
+        <p:txBody>
+          <a:bodyPr>
+            <a:normAutofit/>
+          </a:bodyPr>
+          <a:lstStyle/>
+          <a:p>
+            <a:r>
+              <a:rPr lang="en-US" sz="1600" dirty="0"/>
+              <a:t>TBD</a:t>
+            </a:r>
+          </a:p>
+          <a:p>
+            <a:endParaRPr lang="en-US" sz="1600" b="1" dirty="0"/>
+          </a:p>
+        </p:txBody>
+      </p:sp>
+    </p:spTree>
+    <p:extLst>
+      <p:ext uri="{BB962C8B-B14F-4D97-AF65-F5344CB8AC3E}">
+        <p14:creationId xmlns:p14="http://schemas.microsoft.com/office/powerpoint/2010/main" val="1551772216"/>
+      </p:ext>
+    </p:extLst>
+  </p:cSld>
+  <p:clrMapOvr>
+    <a:masterClrMapping/>
+  </p:clrMapOvr>
+</p:sld>
+</file>
+
+<file path=ppt/slides/slide17.xml><?xml version="1.0" encoding="utf-8"?>
+<p:sld xmlns:a="http://schemas.openxmlformats.org/drawingml/2006/main" xmlns:r="http://schemas.openxmlformats.org/officeDocument/2006/relationships" xmlns:p="http://schemas.openxmlformats.org/presentationml/2006/main">
+  <p:cSld>
+    <p:bg>
+      <p:bgPr>
+        <a:solidFill>
+          <a:schemeClr val="bg1"/>
+        </a:solidFill>
+        <a:effectLst/>
+      </p:bgPr>
+    </p:bg>
+    <p:spTree>
+      <p:nvGrpSpPr>
+        <p:cNvPr id="1" name=""/>
+        <p:cNvGrpSpPr/>
+        <p:nvPr/>
+      </p:nvGrpSpPr>
+      <p:grpSpPr>
+        <a:xfrm>
+          <a:off x="0" y="0"/>
+          <a:ext cx="0" cy="0"/>
+          <a:chOff x="0" y="0"/>
+          <a:chExt cx="0" cy="0"/>
+        </a:xfrm>
+      </p:grpSpPr>
+      <p:sp>
+        <p:nvSpPr>
+          <p:cNvPr id="8" name="Rectangle 7">
+            <a:extLst>
+              <a:ext uri="{FF2B5EF4-FFF2-40B4-BE49-F238E27FC236}">
+                <a16:creationId xmlns:a16="http://schemas.microsoft.com/office/drawing/2014/main" id="{70120F84-A866-4D9F-8B1C-9120A013D654}"/>
+              </a:ext>
+              <a:ext uri="{C183D7F6-B498-43B3-948B-1728B52AA6E4}">
+                <adec:decorative xmlns:adec="http://schemas.microsoft.com/office/drawing/2017/decorative" val="1"/>
+              </a:ext>
+            </a:extLst>
+          </p:cNvPr>
+          <p:cNvSpPr>
+            <a:spLocks noGrp="1" noRot="1" noChangeAspect="1" noMove="1" noResize="1" noEditPoints="1" noAdjustHandles="1" noChangeArrowheads="1" noChangeShapeType="1" noTextEdit="1"/>
+          </p:cNvSpPr>
+          <p:nvPr>
+            <p:extLst>
+              <p:ext uri="{386F3935-93C4-4BCD-93E2-E3B085C9AB24}">
+                <p16:designElem xmlns:p16="http://schemas.microsoft.com/office/powerpoint/2015/main" val="1"/>
+              </p:ext>
+            </p:extLst>
+          </p:nvPr>
+        </p:nvSpPr>
+        <p:spPr>
+          <a:xfrm>
+            <a:off x="0" y="0"/>
+            <a:ext cx="12192001" cy="6858000"/>
+          </a:xfrm>
+          <a:prstGeom prst="rect">
+            <a:avLst/>
+          </a:prstGeom>
+          <a:solidFill>
+            <a:schemeClr val="tx1">
+              <a:lumMod val="65000"/>
+              <a:lumOff val="35000"/>
+            </a:schemeClr>
+          </a:solidFill>
+          <a:ln>
+            <a:noFill/>
+          </a:ln>
+        </p:spPr>
+        <p:style>
+          <a:lnRef idx="2">
+            <a:schemeClr val="accent1">
+              <a:shade val="50000"/>
+            </a:schemeClr>
+          </a:lnRef>
+          <a:fillRef idx="1">
+            <a:schemeClr val="accent1"/>
+          </a:fillRef>
+          <a:effectRef idx="0">
+            <a:schemeClr val="accent1"/>
+          </a:effectRef>
+          <a:fontRef idx="minor">
+            <a:schemeClr val="lt1"/>
+          </a:fontRef>
+        </p:style>
+        <p:txBody>
+          <a:bodyPr rot="0" spcFirstLastPara="0" vert="horz" wrap="square" lIns="91440" tIns="45720" rIns="91440" bIns="45720" numCol="1" spcCol="0" rtlCol="0" fromWordArt="0" anchor="ctr" anchorCtr="0" forceAA="0" compatLnSpc="1">
+            <a:prstTxWarp prst="textNoShape">
+              <a:avLst/>
+            </a:prstTxWarp>
+            <a:noAutofit/>
+          </a:bodyPr>
+          <a:lstStyle>
+            <a:defPPr>
+              <a:defRPr lang="en-US"/>
+            </a:defPPr>
+            <a:lvl1pPr marL="0" algn="l" defTabSz="914400" rtl="0" eaLnBrk="1" latinLnBrk="0" hangingPunct="1">
+              <a:defRPr sz="1800" kern="1200">
+                <a:solidFill>
+                  <a:schemeClr val="lt1"/>
+                </a:solidFill>
+                <a:latin typeface="+mn-lt"/>
+                <a:ea typeface="+mn-ea"/>
+                <a:cs typeface="+mn-cs"/>
+              </a:defRPr>
+            </a:lvl1pPr>
+            <a:lvl2pPr marL="457200" algn="l" defTabSz="914400" rtl="0" eaLnBrk="1" latinLnBrk="0" hangingPunct="1">
+              <a:defRPr sz="1800" kern="1200">
+                <a:solidFill>
+                  <a:schemeClr val="lt1"/>
+                </a:solidFill>
+                <a:latin typeface="+mn-lt"/>
+                <a:ea typeface="+mn-ea"/>
+                <a:cs typeface="+mn-cs"/>
+              </a:defRPr>
+            </a:lvl2pPr>
+            <a:lvl3pPr marL="914400" algn="l" defTabSz="914400" rtl="0" eaLnBrk="1" latinLnBrk="0" hangingPunct="1">
+              <a:defRPr sz="1800" kern="1200">
+                <a:solidFill>
+                  <a:schemeClr val="lt1"/>
+                </a:solidFill>
+                <a:latin typeface="+mn-lt"/>
+                <a:ea typeface="+mn-ea"/>
+                <a:cs typeface="+mn-cs"/>
+              </a:defRPr>
+            </a:lvl3pPr>
+            <a:lvl4pPr marL="1371600" algn="l" defTabSz="914400" rtl="0" eaLnBrk="1" latinLnBrk="0" hangingPunct="1">
+              <a:defRPr sz="1800" kern="1200">
+                <a:solidFill>
+                  <a:schemeClr val="lt1"/>
+                </a:solidFill>
+                <a:latin typeface="+mn-lt"/>
+                <a:ea typeface="+mn-ea"/>
+                <a:cs typeface="+mn-cs"/>
+              </a:defRPr>
+            </a:lvl4pPr>
+            <a:lvl5pPr marL="1828800" algn="l" defTabSz="914400" rtl="0" eaLnBrk="1" latinLnBrk="0" hangingPunct="1">
+              <a:defRPr sz="1800" kern="1200">
+                <a:solidFill>
+                  <a:schemeClr val="lt1"/>
+                </a:solidFill>
+                <a:latin typeface="+mn-lt"/>
+                <a:ea typeface="+mn-ea"/>
+                <a:cs typeface="+mn-cs"/>
+              </a:defRPr>
+            </a:lvl5pPr>
+            <a:lvl6pPr marL="2286000" algn="l" defTabSz="914400" rtl="0" eaLnBrk="1" latinLnBrk="0" hangingPunct="1">
+              <a:defRPr sz="1800" kern="1200">
+                <a:solidFill>
+                  <a:schemeClr val="lt1"/>
+                </a:solidFill>
+                <a:latin typeface="+mn-lt"/>
+                <a:ea typeface="+mn-ea"/>
+                <a:cs typeface="+mn-cs"/>
+              </a:defRPr>
+            </a:lvl6pPr>
+            <a:lvl7pPr marL="2743200" algn="l" defTabSz="914400" rtl="0" eaLnBrk="1" latinLnBrk="0" hangingPunct="1">
+              <a:defRPr sz="1800" kern="1200">
+                <a:solidFill>
+                  <a:schemeClr val="lt1"/>
+                </a:solidFill>
+                <a:latin typeface="+mn-lt"/>
+                <a:ea typeface="+mn-ea"/>
+                <a:cs typeface="+mn-cs"/>
+              </a:defRPr>
+            </a:lvl7pPr>
+            <a:lvl8pPr marL="3200400" algn="l" defTabSz="914400" rtl="0" eaLnBrk="1" latinLnBrk="0" hangingPunct="1">
+              <a:defRPr sz="1800" kern="1200">
+                <a:solidFill>
+                  <a:schemeClr val="lt1"/>
+                </a:solidFill>
+                <a:latin typeface="+mn-lt"/>
+                <a:ea typeface="+mn-ea"/>
+                <a:cs typeface="+mn-cs"/>
+              </a:defRPr>
+            </a:lvl8pPr>
+            <a:lvl9pPr marL="3657600" algn="l" defTabSz="914400" rtl="0" eaLnBrk="1" latinLnBrk="0" hangingPunct="1">
+              <a:defRPr sz="1800" kern="1200">
+                <a:solidFill>
+                  <a:schemeClr val="lt1"/>
+                </a:solidFill>
+                <a:latin typeface="+mn-lt"/>
+                <a:ea typeface="+mn-ea"/>
+                <a:cs typeface="+mn-cs"/>
+              </a:defRPr>
+            </a:lvl9pPr>
+          </a:lstStyle>
+          <a:p>
+            <a:pPr algn="ctr"/>
+            <a:endParaRPr lang="en-US"/>
+          </a:p>
+        </p:txBody>
+      </p:sp>
+      <p:sp useBgFill="1">
+        <p:nvSpPr>
+          <p:cNvPr id="10" name="Rectangle 9">
+            <a:extLst>
+              <a:ext uri="{FF2B5EF4-FFF2-40B4-BE49-F238E27FC236}">
+                <a16:creationId xmlns:a16="http://schemas.microsoft.com/office/drawing/2014/main" id="{252FEFEF-6AC0-46B6-AC09-11FC56196FA4}"/>
+              </a:ext>
+              <a:ext uri="{C183D7F6-B498-43B3-948B-1728B52AA6E4}">
+                <adec:decorative xmlns:adec="http://schemas.microsoft.com/office/drawing/2017/decorative" val="1"/>
+              </a:ext>
+            </a:extLst>
+          </p:cNvPr>
+          <p:cNvSpPr>
+            <a:spLocks noGrp="1" noRot="1" noChangeAspect="1" noMove="1" noResize="1" noEditPoints="1" noAdjustHandles="1" noChangeArrowheads="1" noChangeShapeType="1" noTextEdit="1"/>
+          </p:cNvSpPr>
+          <p:nvPr>
+            <p:extLst>
+              <p:ext uri="{386F3935-93C4-4BCD-93E2-E3B085C9AB24}">
+                <p16:designElem xmlns:p16="http://schemas.microsoft.com/office/powerpoint/2015/main" val="1"/>
+              </p:ext>
+            </p:extLst>
+          </p:nvPr>
+        </p:nvSpPr>
+        <p:spPr>
+          <a:xfrm>
+            <a:off x="210312" y="226665"/>
+            <a:ext cx="11722608" cy="6382512"/>
+          </a:xfrm>
+          <a:prstGeom prst="rect">
+            <a:avLst/>
+          </a:prstGeom>
+          <a:ln w="6350" cap="flat" cmpd="sng" algn="ctr">
+            <a:noFill/>
+            <a:prstDash val="solid"/>
+          </a:ln>
+          <a:effectLst>
+            <a:softEdge rad="0"/>
+          </a:effectLst>
+        </p:spPr>
+      </p:sp>
+      <p:sp>
+        <p:nvSpPr>
+          <p:cNvPr id="2" name="Title 1">
+            <a:extLst>
+              <a:ext uri="{FF2B5EF4-FFF2-40B4-BE49-F238E27FC236}">
+                <a16:creationId xmlns:a16="http://schemas.microsoft.com/office/drawing/2014/main" id="{E78C2EC3-3C61-4849-8C25-80B30BAA62A8}"/>
+              </a:ext>
+            </a:extLst>
+          </p:cNvPr>
+          <p:cNvSpPr>
+            <a:spLocks noGrp="1"/>
+          </p:cNvSpPr>
+          <p:nvPr>
+            <p:ph type="title"/>
+          </p:nvPr>
+        </p:nvSpPr>
+        <p:spPr>
+          <a:xfrm>
+            <a:off x="531341" y="451691"/>
+            <a:ext cx="11121081" cy="994050"/>
+          </a:xfrm>
+        </p:spPr>
+        <p:txBody>
+          <a:bodyPr>
+            <a:normAutofit/>
+          </a:bodyPr>
+          <a:lstStyle/>
+          <a:p>
+            <a:r>
+              <a:rPr lang="en-US" dirty="0"/>
+              <a:t>Telco Integrator – Implemented sample scenario</a:t>
+            </a:r>
+          </a:p>
+        </p:txBody>
+      </p:sp>
+      <p:sp>
+        <p:nvSpPr>
+          <p:cNvPr id="3" name="Content Placeholder 2">
+            <a:extLst>
+              <a:ext uri="{FF2B5EF4-FFF2-40B4-BE49-F238E27FC236}">
+                <a16:creationId xmlns:a16="http://schemas.microsoft.com/office/drawing/2014/main" id="{3CF89308-280A-2D45-B048-2F391CD7DCAD}"/>
+              </a:ext>
+            </a:extLst>
+          </p:cNvPr>
+          <p:cNvSpPr>
+            <a:spLocks noGrp="1"/>
+          </p:cNvSpPr>
+          <p:nvPr>
+            <p:ph idx="1"/>
+          </p:nvPr>
+        </p:nvSpPr>
+        <p:spPr>
+          <a:xfrm>
+            <a:off x="531341" y="1779373"/>
+            <a:ext cx="4992129" cy="646331"/>
+          </a:xfrm>
+        </p:spPr>
+        <p:txBody>
+          <a:bodyPr>
+            <a:normAutofit/>
+          </a:bodyPr>
+          <a:lstStyle/>
+          <a:p>
+            <a:r>
+              <a:rPr lang="en-US" sz="1600" dirty="0"/>
+              <a:t>TBD</a:t>
+            </a:r>
+          </a:p>
+          <a:p>
+            <a:endParaRPr lang="en-US" sz="1600" b="1" dirty="0"/>
+          </a:p>
+        </p:txBody>
+      </p:sp>
+      <p:sp>
+        <p:nvSpPr>
+          <p:cNvPr id="4" name="TextBox 3">
+            <a:extLst>
+              <a:ext uri="{FF2B5EF4-FFF2-40B4-BE49-F238E27FC236}">
+                <a16:creationId xmlns:a16="http://schemas.microsoft.com/office/drawing/2014/main" id="{70C90CF1-C6A3-6A4C-BD03-923335F2DE74}"/>
+              </a:ext>
+            </a:extLst>
+          </p:cNvPr>
+          <p:cNvSpPr txBox="1"/>
+          <p:nvPr/>
+        </p:nvSpPr>
+        <p:spPr>
+          <a:xfrm>
+            <a:off x="729465" y="2743204"/>
+            <a:ext cx="2147299" cy="646331"/>
+          </a:xfrm>
+          <a:prstGeom prst="rect">
+            <a:avLst/>
+          </a:prstGeom>
+          <a:noFill/>
+          <a:ln w="12700">
+            <a:solidFill>
+              <a:schemeClr val="tx1">
+                <a:lumMod val="50000"/>
+                <a:lumOff val="50000"/>
+              </a:schemeClr>
+            </a:solidFill>
+          </a:ln>
+        </p:spPr>
+        <p:txBody>
+          <a:bodyPr wrap="square" rtlCol="0">
+            <a:noAutofit/>
+          </a:bodyPr>
+          <a:lstStyle/>
+          <a:p>
+            <a:pPr algn="ctr"/>
+            <a:r>
+              <a:rPr lang="en-DE" dirty="0"/>
+              <a:t>CRM captures order</a:t>
+            </a:r>
+          </a:p>
+          <a:p>
+            <a:pPr algn="ctr"/>
+            <a:r>
+              <a:rPr lang="en-DE" dirty="0"/>
+              <a:t>(simulated – CPQ)</a:t>
+            </a:r>
+          </a:p>
+        </p:txBody>
+      </p:sp>
+      <p:sp>
+        <p:nvSpPr>
+          <p:cNvPr id="7" name="TextBox 6">
+            <a:extLst>
+              <a:ext uri="{FF2B5EF4-FFF2-40B4-BE49-F238E27FC236}">
+                <a16:creationId xmlns:a16="http://schemas.microsoft.com/office/drawing/2014/main" id="{28A21188-368C-AD45-B706-A8376D72FCA1}"/>
+              </a:ext>
+            </a:extLst>
+          </p:cNvPr>
+          <p:cNvSpPr txBox="1"/>
+          <p:nvPr/>
+        </p:nvSpPr>
+        <p:spPr>
+          <a:xfrm>
+            <a:off x="4449820" y="2743204"/>
+            <a:ext cx="2147299" cy="646330"/>
+          </a:xfrm>
+          <a:prstGeom prst="rect">
+            <a:avLst/>
+          </a:prstGeom>
+          <a:noFill/>
+          <a:ln w="12700">
+            <a:solidFill>
+              <a:schemeClr val="tx1">
+                <a:lumMod val="50000"/>
+                <a:lumOff val="50000"/>
+              </a:schemeClr>
+            </a:solidFill>
+          </a:ln>
+        </p:spPr>
+        <p:txBody>
+          <a:bodyPr wrap="square" rtlCol="0">
+            <a:noAutofit/>
+          </a:bodyPr>
+          <a:lstStyle/>
+          <a:p>
+            <a:pPr algn="ctr"/>
+            <a:r>
+              <a:rPr lang="en-DE" dirty="0"/>
+              <a:t>TMF APIs</a:t>
+            </a:r>
+          </a:p>
+        </p:txBody>
+      </p:sp>
+      <p:cxnSp>
+        <p:nvCxnSpPr>
+          <p:cNvPr id="6" name="Straight Arrow Connector 5">
+            <a:extLst>
+              <a:ext uri="{FF2B5EF4-FFF2-40B4-BE49-F238E27FC236}">
+                <a16:creationId xmlns:a16="http://schemas.microsoft.com/office/drawing/2014/main" id="{E23FD137-D2C5-614F-B6C9-F4E38D6D4ACD}"/>
+              </a:ext>
+            </a:extLst>
+          </p:cNvPr>
+          <p:cNvCxnSpPr>
+            <a:stCxn id="4" idx="3"/>
+            <a:endCxn id="7" idx="1"/>
+          </p:cNvCxnSpPr>
+          <p:nvPr/>
+        </p:nvCxnSpPr>
+        <p:spPr>
+          <a:xfrm flipV="1">
+            <a:off x="2876764" y="3066369"/>
+            <a:ext cx="1573056" cy="1"/>
+          </a:xfrm>
+          <a:prstGeom prst="straightConnector1">
+            <a:avLst/>
+          </a:prstGeom>
+          <a:ln>
+            <a:tailEnd type="triangle"/>
+          </a:ln>
+        </p:spPr>
+        <p:style>
+          <a:lnRef idx="1">
+            <a:schemeClr val="accent1"/>
+          </a:lnRef>
+          <a:fillRef idx="0">
+            <a:schemeClr val="accent1"/>
+          </a:fillRef>
+          <a:effectRef idx="0">
+            <a:schemeClr val="accent1"/>
+          </a:effectRef>
+          <a:fontRef idx="minor">
+            <a:schemeClr val="tx1"/>
+          </a:fontRef>
+        </p:style>
+      </p:cxnSp>
+      <p:sp>
+        <p:nvSpPr>
+          <p:cNvPr id="9" name="TextBox 8">
+            <a:extLst>
+              <a:ext uri="{FF2B5EF4-FFF2-40B4-BE49-F238E27FC236}">
+                <a16:creationId xmlns:a16="http://schemas.microsoft.com/office/drawing/2014/main" id="{CDF04D60-EA56-F746-88B0-9424EC2AFE5C}"/>
+              </a:ext>
+            </a:extLst>
+          </p:cNvPr>
+          <p:cNvSpPr txBox="1"/>
+          <p:nvPr/>
+        </p:nvSpPr>
+        <p:spPr>
+          <a:xfrm>
+            <a:off x="3145002" y="2866134"/>
+            <a:ext cx="1078786" cy="400110"/>
+          </a:xfrm>
+          <a:prstGeom prst="rect">
+            <a:avLst/>
+          </a:prstGeom>
+          <a:noFill/>
+        </p:spPr>
+        <p:txBody>
+          <a:bodyPr wrap="square" rtlCol="0">
+            <a:spAutoFit/>
+          </a:bodyPr>
+          <a:lstStyle/>
+          <a:p>
+            <a:pPr algn="ctr"/>
+            <a:r>
+              <a:rPr lang="en-DE" sz="1000" dirty="0"/>
+              <a:t>Translate</a:t>
+            </a:r>
+          </a:p>
+          <a:p>
+            <a:pPr algn="ctr"/>
+            <a:r>
+              <a:rPr lang="en-DE" sz="1000" dirty="0"/>
+              <a:t>Order</a:t>
+            </a:r>
+          </a:p>
+        </p:txBody>
+      </p:sp>
+      <p:sp>
+        <p:nvSpPr>
+          <p:cNvPr id="11" name="TextBox 10">
+            <a:extLst>
+              <a:ext uri="{FF2B5EF4-FFF2-40B4-BE49-F238E27FC236}">
+                <a16:creationId xmlns:a16="http://schemas.microsoft.com/office/drawing/2014/main" id="{F1B07DAC-B2DE-E14A-BDBD-FDEB81AB065C}"/>
+              </a:ext>
+            </a:extLst>
+          </p:cNvPr>
+          <p:cNvSpPr txBox="1"/>
+          <p:nvPr/>
+        </p:nvSpPr>
+        <p:spPr>
+          <a:xfrm>
+            <a:off x="8170175" y="2743204"/>
+            <a:ext cx="2147299" cy="646330"/>
+          </a:xfrm>
+          <a:prstGeom prst="rect">
+            <a:avLst/>
+          </a:prstGeom>
+          <a:noFill/>
+          <a:ln w="12700">
+            <a:solidFill>
+              <a:schemeClr val="tx1">
+                <a:lumMod val="50000"/>
+                <a:lumOff val="50000"/>
+              </a:schemeClr>
+            </a:solidFill>
+          </a:ln>
+        </p:spPr>
+        <p:txBody>
+          <a:bodyPr wrap="square" rtlCol="0">
+            <a:noAutofit/>
+          </a:bodyPr>
+          <a:lstStyle/>
+          <a:p>
+            <a:pPr algn="ctr"/>
+            <a:r>
+              <a:rPr lang="en-DE" dirty="0"/>
+              <a:t>Order Management processes order</a:t>
+            </a:r>
+          </a:p>
+        </p:txBody>
+      </p:sp>
+      <p:cxnSp>
+        <p:nvCxnSpPr>
+          <p:cNvPr id="13" name="Straight Arrow Connector 12">
+            <a:extLst>
+              <a:ext uri="{FF2B5EF4-FFF2-40B4-BE49-F238E27FC236}">
+                <a16:creationId xmlns:a16="http://schemas.microsoft.com/office/drawing/2014/main" id="{B6FC21FC-D09B-B04D-A7C9-76BC0F23CB9D}"/>
+              </a:ext>
+            </a:extLst>
+          </p:cNvPr>
+          <p:cNvCxnSpPr>
+            <a:stCxn id="7" idx="3"/>
+            <a:endCxn id="11" idx="1"/>
+          </p:cNvCxnSpPr>
+          <p:nvPr/>
+        </p:nvCxnSpPr>
+        <p:spPr>
+          <a:xfrm>
+            <a:off x="6597119" y="3066369"/>
+            <a:ext cx="1573056" cy="0"/>
+          </a:xfrm>
+          <a:prstGeom prst="straightConnector1">
+            <a:avLst/>
+          </a:prstGeom>
+          <a:ln>
+            <a:tailEnd type="triangle"/>
+          </a:ln>
+        </p:spPr>
+        <p:style>
+          <a:lnRef idx="1">
+            <a:schemeClr val="accent1"/>
+          </a:lnRef>
+          <a:fillRef idx="0">
+            <a:schemeClr val="accent1"/>
+          </a:fillRef>
+          <a:effectRef idx="0">
+            <a:schemeClr val="accent1"/>
+          </a:effectRef>
+          <a:fontRef idx="minor">
+            <a:schemeClr val="tx1"/>
+          </a:fontRef>
+        </p:style>
+      </p:cxnSp>
+      <p:sp>
+        <p:nvSpPr>
+          <p:cNvPr id="14" name="TextBox 13">
+            <a:extLst>
+              <a:ext uri="{FF2B5EF4-FFF2-40B4-BE49-F238E27FC236}">
+                <a16:creationId xmlns:a16="http://schemas.microsoft.com/office/drawing/2014/main" id="{58736334-1BE1-974D-A5FF-27462A46E239}"/>
+              </a:ext>
+            </a:extLst>
+          </p:cNvPr>
+          <p:cNvSpPr txBox="1"/>
+          <p:nvPr/>
+        </p:nvSpPr>
+        <p:spPr>
+          <a:xfrm>
+            <a:off x="6865357" y="2866314"/>
+            <a:ext cx="1078786" cy="400110"/>
+          </a:xfrm>
+          <a:prstGeom prst="rect">
+            <a:avLst/>
+          </a:prstGeom>
+          <a:noFill/>
+        </p:spPr>
+        <p:txBody>
+          <a:bodyPr wrap="square" rtlCol="0">
+            <a:spAutoFit/>
+          </a:bodyPr>
+          <a:lstStyle/>
+          <a:p>
+            <a:pPr algn="ctr"/>
+            <a:r>
+              <a:rPr lang="en-DE" sz="1000" dirty="0"/>
+              <a:t>Decompose</a:t>
+            </a:r>
+          </a:p>
+          <a:p>
+            <a:pPr algn="ctr"/>
+            <a:r>
+              <a:rPr lang="en-DE" sz="1000" dirty="0"/>
+              <a:t>Order</a:t>
+            </a:r>
+          </a:p>
+        </p:txBody>
+      </p:sp>
+      <p:sp>
+        <p:nvSpPr>
+          <p:cNvPr id="15" name="TextBox 14">
+            <a:extLst>
+              <a:ext uri="{FF2B5EF4-FFF2-40B4-BE49-F238E27FC236}">
+                <a16:creationId xmlns:a16="http://schemas.microsoft.com/office/drawing/2014/main" id="{191EB380-0512-A244-A35F-D13484C3FCE7}"/>
+              </a:ext>
+            </a:extLst>
+          </p:cNvPr>
+          <p:cNvSpPr txBox="1"/>
+          <p:nvPr/>
+        </p:nvSpPr>
+        <p:spPr>
+          <a:xfrm>
+            <a:off x="4449819" y="4088719"/>
+            <a:ext cx="2147299" cy="1510693"/>
+          </a:xfrm>
+          <a:prstGeom prst="rect">
+            <a:avLst/>
+          </a:prstGeom>
+          <a:noFill/>
+          <a:ln w="12700">
+            <a:solidFill>
+              <a:schemeClr val="tx1">
+                <a:lumMod val="50000"/>
+                <a:lumOff val="50000"/>
+              </a:schemeClr>
+            </a:solidFill>
+          </a:ln>
+        </p:spPr>
+        <p:txBody>
+          <a:bodyPr wrap="square" rtlCol="0">
+            <a:noAutofit/>
+          </a:bodyPr>
+          <a:lstStyle/>
+          <a:p>
+            <a:pPr algn="ctr"/>
+            <a:r>
+              <a:rPr lang="en-DE" dirty="0"/>
+              <a:t>Delivery System (provisioning, billing, etc.) implements order</a:t>
+            </a:r>
+            <a:br>
+              <a:rPr lang="en-DE" dirty="0"/>
+            </a:br>
+            <a:r>
+              <a:rPr lang="en-DE" dirty="0"/>
+              <a:t>(simulated)</a:t>
+            </a:r>
+          </a:p>
+        </p:txBody>
+      </p:sp>
+      <p:sp>
+        <p:nvSpPr>
+          <p:cNvPr id="18" name="TextBox 17">
+            <a:extLst>
+              <a:ext uri="{FF2B5EF4-FFF2-40B4-BE49-F238E27FC236}">
+                <a16:creationId xmlns:a16="http://schemas.microsoft.com/office/drawing/2014/main" id="{3BC72BC1-BE5F-5C4C-A186-10C10B58D89B}"/>
+              </a:ext>
+            </a:extLst>
+          </p:cNvPr>
+          <p:cNvSpPr txBox="1"/>
+          <p:nvPr/>
+        </p:nvSpPr>
+        <p:spPr>
+          <a:xfrm>
+            <a:off x="7381079" y="4644010"/>
+            <a:ext cx="1078786" cy="400110"/>
+          </a:xfrm>
+          <a:prstGeom prst="rect">
+            <a:avLst/>
+          </a:prstGeom>
+          <a:noFill/>
+        </p:spPr>
+        <p:txBody>
+          <a:bodyPr wrap="square" rtlCol="0">
+            <a:spAutoFit/>
+          </a:bodyPr>
+          <a:lstStyle/>
+          <a:p>
+            <a:pPr algn="ctr"/>
+            <a:r>
+              <a:rPr lang="en-DE" sz="1000" dirty="0"/>
+              <a:t>Execute</a:t>
+            </a:r>
+          </a:p>
+          <a:p>
+            <a:pPr algn="ctr"/>
+            <a:r>
+              <a:rPr lang="en-DE" sz="1000" dirty="0"/>
+              <a:t>Order</a:t>
+            </a:r>
+          </a:p>
+        </p:txBody>
+      </p:sp>
+      <p:cxnSp>
+        <p:nvCxnSpPr>
+          <p:cNvPr id="20" name="Elbow Connector 19">
+            <a:extLst>
+              <a:ext uri="{FF2B5EF4-FFF2-40B4-BE49-F238E27FC236}">
+                <a16:creationId xmlns:a16="http://schemas.microsoft.com/office/drawing/2014/main" id="{EA9D7BC0-0847-AE4E-87EE-2D392CF95FDB}"/>
+              </a:ext>
+            </a:extLst>
+          </p:cNvPr>
+          <p:cNvCxnSpPr>
+            <a:cxnSpLocks/>
+            <a:stCxn id="11" idx="2"/>
+            <a:endCxn id="15" idx="3"/>
+          </p:cNvCxnSpPr>
+          <p:nvPr/>
+        </p:nvCxnSpPr>
+        <p:spPr>
+          <a:xfrm rot="5400000">
+            <a:off x="7193206" y="2793447"/>
+            <a:ext cx="1454532" cy="2646707"/>
+          </a:xfrm>
+          <a:prstGeom prst="bentConnector2">
+            <a:avLst/>
+          </a:prstGeom>
+          <a:ln>
+            <a:tailEnd type="triangle"/>
+          </a:ln>
+        </p:spPr>
+        <p:style>
+          <a:lnRef idx="1">
+            <a:schemeClr val="accent1"/>
+          </a:lnRef>
+          <a:fillRef idx="0">
+            <a:schemeClr val="accent1"/>
+          </a:fillRef>
+          <a:effectRef idx="0">
+            <a:schemeClr val="accent1"/>
+          </a:effectRef>
+          <a:fontRef idx="minor">
+            <a:schemeClr val="tx1"/>
+          </a:fontRef>
+        </p:style>
+      </p:cxnSp>
+    </p:spTree>
+    <p:extLst>
+      <p:ext uri="{BB962C8B-B14F-4D97-AF65-F5344CB8AC3E}">
+        <p14:creationId xmlns:p14="http://schemas.microsoft.com/office/powerpoint/2010/main" val="3046597217"/>
+      </p:ext>
+    </p:extLst>
+  </p:cSld>
+  <p:clrMapOvr>
+    <a:masterClrMapping/>
+  </p:clrMapOvr>
+</p:sld>
+</file>
+
+<file path=ppt/slides/slide18.xml><?xml version="1.0" encoding="utf-8"?>
+<p:sld xmlns:a="http://schemas.openxmlformats.org/drawingml/2006/main" xmlns:r="http://schemas.openxmlformats.org/officeDocument/2006/relationships" xmlns:p="http://schemas.openxmlformats.org/presentationml/2006/main">
+  <p:cSld>
+    <p:bg>
+      <p:bgPr>
+        <a:solidFill>
+          <a:schemeClr val="bg1"/>
+        </a:solidFill>
+        <a:effectLst/>
+      </p:bgPr>
+    </p:bg>
+    <p:spTree>
+      <p:nvGrpSpPr>
+        <p:cNvPr id="1" name=""/>
+        <p:cNvGrpSpPr/>
+        <p:nvPr/>
+      </p:nvGrpSpPr>
+      <p:grpSpPr>
+        <a:xfrm>
+          <a:off x="0" y="0"/>
+          <a:ext cx="0" cy="0"/>
+          <a:chOff x="0" y="0"/>
+          <a:chExt cx="0" cy="0"/>
+        </a:xfrm>
+      </p:grpSpPr>
+      <p:sp>
+        <p:nvSpPr>
+          <p:cNvPr id="8" name="Rectangle 7">
+            <a:extLst>
+              <a:ext uri="{FF2B5EF4-FFF2-40B4-BE49-F238E27FC236}">
+                <a16:creationId xmlns:a16="http://schemas.microsoft.com/office/drawing/2014/main" id="{70120F84-A866-4D9F-8B1C-9120A013D654}"/>
+              </a:ext>
+              <a:ext uri="{C183D7F6-B498-43B3-948B-1728B52AA6E4}">
+                <adec:decorative xmlns:adec="http://schemas.microsoft.com/office/drawing/2017/decorative" val="1"/>
+              </a:ext>
+            </a:extLst>
+          </p:cNvPr>
+          <p:cNvSpPr>
+            <a:spLocks noGrp="1" noRot="1" noChangeAspect="1" noMove="1" noResize="1" noEditPoints="1" noAdjustHandles="1" noChangeArrowheads="1" noChangeShapeType="1" noTextEdit="1"/>
+          </p:cNvSpPr>
+          <p:nvPr>
+            <p:extLst>
+              <p:ext uri="{386F3935-93C4-4BCD-93E2-E3B085C9AB24}">
+                <p16:designElem xmlns:p16="http://schemas.microsoft.com/office/powerpoint/2015/main" val="1"/>
+              </p:ext>
+            </p:extLst>
+          </p:nvPr>
+        </p:nvSpPr>
+        <p:spPr>
+          <a:xfrm>
+            <a:off x="0" y="0"/>
+            <a:ext cx="12192001" cy="6858000"/>
+          </a:xfrm>
+          <a:prstGeom prst="rect">
+            <a:avLst/>
+          </a:prstGeom>
+          <a:solidFill>
+            <a:schemeClr val="tx1">
+              <a:lumMod val="65000"/>
+              <a:lumOff val="35000"/>
+            </a:schemeClr>
+          </a:solidFill>
+          <a:ln>
+            <a:noFill/>
+          </a:ln>
+        </p:spPr>
+        <p:style>
+          <a:lnRef idx="2">
+            <a:schemeClr val="accent1">
+              <a:shade val="50000"/>
+            </a:schemeClr>
+          </a:lnRef>
+          <a:fillRef idx="1">
+            <a:schemeClr val="accent1"/>
+          </a:fillRef>
+          <a:effectRef idx="0">
+            <a:schemeClr val="accent1"/>
+          </a:effectRef>
+          <a:fontRef idx="minor">
+            <a:schemeClr val="lt1"/>
+          </a:fontRef>
+        </p:style>
+        <p:txBody>
+          <a:bodyPr rot="0" spcFirstLastPara="0" vert="horz" wrap="square" lIns="91440" tIns="45720" rIns="91440" bIns="45720" numCol="1" spcCol="0" rtlCol="0" fromWordArt="0" anchor="ctr" anchorCtr="0" forceAA="0" compatLnSpc="1">
+            <a:prstTxWarp prst="textNoShape">
+              <a:avLst/>
+            </a:prstTxWarp>
+            <a:noAutofit/>
+          </a:bodyPr>
+          <a:lstStyle>
+            <a:defPPr>
+              <a:defRPr lang="en-US"/>
+            </a:defPPr>
+            <a:lvl1pPr marL="0" algn="l" defTabSz="914400" rtl="0" eaLnBrk="1" latinLnBrk="0" hangingPunct="1">
+              <a:defRPr sz="1800" kern="1200">
+                <a:solidFill>
+                  <a:schemeClr val="lt1"/>
+                </a:solidFill>
+                <a:latin typeface="+mn-lt"/>
+                <a:ea typeface="+mn-ea"/>
+                <a:cs typeface="+mn-cs"/>
+              </a:defRPr>
+            </a:lvl1pPr>
+            <a:lvl2pPr marL="457200" algn="l" defTabSz="914400" rtl="0" eaLnBrk="1" latinLnBrk="0" hangingPunct="1">
+              <a:defRPr sz="1800" kern="1200">
+                <a:solidFill>
+                  <a:schemeClr val="lt1"/>
+                </a:solidFill>
+                <a:latin typeface="+mn-lt"/>
+                <a:ea typeface="+mn-ea"/>
+                <a:cs typeface="+mn-cs"/>
+              </a:defRPr>
+            </a:lvl2pPr>
+            <a:lvl3pPr marL="914400" algn="l" defTabSz="914400" rtl="0" eaLnBrk="1" latinLnBrk="0" hangingPunct="1">
+              <a:defRPr sz="1800" kern="1200">
+                <a:solidFill>
+                  <a:schemeClr val="lt1"/>
+                </a:solidFill>
+                <a:latin typeface="+mn-lt"/>
+                <a:ea typeface="+mn-ea"/>
+                <a:cs typeface="+mn-cs"/>
+              </a:defRPr>
+            </a:lvl3pPr>
+            <a:lvl4pPr marL="1371600" algn="l" defTabSz="914400" rtl="0" eaLnBrk="1" latinLnBrk="0" hangingPunct="1">
+              <a:defRPr sz="1800" kern="1200">
+                <a:solidFill>
+                  <a:schemeClr val="lt1"/>
+                </a:solidFill>
+                <a:latin typeface="+mn-lt"/>
+                <a:ea typeface="+mn-ea"/>
+                <a:cs typeface="+mn-cs"/>
+              </a:defRPr>
+            </a:lvl4pPr>
+            <a:lvl5pPr marL="1828800" algn="l" defTabSz="914400" rtl="0" eaLnBrk="1" latinLnBrk="0" hangingPunct="1">
+              <a:defRPr sz="1800" kern="1200">
+                <a:solidFill>
+                  <a:schemeClr val="lt1"/>
+                </a:solidFill>
+                <a:latin typeface="+mn-lt"/>
+                <a:ea typeface="+mn-ea"/>
+                <a:cs typeface="+mn-cs"/>
+              </a:defRPr>
+            </a:lvl5pPr>
+            <a:lvl6pPr marL="2286000" algn="l" defTabSz="914400" rtl="0" eaLnBrk="1" latinLnBrk="0" hangingPunct="1">
+              <a:defRPr sz="1800" kern="1200">
+                <a:solidFill>
+                  <a:schemeClr val="lt1"/>
+                </a:solidFill>
+                <a:latin typeface="+mn-lt"/>
+                <a:ea typeface="+mn-ea"/>
+                <a:cs typeface="+mn-cs"/>
+              </a:defRPr>
+            </a:lvl6pPr>
+            <a:lvl7pPr marL="2743200" algn="l" defTabSz="914400" rtl="0" eaLnBrk="1" latinLnBrk="0" hangingPunct="1">
+              <a:defRPr sz="1800" kern="1200">
+                <a:solidFill>
+                  <a:schemeClr val="lt1"/>
+                </a:solidFill>
+                <a:latin typeface="+mn-lt"/>
+                <a:ea typeface="+mn-ea"/>
+                <a:cs typeface="+mn-cs"/>
+              </a:defRPr>
+            </a:lvl7pPr>
+            <a:lvl8pPr marL="3200400" algn="l" defTabSz="914400" rtl="0" eaLnBrk="1" latinLnBrk="0" hangingPunct="1">
+              <a:defRPr sz="1800" kern="1200">
+                <a:solidFill>
+                  <a:schemeClr val="lt1"/>
+                </a:solidFill>
+                <a:latin typeface="+mn-lt"/>
+                <a:ea typeface="+mn-ea"/>
+                <a:cs typeface="+mn-cs"/>
+              </a:defRPr>
+            </a:lvl8pPr>
+            <a:lvl9pPr marL="3657600" algn="l" defTabSz="914400" rtl="0" eaLnBrk="1" latinLnBrk="0" hangingPunct="1">
+              <a:defRPr sz="1800" kern="1200">
+                <a:solidFill>
+                  <a:schemeClr val="lt1"/>
+                </a:solidFill>
+                <a:latin typeface="+mn-lt"/>
+                <a:ea typeface="+mn-ea"/>
+                <a:cs typeface="+mn-cs"/>
+              </a:defRPr>
+            </a:lvl9pPr>
+          </a:lstStyle>
+          <a:p>
+            <a:pPr algn="ctr"/>
+            <a:endParaRPr lang="en-US"/>
+          </a:p>
+        </p:txBody>
+      </p:sp>
+      <p:sp useBgFill="1">
+        <p:nvSpPr>
+          <p:cNvPr id="10" name="Rectangle 9">
+            <a:extLst>
+              <a:ext uri="{FF2B5EF4-FFF2-40B4-BE49-F238E27FC236}">
+                <a16:creationId xmlns:a16="http://schemas.microsoft.com/office/drawing/2014/main" id="{252FEFEF-6AC0-46B6-AC09-11FC56196FA4}"/>
+              </a:ext>
+              <a:ext uri="{C183D7F6-B498-43B3-948B-1728B52AA6E4}">
+                <adec:decorative xmlns:adec="http://schemas.microsoft.com/office/drawing/2017/decorative" val="1"/>
+              </a:ext>
+            </a:extLst>
+          </p:cNvPr>
+          <p:cNvSpPr>
+            <a:spLocks noGrp="1" noRot="1" noChangeAspect="1" noMove="1" noResize="1" noEditPoints="1" noAdjustHandles="1" noChangeArrowheads="1" noChangeShapeType="1" noTextEdit="1"/>
+          </p:cNvSpPr>
+          <p:nvPr>
+            <p:extLst>
+              <p:ext uri="{386F3935-93C4-4BCD-93E2-E3B085C9AB24}">
+                <p16:designElem xmlns:p16="http://schemas.microsoft.com/office/powerpoint/2015/main" val="1"/>
+              </p:ext>
+            </p:extLst>
+          </p:nvPr>
+        </p:nvSpPr>
+        <p:spPr>
+          <a:xfrm>
+            <a:off x="210312" y="226665"/>
+            <a:ext cx="11722608" cy="6382512"/>
+          </a:xfrm>
+          <a:prstGeom prst="rect">
+            <a:avLst/>
+          </a:prstGeom>
+          <a:ln w="6350" cap="flat" cmpd="sng" algn="ctr">
+            <a:noFill/>
+            <a:prstDash val="solid"/>
+          </a:ln>
+          <a:effectLst>
+            <a:softEdge rad="0"/>
+          </a:effectLst>
+        </p:spPr>
+      </p:sp>
+      <p:sp>
+        <p:nvSpPr>
+          <p:cNvPr id="2" name="Title 1">
+            <a:extLst>
+              <a:ext uri="{FF2B5EF4-FFF2-40B4-BE49-F238E27FC236}">
+                <a16:creationId xmlns:a16="http://schemas.microsoft.com/office/drawing/2014/main" id="{E78C2EC3-3C61-4849-8C25-80B30BAA62A8}"/>
+              </a:ext>
+            </a:extLst>
+          </p:cNvPr>
+          <p:cNvSpPr>
+            <a:spLocks noGrp="1"/>
+          </p:cNvSpPr>
+          <p:nvPr>
+            <p:ph type="title"/>
+          </p:nvPr>
+        </p:nvSpPr>
+        <p:spPr>
+          <a:xfrm>
+            <a:off x="531341" y="451691"/>
+            <a:ext cx="11121081" cy="994050"/>
+          </a:xfrm>
+        </p:spPr>
+        <p:txBody>
+          <a:bodyPr>
+            <a:normAutofit/>
+          </a:bodyPr>
+          <a:lstStyle/>
+          <a:p>
+            <a:r>
+              <a:rPr lang="en-US" dirty="0"/>
+              <a:t>Telco Integrator – Use Case: Developer</a:t>
+            </a:r>
+          </a:p>
+        </p:txBody>
+      </p:sp>
+      <p:sp>
+        <p:nvSpPr>
+          <p:cNvPr id="3" name="Content Placeholder 2">
+            <a:extLst>
+              <a:ext uri="{FF2B5EF4-FFF2-40B4-BE49-F238E27FC236}">
+                <a16:creationId xmlns:a16="http://schemas.microsoft.com/office/drawing/2014/main" id="{3CF89308-280A-2D45-B048-2F391CD7DCAD}"/>
+              </a:ext>
+            </a:extLst>
+          </p:cNvPr>
+          <p:cNvSpPr>
+            <a:spLocks noGrp="1"/>
+          </p:cNvSpPr>
+          <p:nvPr>
+            <p:ph idx="1"/>
+          </p:nvPr>
+        </p:nvSpPr>
+        <p:spPr>
+          <a:xfrm>
+            <a:off x="531341" y="1779373"/>
+            <a:ext cx="4992129" cy="4186338"/>
+          </a:xfrm>
+        </p:spPr>
+        <p:txBody>
+          <a:bodyPr>
+            <a:normAutofit/>
+          </a:bodyPr>
+          <a:lstStyle/>
+          <a:p>
+            <a:r>
+              <a:rPr lang="en-US" sz="1600" dirty="0"/>
+              <a:t>TBD</a:t>
+            </a:r>
+          </a:p>
+          <a:p>
+            <a:endParaRPr lang="en-US" sz="1600" b="1" dirty="0"/>
+          </a:p>
+        </p:txBody>
+      </p:sp>
+    </p:spTree>
+    <p:extLst>
+      <p:ext uri="{BB962C8B-B14F-4D97-AF65-F5344CB8AC3E}">
+        <p14:creationId xmlns:p14="http://schemas.microsoft.com/office/powerpoint/2010/main" val="1354556476"/>
+      </p:ext>
+    </p:extLst>
+  </p:cSld>
+  <p:clrMapOvr>
+    <a:masterClrMapping/>
+  </p:clrMapOvr>
+</p:sld>
+</file>
+
+<file path=ppt/slides/slide19.xml><?xml version="1.0" encoding="utf-8"?>
+<p:sld xmlns:a="http://schemas.openxmlformats.org/drawingml/2006/main" xmlns:r="http://schemas.openxmlformats.org/officeDocument/2006/relationships" xmlns:p="http://schemas.openxmlformats.org/presentationml/2006/main">
+  <p:cSld>
+    <p:bg>
+      <p:bgPr>
+        <a:solidFill>
+          <a:schemeClr val="bg1"/>
+        </a:solidFill>
+        <a:effectLst/>
+      </p:bgPr>
+    </p:bg>
+    <p:spTree>
+      <p:nvGrpSpPr>
+        <p:cNvPr id="1" name=""/>
+        <p:cNvGrpSpPr/>
+        <p:nvPr/>
+      </p:nvGrpSpPr>
+      <p:grpSpPr>
+        <a:xfrm>
+          <a:off x="0" y="0"/>
+          <a:ext cx="0" cy="0"/>
+          <a:chOff x="0" y="0"/>
+          <a:chExt cx="0" cy="0"/>
+        </a:xfrm>
+      </p:grpSpPr>
+      <p:sp>
+        <p:nvSpPr>
+          <p:cNvPr id="8" name="Rectangle 7">
+            <a:extLst>
+              <a:ext uri="{FF2B5EF4-FFF2-40B4-BE49-F238E27FC236}">
+                <a16:creationId xmlns:a16="http://schemas.microsoft.com/office/drawing/2014/main" id="{70120F84-A866-4D9F-8B1C-9120A013D654}"/>
+              </a:ext>
+              <a:ext uri="{C183D7F6-B498-43B3-948B-1728B52AA6E4}">
+                <adec:decorative xmlns:adec="http://schemas.microsoft.com/office/drawing/2017/decorative" val="1"/>
+              </a:ext>
+            </a:extLst>
+          </p:cNvPr>
+          <p:cNvSpPr>
+            <a:spLocks noGrp="1" noRot="1" noChangeAspect="1" noMove="1" noResize="1" noEditPoints="1" noAdjustHandles="1" noChangeArrowheads="1" noChangeShapeType="1" noTextEdit="1"/>
+          </p:cNvSpPr>
+          <p:nvPr>
+            <p:extLst>
+              <p:ext uri="{386F3935-93C4-4BCD-93E2-E3B085C9AB24}">
+                <p16:designElem xmlns:p16="http://schemas.microsoft.com/office/powerpoint/2015/main" val="1"/>
+              </p:ext>
+            </p:extLst>
+          </p:nvPr>
+        </p:nvSpPr>
+        <p:spPr>
+          <a:xfrm>
+            <a:off x="0" y="0"/>
+            <a:ext cx="12192001" cy="6858000"/>
+          </a:xfrm>
+          <a:prstGeom prst="rect">
+            <a:avLst/>
+          </a:prstGeom>
+          <a:solidFill>
+            <a:schemeClr val="tx1">
+              <a:lumMod val="65000"/>
+              <a:lumOff val="35000"/>
+            </a:schemeClr>
+          </a:solidFill>
+          <a:ln>
+            <a:noFill/>
+          </a:ln>
+        </p:spPr>
+        <p:style>
+          <a:lnRef idx="2">
+            <a:schemeClr val="accent1">
+              <a:shade val="50000"/>
+            </a:schemeClr>
+          </a:lnRef>
+          <a:fillRef idx="1">
+            <a:schemeClr val="accent1"/>
+          </a:fillRef>
+          <a:effectRef idx="0">
+            <a:schemeClr val="accent1"/>
+          </a:effectRef>
+          <a:fontRef idx="minor">
+            <a:schemeClr val="lt1"/>
+          </a:fontRef>
+        </p:style>
+        <p:txBody>
+          <a:bodyPr rot="0" spcFirstLastPara="0" vert="horz" wrap="square" lIns="91440" tIns="45720" rIns="91440" bIns="45720" numCol="1" spcCol="0" rtlCol="0" fromWordArt="0" anchor="ctr" anchorCtr="0" forceAA="0" compatLnSpc="1">
+            <a:prstTxWarp prst="textNoShape">
+              <a:avLst/>
+            </a:prstTxWarp>
+            <a:noAutofit/>
+          </a:bodyPr>
+          <a:lstStyle>
+            <a:defPPr>
+              <a:defRPr lang="en-US"/>
+            </a:defPPr>
+            <a:lvl1pPr marL="0" algn="l" defTabSz="914400" rtl="0" eaLnBrk="1" latinLnBrk="0" hangingPunct="1">
+              <a:defRPr sz="1800" kern="1200">
+                <a:solidFill>
+                  <a:schemeClr val="lt1"/>
+                </a:solidFill>
+                <a:latin typeface="+mn-lt"/>
+                <a:ea typeface="+mn-ea"/>
+                <a:cs typeface="+mn-cs"/>
+              </a:defRPr>
+            </a:lvl1pPr>
+            <a:lvl2pPr marL="457200" algn="l" defTabSz="914400" rtl="0" eaLnBrk="1" latinLnBrk="0" hangingPunct="1">
+              <a:defRPr sz="1800" kern="1200">
+                <a:solidFill>
+                  <a:schemeClr val="lt1"/>
+                </a:solidFill>
+                <a:latin typeface="+mn-lt"/>
+                <a:ea typeface="+mn-ea"/>
+                <a:cs typeface="+mn-cs"/>
+              </a:defRPr>
+            </a:lvl2pPr>
+            <a:lvl3pPr marL="914400" algn="l" defTabSz="914400" rtl="0" eaLnBrk="1" latinLnBrk="0" hangingPunct="1">
+              <a:defRPr sz="1800" kern="1200">
+                <a:solidFill>
+                  <a:schemeClr val="lt1"/>
+                </a:solidFill>
+                <a:latin typeface="+mn-lt"/>
+                <a:ea typeface="+mn-ea"/>
+                <a:cs typeface="+mn-cs"/>
+              </a:defRPr>
+            </a:lvl3pPr>
+            <a:lvl4pPr marL="1371600" algn="l" defTabSz="914400" rtl="0" eaLnBrk="1" latinLnBrk="0" hangingPunct="1">
+              <a:defRPr sz="1800" kern="1200">
+                <a:solidFill>
+                  <a:schemeClr val="lt1"/>
+                </a:solidFill>
+                <a:latin typeface="+mn-lt"/>
+                <a:ea typeface="+mn-ea"/>
+                <a:cs typeface="+mn-cs"/>
+              </a:defRPr>
+            </a:lvl4pPr>
+            <a:lvl5pPr marL="1828800" algn="l" defTabSz="914400" rtl="0" eaLnBrk="1" latinLnBrk="0" hangingPunct="1">
+              <a:defRPr sz="1800" kern="1200">
+                <a:solidFill>
+                  <a:schemeClr val="lt1"/>
+                </a:solidFill>
+                <a:latin typeface="+mn-lt"/>
+                <a:ea typeface="+mn-ea"/>
+                <a:cs typeface="+mn-cs"/>
+              </a:defRPr>
+            </a:lvl5pPr>
+            <a:lvl6pPr marL="2286000" algn="l" defTabSz="914400" rtl="0" eaLnBrk="1" latinLnBrk="0" hangingPunct="1">
+              <a:defRPr sz="1800" kern="1200">
+                <a:solidFill>
+                  <a:schemeClr val="lt1"/>
+                </a:solidFill>
+                <a:latin typeface="+mn-lt"/>
+                <a:ea typeface="+mn-ea"/>
+                <a:cs typeface="+mn-cs"/>
+              </a:defRPr>
+            </a:lvl6pPr>
+            <a:lvl7pPr marL="2743200" algn="l" defTabSz="914400" rtl="0" eaLnBrk="1" latinLnBrk="0" hangingPunct="1">
+              <a:defRPr sz="1800" kern="1200">
+                <a:solidFill>
+                  <a:schemeClr val="lt1"/>
+                </a:solidFill>
+                <a:latin typeface="+mn-lt"/>
+                <a:ea typeface="+mn-ea"/>
+                <a:cs typeface="+mn-cs"/>
+              </a:defRPr>
+            </a:lvl7pPr>
+            <a:lvl8pPr marL="3200400" algn="l" defTabSz="914400" rtl="0" eaLnBrk="1" latinLnBrk="0" hangingPunct="1">
+              <a:defRPr sz="1800" kern="1200">
+                <a:solidFill>
+                  <a:schemeClr val="lt1"/>
+                </a:solidFill>
+                <a:latin typeface="+mn-lt"/>
+                <a:ea typeface="+mn-ea"/>
+                <a:cs typeface="+mn-cs"/>
+              </a:defRPr>
+            </a:lvl8pPr>
+            <a:lvl9pPr marL="3657600" algn="l" defTabSz="914400" rtl="0" eaLnBrk="1" latinLnBrk="0" hangingPunct="1">
+              <a:defRPr sz="1800" kern="1200">
+                <a:solidFill>
+                  <a:schemeClr val="lt1"/>
+                </a:solidFill>
+                <a:latin typeface="+mn-lt"/>
+                <a:ea typeface="+mn-ea"/>
+                <a:cs typeface="+mn-cs"/>
+              </a:defRPr>
+            </a:lvl9pPr>
+          </a:lstStyle>
+          <a:p>
+            <a:pPr algn="ctr"/>
+            <a:endParaRPr lang="en-US"/>
+          </a:p>
+        </p:txBody>
+      </p:sp>
+      <p:sp useBgFill="1">
+        <p:nvSpPr>
+          <p:cNvPr id="10" name="Rectangle 9">
+            <a:extLst>
+              <a:ext uri="{FF2B5EF4-FFF2-40B4-BE49-F238E27FC236}">
+                <a16:creationId xmlns:a16="http://schemas.microsoft.com/office/drawing/2014/main" id="{252FEFEF-6AC0-46B6-AC09-11FC56196FA4}"/>
+              </a:ext>
+              <a:ext uri="{C183D7F6-B498-43B3-948B-1728B52AA6E4}">
+                <adec:decorative xmlns:adec="http://schemas.microsoft.com/office/drawing/2017/decorative" val="1"/>
+              </a:ext>
+            </a:extLst>
+          </p:cNvPr>
+          <p:cNvSpPr>
+            <a:spLocks noGrp="1" noRot="1" noChangeAspect="1" noMove="1" noResize="1" noEditPoints="1" noAdjustHandles="1" noChangeArrowheads="1" noChangeShapeType="1" noTextEdit="1"/>
+          </p:cNvSpPr>
+          <p:nvPr>
+            <p:extLst>
+              <p:ext uri="{386F3935-93C4-4BCD-93E2-E3B085C9AB24}">
+                <p16:designElem xmlns:p16="http://schemas.microsoft.com/office/powerpoint/2015/main" val="1"/>
+              </p:ext>
+            </p:extLst>
+          </p:nvPr>
+        </p:nvSpPr>
+        <p:spPr>
+          <a:xfrm>
+            <a:off x="210312" y="226665"/>
+            <a:ext cx="11722608" cy="6382512"/>
+          </a:xfrm>
+          <a:prstGeom prst="rect">
+            <a:avLst/>
+          </a:prstGeom>
+          <a:ln w="6350" cap="flat" cmpd="sng" algn="ctr">
+            <a:noFill/>
+            <a:prstDash val="solid"/>
+          </a:ln>
+          <a:effectLst>
+            <a:softEdge rad="0"/>
+          </a:effectLst>
+        </p:spPr>
+      </p:sp>
+      <p:sp>
+        <p:nvSpPr>
+          <p:cNvPr id="2" name="Title 1">
+            <a:extLst>
+              <a:ext uri="{FF2B5EF4-FFF2-40B4-BE49-F238E27FC236}">
+                <a16:creationId xmlns:a16="http://schemas.microsoft.com/office/drawing/2014/main" id="{E78C2EC3-3C61-4849-8C25-80B30BAA62A8}"/>
+              </a:ext>
+            </a:extLst>
+          </p:cNvPr>
+          <p:cNvSpPr>
+            <a:spLocks noGrp="1"/>
+          </p:cNvSpPr>
+          <p:nvPr>
+            <p:ph type="title"/>
+          </p:nvPr>
+        </p:nvSpPr>
+        <p:spPr>
+          <a:xfrm>
+            <a:off x="531341" y="451691"/>
+            <a:ext cx="11121081" cy="994050"/>
+          </a:xfrm>
+        </p:spPr>
+        <p:txBody>
+          <a:bodyPr>
+            <a:normAutofit/>
+          </a:bodyPr>
+          <a:lstStyle/>
+          <a:p>
+            <a:r>
+              <a:rPr lang="en-US" dirty="0"/>
+              <a:t>Telco Integrator – Use Case: Business User</a:t>
+            </a:r>
+          </a:p>
+        </p:txBody>
+      </p:sp>
+      <p:sp>
+        <p:nvSpPr>
+          <p:cNvPr id="3" name="Content Placeholder 2">
+            <a:extLst>
+              <a:ext uri="{FF2B5EF4-FFF2-40B4-BE49-F238E27FC236}">
+                <a16:creationId xmlns:a16="http://schemas.microsoft.com/office/drawing/2014/main" id="{3CF89308-280A-2D45-B048-2F391CD7DCAD}"/>
+              </a:ext>
+            </a:extLst>
+          </p:cNvPr>
+          <p:cNvSpPr>
+            <a:spLocks noGrp="1"/>
+          </p:cNvSpPr>
+          <p:nvPr>
+            <p:ph idx="1"/>
+          </p:nvPr>
+        </p:nvSpPr>
+        <p:spPr>
+          <a:xfrm>
+            <a:off x="531341" y="1779373"/>
+            <a:ext cx="4992129" cy="4186338"/>
+          </a:xfrm>
+        </p:spPr>
+        <p:txBody>
+          <a:bodyPr>
+            <a:normAutofit/>
+          </a:bodyPr>
+          <a:lstStyle/>
+          <a:p>
+            <a:r>
+              <a:rPr lang="en-US" sz="1600" dirty="0"/>
+              <a:t>TBD</a:t>
+            </a:r>
+          </a:p>
+          <a:p>
+            <a:endParaRPr lang="en-US" sz="1600" b="1" dirty="0"/>
+          </a:p>
+        </p:txBody>
+      </p:sp>
+    </p:spTree>
+    <p:extLst>
+      <p:ext uri="{BB962C8B-B14F-4D97-AF65-F5344CB8AC3E}">
+        <p14:creationId xmlns:p14="http://schemas.microsoft.com/office/powerpoint/2010/main" val="200885353"/>
+      </p:ext>
+    </p:extLst>
+  </p:cSld>
+  <p:clrMapOvr>
+    <a:masterClrMapping/>
+  </p:clrMapOvr>
+</p:sld>
+</file>
+
+<file path=ppt/slides/slide2.xml><?xml version="1.0" encoding="utf-8"?>
+<p:sld xmlns:a="http://schemas.openxmlformats.org/drawingml/2006/main" xmlns:r="http://schemas.openxmlformats.org/officeDocument/2006/relationships" xmlns:p="http://schemas.openxmlformats.org/presentationml/2006/main">
+  <p:cSld>
+    <p:spTree>
+      <p:nvGrpSpPr>
+        <p:cNvPr id="1" name=""/>
+        <p:cNvGrpSpPr/>
+        <p:nvPr/>
+      </p:nvGrpSpPr>
+      <p:grpSpPr>
+        <a:xfrm>
+          <a:off x="0" y="0"/>
+          <a:ext cx="0" cy="0"/>
+          <a:chOff x="0" y="0"/>
+          <a:chExt cx="0" cy="0"/>
+        </a:xfrm>
+      </p:grpSpPr>
+      <p:sp>
+        <p:nvSpPr>
+          <p:cNvPr id="4" name="Title 3">
+            <a:extLst>
+              <a:ext uri="{FF2B5EF4-FFF2-40B4-BE49-F238E27FC236}">
+                <a16:creationId xmlns:a16="http://schemas.microsoft.com/office/drawing/2014/main" id="{A443A8A7-A3A5-194C-8553-414321DA5A13}"/>
+              </a:ext>
+            </a:extLst>
+          </p:cNvPr>
+          <p:cNvSpPr>
+            <a:spLocks noGrp="1"/>
+          </p:cNvSpPr>
+          <p:nvPr>
+            <p:ph type="title"/>
+          </p:nvPr>
+        </p:nvSpPr>
+        <p:spPr/>
+        <p:txBody>
+          <a:bodyPr/>
+          <a:lstStyle/>
+          <a:p>
+            <a:r>
+              <a:rPr lang="en-DE" dirty="0"/>
+              <a:t>Asset Overview</a:t>
+            </a:r>
+          </a:p>
+        </p:txBody>
+      </p:sp>
+      <p:sp>
+        <p:nvSpPr>
+          <p:cNvPr id="5" name="Text Placeholder 4">
+            <a:extLst>
+              <a:ext uri="{FF2B5EF4-FFF2-40B4-BE49-F238E27FC236}">
+                <a16:creationId xmlns:a16="http://schemas.microsoft.com/office/drawing/2014/main" id="{FD92DF40-ED06-6847-A05D-03CC08E1E252}"/>
+              </a:ext>
+            </a:extLst>
+          </p:cNvPr>
+          <p:cNvSpPr>
+            <a:spLocks noGrp="1"/>
+          </p:cNvSpPr>
+          <p:nvPr>
+            <p:ph type="body" idx="1"/>
+          </p:nvPr>
+        </p:nvSpPr>
+        <p:spPr/>
+        <p:txBody>
+          <a:bodyPr/>
+          <a:lstStyle/>
+          <a:p>
+            <a:r>
+              <a:rPr lang="en-DE" dirty="0"/>
+              <a:t>What – Why – Who – How</a:t>
+            </a:r>
+          </a:p>
+        </p:txBody>
+      </p:sp>
+    </p:spTree>
+    <p:extLst>
+      <p:ext uri="{BB962C8B-B14F-4D97-AF65-F5344CB8AC3E}">
+        <p14:creationId xmlns:p14="http://schemas.microsoft.com/office/powerpoint/2010/main" val="183948417"/>
+      </p:ext>
+    </p:extLst>
+  </p:cSld>
+  <p:clrMapOvr>
+    <a:masterClrMapping/>
+  </p:clrMapOvr>
+</p:sld>
+</file>
+
+<file path=ppt/slides/slide3.xml><?xml version="1.0" encoding="utf-8"?>
+<p:sld xmlns:a="http://schemas.openxmlformats.org/drawingml/2006/main" xmlns:r="http://schemas.openxmlformats.org/officeDocument/2006/relationships" xmlns:p="http://schemas.openxmlformats.org/presentationml/2006/main">
+  <p:cSld>
+    <p:bg>
+      <p:bgPr>
+        <a:solidFill>
+          <a:schemeClr val="bg1"/>
+        </a:solidFill>
+        <a:effectLst/>
+      </p:bgPr>
+    </p:bg>
+    <p:spTree>
+      <p:nvGrpSpPr>
+        <p:cNvPr id="1" name=""/>
+        <p:cNvGrpSpPr/>
+        <p:nvPr/>
+      </p:nvGrpSpPr>
+      <p:grpSpPr>
+        <a:xfrm>
+          <a:off x="0" y="0"/>
+          <a:ext cx="0" cy="0"/>
+          <a:chOff x="0" y="0"/>
+          <a:chExt cx="0" cy="0"/>
+        </a:xfrm>
+      </p:grpSpPr>
+      <p:sp>
+        <p:nvSpPr>
+          <p:cNvPr id="8" name="Rectangle 7">
+            <a:extLst>
+              <a:ext uri="{FF2B5EF4-FFF2-40B4-BE49-F238E27FC236}">
+                <a16:creationId xmlns:a16="http://schemas.microsoft.com/office/drawing/2014/main" id="{70120F84-A866-4D9F-8B1C-9120A013D654}"/>
+              </a:ext>
+              <a:ext uri="{C183D7F6-B498-43B3-948B-1728B52AA6E4}">
+                <adec:decorative xmlns:adec="http://schemas.microsoft.com/office/drawing/2017/decorative" val="1"/>
+              </a:ext>
+            </a:extLst>
+          </p:cNvPr>
+          <p:cNvSpPr>
+            <a:spLocks noGrp="1" noRot="1" noChangeAspect="1" noMove="1" noResize="1" noEditPoints="1" noAdjustHandles="1" noChangeArrowheads="1" noChangeShapeType="1" noTextEdit="1"/>
+          </p:cNvSpPr>
+          <p:nvPr>
+            <p:extLst>
+              <p:ext uri="{386F3935-93C4-4BCD-93E2-E3B085C9AB24}">
+                <p16:designElem xmlns:p16="http://schemas.microsoft.com/office/powerpoint/2015/main" val="1"/>
+              </p:ext>
+            </p:extLst>
+          </p:nvPr>
+        </p:nvSpPr>
+        <p:spPr>
+          <a:xfrm>
+            <a:off x="0" y="0"/>
+            <a:ext cx="12192001" cy="6858000"/>
+          </a:xfrm>
+          <a:prstGeom prst="rect">
+            <a:avLst/>
+          </a:prstGeom>
+          <a:solidFill>
+            <a:schemeClr val="tx1">
+              <a:lumMod val="65000"/>
+              <a:lumOff val="35000"/>
+            </a:schemeClr>
+          </a:solidFill>
+          <a:ln>
+            <a:noFill/>
+          </a:ln>
+        </p:spPr>
+        <p:style>
+          <a:lnRef idx="2">
+            <a:schemeClr val="accent1">
+              <a:shade val="50000"/>
+            </a:schemeClr>
+          </a:lnRef>
+          <a:fillRef idx="1">
+            <a:schemeClr val="accent1"/>
+          </a:fillRef>
+          <a:effectRef idx="0">
+            <a:schemeClr val="accent1"/>
+          </a:effectRef>
+          <a:fontRef idx="minor">
+            <a:schemeClr val="lt1"/>
+          </a:fontRef>
+        </p:style>
+        <p:txBody>
+          <a:bodyPr rot="0" spcFirstLastPara="0" vert="horz" wrap="square" lIns="91440" tIns="45720" rIns="91440" bIns="45720" numCol="1" spcCol="0" rtlCol="0" fromWordArt="0" anchor="ctr" anchorCtr="0" forceAA="0" compatLnSpc="1">
+            <a:prstTxWarp prst="textNoShape">
+              <a:avLst/>
+            </a:prstTxWarp>
+            <a:noAutofit/>
+          </a:bodyPr>
+          <a:lstStyle>
+            <a:defPPr>
+              <a:defRPr lang="en-US"/>
+            </a:defPPr>
+            <a:lvl1pPr marL="0" algn="l" defTabSz="914400" rtl="0" eaLnBrk="1" latinLnBrk="0" hangingPunct="1">
+              <a:defRPr sz="1800" kern="1200">
+                <a:solidFill>
+                  <a:schemeClr val="lt1"/>
+                </a:solidFill>
+                <a:latin typeface="+mn-lt"/>
+                <a:ea typeface="+mn-ea"/>
+                <a:cs typeface="+mn-cs"/>
+              </a:defRPr>
+            </a:lvl1pPr>
+            <a:lvl2pPr marL="457200" algn="l" defTabSz="914400" rtl="0" eaLnBrk="1" latinLnBrk="0" hangingPunct="1">
+              <a:defRPr sz="1800" kern="1200">
+                <a:solidFill>
+                  <a:schemeClr val="lt1"/>
+                </a:solidFill>
+                <a:latin typeface="+mn-lt"/>
+                <a:ea typeface="+mn-ea"/>
+                <a:cs typeface="+mn-cs"/>
+              </a:defRPr>
+            </a:lvl2pPr>
+            <a:lvl3pPr marL="914400" algn="l" defTabSz="914400" rtl="0" eaLnBrk="1" latinLnBrk="0" hangingPunct="1">
+              <a:defRPr sz="1800" kern="1200">
+                <a:solidFill>
+                  <a:schemeClr val="lt1"/>
+                </a:solidFill>
+                <a:latin typeface="+mn-lt"/>
+                <a:ea typeface="+mn-ea"/>
+                <a:cs typeface="+mn-cs"/>
+              </a:defRPr>
+            </a:lvl3pPr>
+            <a:lvl4pPr marL="1371600" algn="l" defTabSz="914400" rtl="0" eaLnBrk="1" latinLnBrk="0" hangingPunct="1">
+              <a:defRPr sz="1800" kern="1200">
+                <a:solidFill>
+                  <a:schemeClr val="lt1"/>
+                </a:solidFill>
+                <a:latin typeface="+mn-lt"/>
+                <a:ea typeface="+mn-ea"/>
+                <a:cs typeface="+mn-cs"/>
+              </a:defRPr>
+            </a:lvl4pPr>
+            <a:lvl5pPr marL="1828800" algn="l" defTabSz="914400" rtl="0" eaLnBrk="1" latinLnBrk="0" hangingPunct="1">
+              <a:defRPr sz="1800" kern="1200">
+                <a:solidFill>
+                  <a:schemeClr val="lt1"/>
+                </a:solidFill>
+                <a:latin typeface="+mn-lt"/>
+                <a:ea typeface="+mn-ea"/>
+                <a:cs typeface="+mn-cs"/>
+              </a:defRPr>
+            </a:lvl5pPr>
+            <a:lvl6pPr marL="2286000" algn="l" defTabSz="914400" rtl="0" eaLnBrk="1" latinLnBrk="0" hangingPunct="1">
+              <a:defRPr sz="1800" kern="1200">
+                <a:solidFill>
+                  <a:schemeClr val="lt1"/>
+                </a:solidFill>
+                <a:latin typeface="+mn-lt"/>
+                <a:ea typeface="+mn-ea"/>
+                <a:cs typeface="+mn-cs"/>
+              </a:defRPr>
+            </a:lvl6pPr>
+            <a:lvl7pPr marL="2743200" algn="l" defTabSz="914400" rtl="0" eaLnBrk="1" latinLnBrk="0" hangingPunct="1">
+              <a:defRPr sz="1800" kern="1200">
+                <a:solidFill>
+                  <a:schemeClr val="lt1"/>
+                </a:solidFill>
+                <a:latin typeface="+mn-lt"/>
+                <a:ea typeface="+mn-ea"/>
+                <a:cs typeface="+mn-cs"/>
+              </a:defRPr>
+            </a:lvl7pPr>
+            <a:lvl8pPr marL="3200400" algn="l" defTabSz="914400" rtl="0" eaLnBrk="1" latinLnBrk="0" hangingPunct="1">
+              <a:defRPr sz="1800" kern="1200">
+                <a:solidFill>
+                  <a:schemeClr val="lt1"/>
+                </a:solidFill>
+                <a:latin typeface="+mn-lt"/>
+                <a:ea typeface="+mn-ea"/>
+                <a:cs typeface="+mn-cs"/>
+              </a:defRPr>
+            </a:lvl8pPr>
+            <a:lvl9pPr marL="3657600" algn="l" defTabSz="914400" rtl="0" eaLnBrk="1" latinLnBrk="0" hangingPunct="1">
+              <a:defRPr sz="1800" kern="1200">
+                <a:solidFill>
+                  <a:schemeClr val="lt1"/>
+                </a:solidFill>
+                <a:latin typeface="+mn-lt"/>
+                <a:ea typeface="+mn-ea"/>
+                <a:cs typeface="+mn-cs"/>
+              </a:defRPr>
+            </a:lvl9pPr>
+          </a:lstStyle>
+          <a:p>
+            <a:pPr algn="ctr"/>
+            <a:endParaRPr lang="en-US"/>
+          </a:p>
+        </p:txBody>
+      </p:sp>
+      <p:sp useBgFill="1">
+        <p:nvSpPr>
+          <p:cNvPr id="10" name="Rectangle 9">
+            <a:extLst>
+              <a:ext uri="{FF2B5EF4-FFF2-40B4-BE49-F238E27FC236}">
+                <a16:creationId xmlns:a16="http://schemas.microsoft.com/office/drawing/2014/main" id="{252FEFEF-6AC0-46B6-AC09-11FC56196FA4}"/>
+              </a:ext>
+              <a:ext uri="{C183D7F6-B498-43B3-948B-1728B52AA6E4}">
+                <adec:decorative xmlns:adec="http://schemas.microsoft.com/office/drawing/2017/decorative" val="1"/>
+              </a:ext>
+            </a:extLst>
+          </p:cNvPr>
+          <p:cNvSpPr>
+            <a:spLocks noGrp="1" noRot="1" noChangeAspect="1" noMove="1" noResize="1" noEditPoints="1" noAdjustHandles="1" noChangeArrowheads="1" noChangeShapeType="1" noTextEdit="1"/>
+          </p:cNvSpPr>
+          <p:nvPr>
+            <p:extLst>
+              <p:ext uri="{386F3935-93C4-4BCD-93E2-E3B085C9AB24}">
+                <p16:designElem xmlns:p16="http://schemas.microsoft.com/office/powerpoint/2015/main" val="1"/>
+              </p:ext>
+            </p:extLst>
+          </p:nvPr>
+        </p:nvSpPr>
+        <p:spPr>
+          <a:xfrm>
+            <a:off x="210312" y="226665"/>
+            <a:ext cx="11722608" cy="6382512"/>
+          </a:xfrm>
+          <a:prstGeom prst="rect">
+            <a:avLst/>
+          </a:prstGeom>
+          <a:ln w="6350" cap="flat" cmpd="sng" algn="ctr">
+            <a:noFill/>
+            <a:prstDash val="solid"/>
+          </a:ln>
+          <a:effectLst>
+            <a:softEdge rad="0"/>
+          </a:effectLst>
+        </p:spPr>
+      </p:sp>
+      <p:sp>
+        <p:nvSpPr>
+          <p:cNvPr id="2" name="Title 1">
+            <a:extLst>
+              <a:ext uri="{FF2B5EF4-FFF2-40B4-BE49-F238E27FC236}">
+                <a16:creationId xmlns:a16="http://schemas.microsoft.com/office/drawing/2014/main" id="{E78C2EC3-3C61-4849-8C25-80B30BAA62A8}"/>
+              </a:ext>
+            </a:extLst>
+          </p:cNvPr>
+          <p:cNvSpPr>
+            <a:spLocks noGrp="1"/>
+          </p:cNvSpPr>
+          <p:nvPr>
+            <p:ph type="title"/>
+          </p:nvPr>
+        </p:nvSpPr>
+        <p:spPr>
+          <a:xfrm>
+            <a:off x="531341" y="451691"/>
+            <a:ext cx="11121081" cy="994050"/>
+          </a:xfrm>
+        </p:spPr>
+        <p:txBody>
+          <a:bodyPr>
+            <a:normAutofit/>
+          </a:bodyPr>
+          <a:lstStyle/>
+          <a:p>
+            <a:r>
+              <a:rPr lang="en-US" dirty="0">
+                <a:solidFill>
+                  <a:schemeClr val="accent2"/>
+                </a:solidFill>
+              </a:rPr>
+              <a:t>What</a:t>
+            </a:r>
+            <a:r>
+              <a:rPr lang="en-US" dirty="0"/>
+              <a:t> is the Telco Integrator?</a:t>
+            </a:r>
+          </a:p>
+        </p:txBody>
+      </p:sp>
+      <p:sp>
+        <p:nvSpPr>
+          <p:cNvPr id="3" name="Content Placeholder 2">
+            <a:extLst>
+              <a:ext uri="{FF2B5EF4-FFF2-40B4-BE49-F238E27FC236}">
+                <a16:creationId xmlns:a16="http://schemas.microsoft.com/office/drawing/2014/main" id="{3CF89308-280A-2D45-B048-2F391CD7DCAD}"/>
+              </a:ext>
+            </a:extLst>
+          </p:cNvPr>
+          <p:cNvSpPr>
+            <a:spLocks noGrp="1"/>
+          </p:cNvSpPr>
+          <p:nvPr>
+            <p:ph idx="1"/>
+          </p:nvPr>
+        </p:nvSpPr>
+        <p:spPr>
+          <a:xfrm>
+            <a:off x="531341" y="1445741"/>
+            <a:ext cx="10167139" cy="4519970"/>
+          </a:xfrm>
+        </p:spPr>
+        <p:txBody>
+          <a:bodyPr>
+            <a:normAutofit/>
+          </a:bodyPr>
+          <a:lstStyle/>
+          <a:p>
+            <a:pPr marL="0" indent="0">
+              <a:buNone/>
+            </a:pPr>
+            <a:r>
+              <a:rPr lang="en-US" sz="1600" b="1" dirty="0"/>
+              <a:t>The Telco Integrator helps CSPs implement TM Forum Open APIs and provides consistent interactions with top order negotiation systems such as Siebel and Salesforce Vlocity.</a:t>
+            </a:r>
+          </a:p>
+          <a:p>
+            <a:pPr marL="0" indent="0">
+              <a:buNone/>
+            </a:pPr>
+            <a:endParaRPr lang="en-US" sz="1600" dirty="0"/>
+          </a:p>
+          <a:p>
+            <a:r>
+              <a:rPr lang="en-US" sz="1600" dirty="0"/>
+              <a:t>A Cloud-native asset based on IBM Cloud Pak for Integration that leverages IBM Cloud Pak for Data to infuse AI into telco processes</a:t>
+            </a:r>
+          </a:p>
+          <a:p>
+            <a:r>
+              <a:rPr lang="en-US" sz="1600" u="sng" dirty="0"/>
+              <a:t>Key features</a:t>
+            </a:r>
+            <a:r>
+              <a:rPr lang="en-US" sz="1600" dirty="0"/>
+              <a:t>:</a:t>
+            </a:r>
+          </a:p>
+          <a:p>
+            <a:pPr lvl="1"/>
+            <a:r>
+              <a:rPr lang="en-US" sz="1400" dirty="0"/>
+              <a:t>Exposes TM Forum APIs through a secure gateway</a:t>
+            </a:r>
+          </a:p>
+          <a:p>
+            <a:pPr lvl="1"/>
+            <a:r>
+              <a:rPr lang="en-US" sz="1400" dirty="0"/>
+              <a:t>Routing and data transformation implemented in IBM enterprise broker</a:t>
+            </a:r>
+          </a:p>
+          <a:p>
+            <a:pPr lvl="1"/>
+            <a:r>
+              <a:rPr lang="en-US" sz="1400" dirty="0"/>
+              <a:t>Sterling Order Management pipelines are used for Order state management</a:t>
+            </a:r>
+          </a:p>
+          <a:p>
+            <a:pPr lvl="1"/>
+            <a:r>
+              <a:rPr lang="en-US" sz="1400" dirty="0"/>
+              <a:t>Provides an order decomposition and execution build plan decision system </a:t>
+            </a:r>
+          </a:p>
+          <a:p>
+            <a:pPr lvl="1"/>
+            <a:r>
+              <a:rPr lang="en-US" sz="1400" dirty="0"/>
+              <a:t>A Kafka broker implements an event-based messaging system for OSS and BSS systems</a:t>
+            </a:r>
+          </a:p>
+          <a:p>
+            <a:pPr lvl="1"/>
+            <a:endParaRPr lang="en-US" sz="1400" dirty="0"/>
+          </a:p>
+        </p:txBody>
+      </p:sp>
+    </p:spTree>
+    <p:extLst>
+      <p:ext uri="{BB962C8B-B14F-4D97-AF65-F5344CB8AC3E}">
+        <p14:creationId xmlns:p14="http://schemas.microsoft.com/office/powerpoint/2010/main" val="2655206713"/>
+      </p:ext>
+    </p:extLst>
+  </p:cSld>
+  <p:clrMapOvr>
+    <a:masterClrMapping/>
+  </p:clrMapOvr>
+</p:sld>
+</file>
+
+<file path=ppt/slides/slide4.xml><?xml version="1.0" encoding="utf-8"?>
+<p:sld xmlns:a="http://schemas.openxmlformats.org/drawingml/2006/main" xmlns:r="http://schemas.openxmlformats.org/officeDocument/2006/relationships" xmlns:p="http://schemas.openxmlformats.org/presentationml/2006/main">
+  <p:cSld>
+    <p:bg>
+      <p:bgPr>
+        <a:solidFill>
+          <a:schemeClr val="bg1"/>
+        </a:solidFill>
+        <a:effectLst/>
+      </p:bgPr>
+    </p:bg>
+    <p:spTree>
+      <p:nvGrpSpPr>
+        <p:cNvPr id="1" name=""/>
+        <p:cNvGrpSpPr/>
+        <p:nvPr/>
+      </p:nvGrpSpPr>
+      <p:grpSpPr>
+        <a:xfrm>
+          <a:off x="0" y="0"/>
+          <a:ext cx="0" cy="0"/>
+          <a:chOff x="0" y="0"/>
+          <a:chExt cx="0" cy="0"/>
+        </a:xfrm>
+      </p:grpSpPr>
+      <p:sp>
+        <p:nvSpPr>
+          <p:cNvPr id="8" name="Rectangle 7">
+            <a:extLst>
+              <a:ext uri="{FF2B5EF4-FFF2-40B4-BE49-F238E27FC236}">
+                <a16:creationId xmlns:a16="http://schemas.microsoft.com/office/drawing/2014/main" id="{70120F84-A866-4D9F-8B1C-9120A013D654}"/>
+              </a:ext>
+              <a:ext uri="{C183D7F6-B498-43B3-948B-1728B52AA6E4}">
+                <adec:decorative xmlns:adec="http://schemas.microsoft.com/office/drawing/2017/decorative" val="1"/>
+              </a:ext>
+            </a:extLst>
+          </p:cNvPr>
+          <p:cNvSpPr>
+            <a:spLocks noGrp="1" noRot="1" noChangeAspect="1" noMove="1" noResize="1" noEditPoints="1" noAdjustHandles="1" noChangeArrowheads="1" noChangeShapeType="1" noTextEdit="1"/>
+          </p:cNvSpPr>
+          <p:nvPr>
+            <p:extLst>
+              <p:ext uri="{386F3935-93C4-4BCD-93E2-E3B085C9AB24}">
+                <p16:designElem xmlns:p16="http://schemas.microsoft.com/office/powerpoint/2015/main" val="1"/>
+              </p:ext>
+            </p:extLst>
+          </p:nvPr>
+        </p:nvSpPr>
+        <p:spPr>
+          <a:xfrm>
+            <a:off x="0" y="0"/>
+            <a:ext cx="12192001" cy="6858000"/>
+          </a:xfrm>
+          <a:prstGeom prst="rect">
+            <a:avLst/>
+          </a:prstGeom>
+          <a:solidFill>
+            <a:schemeClr val="tx1">
+              <a:lumMod val="65000"/>
+              <a:lumOff val="35000"/>
+            </a:schemeClr>
+          </a:solidFill>
+          <a:ln>
+            <a:noFill/>
+          </a:ln>
+        </p:spPr>
+        <p:style>
+          <a:lnRef idx="2">
+            <a:schemeClr val="accent1">
+              <a:shade val="50000"/>
+            </a:schemeClr>
+          </a:lnRef>
+          <a:fillRef idx="1">
+            <a:schemeClr val="accent1"/>
+          </a:fillRef>
+          <a:effectRef idx="0">
+            <a:schemeClr val="accent1"/>
+          </a:effectRef>
+          <a:fontRef idx="minor">
+            <a:schemeClr val="lt1"/>
+          </a:fontRef>
+        </p:style>
+        <p:txBody>
+          <a:bodyPr rot="0" spcFirstLastPara="0" vert="horz" wrap="square" lIns="91440" tIns="45720" rIns="91440" bIns="45720" numCol="1" spcCol="0" rtlCol="0" fromWordArt="0" anchor="ctr" anchorCtr="0" forceAA="0" compatLnSpc="1">
+            <a:prstTxWarp prst="textNoShape">
+              <a:avLst/>
+            </a:prstTxWarp>
+            <a:noAutofit/>
+          </a:bodyPr>
+          <a:lstStyle>
+            <a:defPPr>
+              <a:defRPr lang="en-US"/>
+            </a:defPPr>
+            <a:lvl1pPr marL="0" algn="l" defTabSz="914400" rtl="0" eaLnBrk="1" latinLnBrk="0" hangingPunct="1">
+              <a:defRPr sz="1800" kern="1200">
+                <a:solidFill>
+                  <a:schemeClr val="lt1"/>
+                </a:solidFill>
+                <a:latin typeface="+mn-lt"/>
+                <a:ea typeface="+mn-ea"/>
+                <a:cs typeface="+mn-cs"/>
+              </a:defRPr>
+            </a:lvl1pPr>
+            <a:lvl2pPr marL="457200" algn="l" defTabSz="914400" rtl="0" eaLnBrk="1" latinLnBrk="0" hangingPunct="1">
+              <a:defRPr sz="1800" kern="1200">
+                <a:solidFill>
+                  <a:schemeClr val="lt1"/>
+                </a:solidFill>
+                <a:latin typeface="+mn-lt"/>
+                <a:ea typeface="+mn-ea"/>
+                <a:cs typeface="+mn-cs"/>
+              </a:defRPr>
+            </a:lvl2pPr>
+            <a:lvl3pPr marL="914400" algn="l" defTabSz="914400" rtl="0" eaLnBrk="1" latinLnBrk="0" hangingPunct="1">
+              <a:defRPr sz="1800" kern="1200">
+                <a:solidFill>
+                  <a:schemeClr val="lt1"/>
+                </a:solidFill>
+                <a:latin typeface="+mn-lt"/>
+                <a:ea typeface="+mn-ea"/>
+                <a:cs typeface="+mn-cs"/>
+              </a:defRPr>
+            </a:lvl3pPr>
+            <a:lvl4pPr marL="1371600" algn="l" defTabSz="914400" rtl="0" eaLnBrk="1" latinLnBrk="0" hangingPunct="1">
+              <a:defRPr sz="1800" kern="1200">
+                <a:solidFill>
+                  <a:schemeClr val="lt1"/>
+                </a:solidFill>
+                <a:latin typeface="+mn-lt"/>
+                <a:ea typeface="+mn-ea"/>
+                <a:cs typeface="+mn-cs"/>
+              </a:defRPr>
+            </a:lvl4pPr>
+            <a:lvl5pPr marL="1828800" algn="l" defTabSz="914400" rtl="0" eaLnBrk="1" latinLnBrk="0" hangingPunct="1">
+              <a:defRPr sz="1800" kern="1200">
+                <a:solidFill>
+                  <a:schemeClr val="lt1"/>
+                </a:solidFill>
+                <a:latin typeface="+mn-lt"/>
+                <a:ea typeface="+mn-ea"/>
+                <a:cs typeface="+mn-cs"/>
+              </a:defRPr>
+            </a:lvl5pPr>
+            <a:lvl6pPr marL="2286000" algn="l" defTabSz="914400" rtl="0" eaLnBrk="1" latinLnBrk="0" hangingPunct="1">
+              <a:defRPr sz="1800" kern="1200">
+                <a:solidFill>
+                  <a:schemeClr val="lt1"/>
+                </a:solidFill>
+                <a:latin typeface="+mn-lt"/>
+                <a:ea typeface="+mn-ea"/>
+                <a:cs typeface="+mn-cs"/>
+              </a:defRPr>
+            </a:lvl6pPr>
+            <a:lvl7pPr marL="2743200" algn="l" defTabSz="914400" rtl="0" eaLnBrk="1" latinLnBrk="0" hangingPunct="1">
+              <a:defRPr sz="1800" kern="1200">
+                <a:solidFill>
+                  <a:schemeClr val="lt1"/>
+                </a:solidFill>
+                <a:latin typeface="+mn-lt"/>
+                <a:ea typeface="+mn-ea"/>
+                <a:cs typeface="+mn-cs"/>
+              </a:defRPr>
+            </a:lvl7pPr>
+            <a:lvl8pPr marL="3200400" algn="l" defTabSz="914400" rtl="0" eaLnBrk="1" latinLnBrk="0" hangingPunct="1">
+              <a:defRPr sz="1800" kern="1200">
+                <a:solidFill>
+                  <a:schemeClr val="lt1"/>
+                </a:solidFill>
+                <a:latin typeface="+mn-lt"/>
+                <a:ea typeface="+mn-ea"/>
+                <a:cs typeface="+mn-cs"/>
+              </a:defRPr>
+            </a:lvl8pPr>
+            <a:lvl9pPr marL="3657600" algn="l" defTabSz="914400" rtl="0" eaLnBrk="1" latinLnBrk="0" hangingPunct="1">
+              <a:defRPr sz="1800" kern="1200">
+                <a:solidFill>
+                  <a:schemeClr val="lt1"/>
+                </a:solidFill>
+                <a:latin typeface="+mn-lt"/>
+                <a:ea typeface="+mn-ea"/>
+                <a:cs typeface="+mn-cs"/>
+              </a:defRPr>
+            </a:lvl9pPr>
+          </a:lstStyle>
+          <a:p>
+            <a:pPr algn="ctr"/>
+            <a:endParaRPr lang="en-US"/>
+          </a:p>
+        </p:txBody>
+      </p:sp>
+      <p:sp useBgFill="1">
+        <p:nvSpPr>
+          <p:cNvPr id="10" name="Rectangle 9">
+            <a:extLst>
+              <a:ext uri="{FF2B5EF4-FFF2-40B4-BE49-F238E27FC236}">
+                <a16:creationId xmlns:a16="http://schemas.microsoft.com/office/drawing/2014/main" id="{252FEFEF-6AC0-46B6-AC09-11FC56196FA4}"/>
+              </a:ext>
+              <a:ext uri="{C183D7F6-B498-43B3-948B-1728B52AA6E4}">
+                <adec:decorative xmlns:adec="http://schemas.microsoft.com/office/drawing/2017/decorative" val="1"/>
+              </a:ext>
+            </a:extLst>
+          </p:cNvPr>
+          <p:cNvSpPr>
+            <a:spLocks noGrp="1" noRot="1" noChangeAspect="1" noMove="1" noResize="1" noEditPoints="1" noAdjustHandles="1" noChangeArrowheads="1" noChangeShapeType="1" noTextEdit="1"/>
+          </p:cNvSpPr>
+          <p:nvPr>
+            <p:extLst>
+              <p:ext uri="{386F3935-93C4-4BCD-93E2-E3B085C9AB24}">
+                <p16:designElem xmlns:p16="http://schemas.microsoft.com/office/powerpoint/2015/main" val="1"/>
+              </p:ext>
+            </p:extLst>
+          </p:nvPr>
+        </p:nvSpPr>
+        <p:spPr>
+          <a:xfrm>
+            <a:off x="210312" y="226665"/>
+            <a:ext cx="11722608" cy="6382512"/>
+          </a:xfrm>
+          <a:prstGeom prst="rect">
+            <a:avLst/>
+          </a:prstGeom>
+          <a:ln w="6350" cap="flat" cmpd="sng" algn="ctr">
+            <a:noFill/>
+            <a:prstDash val="solid"/>
+          </a:ln>
+          <a:effectLst>
+            <a:softEdge rad="0"/>
+          </a:effectLst>
+        </p:spPr>
+      </p:sp>
+      <p:sp>
+        <p:nvSpPr>
+          <p:cNvPr id="2" name="Title 1">
+            <a:extLst>
+              <a:ext uri="{FF2B5EF4-FFF2-40B4-BE49-F238E27FC236}">
+                <a16:creationId xmlns:a16="http://schemas.microsoft.com/office/drawing/2014/main" id="{E78C2EC3-3C61-4849-8C25-80B30BAA62A8}"/>
+              </a:ext>
+            </a:extLst>
+          </p:cNvPr>
+          <p:cNvSpPr>
+            <a:spLocks noGrp="1"/>
+          </p:cNvSpPr>
+          <p:nvPr>
+            <p:ph type="title"/>
+          </p:nvPr>
+        </p:nvSpPr>
+        <p:spPr>
+          <a:xfrm>
+            <a:off x="531341" y="451691"/>
+            <a:ext cx="11121081" cy="994050"/>
+          </a:xfrm>
+        </p:spPr>
+        <p:txBody>
+          <a:bodyPr>
+            <a:normAutofit/>
+          </a:bodyPr>
+          <a:lstStyle/>
+          <a:p>
+            <a:r>
+              <a:rPr lang="en-US" dirty="0">
+                <a:solidFill>
+                  <a:schemeClr val="accent2"/>
+                </a:solidFill>
+              </a:rPr>
+              <a:t>Why</a:t>
+            </a:r>
+            <a:r>
+              <a:rPr lang="en-US" dirty="0"/>
+              <a:t> use the Telco Integrator?</a:t>
+            </a:r>
+          </a:p>
+        </p:txBody>
+      </p:sp>
+      <p:sp>
+        <p:nvSpPr>
+          <p:cNvPr id="3" name="Content Placeholder 2">
+            <a:extLst>
+              <a:ext uri="{FF2B5EF4-FFF2-40B4-BE49-F238E27FC236}">
+                <a16:creationId xmlns:a16="http://schemas.microsoft.com/office/drawing/2014/main" id="{3CF89308-280A-2D45-B048-2F391CD7DCAD}"/>
+              </a:ext>
+            </a:extLst>
+          </p:cNvPr>
+          <p:cNvSpPr>
+            <a:spLocks noGrp="1"/>
+          </p:cNvSpPr>
+          <p:nvPr>
+            <p:ph idx="1"/>
+          </p:nvPr>
+        </p:nvSpPr>
+        <p:spPr>
+          <a:xfrm>
+            <a:off x="531341" y="1779373"/>
+            <a:ext cx="4992129" cy="4186338"/>
+          </a:xfrm>
+        </p:spPr>
+        <p:txBody>
+          <a:bodyPr>
+            <a:normAutofit/>
+          </a:bodyPr>
+          <a:lstStyle/>
+          <a:p>
+            <a:r>
+              <a:rPr lang="en-US" sz="1600" dirty="0"/>
+              <a:t>Dramatically Improve Business &amp; IT Agility</a:t>
+            </a:r>
+          </a:p>
+          <a:p>
+            <a:r>
+              <a:rPr lang="en-US" sz="1600" dirty="0"/>
+              <a:t>Enable a Global Wholesale Connectivity Ecosystem</a:t>
+            </a:r>
+          </a:p>
+          <a:p>
+            <a:r>
+              <a:rPr lang="en-US" sz="1600" dirty="0"/>
+              <a:t>Reduce Integration Cost, Risk and Time for Entire Supply Chain</a:t>
+            </a:r>
+          </a:p>
+          <a:p>
+            <a:r>
+              <a:rPr lang="en-US" sz="1600" dirty="0"/>
+              <a:t>Reduce Cost and Complexity of CSP Operations</a:t>
+            </a:r>
+          </a:p>
+          <a:p>
+            <a:endParaRPr lang="en-US" sz="1600" b="1" dirty="0"/>
+          </a:p>
+        </p:txBody>
+      </p:sp>
+    </p:spTree>
+    <p:extLst>
+      <p:ext uri="{BB962C8B-B14F-4D97-AF65-F5344CB8AC3E}">
+        <p14:creationId xmlns:p14="http://schemas.microsoft.com/office/powerpoint/2010/main" val="1707457896"/>
+      </p:ext>
+    </p:extLst>
+  </p:cSld>
+  <p:clrMapOvr>
+    <a:masterClrMapping/>
+  </p:clrMapOvr>
+</p:sld>
+</file>
+
+<file path=ppt/slides/slide5.xml><?xml version="1.0" encoding="utf-8"?>
+<p:sld xmlns:a="http://schemas.openxmlformats.org/drawingml/2006/main" xmlns:r="http://schemas.openxmlformats.org/officeDocument/2006/relationships" xmlns:p="http://schemas.openxmlformats.org/presentationml/2006/main">
+  <p:cSld>
+    <p:bg>
+      <p:bgPr>
+        <a:solidFill>
+          <a:schemeClr val="bg1"/>
+        </a:solidFill>
+        <a:effectLst/>
+      </p:bgPr>
+    </p:bg>
+    <p:spTree>
+      <p:nvGrpSpPr>
+        <p:cNvPr id="1" name=""/>
+        <p:cNvGrpSpPr/>
+        <p:nvPr/>
+      </p:nvGrpSpPr>
+      <p:grpSpPr>
+        <a:xfrm>
+          <a:off x="0" y="0"/>
+          <a:ext cx="0" cy="0"/>
+          <a:chOff x="0" y="0"/>
+          <a:chExt cx="0" cy="0"/>
+        </a:xfrm>
+      </p:grpSpPr>
+      <p:sp>
+        <p:nvSpPr>
+          <p:cNvPr id="8" name="Rectangle 7">
+            <a:extLst>
+              <a:ext uri="{FF2B5EF4-FFF2-40B4-BE49-F238E27FC236}">
+                <a16:creationId xmlns:a16="http://schemas.microsoft.com/office/drawing/2014/main" id="{70120F84-A866-4D9F-8B1C-9120A013D654}"/>
+              </a:ext>
+              <a:ext uri="{C183D7F6-B498-43B3-948B-1728B52AA6E4}">
+                <adec:decorative xmlns:adec="http://schemas.microsoft.com/office/drawing/2017/decorative" val="1"/>
+              </a:ext>
+            </a:extLst>
+          </p:cNvPr>
+          <p:cNvSpPr>
+            <a:spLocks noGrp="1" noRot="1" noChangeAspect="1" noMove="1" noResize="1" noEditPoints="1" noAdjustHandles="1" noChangeArrowheads="1" noChangeShapeType="1" noTextEdit="1"/>
+          </p:cNvSpPr>
+          <p:nvPr>
+            <p:extLst>
+              <p:ext uri="{386F3935-93C4-4BCD-93E2-E3B085C9AB24}">
+                <p16:designElem xmlns:p16="http://schemas.microsoft.com/office/powerpoint/2015/main" val="1"/>
+              </p:ext>
+            </p:extLst>
+          </p:nvPr>
+        </p:nvSpPr>
+        <p:spPr>
+          <a:xfrm>
+            <a:off x="0" y="0"/>
+            <a:ext cx="12192001" cy="6858000"/>
+          </a:xfrm>
+          <a:prstGeom prst="rect">
+            <a:avLst/>
+          </a:prstGeom>
+          <a:solidFill>
+            <a:schemeClr val="tx1">
+              <a:lumMod val="65000"/>
+              <a:lumOff val="35000"/>
+            </a:schemeClr>
+          </a:solidFill>
+          <a:ln>
+            <a:noFill/>
+          </a:ln>
+        </p:spPr>
+        <p:style>
+          <a:lnRef idx="2">
+            <a:schemeClr val="accent1">
+              <a:shade val="50000"/>
+            </a:schemeClr>
+          </a:lnRef>
+          <a:fillRef idx="1">
+            <a:schemeClr val="accent1"/>
+          </a:fillRef>
+          <a:effectRef idx="0">
+            <a:schemeClr val="accent1"/>
+          </a:effectRef>
+          <a:fontRef idx="minor">
+            <a:schemeClr val="lt1"/>
+          </a:fontRef>
+        </p:style>
+        <p:txBody>
+          <a:bodyPr rot="0" spcFirstLastPara="0" vert="horz" wrap="square" lIns="91440" tIns="45720" rIns="91440" bIns="45720" numCol="1" spcCol="0" rtlCol="0" fromWordArt="0" anchor="ctr" anchorCtr="0" forceAA="0" compatLnSpc="1">
+            <a:prstTxWarp prst="textNoShape">
+              <a:avLst/>
+            </a:prstTxWarp>
+            <a:noAutofit/>
+          </a:bodyPr>
+          <a:lstStyle>
+            <a:defPPr>
+              <a:defRPr lang="en-US"/>
+            </a:defPPr>
+            <a:lvl1pPr marL="0" algn="l" defTabSz="914400" rtl="0" eaLnBrk="1" latinLnBrk="0" hangingPunct="1">
+              <a:defRPr sz="1800" kern="1200">
+                <a:solidFill>
+                  <a:schemeClr val="lt1"/>
+                </a:solidFill>
+                <a:latin typeface="+mn-lt"/>
+                <a:ea typeface="+mn-ea"/>
+                <a:cs typeface="+mn-cs"/>
+              </a:defRPr>
+            </a:lvl1pPr>
+            <a:lvl2pPr marL="457200" algn="l" defTabSz="914400" rtl="0" eaLnBrk="1" latinLnBrk="0" hangingPunct="1">
+              <a:defRPr sz="1800" kern="1200">
+                <a:solidFill>
+                  <a:schemeClr val="lt1"/>
+                </a:solidFill>
+                <a:latin typeface="+mn-lt"/>
+                <a:ea typeface="+mn-ea"/>
+                <a:cs typeface="+mn-cs"/>
+              </a:defRPr>
+            </a:lvl2pPr>
+            <a:lvl3pPr marL="914400" algn="l" defTabSz="914400" rtl="0" eaLnBrk="1" latinLnBrk="0" hangingPunct="1">
+              <a:defRPr sz="1800" kern="1200">
+                <a:solidFill>
+                  <a:schemeClr val="lt1"/>
+                </a:solidFill>
+                <a:latin typeface="+mn-lt"/>
+                <a:ea typeface="+mn-ea"/>
+                <a:cs typeface="+mn-cs"/>
+              </a:defRPr>
+            </a:lvl3pPr>
+            <a:lvl4pPr marL="1371600" algn="l" defTabSz="914400" rtl="0" eaLnBrk="1" latinLnBrk="0" hangingPunct="1">
+              <a:defRPr sz="1800" kern="1200">
+                <a:solidFill>
+                  <a:schemeClr val="lt1"/>
+                </a:solidFill>
+                <a:latin typeface="+mn-lt"/>
+                <a:ea typeface="+mn-ea"/>
+                <a:cs typeface="+mn-cs"/>
+              </a:defRPr>
+            </a:lvl4pPr>
+            <a:lvl5pPr marL="1828800" algn="l" defTabSz="914400" rtl="0" eaLnBrk="1" latinLnBrk="0" hangingPunct="1">
+              <a:defRPr sz="1800" kern="1200">
+                <a:solidFill>
+                  <a:schemeClr val="lt1"/>
+                </a:solidFill>
+                <a:latin typeface="+mn-lt"/>
+                <a:ea typeface="+mn-ea"/>
+                <a:cs typeface="+mn-cs"/>
+              </a:defRPr>
+            </a:lvl5pPr>
+            <a:lvl6pPr marL="2286000" algn="l" defTabSz="914400" rtl="0" eaLnBrk="1" latinLnBrk="0" hangingPunct="1">
+              <a:defRPr sz="1800" kern="1200">
+                <a:solidFill>
+                  <a:schemeClr val="lt1"/>
+                </a:solidFill>
+                <a:latin typeface="+mn-lt"/>
+                <a:ea typeface="+mn-ea"/>
+                <a:cs typeface="+mn-cs"/>
+              </a:defRPr>
+            </a:lvl6pPr>
+            <a:lvl7pPr marL="2743200" algn="l" defTabSz="914400" rtl="0" eaLnBrk="1" latinLnBrk="0" hangingPunct="1">
+              <a:defRPr sz="1800" kern="1200">
+                <a:solidFill>
+                  <a:schemeClr val="lt1"/>
+                </a:solidFill>
+                <a:latin typeface="+mn-lt"/>
+                <a:ea typeface="+mn-ea"/>
+                <a:cs typeface="+mn-cs"/>
+              </a:defRPr>
+            </a:lvl7pPr>
+            <a:lvl8pPr marL="3200400" algn="l" defTabSz="914400" rtl="0" eaLnBrk="1" latinLnBrk="0" hangingPunct="1">
+              <a:defRPr sz="1800" kern="1200">
+                <a:solidFill>
+                  <a:schemeClr val="lt1"/>
+                </a:solidFill>
+                <a:latin typeface="+mn-lt"/>
+                <a:ea typeface="+mn-ea"/>
+                <a:cs typeface="+mn-cs"/>
+              </a:defRPr>
+            </a:lvl8pPr>
+            <a:lvl9pPr marL="3657600" algn="l" defTabSz="914400" rtl="0" eaLnBrk="1" latinLnBrk="0" hangingPunct="1">
+              <a:defRPr sz="1800" kern="1200">
+                <a:solidFill>
+                  <a:schemeClr val="lt1"/>
+                </a:solidFill>
+                <a:latin typeface="+mn-lt"/>
+                <a:ea typeface="+mn-ea"/>
+                <a:cs typeface="+mn-cs"/>
+              </a:defRPr>
+            </a:lvl9pPr>
+          </a:lstStyle>
+          <a:p>
+            <a:pPr algn="ctr"/>
+            <a:endParaRPr lang="en-US"/>
+          </a:p>
+        </p:txBody>
+      </p:sp>
+      <p:sp useBgFill="1">
+        <p:nvSpPr>
+          <p:cNvPr id="10" name="Rectangle 9">
+            <a:extLst>
+              <a:ext uri="{FF2B5EF4-FFF2-40B4-BE49-F238E27FC236}">
+                <a16:creationId xmlns:a16="http://schemas.microsoft.com/office/drawing/2014/main" id="{252FEFEF-6AC0-46B6-AC09-11FC56196FA4}"/>
+              </a:ext>
+              <a:ext uri="{C183D7F6-B498-43B3-948B-1728B52AA6E4}">
+                <adec:decorative xmlns:adec="http://schemas.microsoft.com/office/drawing/2017/decorative" val="1"/>
+              </a:ext>
+            </a:extLst>
+          </p:cNvPr>
+          <p:cNvSpPr>
+            <a:spLocks noGrp="1" noRot="1" noChangeAspect="1" noMove="1" noResize="1" noEditPoints="1" noAdjustHandles="1" noChangeArrowheads="1" noChangeShapeType="1" noTextEdit="1"/>
+          </p:cNvSpPr>
+          <p:nvPr>
+            <p:extLst>
+              <p:ext uri="{386F3935-93C4-4BCD-93E2-E3B085C9AB24}">
+                <p16:designElem xmlns:p16="http://schemas.microsoft.com/office/powerpoint/2015/main" val="1"/>
+              </p:ext>
+            </p:extLst>
+          </p:nvPr>
+        </p:nvSpPr>
+        <p:spPr>
+          <a:xfrm>
+            <a:off x="210312" y="226665"/>
+            <a:ext cx="11722608" cy="6382512"/>
+          </a:xfrm>
+          <a:prstGeom prst="rect">
+            <a:avLst/>
+          </a:prstGeom>
+          <a:ln w="6350" cap="flat" cmpd="sng" algn="ctr">
+            <a:noFill/>
+            <a:prstDash val="solid"/>
+          </a:ln>
+          <a:effectLst>
+            <a:softEdge rad="0"/>
+          </a:effectLst>
+        </p:spPr>
+      </p:sp>
+      <p:sp>
+        <p:nvSpPr>
+          <p:cNvPr id="2" name="Title 1">
+            <a:extLst>
+              <a:ext uri="{FF2B5EF4-FFF2-40B4-BE49-F238E27FC236}">
+                <a16:creationId xmlns:a16="http://schemas.microsoft.com/office/drawing/2014/main" id="{E78C2EC3-3C61-4849-8C25-80B30BAA62A8}"/>
+              </a:ext>
+            </a:extLst>
+          </p:cNvPr>
+          <p:cNvSpPr>
+            <a:spLocks noGrp="1"/>
+          </p:cNvSpPr>
+          <p:nvPr>
+            <p:ph type="title"/>
+          </p:nvPr>
+        </p:nvSpPr>
+        <p:spPr>
+          <a:xfrm>
+            <a:off x="531341" y="451691"/>
+            <a:ext cx="11121081" cy="994050"/>
+          </a:xfrm>
+        </p:spPr>
+        <p:txBody>
+          <a:bodyPr>
+            <a:normAutofit/>
+          </a:bodyPr>
+          <a:lstStyle/>
+          <a:p>
+            <a:r>
+              <a:rPr lang="en-US" dirty="0">
+                <a:solidFill>
+                  <a:schemeClr val="accent2"/>
+                </a:solidFill>
+              </a:rPr>
+              <a:t>Who</a:t>
+            </a:r>
+            <a:r>
+              <a:rPr lang="en-US" dirty="0"/>
+              <a:t> is the Telco Integrator for?</a:t>
+            </a:r>
+          </a:p>
+        </p:txBody>
+      </p:sp>
+      <p:sp>
+        <p:nvSpPr>
+          <p:cNvPr id="3" name="Content Placeholder 2">
+            <a:extLst>
+              <a:ext uri="{FF2B5EF4-FFF2-40B4-BE49-F238E27FC236}">
+                <a16:creationId xmlns:a16="http://schemas.microsoft.com/office/drawing/2014/main" id="{3CF89308-280A-2D45-B048-2F391CD7DCAD}"/>
+              </a:ext>
+            </a:extLst>
+          </p:cNvPr>
+          <p:cNvSpPr>
+            <a:spLocks noGrp="1"/>
+          </p:cNvSpPr>
+          <p:nvPr>
+            <p:ph idx="1"/>
+          </p:nvPr>
+        </p:nvSpPr>
+        <p:spPr>
+          <a:xfrm>
+            <a:off x="531341" y="1779373"/>
+            <a:ext cx="4992129" cy="4186338"/>
+          </a:xfrm>
+        </p:spPr>
+        <p:txBody>
+          <a:bodyPr>
+            <a:normAutofit/>
+          </a:bodyPr>
+          <a:lstStyle/>
+          <a:p>
+            <a:r>
+              <a:rPr lang="en-US" sz="1600" dirty="0"/>
+              <a:t>TBD: market size</a:t>
+            </a:r>
+          </a:p>
+          <a:p>
+            <a:r>
+              <a:rPr lang="en-US" sz="1600" dirty="0"/>
+              <a:t>(existing IBM Telco asset customers)</a:t>
+            </a:r>
+          </a:p>
+          <a:p>
+            <a:pPr lvl="1"/>
+            <a:r>
+              <a:rPr lang="en-US" sz="1400" dirty="0"/>
+              <a:t>Continuity &gt;&gt; investment protection</a:t>
+            </a:r>
+          </a:p>
+          <a:p>
+            <a:pPr lvl="1"/>
+            <a:r>
+              <a:rPr lang="en-US" sz="1400" dirty="0"/>
+              <a:t>Modernization &gt;&gt; migration to new industry Cloud standard</a:t>
+            </a:r>
+          </a:p>
+          <a:p>
+            <a:pPr lvl="1"/>
+            <a:r>
+              <a:rPr lang="en-US" sz="1400" dirty="0"/>
+              <a:t>Leverage benefits of REST APIs (improvement over current asset technology)</a:t>
+            </a:r>
+          </a:p>
+          <a:p>
+            <a:r>
+              <a:rPr lang="en-US" sz="1600" dirty="0"/>
+              <a:t>(new customers using the TMF APIs already)</a:t>
+            </a:r>
+          </a:p>
+          <a:p>
+            <a:pPr lvl="1"/>
+            <a:r>
+              <a:rPr lang="en-US" sz="1400" dirty="0"/>
+              <a:t>Acceleration of adoption</a:t>
+            </a:r>
+          </a:p>
+          <a:p>
+            <a:pPr lvl="1"/>
+            <a:r>
+              <a:rPr lang="en-US" sz="1400" dirty="0"/>
+              <a:t>Consolidated, centrally managed platform</a:t>
+            </a:r>
+          </a:p>
+          <a:p>
+            <a:r>
+              <a:rPr lang="en-US" sz="1600" dirty="0"/>
+              <a:t>(new customers not using TMF (yet))</a:t>
+            </a:r>
+          </a:p>
+          <a:p>
+            <a:pPr lvl="1"/>
+            <a:r>
+              <a:rPr lang="en-US" sz="1400" dirty="0"/>
+              <a:t>Kickstarter for adoption of standard</a:t>
+            </a:r>
+          </a:p>
+          <a:p>
+            <a:pPr lvl="1"/>
+            <a:r>
+              <a:rPr lang="en-US" sz="1400" dirty="0"/>
+              <a:t>Leverage TMP benefits (</a:t>
+            </a:r>
+            <a:r>
+              <a:rPr lang="en-US" sz="1400" dirty="0" err="1"/>
+              <a:t>tbd</a:t>
+            </a:r>
+            <a:r>
+              <a:rPr lang="en-US" sz="1400" dirty="0"/>
+              <a:t>)</a:t>
+            </a:r>
+          </a:p>
+          <a:p>
+            <a:endParaRPr lang="en-US" sz="1600" b="1" dirty="0"/>
+          </a:p>
+        </p:txBody>
+      </p:sp>
+    </p:spTree>
+    <p:extLst>
+      <p:ext uri="{BB962C8B-B14F-4D97-AF65-F5344CB8AC3E}">
+        <p14:creationId xmlns:p14="http://schemas.microsoft.com/office/powerpoint/2010/main" val="1772080020"/>
+      </p:ext>
+    </p:extLst>
+  </p:cSld>
+  <p:clrMapOvr>
+    <a:masterClrMapping/>
+  </p:clrMapOvr>
+</p:sld>
+</file>
+
+<file path=ppt/slides/slide6.xml><?xml version="1.0" encoding="utf-8"?>
+<p:sld xmlns:a="http://schemas.openxmlformats.org/drawingml/2006/main" xmlns:r="http://schemas.openxmlformats.org/officeDocument/2006/relationships" xmlns:p="http://schemas.openxmlformats.org/presentationml/2006/main">
+  <p:cSld>
+    <p:bg>
+      <p:bgPr>
+        <a:solidFill>
+          <a:schemeClr val="bg1"/>
+        </a:solidFill>
+        <a:effectLst/>
+      </p:bgPr>
+    </p:bg>
+    <p:spTree>
+      <p:nvGrpSpPr>
+        <p:cNvPr id="1" name=""/>
+        <p:cNvGrpSpPr/>
+        <p:nvPr/>
+      </p:nvGrpSpPr>
+      <p:grpSpPr>
+        <a:xfrm>
+          <a:off x="0" y="0"/>
+          <a:ext cx="0" cy="0"/>
+          <a:chOff x="0" y="0"/>
+          <a:chExt cx="0" cy="0"/>
+        </a:xfrm>
+      </p:grpSpPr>
+      <p:sp>
+        <p:nvSpPr>
+          <p:cNvPr id="8" name="Rectangle 7">
+            <a:extLst>
+              <a:ext uri="{FF2B5EF4-FFF2-40B4-BE49-F238E27FC236}">
+                <a16:creationId xmlns:a16="http://schemas.microsoft.com/office/drawing/2014/main" id="{70120F84-A866-4D9F-8B1C-9120A013D654}"/>
+              </a:ext>
+              <a:ext uri="{C183D7F6-B498-43B3-948B-1728B52AA6E4}">
+                <adec:decorative xmlns:adec="http://schemas.microsoft.com/office/drawing/2017/decorative" val="1"/>
+              </a:ext>
+            </a:extLst>
+          </p:cNvPr>
+          <p:cNvSpPr>
+            <a:spLocks noGrp="1" noRot="1" noChangeAspect="1" noMove="1" noResize="1" noEditPoints="1" noAdjustHandles="1" noChangeArrowheads="1" noChangeShapeType="1" noTextEdit="1"/>
+          </p:cNvSpPr>
+          <p:nvPr>
+            <p:extLst>
+              <p:ext uri="{386F3935-93C4-4BCD-93E2-E3B085C9AB24}">
+                <p16:designElem xmlns:p16="http://schemas.microsoft.com/office/powerpoint/2015/main" val="1"/>
+              </p:ext>
+            </p:extLst>
+          </p:nvPr>
+        </p:nvSpPr>
+        <p:spPr>
+          <a:xfrm>
+            <a:off x="0" y="0"/>
+            <a:ext cx="12192001" cy="6858000"/>
+          </a:xfrm>
+          <a:prstGeom prst="rect">
+            <a:avLst/>
+          </a:prstGeom>
+          <a:solidFill>
+            <a:schemeClr val="tx1">
+              <a:lumMod val="65000"/>
+              <a:lumOff val="35000"/>
+            </a:schemeClr>
+          </a:solidFill>
+          <a:ln>
+            <a:noFill/>
+          </a:ln>
+        </p:spPr>
+        <p:style>
+          <a:lnRef idx="2">
+            <a:schemeClr val="accent1">
+              <a:shade val="50000"/>
+            </a:schemeClr>
+          </a:lnRef>
+          <a:fillRef idx="1">
+            <a:schemeClr val="accent1"/>
+          </a:fillRef>
+          <a:effectRef idx="0">
+            <a:schemeClr val="accent1"/>
+          </a:effectRef>
+          <a:fontRef idx="minor">
+            <a:schemeClr val="lt1"/>
+          </a:fontRef>
+        </p:style>
+        <p:txBody>
+          <a:bodyPr rot="0" spcFirstLastPara="0" vert="horz" wrap="square" lIns="91440" tIns="45720" rIns="91440" bIns="45720" numCol="1" spcCol="0" rtlCol="0" fromWordArt="0" anchor="ctr" anchorCtr="0" forceAA="0" compatLnSpc="1">
+            <a:prstTxWarp prst="textNoShape">
+              <a:avLst/>
+            </a:prstTxWarp>
+            <a:noAutofit/>
+          </a:bodyPr>
+          <a:lstStyle>
+            <a:defPPr>
+              <a:defRPr lang="en-US"/>
+            </a:defPPr>
+            <a:lvl1pPr marL="0" algn="l" defTabSz="914400" rtl="0" eaLnBrk="1" latinLnBrk="0" hangingPunct="1">
+              <a:defRPr sz="1800" kern="1200">
+                <a:solidFill>
+                  <a:schemeClr val="lt1"/>
+                </a:solidFill>
+                <a:latin typeface="+mn-lt"/>
+                <a:ea typeface="+mn-ea"/>
+                <a:cs typeface="+mn-cs"/>
+              </a:defRPr>
+            </a:lvl1pPr>
+            <a:lvl2pPr marL="457200" algn="l" defTabSz="914400" rtl="0" eaLnBrk="1" latinLnBrk="0" hangingPunct="1">
+              <a:defRPr sz="1800" kern="1200">
+                <a:solidFill>
+                  <a:schemeClr val="lt1"/>
+                </a:solidFill>
+                <a:latin typeface="+mn-lt"/>
+                <a:ea typeface="+mn-ea"/>
+                <a:cs typeface="+mn-cs"/>
+              </a:defRPr>
+            </a:lvl2pPr>
+            <a:lvl3pPr marL="914400" algn="l" defTabSz="914400" rtl="0" eaLnBrk="1" latinLnBrk="0" hangingPunct="1">
+              <a:defRPr sz="1800" kern="1200">
+                <a:solidFill>
+                  <a:schemeClr val="lt1"/>
+                </a:solidFill>
+                <a:latin typeface="+mn-lt"/>
+                <a:ea typeface="+mn-ea"/>
+                <a:cs typeface="+mn-cs"/>
+              </a:defRPr>
+            </a:lvl3pPr>
+            <a:lvl4pPr marL="1371600" algn="l" defTabSz="914400" rtl="0" eaLnBrk="1" latinLnBrk="0" hangingPunct="1">
+              <a:defRPr sz="1800" kern="1200">
+                <a:solidFill>
+                  <a:schemeClr val="lt1"/>
+                </a:solidFill>
+                <a:latin typeface="+mn-lt"/>
+                <a:ea typeface="+mn-ea"/>
+                <a:cs typeface="+mn-cs"/>
+              </a:defRPr>
+            </a:lvl4pPr>
+            <a:lvl5pPr marL="1828800" algn="l" defTabSz="914400" rtl="0" eaLnBrk="1" latinLnBrk="0" hangingPunct="1">
+              <a:defRPr sz="1800" kern="1200">
+                <a:solidFill>
+                  <a:schemeClr val="lt1"/>
+                </a:solidFill>
+                <a:latin typeface="+mn-lt"/>
+                <a:ea typeface="+mn-ea"/>
+                <a:cs typeface="+mn-cs"/>
+              </a:defRPr>
+            </a:lvl5pPr>
+            <a:lvl6pPr marL="2286000" algn="l" defTabSz="914400" rtl="0" eaLnBrk="1" latinLnBrk="0" hangingPunct="1">
+              <a:defRPr sz="1800" kern="1200">
+                <a:solidFill>
+                  <a:schemeClr val="lt1"/>
+                </a:solidFill>
+                <a:latin typeface="+mn-lt"/>
+                <a:ea typeface="+mn-ea"/>
+                <a:cs typeface="+mn-cs"/>
+              </a:defRPr>
+            </a:lvl6pPr>
+            <a:lvl7pPr marL="2743200" algn="l" defTabSz="914400" rtl="0" eaLnBrk="1" latinLnBrk="0" hangingPunct="1">
+              <a:defRPr sz="1800" kern="1200">
+                <a:solidFill>
+                  <a:schemeClr val="lt1"/>
+                </a:solidFill>
+                <a:latin typeface="+mn-lt"/>
+                <a:ea typeface="+mn-ea"/>
+                <a:cs typeface="+mn-cs"/>
+              </a:defRPr>
+            </a:lvl7pPr>
+            <a:lvl8pPr marL="3200400" algn="l" defTabSz="914400" rtl="0" eaLnBrk="1" latinLnBrk="0" hangingPunct="1">
+              <a:defRPr sz="1800" kern="1200">
+                <a:solidFill>
+                  <a:schemeClr val="lt1"/>
+                </a:solidFill>
+                <a:latin typeface="+mn-lt"/>
+                <a:ea typeface="+mn-ea"/>
+                <a:cs typeface="+mn-cs"/>
+              </a:defRPr>
+            </a:lvl8pPr>
+            <a:lvl9pPr marL="3657600" algn="l" defTabSz="914400" rtl="0" eaLnBrk="1" latinLnBrk="0" hangingPunct="1">
+              <a:defRPr sz="1800" kern="1200">
+                <a:solidFill>
+                  <a:schemeClr val="lt1"/>
+                </a:solidFill>
+                <a:latin typeface="+mn-lt"/>
+                <a:ea typeface="+mn-ea"/>
+                <a:cs typeface="+mn-cs"/>
+              </a:defRPr>
+            </a:lvl9pPr>
+          </a:lstStyle>
+          <a:p>
+            <a:pPr algn="ctr"/>
+            <a:endParaRPr lang="en-US"/>
+          </a:p>
+        </p:txBody>
+      </p:sp>
+      <p:sp useBgFill="1">
+        <p:nvSpPr>
+          <p:cNvPr id="10" name="Rectangle 9">
+            <a:extLst>
+              <a:ext uri="{FF2B5EF4-FFF2-40B4-BE49-F238E27FC236}">
+                <a16:creationId xmlns:a16="http://schemas.microsoft.com/office/drawing/2014/main" id="{252FEFEF-6AC0-46B6-AC09-11FC56196FA4}"/>
+              </a:ext>
+              <a:ext uri="{C183D7F6-B498-43B3-948B-1728B52AA6E4}">
+                <adec:decorative xmlns:adec="http://schemas.microsoft.com/office/drawing/2017/decorative" val="1"/>
+              </a:ext>
+            </a:extLst>
+          </p:cNvPr>
+          <p:cNvSpPr>
+            <a:spLocks noGrp="1" noRot="1" noChangeAspect="1" noMove="1" noResize="1" noEditPoints="1" noAdjustHandles="1" noChangeArrowheads="1" noChangeShapeType="1" noTextEdit="1"/>
+          </p:cNvSpPr>
+          <p:nvPr>
+            <p:extLst>
+              <p:ext uri="{386F3935-93C4-4BCD-93E2-E3B085C9AB24}">
+                <p16:designElem xmlns:p16="http://schemas.microsoft.com/office/powerpoint/2015/main" val="1"/>
+              </p:ext>
+            </p:extLst>
+          </p:nvPr>
+        </p:nvSpPr>
+        <p:spPr>
+          <a:xfrm>
+            <a:off x="210312" y="226665"/>
+            <a:ext cx="11722608" cy="6382512"/>
+          </a:xfrm>
+          <a:prstGeom prst="rect">
+            <a:avLst/>
+          </a:prstGeom>
+          <a:ln w="6350" cap="flat" cmpd="sng" algn="ctr">
+            <a:noFill/>
+            <a:prstDash val="solid"/>
+          </a:ln>
+          <a:effectLst>
+            <a:softEdge rad="0"/>
+          </a:effectLst>
+        </p:spPr>
+      </p:sp>
+      <p:sp>
+        <p:nvSpPr>
+          <p:cNvPr id="2" name="Title 1">
+            <a:extLst>
+              <a:ext uri="{FF2B5EF4-FFF2-40B4-BE49-F238E27FC236}">
+                <a16:creationId xmlns:a16="http://schemas.microsoft.com/office/drawing/2014/main" id="{E78C2EC3-3C61-4849-8C25-80B30BAA62A8}"/>
+              </a:ext>
+            </a:extLst>
+          </p:cNvPr>
+          <p:cNvSpPr>
+            <a:spLocks noGrp="1"/>
+          </p:cNvSpPr>
+          <p:nvPr>
+            <p:ph type="title"/>
+          </p:nvPr>
+        </p:nvSpPr>
+        <p:spPr>
+          <a:xfrm>
+            <a:off x="531341" y="451691"/>
+            <a:ext cx="11121081" cy="994050"/>
+          </a:xfrm>
+        </p:spPr>
+        <p:txBody>
+          <a:bodyPr>
+            <a:normAutofit/>
+          </a:bodyPr>
+          <a:lstStyle/>
+          <a:p>
+            <a:r>
+              <a:rPr lang="en-US" dirty="0">
+                <a:solidFill>
+                  <a:schemeClr val="accent2"/>
+                </a:solidFill>
+              </a:rPr>
+              <a:t>How</a:t>
+            </a:r>
+            <a:r>
+              <a:rPr lang="en-US" dirty="0"/>
+              <a:t> does the Telco Integrator work?</a:t>
+            </a:r>
+          </a:p>
+        </p:txBody>
+      </p:sp>
+      <p:sp>
+        <p:nvSpPr>
+          <p:cNvPr id="3" name="Content Placeholder 2">
+            <a:extLst>
+              <a:ext uri="{FF2B5EF4-FFF2-40B4-BE49-F238E27FC236}">
+                <a16:creationId xmlns:a16="http://schemas.microsoft.com/office/drawing/2014/main" id="{3CF89308-280A-2D45-B048-2F391CD7DCAD}"/>
+              </a:ext>
+            </a:extLst>
+          </p:cNvPr>
+          <p:cNvSpPr>
+            <a:spLocks noGrp="1"/>
+          </p:cNvSpPr>
+          <p:nvPr>
+            <p:ph idx="1"/>
+          </p:nvPr>
+        </p:nvSpPr>
+        <p:spPr>
+          <a:xfrm>
+            <a:off x="531341" y="1779373"/>
+            <a:ext cx="4992129" cy="551935"/>
+          </a:xfrm>
+        </p:spPr>
+        <p:txBody>
+          <a:bodyPr>
+            <a:normAutofit/>
+          </a:bodyPr>
+          <a:lstStyle/>
+          <a:p>
+            <a:r>
+              <a:rPr lang="en-US" sz="1600" dirty="0"/>
+              <a:t>TBD</a:t>
+            </a:r>
+          </a:p>
+        </p:txBody>
+      </p:sp>
+      <p:graphicFrame>
+        <p:nvGraphicFramePr>
+          <p:cNvPr id="4" name="Table 4">
+            <a:extLst>
+              <a:ext uri="{FF2B5EF4-FFF2-40B4-BE49-F238E27FC236}">
+                <a16:creationId xmlns:a16="http://schemas.microsoft.com/office/drawing/2014/main" id="{9F30680A-6D76-1846-BB7D-489418EFC4E4}"/>
+              </a:ext>
+            </a:extLst>
+          </p:cNvPr>
+          <p:cNvGraphicFramePr>
+            <a:graphicFrameLocks noGrp="1"/>
+          </p:cNvGraphicFramePr>
+          <p:nvPr>
+            <p:extLst>
+              <p:ext uri="{D42A27DB-BD31-4B8C-83A1-F6EECF244321}">
+                <p14:modId xmlns:p14="http://schemas.microsoft.com/office/powerpoint/2010/main" val="1187015812"/>
+              </p:ext>
+            </p:extLst>
+          </p:nvPr>
+        </p:nvGraphicFramePr>
+        <p:xfrm>
+          <a:off x="1459470" y="2331308"/>
+          <a:ext cx="8128000" cy="1381760"/>
+        </p:xfrm>
+        <a:graphic>
+          <a:graphicData uri="http://schemas.openxmlformats.org/drawingml/2006/table">
+            <a:tbl>
+              <a:tblPr firstRow="1" bandRow="1">
+                <a:tableStyleId>{5C22544A-7EE6-4342-B048-85BDC9FD1C3A}</a:tableStyleId>
+              </a:tblPr>
+              <a:tblGrid>
+                <a:gridCol w="4064000">
+                  <a:extLst>
+                    <a:ext uri="{9D8B030D-6E8A-4147-A177-3AD203B41FA5}">
+                      <a16:colId xmlns:a16="http://schemas.microsoft.com/office/drawing/2014/main" val="3622087832"/>
+                    </a:ext>
+                  </a:extLst>
+                </a:gridCol>
+                <a:gridCol w="4064000">
+                  <a:extLst>
+                    <a:ext uri="{9D8B030D-6E8A-4147-A177-3AD203B41FA5}">
+                      <a16:colId xmlns:a16="http://schemas.microsoft.com/office/drawing/2014/main" val="111675354"/>
+                    </a:ext>
+                  </a:extLst>
+                </a:gridCol>
+              </a:tblGrid>
+              <a:tr h="370840">
+                <a:tc>
+                  <a:txBody>
+                    <a:bodyPr/>
+                    <a:lstStyle/>
+                    <a:p>
+                      <a:r>
+                        <a:rPr lang="en-DE" dirty="0"/>
+                        <a:t>Without Telco Integrator</a:t>
+                      </a:r>
+                    </a:p>
+                  </a:txBody>
+                  <a:tcPr/>
+                </a:tc>
+                <a:tc>
+                  <a:txBody>
+                    <a:bodyPr/>
+                    <a:lstStyle/>
+                    <a:p>
+                      <a:r>
+                        <a:rPr lang="en-DE" dirty="0"/>
+                        <a:t>With Telco Integrator</a:t>
+                      </a:r>
+                    </a:p>
+                  </a:txBody>
+                  <a:tcPr/>
+                </a:tc>
+                <a:extLst>
+                  <a:ext uri="{0D108BD9-81ED-4DB2-BD59-A6C34878D82A}">
+                    <a16:rowId xmlns:a16="http://schemas.microsoft.com/office/drawing/2014/main" val="856742735"/>
+                  </a:ext>
+                </a:extLst>
+              </a:tr>
+              <a:tr h="370840">
+                <a:tc>
+                  <a:txBody>
+                    <a:bodyPr/>
+                    <a:lstStyle/>
+                    <a:p>
+                      <a:r>
+                        <a:rPr lang="en-DE" dirty="0"/>
+                        <a:t>Static, homegrown TMF implementation</a:t>
+                      </a:r>
+                    </a:p>
+                  </a:txBody>
+                  <a:tcPr/>
+                </a:tc>
+                <a:tc>
+                  <a:txBody>
+                    <a:bodyPr/>
+                    <a:lstStyle/>
+                    <a:p>
+                      <a:r>
+                        <a:rPr lang="en-DE" dirty="0"/>
+                        <a:t>Enables customization through TMF API extensions</a:t>
+                      </a:r>
+                    </a:p>
+                  </a:txBody>
+                  <a:tcPr/>
+                </a:tc>
+                <a:extLst>
+                  <a:ext uri="{0D108BD9-81ED-4DB2-BD59-A6C34878D82A}">
+                    <a16:rowId xmlns:a16="http://schemas.microsoft.com/office/drawing/2014/main" val="3519205784"/>
+                  </a:ext>
+                </a:extLst>
+              </a:tr>
+              <a:tr h="370840">
+                <a:tc>
+                  <a:txBody>
+                    <a:bodyPr/>
+                    <a:lstStyle/>
+                    <a:p>
+                      <a:r>
+                        <a:rPr lang="en-DE" dirty="0"/>
+                        <a:t>tbd</a:t>
+                      </a:r>
+                    </a:p>
+                  </a:txBody>
+                  <a:tcPr/>
+                </a:tc>
+                <a:tc>
+                  <a:txBody>
+                    <a:bodyPr/>
+                    <a:lstStyle/>
+                    <a:p>
+                      <a:r>
+                        <a:rPr lang="en-DE" dirty="0"/>
+                        <a:t>tbd</a:t>
+                      </a:r>
+                    </a:p>
+                  </a:txBody>
+                  <a:tcPr/>
+                </a:tc>
+                <a:extLst>
+                  <a:ext uri="{0D108BD9-81ED-4DB2-BD59-A6C34878D82A}">
+                    <a16:rowId xmlns:a16="http://schemas.microsoft.com/office/drawing/2014/main" val="2345598236"/>
+                  </a:ext>
+                </a:extLst>
+              </a:tr>
+            </a:tbl>
+          </a:graphicData>
+        </a:graphic>
+      </p:graphicFrame>
+    </p:spTree>
+    <p:extLst>
+      <p:ext uri="{BB962C8B-B14F-4D97-AF65-F5344CB8AC3E}">
+        <p14:creationId xmlns:p14="http://schemas.microsoft.com/office/powerpoint/2010/main" val="532313473"/>
+      </p:ext>
+    </p:extLst>
+  </p:cSld>
+  <p:clrMapOvr>
+    <a:masterClrMapping/>
+  </p:clrMapOvr>
+</p:sld>
+</file>
+
+<file path=ppt/slides/slide7.xml><?xml version="1.0" encoding="utf-8"?>
+<p:sld xmlns:a="http://schemas.openxmlformats.org/drawingml/2006/main" xmlns:r="http://schemas.openxmlformats.org/officeDocument/2006/relationships" xmlns:p="http://schemas.openxmlformats.org/presentationml/2006/main">
+  <p:cSld>
+    <p:spTree>
+      <p:nvGrpSpPr>
+        <p:cNvPr id="1" name=""/>
+        <p:cNvGrpSpPr/>
+        <p:nvPr/>
+      </p:nvGrpSpPr>
+      <p:grpSpPr>
+        <a:xfrm>
+          <a:off x="0" y="0"/>
+          <a:ext cx="0" cy="0"/>
+          <a:chOff x="0" y="0"/>
+          <a:chExt cx="0" cy="0"/>
+        </a:xfrm>
+      </p:grpSpPr>
+      <p:sp>
+        <p:nvSpPr>
+          <p:cNvPr id="4" name="Title 3">
+            <a:extLst>
+              <a:ext uri="{FF2B5EF4-FFF2-40B4-BE49-F238E27FC236}">
+                <a16:creationId xmlns:a16="http://schemas.microsoft.com/office/drawing/2014/main" id="{A443A8A7-A3A5-194C-8553-414321DA5A13}"/>
+              </a:ext>
+            </a:extLst>
+          </p:cNvPr>
+          <p:cNvSpPr>
+            <a:spLocks noGrp="1"/>
+          </p:cNvSpPr>
+          <p:nvPr>
+            <p:ph type="title"/>
+          </p:nvPr>
+        </p:nvSpPr>
+        <p:spPr/>
+        <p:txBody>
+          <a:bodyPr/>
+          <a:lstStyle/>
+          <a:p>
+            <a:r>
+              <a:rPr lang="en-DE" dirty="0"/>
+              <a:t>Asset benefits in detail</a:t>
+            </a:r>
+          </a:p>
+        </p:txBody>
+      </p:sp>
+      <p:sp>
+        <p:nvSpPr>
+          <p:cNvPr id="5" name="Text Placeholder 4">
+            <a:extLst>
+              <a:ext uri="{FF2B5EF4-FFF2-40B4-BE49-F238E27FC236}">
+                <a16:creationId xmlns:a16="http://schemas.microsoft.com/office/drawing/2014/main" id="{FD92DF40-ED06-6847-A05D-03CC08E1E252}"/>
+              </a:ext>
+            </a:extLst>
+          </p:cNvPr>
+          <p:cNvSpPr>
+            <a:spLocks noGrp="1"/>
+          </p:cNvSpPr>
+          <p:nvPr>
+            <p:ph type="body" idx="1"/>
+          </p:nvPr>
+        </p:nvSpPr>
+        <p:spPr/>
+        <p:txBody>
+          <a:bodyPr/>
+          <a:lstStyle/>
+          <a:p>
+            <a:endParaRPr lang="en-DE" dirty="0"/>
+          </a:p>
+        </p:txBody>
+      </p:sp>
+    </p:spTree>
+    <p:extLst>
+      <p:ext uri="{BB962C8B-B14F-4D97-AF65-F5344CB8AC3E}">
+        <p14:creationId xmlns:p14="http://schemas.microsoft.com/office/powerpoint/2010/main" val="1694118314"/>
+      </p:ext>
+    </p:extLst>
+  </p:cSld>
+  <p:clrMapOvr>
+    <a:masterClrMapping/>
+  </p:clrMapOvr>
+</p:sld>
+</file>
+
+<file path=ppt/slides/slide8.xml><?xml version="1.0" encoding="utf-8"?>
+<p:sld xmlns:a="http://schemas.openxmlformats.org/drawingml/2006/main" xmlns:r="http://schemas.openxmlformats.org/officeDocument/2006/relationships" xmlns:p="http://schemas.openxmlformats.org/presentationml/2006/main">
+  <p:cSld>
+    <p:bg>
+      <p:bgPr>
+        <a:solidFill>
+          <a:schemeClr val="bg1"/>
+        </a:solidFill>
+        <a:effectLst/>
+      </p:bgPr>
+    </p:bg>
+    <p:spTree>
+      <p:nvGrpSpPr>
+        <p:cNvPr id="1" name=""/>
+        <p:cNvGrpSpPr/>
+        <p:nvPr/>
+      </p:nvGrpSpPr>
+      <p:grpSpPr>
+        <a:xfrm>
+          <a:off x="0" y="0"/>
+          <a:ext cx="0" cy="0"/>
+          <a:chOff x="0" y="0"/>
+          <a:chExt cx="0" cy="0"/>
+        </a:xfrm>
+      </p:grpSpPr>
+      <p:sp>
+        <p:nvSpPr>
+          <p:cNvPr id="8" name="Rectangle 7">
+            <a:extLst>
+              <a:ext uri="{FF2B5EF4-FFF2-40B4-BE49-F238E27FC236}">
+                <a16:creationId xmlns:a16="http://schemas.microsoft.com/office/drawing/2014/main" id="{70120F84-A866-4D9F-8B1C-9120A013D654}"/>
+              </a:ext>
+              <a:ext uri="{C183D7F6-B498-43B3-948B-1728B52AA6E4}">
+                <adec:decorative xmlns:adec="http://schemas.microsoft.com/office/drawing/2017/decorative" val="1"/>
+              </a:ext>
+            </a:extLst>
+          </p:cNvPr>
+          <p:cNvSpPr>
+            <a:spLocks noGrp="1" noRot="1" noChangeAspect="1" noMove="1" noResize="1" noEditPoints="1" noAdjustHandles="1" noChangeArrowheads="1" noChangeShapeType="1" noTextEdit="1"/>
+          </p:cNvSpPr>
+          <p:nvPr>
+            <p:extLst>
+              <p:ext uri="{386F3935-93C4-4BCD-93E2-E3B085C9AB24}">
+                <p16:designElem xmlns:p16="http://schemas.microsoft.com/office/powerpoint/2015/main" val="1"/>
+              </p:ext>
+            </p:extLst>
+          </p:nvPr>
+        </p:nvSpPr>
+        <p:spPr>
+          <a:xfrm>
+            <a:off x="0" y="0"/>
+            <a:ext cx="12192001" cy="6858000"/>
+          </a:xfrm>
+          <a:prstGeom prst="rect">
+            <a:avLst/>
+          </a:prstGeom>
+          <a:solidFill>
+            <a:schemeClr val="tx1">
+              <a:lumMod val="65000"/>
+              <a:lumOff val="35000"/>
+            </a:schemeClr>
+          </a:solidFill>
+          <a:ln>
+            <a:noFill/>
+          </a:ln>
+        </p:spPr>
+        <p:style>
+          <a:lnRef idx="2">
+            <a:schemeClr val="accent1">
+              <a:shade val="50000"/>
+            </a:schemeClr>
+          </a:lnRef>
+          <a:fillRef idx="1">
+            <a:schemeClr val="accent1"/>
+          </a:fillRef>
+          <a:effectRef idx="0">
+            <a:schemeClr val="accent1"/>
+          </a:effectRef>
+          <a:fontRef idx="minor">
+            <a:schemeClr val="lt1"/>
+          </a:fontRef>
+        </p:style>
+        <p:txBody>
+          <a:bodyPr rot="0" spcFirstLastPara="0" vert="horz" wrap="square" lIns="91440" tIns="45720" rIns="91440" bIns="45720" numCol="1" spcCol="0" rtlCol="0" fromWordArt="0" anchor="ctr" anchorCtr="0" forceAA="0" compatLnSpc="1">
+            <a:prstTxWarp prst="textNoShape">
+              <a:avLst/>
+            </a:prstTxWarp>
+            <a:noAutofit/>
+          </a:bodyPr>
+          <a:lstStyle>
+            <a:defPPr>
+              <a:defRPr lang="en-US"/>
+            </a:defPPr>
+            <a:lvl1pPr marL="0" algn="l" defTabSz="914400" rtl="0" eaLnBrk="1" latinLnBrk="0" hangingPunct="1">
+              <a:defRPr sz="1800" kern="1200">
+                <a:solidFill>
+                  <a:schemeClr val="lt1"/>
+                </a:solidFill>
+                <a:latin typeface="+mn-lt"/>
+                <a:ea typeface="+mn-ea"/>
+                <a:cs typeface="+mn-cs"/>
+              </a:defRPr>
+            </a:lvl1pPr>
+            <a:lvl2pPr marL="457200" algn="l" defTabSz="914400" rtl="0" eaLnBrk="1" latinLnBrk="0" hangingPunct="1">
+              <a:defRPr sz="1800" kern="1200">
+                <a:solidFill>
+                  <a:schemeClr val="lt1"/>
+                </a:solidFill>
+                <a:latin typeface="+mn-lt"/>
+                <a:ea typeface="+mn-ea"/>
+                <a:cs typeface="+mn-cs"/>
+              </a:defRPr>
+            </a:lvl2pPr>
+            <a:lvl3pPr marL="914400" algn="l" defTabSz="914400" rtl="0" eaLnBrk="1" latinLnBrk="0" hangingPunct="1">
+              <a:defRPr sz="1800" kern="1200">
+                <a:solidFill>
+                  <a:schemeClr val="lt1"/>
+                </a:solidFill>
+                <a:latin typeface="+mn-lt"/>
+                <a:ea typeface="+mn-ea"/>
+                <a:cs typeface="+mn-cs"/>
+              </a:defRPr>
+            </a:lvl3pPr>
+            <a:lvl4pPr marL="1371600" algn="l" defTabSz="914400" rtl="0" eaLnBrk="1" latinLnBrk="0" hangingPunct="1">
+              <a:defRPr sz="1800" kern="1200">
+                <a:solidFill>
+                  <a:schemeClr val="lt1"/>
+                </a:solidFill>
+                <a:latin typeface="+mn-lt"/>
+                <a:ea typeface="+mn-ea"/>
+                <a:cs typeface="+mn-cs"/>
+              </a:defRPr>
+            </a:lvl4pPr>
+            <a:lvl5pPr marL="1828800" algn="l" defTabSz="914400" rtl="0" eaLnBrk="1" latinLnBrk="0" hangingPunct="1">
+              <a:defRPr sz="1800" kern="1200">
+                <a:solidFill>
+                  <a:schemeClr val="lt1"/>
+                </a:solidFill>
+                <a:latin typeface="+mn-lt"/>
+                <a:ea typeface="+mn-ea"/>
+                <a:cs typeface="+mn-cs"/>
+              </a:defRPr>
+            </a:lvl5pPr>
+            <a:lvl6pPr marL="2286000" algn="l" defTabSz="914400" rtl="0" eaLnBrk="1" latinLnBrk="0" hangingPunct="1">
+              <a:defRPr sz="1800" kern="1200">
+                <a:solidFill>
+                  <a:schemeClr val="lt1"/>
+                </a:solidFill>
+                <a:latin typeface="+mn-lt"/>
+                <a:ea typeface="+mn-ea"/>
+                <a:cs typeface="+mn-cs"/>
+              </a:defRPr>
+            </a:lvl6pPr>
+            <a:lvl7pPr marL="2743200" algn="l" defTabSz="914400" rtl="0" eaLnBrk="1" latinLnBrk="0" hangingPunct="1">
+              <a:defRPr sz="1800" kern="1200">
+                <a:solidFill>
+                  <a:schemeClr val="lt1"/>
+                </a:solidFill>
+                <a:latin typeface="+mn-lt"/>
+                <a:ea typeface="+mn-ea"/>
+                <a:cs typeface="+mn-cs"/>
+              </a:defRPr>
+            </a:lvl7pPr>
+            <a:lvl8pPr marL="3200400" algn="l" defTabSz="914400" rtl="0" eaLnBrk="1" latinLnBrk="0" hangingPunct="1">
+              <a:defRPr sz="1800" kern="1200">
+                <a:solidFill>
+                  <a:schemeClr val="lt1"/>
+                </a:solidFill>
+                <a:latin typeface="+mn-lt"/>
+                <a:ea typeface="+mn-ea"/>
+                <a:cs typeface="+mn-cs"/>
+              </a:defRPr>
+            </a:lvl8pPr>
+            <a:lvl9pPr marL="3657600" algn="l" defTabSz="914400" rtl="0" eaLnBrk="1" latinLnBrk="0" hangingPunct="1">
+              <a:defRPr sz="1800" kern="1200">
+                <a:solidFill>
+                  <a:schemeClr val="lt1"/>
+                </a:solidFill>
+                <a:latin typeface="+mn-lt"/>
+                <a:ea typeface="+mn-ea"/>
+                <a:cs typeface="+mn-cs"/>
+              </a:defRPr>
+            </a:lvl9pPr>
+          </a:lstStyle>
+          <a:p>
+            <a:pPr algn="ctr"/>
+            <a:endParaRPr lang="en-US"/>
+          </a:p>
+        </p:txBody>
+      </p:sp>
+      <p:sp useBgFill="1">
+        <p:nvSpPr>
+          <p:cNvPr id="10" name="Rectangle 9">
+            <a:extLst>
+              <a:ext uri="{FF2B5EF4-FFF2-40B4-BE49-F238E27FC236}">
+                <a16:creationId xmlns:a16="http://schemas.microsoft.com/office/drawing/2014/main" id="{252FEFEF-6AC0-46B6-AC09-11FC56196FA4}"/>
+              </a:ext>
+              <a:ext uri="{C183D7F6-B498-43B3-948B-1728B52AA6E4}">
+                <adec:decorative xmlns:adec="http://schemas.microsoft.com/office/drawing/2017/decorative" val="1"/>
+              </a:ext>
+            </a:extLst>
+          </p:cNvPr>
+          <p:cNvSpPr>
+            <a:spLocks noGrp="1" noRot="1" noChangeAspect="1" noMove="1" noResize="1" noEditPoints="1" noAdjustHandles="1" noChangeArrowheads="1" noChangeShapeType="1" noTextEdit="1"/>
+          </p:cNvSpPr>
+          <p:nvPr>
+            <p:extLst>
+              <p:ext uri="{386F3935-93C4-4BCD-93E2-E3B085C9AB24}">
+                <p16:designElem xmlns:p16="http://schemas.microsoft.com/office/powerpoint/2015/main" val="1"/>
+              </p:ext>
+            </p:extLst>
+          </p:nvPr>
+        </p:nvSpPr>
+        <p:spPr>
+          <a:xfrm>
+            <a:off x="210312" y="226665"/>
+            <a:ext cx="11722608" cy="6382512"/>
+          </a:xfrm>
+          <a:prstGeom prst="rect">
+            <a:avLst/>
+          </a:prstGeom>
+          <a:ln w="6350" cap="flat" cmpd="sng" algn="ctr">
+            <a:noFill/>
+            <a:prstDash val="solid"/>
+          </a:ln>
+          <a:effectLst>
+            <a:softEdge rad="0"/>
+          </a:effectLst>
+        </p:spPr>
+      </p:sp>
+      <p:sp>
+        <p:nvSpPr>
+          <p:cNvPr id="19" name="Rectangle 18">
+            <a:extLst>
+              <a:ext uri="{FF2B5EF4-FFF2-40B4-BE49-F238E27FC236}">
+                <a16:creationId xmlns:a16="http://schemas.microsoft.com/office/drawing/2014/main" id="{7213DC6C-753D-6644-867F-CF3B5A47F16E}"/>
+              </a:ext>
+            </a:extLst>
+          </p:cNvPr>
+          <p:cNvSpPr/>
+          <p:nvPr/>
+        </p:nvSpPr>
+        <p:spPr>
+          <a:xfrm>
+            <a:off x="5845589" y="1210300"/>
+            <a:ext cx="6087328" cy="3600986"/>
+          </a:xfrm>
+          <a:prstGeom prst="rect">
+            <a:avLst/>
+          </a:prstGeom>
+        </p:spPr>
+        <p:txBody>
+          <a:bodyPr wrap="square">
+            <a:spAutoFit/>
+          </a:bodyPr>
+          <a:lstStyle/>
+          <a:p>
+            <a:pPr lvl="1"/>
+            <a:endParaRPr lang="en-US" sz="1900" dirty="0">
+              <a:solidFill>
+                <a:srgbClr val="002060"/>
+              </a:solidFill>
+              <a:latin typeface="Avenir Medium" panose="02000503020000020003" pitchFamily="2" charset="0"/>
+            </a:endParaRPr>
+          </a:p>
+          <a:p>
+            <a:pPr lvl="1"/>
+            <a:r>
+              <a:rPr lang="en-US" sz="1900" dirty="0">
+                <a:solidFill>
+                  <a:srgbClr val="002060"/>
+                </a:solidFill>
+                <a:latin typeface="Avenir Medium" panose="02000503020000020003" pitchFamily="2" charset="0"/>
+              </a:rPr>
+              <a:t>The Telco Integrator enables a modular platform architecture</a:t>
+            </a:r>
+          </a:p>
+          <a:p>
+            <a:pPr marL="1200150" lvl="2" indent="-285750">
+              <a:lnSpc>
+                <a:spcPct val="200000"/>
+              </a:lnSpc>
+              <a:buFont typeface="Arial" panose="020B0604020202020204" pitchFamily="34" charset="0"/>
+              <a:buChar char="•"/>
+            </a:pPr>
+            <a:r>
+              <a:rPr lang="en-US" sz="1900" dirty="0">
+                <a:solidFill>
+                  <a:srgbClr val="002060"/>
+                </a:solidFill>
+              </a:rPr>
+              <a:t>Abstract underlying complexity</a:t>
+            </a:r>
+          </a:p>
+          <a:p>
+            <a:pPr marL="1200150" lvl="2" indent="-285750">
+              <a:lnSpc>
+                <a:spcPct val="200000"/>
+              </a:lnSpc>
+              <a:buFont typeface="Arial" panose="020B0604020202020204" pitchFamily="34" charset="0"/>
+              <a:buChar char="•"/>
+            </a:pPr>
+            <a:r>
+              <a:rPr lang="en-US" sz="1900" b="1" dirty="0">
+                <a:solidFill>
+                  <a:srgbClr val="002060"/>
+                </a:solidFill>
+              </a:rPr>
+              <a:t>Reduce time-to-market for new services</a:t>
+            </a:r>
+          </a:p>
+          <a:p>
+            <a:pPr marL="1200150" lvl="2" indent="-285750">
+              <a:lnSpc>
+                <a:spcPct val="200000"/>
+              </a:lnSpc>
+              <a:buFont typeface="Arial" panose="020B0604020202020204" pitchFamily="34" charset="0"/>
+              <a:buChar char="•"/>
+            </a:pPr>
+            <a:r>
+              <a:rPr lang="en-US" sz="1900" b="1" dirty="0">
+                <a:solidFill>
+                  <a:srgbClr val="002060"/>
+                </a:solidFill>
+              </a:rPr>
+              <a:t>Reduce cost of creating and operating new services</a:t>
+            </a:r>
+          </a:p>
+          <a:p>
+            <a:pPr lvl="1"/>
+            <a:endParaRPr lang="en-US" sz="1900" b="1" dirty="0">
+              <a:solidFill>
+                <a:srgbClr val="002060"/>
+              </a:solidFill>
+            </a:endParaRPr>
+          </a:p>
+        </p:txBody>
+      </p:sp>
+      <p:sp>
+        <p:nvSpPr>
+          <p:cNvPr id="20" name="Title 1">
+            <a:extLst>
+              <a:ext uri="{FF2B5EF4-FFF2-40B4-BE49-F238E27FC236}">
+                <a16:creationId xmlns:a16="http://schemas.microsoft.com/office/drawing/2014/main" id="{3C69BE4E-42FD-6346-A092-86A0A2762E52}"/>
+              </a:ext>
+            </a:extLst>
+          </p:cNvPr>
+          <p:cNvSpPr>
+            <a:spLocks noGrp="1"/>
+          </p:cNvSpPr>
+          <p:nvPr>
+            <p:ph type="title"/>
+          </p:nvPr>
+        </p:nvSpPr>
+        <p:spPr>
+          <a:xfrm>
+            <a:off x="210312" y="247261"/>
+            <a:ext cx="11722608" cy="1003299"/>
+          </a:xfrm>
+        </p:spPr>
+        <p:txBody>
+          <a:bodyPr>
+            <a:normAutofit/>
+          </a:bodyPr>
+          <a:lstStyle/>
+          <a:p>
+            <a:r>
+              <a:rPr lang="en-US" sz="3200" b="1" u="sng" dirty="0"/>
+              <a:t>The Telco Integrator </a:t>
+            </a:r>
+            <a:r>
+              <a:rPr lang="en-US" sz="3200" u="sng" dirty="0"/>
+              <a:t>dramatically improves business and IT agility</a:t>
+            </a:r>
+            <a:endParaRPr lang="en-US" sz="3200" b="1" u="sng" dirty="0"/>
+          </a:p>
+        </p:txBody>
+      </p:sp>
+      <p:cxnSp>
+        <p:nvCxnSpPr>
+          <p:cNvPr id="22" name="Straight Connector 21">
+            <a:extLst>
+              <a:ext uri="{FF2B5EF4-FFF2-40B4-BE49-F238E27FC236}">
+                <a16:creationId xmlns:a16="http://schemas.microsoft.com/office/drawing/2014/main" id="{743D9423-5F3F-3B4D-BC50-759E472FE4FE}"/>
+              </a:ext>
+            </a:extLst>
+          </p:cNvPr>
+          <p:cNvCxnSpPr>
+            <a:cxnSpLocks/>
+          </p:cNvCxnSpPr>
+          <p:nvPr/>
+        </p:nvCxnSpPr>
+        <p:spPr>
+          <a:xfrm>
+            <a:off x="5845589" y="1556951"/>
+            <a:ext cx="0" cy="3254335"/>
+          </a:xfrm>
+          <a:prstGeom prst="line">
+            <a:avLst/>
+          </a:prstGeom>
+          <a:ln w="38100">
+            <a:solidFill>
+              <a:srgbClr val="002060"/>
+            </a:solidFill>
+          </a:ln>
+        </p:spPr>
+        <p:style>
+          <a:lnRef idx="1">
+            <a:schemeClr val="accent1"/>
+          </a:lnRef>
+          <a:fillRef idx="0">
+            <a:schemeClr val="accent1"/>
+          </a:fillRef>
+          <a:effectRef idx="0">
+            <a:schemeClr val="accent1"/>
+          </a:effectRef>
+          <a:fontRef idx="minor">
+            <a:schemeClr val="tx1"/>
+          </a:fontRef>
+        </p:style>
+      </p:cxnSp>
+      <p:sp>
+        <p:nvSpPr>
+          <p:cNvPr id="23" name="Rectangle 22">
+            <a:extLst>
+              <a:ext uri="{FF2B5EF4-FFF2-40B4-BE49-F238E27FC236}">
+                <a16:creationId xmlns:a16="http://schemas.microsoft.com/office/drawing/2014/main" id="{6CB54C1F-C83A-1A4C-9AD3-4EE3CD83DDAA}"/>
+              </a:ext>
+            </a:extLst>
+          </p:cNvPr>
+          <p:cNvSpPr/>
+          <p:nvPr/>
+        </p:nvSpPr>
+        <p:spPr>
+          <a:xfrm>
+            <a:off x="-135920" y="1271155"/>
+            <a:ext cx="5721161" cy="3600986"/>
+          </a:xfrm>
+          <a:prstGeom prst="rect">
+            <a:avLst/>
+          </a:prstGeom>
+        </p:spPr>
+        <p:txBody>
+          <a:bodyPr wrap="square">
+            <a:spAutoFit/>
+          </a:bodyPr>
+          <a:lstStyle/>
+          <a:p>
+            <a:pPr lvl="1"/>
+            <a:endParaRPr lang="en-US" sz="1900" dirty="0">
+              <a:solidFill>
+                <a:srgbClr val="002060"/>
+              </a:solidFill>
+              <a:latin typeface="Avenir Medium" panose="02000503020000020003" pitchFamily="2" charset="0"/>
+            </a:endParaRPr>
+          </a:p>
+          <a:p>
+            <a:pPr lvl="1"/>
+            <a:r>
+              <a:rPr lang="en-US" sz="1900" dirty="0">
+                <a:solidFill>
+                  <a:srgbClr val="002060"/>
+                </a:solidFill>
+                <a:latin typeface="Avenir Medium" panose="02000503020000020003" pitchFamily="2" charset="0"/>
+              </a:rPr>
+              <a:t>CSPs under pressure to improve efficiency and overall agility.</a:t>
+            </a:r>
+          </a:p>
+          <a:p>
+            <a:pPr marL="742950" lvl="1" indent="-285750">
+              <a:lnSpc>
+                <a:spcPct val="200000"/>
+              </a:lnSpc>
+              <a:buFont typeface="Arial" panose="020B0604020202020204" pitchFamily="34" charset="0"/>
+              <a:buChar char="•"/>
+            </a:pPr>
+            <a:r>
+              <a:rPr lang="en-US" sz="1900" dirty="0">
+                <a:solidFill>
+                  <a:srgbClr val="002060"/>
+                </a:solidFill>
+              </a:rPr>
+              <a:t>Reduce costs associated with outdated integrations</a:t>
+            </a:r>
+          </a:p>
+          <a:p>
+            <a:pPr marL="742950" lvl="1" indent="-285750">
+              <a:lnSpc>
+                <a:spcPct val="200000"/>
+              </a:lnSpc>
+              <a:buFont typeface="Arial" panose="020B0604020202020204" pitchFamily="34" charset="0"/>
+              <a:buChar char="•"/>
+            </a:pPr>
+            <a:r>
+              <a:rPr lang="en-US" sz="1900" dirty="0">
+                <a:solidFill>
+                  <a:srgbClr val="002060"/>
+                </a:solidFill>
+              </a:rPr>
+              <a:t>Provide a pragmatic way to cut time and risks in enterprise transformation</a:t>
+            </a:r>
+          </a:p>
+          <a:p>
+            <a:pPr marL="742950" lvl="1" indent="-285750">
+              <a:buFont typeface="Arial" panose="020B0604020202020204" pitchFamily="34" charset="0"/>
+              <a:buChar char="•"/>
+            </a:pPr>
+            <a:endParaRPr lang="en-US" sz="1900" dirty="0">
+              <a:solidFill>
+                <a:srgbClr val="002060"/>
+              </a:solidFill>
+            </a:endParaRPr>
+          </a:p>
+        </p:txBody>
+      </p:sp>
+      <p:sp>
+        <p:nvSpPr>
+          <p:cNvPr id="3" name="Rectangle 2">
+            <a:extLst>
+              <a:ext uri="{FF2B5EF4-FFF2-40B4-BE49-F238E27FC236}">
+                <a16:creationId xmlns:a16="http://schemas.microsoft.com/office/drawing/2014/main" id="{AFE0AE87-8CAB-C240-8107-7E1BC07D7A61}"/>
+              </a:ext>
+            </a:extLst>
+          </p:cNvPr>
+          <p:cNvSpPr/>
+          <p:nvPr/>
+        </p:nvSpPr>
+        <p:spPr>
+          <a:xfrm>
+            <a:off x="553674" y="5218739"/>
+            <a:ext cx="11148964" cy="369332"/>
+          </a:xfrm>
+          <a:prstGeom prst="rect">
+            <a:avLst/>
+          </a:prstGeom>
+        </p:spPr>
+        <p:txBody>
+          <a:bodyPr wrap="square">
+            <a:spAutoFit/>
+          </a:bodyPr>
+          <a:lstStyle/>
+          <a:p>
+            <a:r>
+              <a:rPr lang="en-US" b="1" i="1" dirty="0">
+                <a:latin typeface="Avenir Black Oblique" panose="02000503020000020003" pitchFamily="2" charset="0"/>
+              </a:rPr>
+              <a:t>The Telco Integrator runs on any cloud and integrates with any OSS/BSS.</a:t>
+            </a:r>
+          </a:p>
+        </p:txBody>
+      </p:sp>
+    </p:spTree>
+    <p:extLst>
+      <p:ext uri="{BB962C8B-B14F-4D97-AF65-F5344CB8AC3E}">
+        <p14:creationId xmlns:p14="http://schemas.microsoft.com/office/powerpoint/2010/main" val="4254816886"/>
+      </p:ext>
+    </p:extLst>
+  </p:cSld>
+  <p:clrMapOvr>
+    <a:masterClrMapping/>
+  </p:clrMapOvr>
+</p:sld>
+</file>
+
+<file path=ppt/slides/slide9.xml><?xml version="1.0" encoding="utf-8"?>
+<p:sld xmlns:a="http://schemas.openxmlformats.org/drawingml/2006/main" xmlns:r="http://schemas.openxmlformats.org/officeDocument/2006/relationships" xmlns:p="http://schemas.openxmlformats.org/presentationml/2006/main">
+  <p:cSld>
+    <p:bg>
+      <p:bgPr>
+        <a:solidFill>
+          <a:schemeClr val="bg1"/>
+        </a:solidFill>
+        <a:effectLst/>
+      </p:bgPr>
+    </p:bg>
+    <p:spTree>
+      <p:nvGrpSpPr>
+        <p:cNvPr id="1" name=""/>
+        <p:cNvGrpSpPr/>
+        <p:nvPr/>
+      </p:nvGrpSpPr>
+      <p:grpSpPr>
+        <a:xfrm>
+          <a:off x="0" y="0"/>
+          <a:ext cx="0" cy="0"/>
+          <a:chOff x="0" y="0"/>
+          <a:chExt cx="0" cy="0"/>
+        </a:xfrm>
+      </p:grpSpPr>
+      <p:sp>
+        <p:nvSpPr>
+          <p:cNvPr id="8" name="Rectangle 7">
+            <a:extLst>
+              <a:ext uri="{FF2B5EF4-FFF2-40B4-BE49-F238E27FC236}">
+                <a16:creationId xmlns:a16="http://schemas.microsoft.com/office/drawing/2014/main" id="{70120F84-A866-4D9F-8B1C-9120A013D654}"/>
+              </a:ext>
+              <a:ext uri="{C183D7F6-B498-43B3-948B-1728B52AA6E4}">
+                <adec:decorative xmlns:adec="http://schemas.microsoft.com/office/drawing/2017/decorative" val="1"/>
+              </a:ext>
+            </a:extLst>
+          </p:cNvPr>
+          <p:cNvSpPr>
+            <a:spLocks noGrp="1" noRot="1" noChangeAspect="1" noMove="1" noResize="1" noEditPoints="1" noAdjustHandles="1" noChangeArrowheads="1" noChangeShapeType="1" noTextEdit="1"/>
+          </p:cNvSpPr>
+          <p:nvPr>
+            <p:extLst>
+              <p:ext uri="{386F3935-93C4-4BCD-93E2-E3B085C9AB24}">
+                <p16:designElem xmlns:p16="http://schemas.microsoft.com/office/powerpoint/2015/main" val="1"/>
+              </p:ext>
+            </p:extLst>
+          </p:nvPr>
+        </p:nvSpPr>
+        <p:spPr>
+          <a:xfrm>
+            <a:off x="0" y="0"/>
+            <a:ext cx="12192001" cy="6858000"/>
+          </a:xfrm>
+          <a:prstGeom prst="rect">
+            <a:avLst/>
+          </a:prstGeom>
+          <a:solidFill>
+            <a:schemeClr val="tx1">
+              <a:lumMod val="65000"/>
+              <a:lumOff val="35000"/>
+            </a:schemeClr>
+          </a:solidFill>
+          <a:ln>
+            <a:noFill/>
+          </a:ln>
+        </p:spPr>
+        <p:style>
+          <a:lnRef idx="2">
+            <a:schemeClr val="accent1">
+              <a:shade val="50000"/>
+            </a:schemeClr>
+          </a:lnRef>
+          <a:fillRef idx="1">
+            <a:schemeClr val="accent1"/>
+          </a:fillRef>
+          <a:effectRef idx="0">
+            <a:schemeClr val="accent1"/>
+          </a:effectRef>
+          <a:fontRef idx="minor">
+            <a:schemeClr val="lt1"/>
+          </a:fontRef>
+        </p:style>
+        <p:txBody>
+          <a:bodyPr rot="0" spcFirstLastPara="0" vert="horz" wrap="square" lIns="91440" tIns="45720" rIns="91440" bIns="45720" numCol="1" spcCol="0" rtlCol="0" fromWordArt="0" anchor="ctr" anchorCtr="0" forceAA="0" compatLnSpc="1">
+            <a:prstTxWarp prst="textNoShape">
+              <a:avLst/>
+            </a:prstTxWarp>
+            <a:noAutofit/>
+          </a:bodyPr>
+          <a:lstStyle>
+            <a:defPPr>
+              <a:defRPr lang="en-US"/>
+            </a:defPPr>
+            <a:lvl1pPr marL="0" algn="l" defTabSz="914400" rtl="0" eaLnBrk="1" latinLnBrk="0" hangingPunct="1">
+              <a:defRPr sz="1800" kern="1200">
+                <a:solidFill>
+                  <a:schemeClr val="lt1"/>
+                </a:solidFill>
+                <a:latin typeface="+mn-lt"/>
+                <a:ea typeface="+mn-ea"/>
+                <a:cs typeface="+mn-cs"/>
+              </a:defRPr>
+            </a:lvl1pPr>
+            <a:lvl2pPr marL="457200" algn="l" defTabSz="914400" rtl="0" eaLnBrk="1" latinLnBrk="0" hangingPunct="1">
+              <a:defRPr sz="1800" kern="1200">
+                <a:solidFill>
+                  <a:schemeClr val="lt1"/>
+                </a:solidFill>
+                <a:latin typeface="+mn-lt"/>
+                <a:ea typeface="+mn-ea"/>
+                <a:cs typeface="+mn-cs"/>
+              </a:defRPr>
+            </a:lvl2pPr>
+            <a:lvl3pPr marL="914400" algn="l" defTabSz="914400" rtl="0" eaLnBrk="1" latinLnBrk="0" hangingPunct="1">
+              <a:defRPr sz="1800" kern="1200">
+                <a:solidFill>
+                  <a:schemeClr val="lt1"/>
+                </a:solidFill>
+                <a:latin typeface="+mn-lt"/>
+                <a:ea typeface="+mn-ea"/>
+                <a:cs typeface="+mn-cs"/>
+              </a:defRPr>
+            </a:lvl3pPr>
+            <a:lvl4pPr marL="1371600" algn="l" defTabSz="914400" rtl="0" eaLnBrk="1" latinLnBrk="0" hangingPunct="1">
+              <a:defRPr sz="1800" kern="1200">
+                <a:solidFill>
+                  <a:schemeClr val="lt1"/>
+                </a:solidFill>
+                <a:latin typeface="+mn-lt"/>
+                <a:ea typeface="+mn-ea"/>
+                <a:cs typeface="+mn-cs"/>
+              </a:defRPr>
+            </a:lvl4pPr>
+            <a:lvl5pPr marL="1828800" algn="l" defTabSz="914400" rtl="0" eaLnBrk="1" latinLnBrk="0" hangingPunct="1">
+              <a:defRPr sz="1800" kern="1200">
+                <a:solidFill>
+                  <a:schemeClr val="lt1"/>
+                </a:solidFill>
+                <a:latin typeface="+mn-lt"/>
+                <a:ea typeface="+mn-ea"/>
+                <a:cs typeface="+mn-cs"/>
+              </a:defRPr>
+            </a:lvl5pPr>
+            <a:lvl6pPr marL="2286000" algn="l" defTabSz="914400" rtl="0" eaLnBrk="1" latinLnBrk="0" hangingPunct="1">
+              <a:defRPr sz="1800" kern="1200">
+                <a:solidFill>
+                  <a:schemeClr val="lt1"/>
+                </a:solidFill>
+                <a:latin typeface="+mn-lt"/>
+                <a:ea typeface="+mn-ea"/>
+                <a:cs typeface="+mn-cs"/>
+              </a:defRPr>
+            </a:lvl6pPr>
+            <a:lvl7pPr marL="2743200" algn="l" defTabSz="914400" rtl="0" eaLnBrk="1" latinLnBrk="0" hangingPunct="1">
+              <a:defRPr sz="1800" kern="1200">
+                <a:solidFill>
+                  <a:schemeClr val="lt1"/>
+                </a:solidFill>
+                <a:latin typeface="+mn-lt"/>
+                <a:ea typeface="+mn-ea"/>
+                <a:cs typeface="+mn-cs"/>
+              </a:defRPr>
+            </a:lvl7pPr>
+            <a:lvl8pPr marL="3200400" algn="l" defTabSz="914400" rtl="0" eaLnBrk="1" latinLnBrk="0" hangingPunct="1">
+              <a:defRPr sz="1800" kern="1200">
+                <a:solidFill>
+                  <a:schemeClr val="lt1"/>
+                </a:solidFill>
+                <a:latin typeface="+mn-lt"/>
+                <a:ea typeface="+mn-ea"/>
+                <a:cs typeface="+mn-cs"/>
+              </a:defRPr>
+            </a:lvl8pPr>
+            <a:lvl9pPr marL="3657600" algn="l" defTabSz="914400" rtl="0" eaLnBrk="1" latinLnBrk="0" hangingPunct="1">
+              <a:defRPr sz="1800" kern="1200">
+                <a:solidFill>
+                  <a:schemeClr val="lt1"/>
+                </a:solidFill>
+                <a:latin typeface="+mn-lt"/>
+                <a:ea typeface="+mn-ea"/>
+                <a:cs typeface="+mn-cs"/>
+              </a:defRPr>
+            </a:lvl9pPr>
+          </a:lstStyle>
+          <a:p>
+            <a:pPr algn="ctr"/>
+            <a:endParaRPr lang="en-US"/>
+          </a:p>
+        </p:txBody>
+      </p:sp>
+      <p:sp useBgFill="1">
+        <p:nvSpPr>
+          <p:cNvPr id="10" name="Rectangle 9">
+            <a:extLst>
+              <a:ext uri="{FF2B5EF4-FFF2-40B4-BE49-F238E27FC236}">
+                <a16:creationId xmlns:a16="http://schemas.microsoft.com/office/drawing/2014/main" id="{252FEFEF-6AC0-46B6-AC09-11FC56196FA4}"/>
+              </a:ext>
+              <a:ext uri="{C183D7F6-B498-43B3-948B-1728B52AA6E4}">
+                <adec:decorative xmlns:adec="http://schemas.microsoft.com/office/drawing/2017/decorative" val="1"/>
+              </a:ext>
+            </a:extLst>
+          </p:cNvPr>
+          <p:cNvSpPr>
+            <a:spLocks noGrp="1" noRot="1" noChangeAspect="1" noMove="1" noResize="1" noEditPoints="1" noAdjustHandles="1" noChangeArrowheads="1" noChangeShapeType="1" noTextEdit="1"/>
+          </p:cNvSpPr>
+          <p:nvPr>
+            <p:extLst>
+              <p:ext uri="{386F3935-93C4-4BCD-93E2-E3B085C9AB24}">
+                <p16:designElem xmlns:p16="http://schemas.microsoft.com/office/powerpoint/2015/main" val="1"/>
+              </p:ext>
+            </p:extLst>
+          </p:nvPr>
+        </p:nvSpPr>
+        <p:spPr>
+          <a:xfrm>
+            <a:off x="210312" y="226665"/>
+            <a:ext cx="11722608" cy="6382512"/>
+          </a:xfrm>
+          <a:prstGeom prst="rect">
+            <a:avLst/>
+          </a:prstGeom>
+          <a:ln w="6350" cap="flat" cmpd="sng" algn="ctr">
+            <a:noFill/>
+            <a:prstDash val="solid"/>
+          </a:ln>
+          <a:effectLst>
+            <a:softEdge rad="0"/>
+          </a:effectLst>
+        </p:spPr>
+      </p:sp>
+      <p:sp>
+        <p:nvSpPr>
+          <p:cNvPr id="19" name="Rectangle 18">
+            <a:extLst>
+              <a:ext uri="{FF2B5EF4-FFF2-40B4-BE49-F238E27FC236}">
+                <a16:creationId xmlns:a16="http://schemas.microsoft.com/office/drawing/2014/main" id="{7213DC6C-753D-6644-867F-CF3B5A47F16E}"/>
+              </a:ext>
+            </a:extLst>
+          </p:cNvPr>
+          <p:cNvSpPr/>
+          <p:nvPr/>
+        </p:nvSpPr>
+        <p:spPr>
+          <a:xfrm>
+            <a:off x="5845589" y="1210300"/>
+            <a:ext cx="6087328" cy="3308598"/>
+          </a:xfrm>
+          <a:prstGeom prst="rect">
+            <a:avLst/>
+          </a:prstGeom>
+        </p:spPr>
+        <p:txBody>
+          <a:bodyPr wrap="square">
+            <a:spAutoFit/>
+          </a:bodyPr>
+          <a:lstStyle/>
+          <a:p>
+            <a:pPr lvl="1"/>
+            <a:endParaRPr lang="en-US" sz="1900" dirty="0">
+              <a:solidFill>
+                <a:srgbClr val="002060"/>
+              </a:solidFill>
+              <a:latin typeface="Avenir Medium" panose="02000503020000020003" pitchFamily="2" charset="0"/>
+            </a:endParaRPr>
+          </a:p>
+          <a:p>
+            <a:pPr lvl="1"/>
+            <a:r>
+              <a:rPr lang="en-US" sz="1900" dirty="0">
+                <a:solidFill>
+                  <a:srgbClr val="002060"/>
+                </a:solidFill>
+                <a:latin typeface="Avenir Medium" panose="02000503020000020003" pitchFamily="2" charset="0"/>
+              </a:rPr>
+              <a:t>The Telco Integrator enables operators</a:t>
+            </a:r>
+          </a:p>
+          <a:p>
+            <a:pPr marL="1200150" lvl="2" indent="-285750">
+              <a:lnSpc>
+                <a:spcPct val="200000"/>
+              </a:lnSpc>
+              <a:buFont typeface="Arial" panose="020B0604020202020204" pitchFamily="34" charset="0"/>
+              <a:buChar char="•"/>
+            </a:pPr>
+            <a:r>
+              <a:rPr lang="en-US" sz="1900" dirty="0">
+                <a:solidFill>
+                  <a:srgbClr val="002060"/>
+                </a:solidFill>
+              </a:rPr>
+              <a:t>Improve and simplify provisioning, flexibility, scalability of wholesale services</a:t>
+            </a:r>
+          </a:p>
+          <a:p>
+            <a:pPr marL="1200150" lvl="2" indent="-285750">
+              <a:lnSpc>
+                <a:spcPct val="200000"/>
+              </a:lnSpc>
+              <a:buFont typeface="Arial" panose="020B0604020202020204" pitchFamily="34" charset="0"/>
+              <a:buChar char="•"/>
+            </a:pPr>
+            <a:r>
+              <a:rPr lang="en-US" sz="1900" dirty="0">
+                <a:solidFill>
+                  <a:srgbClr val="002060"/>
+                </a:solidFill>
+              </a:rPr>
+              <a:t>Work together to deliver network services at global scale</a:t>
+            </a:r>
+          </a:p>
+          <a:p>
+            <a:pPr lvl="1"/>
+            <a:endParaRPr lang="en-US" sz="1900" b="1" dirty="0">
+              <a:solidFill>
+                <a:srgbClr val="002060"/>
+              </a:solidFill>
+            </a:endParaRPr>
+          </a:p>
+        </p:txBody>
+      </p:sp>
+      <p:sp>
+        <p:nvSpPr>
+          <p:cNvPr id="20" name="Title 1">
+            <a:extLst>
+              <a:ext uri="{FF2B5EF4-FFF2-40B4-BE49-F238E27FC236}">
+                <a16:creationId xmlns:a16="http://schemas.microsoft.com/office/drawing/2014/main" id="{3C69BE4E-42FD-6346-A092-86A0A2762E52}"/>
+              </a:ext>
+            </a:extLst>
+          </p:cNvPr>
+          <p:cNvSpPr>
+            <a:spLocks noGrp="1"/>
+          </p:cNvSpPr>
+          <p:nvPr>
+            <p:ph type="title"/>
+          </p:nvPr>
+        </p:nvSpPr>
+        <p:spPr>
+          <a:xfrm>
+            <a:off x="210312" y="247261"/>
+            <a:ext cx="11722608" cy="1003299"/>
+          </a:xfrm>
+        </p:spPr>
+        <p:txBody>
+          <a:bodyPr>
+            <a:normAutofit/>
+          </a:bodyPr>
+          <a:lstStyle/>
+          <a:p>
+            <a:r>
+              <a:rPr lang="en-US" sz="3200" b="1" u="sng" dirty="0"/>
+              <a:t>The Telco Integrator e</a:t>
+            </a:r>
+            <a:r>
+              <a:rPr lang="en-US" sz="3200" u="sng" dirty="0"/>
+              <a:t>nables a global connectivity ecosystem </a:t>
+            </a:r>
+            <a:endParaRPr lang="en-US" sz="3200" b="1" u="sng" dirty="0"/>
+          </a:p>
+        </p:txBody>
+      </p:sp>
+      <p:cxnSp>
+        <p:nvCxnSpPr>
+          <p:cNvPr id="22" name="Straight Connector 21">
+            <a:extLst>
+              <a:ext uri="{FF2B5EF4-FFF2-40B4-BE49-F238E27FC236}">
+                <a16:creationId xmlns:a16="http://schemas.microsoft.com/office/drawing/2014/main" id="{743D9423-5F3F-3B4D-BC50-759E472FE4FE}"/>
+              </a:ext>
+            </a:extLst>
+          </p:cNvPr>
+          <p:cNvCxnSpPr>
+            <a:cxnSpLocks/>
+          </p:cNvCxnSpPr>
+          <p:nvPr/>
+        </p:nvCxnSpPr>
+        <p:spPr>
+          <a:xfrm>
+            <a:off x="5845589" y="1556951"/>
+            <a:ext cx="0" cy="3107328"/>
+          </a:xfrm>
+          <a:prstGeom prst="line">
+            <a:avLst/>
+          </a:prstGeom>
+          <a:ln w="38100">
+            <a:solidFill>
+              <a:srgbClr val="002060"/>
+            </a:solidFill>
+          </a:ln>
+        </p:spPr>
+        <p:style>
+          <a:lnRef idx="1">
+            <a:schemeClr val="accent1"/>
+          </a:lnRef>
+          <a:fillRef idx="0">
+            <a:schemeClr val="accent1"/>
+          </a:fillRef>
+          <a:effectRef idx="0">
+            <a:schemeClr val="accent1"/>
+          </a:effectRef>
+          <a:fontRef idx="minor">
+            <a:schemeClr val="tx1"/>
+          </a:fontRef>
+        </p:style>
+      </p:cxnSp>
+      <p:sp>
+        <p:nvSpPr>
+          <p:cNvPr id="23" name="Rectangle 22">
+            <a:extLst>
+              <a:ext uri="{FF2B5EF4-FFF2-40B4-BE49-F238E27FC236}">
+                <a16:creationId xmlns:a16="http://schemas.microsoft.com/office/drawing/2014/main" id="{6CB54C1F-C83A-1A4C-9AD3-4EE3CD83DDAA}"/>
+              </a:ext>
+            </a:extLst>
+          </p:cNvPr>
+          <p:cNvSpPr/>
+          <p:nvPr/>
+        </p:nvSpPr>
+        <p:spPr>
+          <a:xfrm>
+            <a:off x="-135920" y="1271155"/>
+            <a:ext cx="5721161" cy="3308598"/>
+          </a:xfrm>
+          <a:prstGeom prst="rect">
+            <a:avLst/>
+          </a:prstGeom>
+        </p:spPr>
+        <p:txBody>
+          <a:bodyPr wrap="square">
+            <a:spAutoFit/>
+          </a:bodyPr>
+          <a:lstStyle/>
+          <a:p>
+            <a:pPr lvl="1"/>
+            <a:endParaRPr lang="en-US" sz="1900" dirty="0">
+              <a:solidFill>
+                <a:srgbClr val="002060"/>
+              </a:solidFill>
+              <a:latin typeface="Avenir Medium" panose="02000503020000020003" pitchFamily="2" charset="0"/>
+            </a:endParaRPr>
+          </a:p>
+          <a:p>
+            <a:pPr lvl="1"/>
+            <a:r>
+              <a:rPr lang="en-US" sz="1900" dirty="0">
+                <a:solidFill>
+                  <a:srgbClr val="002060"/>
+                </a:solidFill>
+                <a:latin typeface="Avenir Medium" panose="02000503020000020003" pitchFamily="2" charset="0"/>
+              </a:rPr>
+              <a:t>Pain points in the current ecosystem </a:t>
+            </a:r>
+          </a:p>
+          <a:p>
+            <a:pPr marL="742950" lvl="1" indent="-285750">
+              <a:lnSpc>
+                <a:spcPct val="200000"/>
+              </a:lnSpc>
+              <a:buFont typeface="Arial" panose="020B0604020202020204" pitchFamily="34" charset="0"/>
+              <a:buChar char="•"/>
+            </a:pPr>
+            <a:r>
+              <a:rPr lang="en-US" sz="1900" dirty="0">
+                <a:solidFill>
+                  <a:srgbClr val="002060"/>
+                </a:solidFill>
+              </a:rPr>
+              <a:t>Inefficient and largely manual processes</a:t>
+            </a:r>
+          </a:p>
+          <a:p>
+            <a:pPr marL="742950" lvl="1" indent="-285750">
+              <a:lnSpc>
+                <a:spcPct val="200000"/>
+              </a:lnSpc>
+              <a:buFont typeface="Arial" panose="020B0604020202020204" pitchFamily="34" charset="0"/>
+              <a:buChar char="•"/>
+            </a:pPr>
+            <a:r>
+              <a:rPr lang="en-US" sz="1900" dirty="0">
+                <a:solidFill>
+                  <a:srgbClr val="002060"/>
+                </a:solidFill>
+              </a:rPr>
+              <a:t>Processes are not compatible with Software-Defined Networks and Network Functions Virtualization</a:t>
+            </a:r>
+          </a:p>
+          <a:p>
+            <a:pPr marL="742950" lvl="1" indent="-285750">
+              <a:buFont typeface="Arial" panose="020B0604020202020204" pitchFamily="34" charset="0"/>
+              <a:buChar char="•"/>
+            </a:pPr>
+            <a:endParaRPr lang="en-US" sz="1900" dirty="0">
+              <a:solidFill>
+                <a:srgbClr val="002060"/>
+              </a:solidFill>
+            </a:endParaRPr>
+          </a:p>
+        </p:txBody>
+      </p:sp>
+    </p:spTree>
+    <p:extLst>
+      <p:ext uri="{BB962C8B-B14F-4D97-AF65-F5344CB8AC3E}">
+        <p14:creationId xmlns:p14="http://schemas.microsoft.com/office/powerpoint/2010/main" val="1149355120"/>
+      </p:ext>
+    </p:extLst>
+  </p:cSld>
+  <p:clrMapOvr>
+    <a:masterClrMapping/>
+  </p:clrMapOvr>
+</p:sld>
+</file>
+
 <file path=ppt/theme/theme1.xml><?xml version="1.0" encoding="utf-8"?>
 <a:theme xmlns:a="http://schemas.openxmlformats.org/drawingml/2006/main" name="SavonVTI">
   <a:themeElements>

--- a/Business/Telco Integrator - Business Case.pptx
+++ b/Business/Telco Integrator - Business Case.pptx
@@ -7000,7 +7000,7 @@
           </a:ln>
           <a:extLst>
             <a:ext uri="{C572A759-6A51-4108-AA02-DFA0A04FC94B}">
-              <ma14:wrappingTextBoxFlag xmlns:ma14="http://schemas.microsoft.com/office/mac/drawingml/2011/main" xmlns:a14="http://schemas.microsoft.com/office/drawing/2010/main" xmlns:m="http://schemas.openxmlformats.org/officeDocument/2006/math" xmlns="" val="1"/>
+              <ma14:wrappingTextBoxFlag xmlns="" xmlns:m="http://schemas.openxmlformats.org/officeDocument/2006/math" xmlns:a14="http://schemas.microsoft.com/office/drawing/2010/main" xmlns:ma14="http://schemas.microsoft.com/office/mac/drawingml/2011/main" val="1"/>
             </a:ext>
           </a:extLst>
         </p:spPr>
@@ -7082,7 +7082,7 @@
           </a:ln>
           <a:extLst>
             <a:ext uri="{C572A759-6A51-4108-AA02-DFA0A04FC94B}">
-              <ma14:wrappingTextBoxFlag xmlns:ma14="http://schemas.microsoft.com/office/mac/drawingml/2011/main" xmlns:a14="http://schemas.microsoft.com/office/drawing/2010/main" xmlns:m="http://schemas.openxmlformats.org/officeDocument/2006/math" xmlns="" val="1"/>
+              <ma14:wrappingTextBoxFlag xmlns="" xmlns:m="http://schemas.openxmlformats.org/officeDocument/2006/math" xmlns:a14="http://schemas.microsoft.com/office/drawing/2010/main" xmlns:ma14="http://schemas.microsoft.com/office/mac/drawingml/2011/main" val="1"/>
             </a:ext>
           </a:extLst>
         </p:spPr>
@@ -7223,7 +7223,7 @@
             <a:effectLst/>
             <a:extLst>
               <a:ext uri="{C572A759-6A51-4108-AA02-DFA0A04FC94B}">
-                <ma14:wrappingTextBoxFlag xmlns:ma14="http://schemas.microsoft.com/office/mac/drawingml/2011/main" xmlns:a14="http://schemas.microsoft.com/office/drawing/2010/main" xmlns:m="http://schemas.openxmlformats.org/officeDocument/2006/math" xmlns="" val="1"/>
+                <ma14:wrappingTextBoxFlag xmlns="" xmlns:m="http://schemas.openxmlformats.org/officeDocument/2006/math" xmlns:a14="http://schemas.microsoft.com/office/drawing/2010/main" xmlns:ma14="http://schemas.microsoft.com/office/mac/drawingml/2011/main" val="1"/>
               </a:ext>
             </a:extLst>
           </p:spPr>
@@ -7329,7 +7329,7 @@
             <a:effectLst/>
             <a:extLst>
               <a:ext uri="{C572A759-6A51-4108-AA02-DFA0A04FC94B}">
-                <ma14:wrappingTextBoxFlag xmlns:ma14="http://schemas.microsoft.com/office/mac/drawingml/2011/main" xmlns:a14="http://schemas.microsoft.com/office/drawing/2010/main" xmlns:m="http://schemas.openxmlformats.org/officeDocument/2006/math" xmlns="" val="1"/>
+                <ma14:wrappingTextBoxFlag xmlns="" xmlns:m="http://schemas.openxmlformats.org/officeDocument/2006/math" xmlns:a14="http://schemas.microsoft.com/office/drawing/2010/main" xmlns:ma14="http://schemas.microsoft.com/office/mac/drawingml/2011/main" val="1"/>
               </a:ext>
             </a:extLst>
           </p:spPr>
@@ -7435,7 +7435,7 @@
             <a:effectLst/>
             <a:extLst>
               <a:ext uri="{C572A759-6A51-4108-AA02-DFA0A04FC94B}">
-                <ma14:wrappingTextBoxFlag xmlns:ma14="http://schemas.microsoft.com/office/mac/drawingml/2011/main" xmlns:a14="http://schemas.microsoft.com/office/drawing/2010/main" xmlns:m="http://schemas.openxmlformats.org/officeDocument/2006/math" xmlns="" val="1"/>
+                <ma14:wrappingTextBoxFlag xmlns="" xmlns:m="http://schemas.openxmlformats.org/officeDocument/2006/math" xmlns:a14="http://schemas.microsoft.com/office/drawing/2010/main" xmlns:ma14="http://schemas.microsoft.com/office/mac/drawingml/2011/main" val="1"/>
               </a:ext>
             </a:extLst>
           </p:spPr>
@@ -7575,7 +7575,7 @@
             <a:effectLst/>
             <a:extLst>
               <a:ext uri="{C572A759-6A51-4108-AA02-DFA0A04FC94B}">
-                <ma14:wrappingTextBoxFlag xmlns:ma14="http://schemas.microsoft.com/office/mac/drawingml/2011/main" xmlns:a14="http://schemas.microsoft.com/office/drawing/2010/main" xmlns:m="http://schemas.openxmlformats.org/officeDocument/2006/math" xmlns="" val="1"/>
+                <ma14:wrappingTextBoxFlag xmlns="" xmlns:m="http://schemas.openxmlformats.org/officeDocument/2006/math" xmlns:a14="http://schemas.microsoft.com/office/drawing/2010/main" xmlns:ma14="http://schemas.microsoft.com/office/mac/drawingml/2011/main" val="1"/>
               </a:ext>
             </a:extLst>
           </p:spPr>
@@ -7681,7 +7681,7 @@
             <a:effectLst/>
             <a:extLst>
               <a:ext uri="{C572A759-6A51-4108-AA02-DFA0A04FC94B}">
-                <ma14:wrappingTextBoxFlag xmlns:ma14="http://schemas.microsoft.com/office/mac/drawingml/2011/main" xmlns:a14="http://schemas.microsoft.com/office/drawing/2010/main" xmlns:m="http://schemas.openxmlformats.org/officeDocument/2006/math" xmlns="" val="1"/>
+                <ma14:wrappingTextBoxFlag xmlns="" xmlns:m="http://schemas.openxmlformats.org/officeDocument/2006/math" xmlns:a14="http://schemas.microsoft.com/office/drawing/2010/main" xmlns:ma14="http://schemas.microsoft.com/office/mac/drawingml/2011/main" val="1"/>
               </a:ext>
             </a:extLst>
           </p:spPr>
@@ -7821,7 +7821,7 @@
             <a:effectLst/>
             <a:extLst>
               <a:ext uri="{C572A759-6A51-4108-AA02-DFA0A04FC94B}">
-                <ma14:wrappingTextBoxFlag xmlns:ma14="http://schemas.microsoft.com/office/mac/drawingml/2011/main" xmlns:a14="http://schemas.microsoft.com/office/drawing/2010/main" xmlns:m="http://schemas.openxmlformats.org/officeDocument/2006/math" xmlns="" val="1"/>
+                <ma14:wrappingTextBoxFlag xmlns="" xmlns:m="http://schemas.openxmlformats.org/officeDocument/2006/math" xmlns:a14="http://schemas.microsoft.com/office/drawing/2010/main" xmlns:ma14="http://schemas.microsoft.com/office/mac/drawingml/2011/main" val="1"/>
               </a:ext>
             </a:extLst>
           </p:spPr>
@@ -7964,7 +7964,7 @@
               <a:effectLst/>
               <a:extLst>
                 <a:ext uri="{C572A759-6A51-4108-AA02-DFA0A04FC94B}">
-                  <ma14:wrappingTextBoxFlag xmlns:ma14="http://schemas.microsoft.com/office/mac/drawingml/2011/main" xmlns:a14="http://schemas.microsoft.com/office/drawing/2010/main" xmlns:m="http://schemas.openxmlformats.org/officeDocument/2006/math" xmlns="" val="1"/>
+                  <ma14:wrappingTextBoxFlag xmlns="" xmlns:m="http://schemas.openxmlformats.org/officeDocument/2006/math" xmlns:a14="http://schemas.microsoft.com/office/drawing/2010/main" xmlns:ma14="http://schemas.microsoft.com/office/mac/drawingml/2011/main" val="1"/>
                 </a:ext>
               </a:extLst>
             </p:spPr>
@@ -8104,7 +8104,7 @@
               <a:effectLst/>
               <a:extLst>
                 <a:ext uri="{C572A759-6A51-4108-AA02-DFA0A04FC94B}">
-                  <ma14:wrappingTextBoxFlag xmlns:ma14="http://schemas.microsoft.com/office/mac/drawingml/2011/main" xmlns:a14="http://schemas.microsoft.com/office/drawing/2010/main" xmlns:m="http://schemas.openxmlformats.org/officeDocument/2006/math" xmlns="" val="1"/>
+                  <ma14:wrappingTextBoxFlag xmlns="" xmlns:m="http://schemas.openxmlformats.org/officeDocument/2006/math" xmlns:a14="http://schemas.microsoft.com/office/drawing/2010/main" xmlns:ma14="http://schemas.microsoft.com/office/mac/drawingml/2011/main" val="1"/>
                 </a:ext>
               </a:extLst>
             </p:spPr>
@@ -8244,7 +8244,7 @@
               <a:effectLst/>
               <a:extLst>
                 <a:ext uri="{C572A759-6A51-4108-AA02-DFA0A04FC94B}">
-                  <ma14:wrappingTextBoxFlag xmlns:ma14="http://schemas.microsoft.com/office/mac/drawingml/2011/main" xmlns:a14="http://schemas.microsoft.com/office/drawing/2010/main" xmlns:m="http://schemas.openxmlformats.org/officeDocument/2006/math" xmlns="" val="1"/>
+                  <ma14:wrappingTextBoxFlag xmlns="" xmlns:m="http://schemas.openxmlformats.org/officeDocument/2006/math" xmlns:a14="http://schemas.microsoft.com/office/drawing/2010/main" xmlns:ma14="http://schemas.microsoft.com/office/mac/drawingml/2011/main" val="1"/>
                 </a:ext>
               </a:extLst>
             </p:spPr>
@@ -8384,7 +8384,7 @@
               <a:effectLst/>
               <a:extLst>
                 <a:ext uri="{C572A759-6A51-4108-AA02-DFA0A04FC94B}">
-                  <ma14:wrappingTextBoxFlag xmlns:ma14="http://schemas.microsoft.com/office/mac/drawingml/2011/main" xmlns:a14="http://schemas.microsoft.com/office/drawing/2010/main" xmlns:m="http://schemas.openxmlformats.org/officeDocument/2006/math" xmlns="" val="1"/>
+                  <ma14:wrappingTextBoxFlag xmlns="" xmlns:m="http://schemas.openxmlformats.org/officeDocument/2006/math" xmlns:a14="http://schemas.microsoft.com/office/drawing/2010/main" xmlns:ma14="http://schemas.microsoft.com/office/mac/drawingml/2011/main" val="1"/>
                 </a:ext>
               </a:extLst>
             </p:spPr>
@@ -8524,7 +8524,7 @@
               <a:effectLst/>
               <a:extLst>
                 <a:ext uri="{C572A759-6A51-4108-AA02-DFA0A04FC94B}">
-                  <ma14:wrappingTextBoxFlag xmlns:ma14="http://schemas.microsoft.com/office/mac/drawingml/2011/main" xmlns:a14="http://schemas.microsoft.com/office/drawing/2010/main" xmlns:m="http://schemas.openxmlformats.org/officeDocument/2006/math" xmlns="" val="1"/>
+                  <ma14:wrappingTextBoxFlag xmlns="" xmlns:m="http://schemas.openxmlformats.org/officeDocument/2006/math" xmlns:a14="http://schemas.microsoft.com/office/drawing/2010/main" xmlns:ma14="http://schemas.microsoft.com/office/mac/drawingml/2011/main" val="1"/>
                 </a:ext>
               </a:extLst>
             </p:spPr>
@@ -8664,7 +8664,7 @@
               <a:effectLst/>
               <a:extLst>
                 <a:ext uri="{C572A759-6A51-4108-AA02-DFA0A04FC94B}">
-                  <ma14:wrappingTextBoxFlag xmlns:ma14="http://schemas.microsoft.com/office/mac/drawingml/2011/main" xmlns:a14="http://schemas.microsoft.com/office/drawing/2010/main" xmlns:m="http://schemas.openxmlformats.org/officeDocument/2006/math" xmlns="" val="1"/>
+                  <ma14:wrappingTextBoxFlag xmlns="" xmlns:m="http://schemas.openxmlformats.org/officeDocument/2006/math" xmlns:a14="http://schemas.microsoft.com/office/drawing/2010/main" xmlns:ma14="http://schemas.microsoft.com/office/mac/drawingml/2011/main" val="1"/>
                 </a:ext>
               </a:extLst>
             </p:spPr>
@@ -8710,7 +8710,7 @@
           </a:ln>
           <a:extLst>
             <a:ext uri="{C572A759-6A51-4108-AA02-DFA0A04FC94B}">
-              <ma14:wrappingTextBoxFlag xmlns:ma14="http://schemas.microsoft.com/office/mac/drawingml/2011/main" xmlns:a14="http://schemas.microsoft.com/office/drawing/2010/main" xmlns:m="http://schemas.openxmlformats.org/officeDocument/2006/math" xmlns="" val="1"/>
+              <ma14:wrappingTextBoxFlag xmlns="" xmlns:m="http://schemas.openxmlformats.org/officeDocument/2006/math" xmlns:a14="http://schemas.microsoft.com/office/drawing/2010/main" xmlns:ma14="http://schemas.microsoft.com/office/mac/drawingml/2011/main" val="1"/>
             </a:ext>
           </a:extLst>
         </p:spPr>
@@ -8762,7 +8762,7 @@
           </a:ln>
           <a:extLst>
             <a:ext uri="{C572A759-6A51-4108-AA02-DFA0A04FC94B}">
-              <ma14:wrappingTextBoxFlag xmlns:ma14="http://schemas.microsoft.com/office/mac/drawingml/2011/main" xmlns:a14="http://schemas.microsoft.com/office/drawing/2010/main" xmlns:m="http://schemas.openxmlformats.org/officeDocument/2006/math" xmlns="" val="1"/>
+              <ma14:wrappingTextBoxFlag xmlns="" xmlns:m="http://schemas.openxmlformats.org/officeDocument/2006/math" xmlns:a14="http://schemas.microsoft.com/office/drawing/2010/main" xmlns:ma14="http://schemas.microsoft.com/office/mac/drawingml/2011/main" val="1"/>
             </a:ext>
           </a:extLst>
         </p:spPr>
@@ -8867,7 +8867,7 @@
             <a:effectLst/>
             <a:extLst>
               <a:ext uri="{C572A759-6A51-4108-AA02-DFA0A04FC94B}">
-                <ma14:wrappingTextBoxFlag xmlns:ma14="http://schemas.microsoft.com/office/mac/drawingml/2011/main" xmlns:a14="http://schemas.microsoft.com/office/drawing/2010/main" xmlns:m="http://schemas.openxmlformats.org/officeDocument/2006/math" xmlns="" val="1"/>
+                <ma14:wrappingTextBoxFlag xmlns="" xmlns:m="http://schemas.openxmlformats.org/officeDocument/2006/math" xmlns:a14="http://schemas.microsoft.com/office/drawing/2010/main" xmlns:ma14="http://schemas.microsoft.com/office/mac/drawingml/2011/main" val="1"/>
               </a:ext>
             </a:extLst>
           </p:spPr>
@@ -9123,7 +9123,7 @@
             <a:effectLst/>
             <a:extLst>
               <a:ext uri="{C572A759-6A51-4108-AA02-DFA0A04FC94B}">
-                <ma14:wrappingTextBoxFlag xmlns:ma14="http://schemas.microsoft.com/office/mac/drawingml/2011/main" xmlns:a14="http://schemas.microsoft.com/office/drawing/2010/main" xmlns:m="http://schemas.openxmlformats.org/officeDocument/2006/math" xmlns="" val="1"/>
+                <ma14:wrappingTextBoxFlag xmlns="" xmlns:m="http://schemas.openxmlformats.org/officeDocument/2006/math" xmlns:a14="http://schemas.microsoft.com/office/drawing/2010/main" xmlns:ma14="http://schemas.microsoft.com/office/mac/drawingml/2011/main" val="1"/>
               </a:ext>
             </a:extLst>
           </p:spPr>
@@ -9229,7 +9229,7 @@
             <a:effectLst/>
             <a:extLst>
               <a:ext uri="{C572A759-6A51-4108-AA02-DFA0A04FC94B}">
-                <ma14:wrappingTextBoxFlag xmlns:ma14="http://schemas.microsoft.com/office/mac/drawingml/2011/main" xmlns:a14="http://schemas.microsoft.com/office/drawing/2010/main" xmlns:m="http://schemas.openxmlformats.org/officeDocument/2006/math" xmlns="" val="1"/>
+                <ma14:wrappingTextBoxFlag xmlns="" xmlns:m="http://schemas.openxmlformats.org/officeDocument/2006/math" xmlns:a14="http://schemas.microsoft.com/office/drawing/2010/main" xmlns:ma14="http://schemas.microsoft.com/office/mac/drawingml/2011/main" val="1"/>
               </a:ext>
             </a:extLst>
           </p:spPr>
@@ -9335,7 +9335,7 @@
             <a:effectLst/>
             <a:extLst>
               <a:ext uri="{C572A759-6A51-4108-AA02-DFA0A04FC94B}">
-                <ma14:wrappingTextBoxFlag xmlns:ma14="http://schemas.microsoft.com/office/mac/drawingml/2011/main" xmlns:a14="http://schemas.microsoft.com/office/drawing/2010/main" xmlns:m="http://schemas.openxmlformats.org/officeDocument/2006/math" xmlns="" val="1"/>
+                <ma14:wrappingTextBoxFlag xmlns="" xmlns:m="http://schemas.openxmlformats.org/officeDocument/2006/math" xmlns:a14="http://schemas.microsoft.com/office/drawing/2010/main" xmlns:ma14="http://schemas.microsoft.com/office/mac/drawingml/2011/main" val="1"/>
               </a:ext>
             </a:extLst>
           </p:spPr>
@@ -9441,7 +9441,7 @@
             <a:effectLst/>
             <a:extLst>
               <a:ext uri="{C572A759-6A51-4108-AA02-DFA0A04FC94B}">
-                <ma14:wrappingTextBoxFlag xmlns:ma14="http://schemas.microsoft.com/office/mac/drawingml/2011/main" xmlns:a14="http://schemas.microsoft.com/office/drawing/2010/main" xmlns:m="http://schemas.openxmlformats.org/officeDocument/2006/math" xmlns="" val="1"/>
+                <ma14:wrappingTextBoxFlag xmlns="" xmlns:m="http://schemas.openxmlformats.org/officeDocument/2006/math" xmlns:a14="http://schemas.microsoft.com/office/drawing/2010/main" xmlns:ma14="http://schemas.microsoft.com/office/mac/drawingml/2011/main" val="1"/>
               </a:ext>
             </a:extLst>
           </p:spPr>
@@ -9547,7 +9547,7 @@
             <a:effectLst/>
             <a:extLst>
               <a:ext uri="{C572A759-6A51-4108-AA02-DFA0A04FC94B}">
-                <ma14:wrappingTextBoxFlag xmlns:ma14="http://schemas.microsoft.com/office/mac/drawingml/2011/main" xmlns:a14="http://schemas.microsoft.com/office/drawing/2010/main" xmlns:m="http://schemas.openxmlformats.org/officeDocument/2006/math" xmlns="" val="1"/>
+                <ma14:wrappingTextBoxFlag xmlns="" xmlns:m="http://schemas.openxmlformats.org/officeDocument/2006/math" xmlns:a14="http://schemas.microsoft.com/office/drawing/2010/main" xmlns:ma14="http://schemas.microsoft.com/office/mac/drawingml/2011/main" val="1"/>
               </a:ext>
             </a:extLst>
           </p:spPr>
@@ -9653,7 +9653,7 @@
             <a:effectLst/>
             <a:extLst>
               <a:ext uri="{C572A759-6A51-4108-AA02-DFA0A04FC94B}">
-                <ma14:wrappingTextBoxFlag xmlns:ma14="http://schemas.microsoft.com/office/mac/drawingml/2011/main" xmlns:a14="http://schemas.microsoft.com/office/drawing/2010/main" xmlns:m="http://schemas.openxmlformats.org/officeDocument/2006/math" xmlns="" val="1"/>
+                <ma14:wrappingTextBoxFlag xmlns="" xmlns:m="http://schemas.openxmlformats.org/officeDocument/2006/math" xmlns:a14="http://schemas.microsoft.com/office/drawing/2010/main" xmlns:ma14="http://schemas.microsoft.com/office/mac/drawingml/2011/main" val="1"/>
               </a:ext>
             </a:extLst>
           </p:spPr>
@@ -9759,7 +9759,7 @@
             <a:effectLst/>
             <a:extLst>
               <a:ext uri="{C572A759-6A51-4108-AA02-DFA0A04FC94B}">
-                <ma14:wrappingTextBoxFlag xmlns:ma14="http://schemas.microsoft.com/office/mac/drawingml/2011/main" xmlns:a14="http://schemas.microsoft.com/office/drawing/2010/main" xmlns:m="http://schemas.openxmlformats.org/officeDocument/2006/math" xmlns="" val="1"/>
+                <ma14:wrappingTextBoxFlag xmlns="" xmlns:m="http://schemas.openxmlformats.org/officeDocument/2006/math" xmlns:a14="http://schemas.microsoft.com/office/drawing/2010/main" xmlns:ma14="http://schemas.microsoft.com/office/mac/drawingml/2011/main" val="1"/>
               </a:ext>
             </a:extLst>
           </p:spPr>
@@ -9804,7 +9804,7 @@
           </a:ln>
           <a:extLst>
             <a:ext uri="{C572A759-6A51-4108-AA02-DFA0A04FC94B}">
-              <ma14:wrappingTextBoxFlag xmlns:ma14="http://schemas.microsoft.com/office/mac/drawingml/2011/main" xmlns:a14="http://schemas.microsoft.com/office/drawing/2010/main" xmlns:m="http://schemas.openxmlformats.org/officeDocument/2006/math" xmlns="" val="1"/>
+              <ma14:wrappingTextBoxFlag xmlns="" xmlns:m="http://schemas.openxmlformats.org/officeDocument/2006/math" xmlns:a14="http://schemas.microsoft.com/office/drawing/2010/main" xmlns:ma14="http://schemas.microsoft.com/office/mac/drawingml/2011/main" val="1"/>
             </a:ext>
           </a:extLst>
         </p:spPr>
@@ -9844,7 +9844,7 @@
           </a:ln>
           <a:extLst>
             <a:ext uri="{C572A759-6A51-4108-AA02-DFA0A04FC94B}">
-              <ma14:wrappingTextBoxFlag xmlns:ma14="http://schemas.microsoft.com/office/mac/drawingml/2011/main" xmlns:a14="http://schemas.microsoft.com/office/drawing/2010/main" xmlns:m="http://schemas.openxmlformats.org/officeDocument/2006/math" xmlns="" val="1"/>
+              <ma14:wrappingTextBoxFlag xmlns="" xmlns:m="http://schemas.openxmlformats.org/officeDocument/2006/math" xmlns:a14="http://schemas.microsoft.com/office/drawing/2010/main" xmlns:ma14="http://schemas.microsoft.com/office/mac/drawingml/2011/main" val="1"/>
             </a:ext>
           </a:extLst>
         </p:spPr>
@@ -9884,7 +9884,7 @@
           </a:ln>
           <a:extLst>
             <a:ext uri="{C572A759-6A51-4108-AA02-DFA0A04FC94B}">
-              <ma14:wrappingTextBoxFlag xmlns:ma14="http://schemas.microsoft.com/office/mac/drawingml/2011/main" xmlns:a14="http://schemas.microsoft.com/office/drawing/2010/main" xmlns:m="http://schemas.openxmlformats.org/officeDocument/2006/math" xmlns="" val="1"/>
+              <ma14:wrappingTextBoxFlag xmlns="" xmlns:m="http://schemas.openxmlformats.org/officeDocument/2006/math" xmlns:a14="http://schemas.microsoft.com/office/drawing/2010/main" xmlns:ma14="http://schemas.microsoft.com/office/mac/drawingml/2011/main" val="1"/>
             </a:ext>
           </a:extLst>
         </p:spPr>
@@ -9926,7 +9926,7 @@
           </a:ln>
           <a:extLst>
             <a:ext uri="{C572A759-6A51-4108-AA02-DFA0A04FC94B}">
-              <ma14:wrappingTextBoxFlag xmlns:ma14="http://schemas.microsoft.com/office/mac/drawingml/2011/main" xmlns:a14="http://schemas.microsoft.com/office/drawing/2010/main" xmlns:m="http://schemas.openxmlformats.org/officeDocument/2006/math" xmlns="" val="1"/>
+              <ma14:wrappingTextBoxFlag xmlns="" xmlns:m="http://schemas.openxmlformats.org/officeDocument/2006/math" xmlns:a14="http://schemas.microsoft.com/office/drawing/2010/main" xmlns:ma14="http://schemas.microsoft.com/office/mac/drawingml/2011/main" val="1"/>
             </a:ext>
           </a:extLst>
         </p:spPr>
@@ -9978,7 +9978,7 @@
           </a:ln>
           <a:extLst>
             <a:ext uri="{C572A759-6A51-4108-AA02-DFA0A04FC94B}">
-              <ma14:wrappingTextBoxFlag xmlns:ma14="http://schemas.microsoft.com/office/mac/drawingml/2011/main" xmlns:a14="http://schemas.microsoft.com/office/drawing/2010/main" xmlns:m="http://schemas.openxmlformats.org/officeDocument/2006/math" xmlns="" val="1"/>
+              <ma14:wrappingTextBoxFlag xmlns="" xmlns:m="http://schemas.openxmlformats.org/officeDocument/2006/math" xmlns:a14="http://schemas.microsoft.com/office/drawing/2010/main" xmlns:ma14="http://schemas.microsoft.com/office/mac/drawingml/2011/main" val="1"/>
             </a:ext>
           </a:extLst>
         </p:spPr>
@@ -10102,7 +10102,7 @@
           </a:ln>
           <a:extLst>
             <a:ext uri="{C572A759-6A51-4108-AA02-DFA0A04FC94B}">
-              <ma14:wrappingTextBoxFlag xmlns:ma14="http://schemas.microsoft.com/office/mac/drawingml/2011/main" xmlns:a14="http://schemas.microsoft.com/office/drawing/2010/main" xmlns:m="http://schemas.openxmlformats.org/officeDocument/2006/math" xmlns="" val="1"/>
+              <ma14:wrappingTextBoxFlag xmlns="" xmlns:m="http://schemas.openxmlformats.org/officeDocument/2006/math" xmlns:a14="http://schemas.microsoft.com/office/drawing/2010/main" xmlns:ma14="http://schemas.microsoft.com/office/mac/drawingml/2011/main" val="1"/>
             </a:ext>
           </a:extLst>
         </p:spPr>
@@ -10215,7 +10215,7 @@
             <a:effectLst/>
             <a:extLst>
               <a:ext uri="{C572A759-6A51-4108-AA02-DFA0A04FC94B}">
-                <ma14:wrappingTextBoxFlag xmlns:ma14="http://schemas.microsoft.com/office/mac/drawingml/2011/main" xmlns:a14="http://schemas.microsoft.com/office/drawing/2010/main" xmlns:m="http://schemas.openxmlformats.org/officeDocument/2006/math" xmlns="" val="1"/>
+                <ma14:wrappingTextBoxFlag xmlns="" xmlns:m="http://schemas.openxmlformats.org/officeDocument/2006/math" xmlns:a14="http://schemas.microsoft.com/office/drawing/2010/main" xmlns:ma14="http://schemas.microsoft.com/office/mac/drawingml/2011/main" val="1"/>
               </a:ext>
             </a:extLst>
           </p:spPr>
@@ -10321,7 +10321,7 @@
             <a:effectLst/>
             <a:extLst>
               <a:ext uri="{C572A759-6A51-4108-AA02-DFA0A04FC94B}">
-                <ma14:wrappingTextBoxFlag xmlns:ma14="http://schemas.microsoft.com/office/mac/drawingml/2011/main" xmlns:a14="http://schemas.microsoft.com/office/drawing/2010/main" xmlns:m="http://schemas.openxmlformats.org/officeDocument/2006/math" xmlns="" val="1"/>
+                <ma14:wrappingTextBoxFlag xmlns="" xmlns:m="http://schemas.openxmlformats.org/officeDocument/2006/math" xmlns:a14="http://schemas.microsoft.com/office/drawing/2010/main" xmlns:ma14="http://schemas.microsoft.com/office/mac/drawingml/2011/main" val="1"/>
               </a:ext>
             </a:extLst>
           </p:spPr>
@@ -10427,7 +10427,7 @@
             <a:effectLst/>
             <a:extLst>
               <a:ext uri="{C572A759-6A51-4108-AA02-DFA0A04FC94B}">
-                <ma14:wrappingTextBoxFlag xmlns:ma14="http://schemas.microsoft.com/office/mac/drawingml/2011/main" xmlns:a14="http://schemas.microsoft.com/office/drawing/2010/main" xmlns:m="http://schemas.openxmlformats.org/officeDocument/2006/math" xmlns="" val="1"/>
+                <ma14:wrappingTextBoxFlag xmlns="" xmlns:m="http://schemas.openxmlformats.org/officeDocument/2006/math" xmlns:a14="http://schemas.microsoft.com/office/drawing/2010/main" xmlns:ma14="http://schemas.microsoft.com/office/mac/drawingml/2011/main" val="1"/>
               </a:ext>
             </a:extLst>
           </p:spPr>
@@ -10579,7 +10579,7 @@
             <a:effectLst/>
             <a:extLst>
               <a:ext uri="{C572A759-6A51-4108-AA02-DFA0A04FC94B}">
-                <ma14:wrappingTextBoxFlag xmlns:ma14="http://schemas.microsoft.com/office/mac/drawingml/2011/main" xmlns:a14="http://schemas.microsoft.com/office/drawing/2010/main" xmlns:m="http://schemas.openxmlformats.org/officeDocument/2006/math" xmlns="" val="1"/>
+                <ma14:wrappingTextBoxFlag xmlns="" xmlns:m="http://schemas.openxmlformats.org/officeDocument/2006/math" xmlns:a14="http://schemas.microsoft.com/office/drawing/2010/main" xmlns:ma14="http://schemas.microsoft.com/office/mac/drawingml/2011/main" val="1"/>
               </a:ext>
             </a:extLst>
           </p:spPr>
@@ -11043,7 +11043,7 @@
             <a:effectLst/>
             <a:extLst>
               <a:ext uri="{C572A759-6A51-4108-AA02-DFA0A04FC94B}">
-                <ma14:wrappingTextBoxFlag xmlns:ma14="http://schemas.microsoft.com/office/mac/drawingml/2011/main" xmlns:a14="http://schemas.microsoft.com/office/drawing/2010/main" xmlns:m="http://schemas.openxmlformats.org/officeDocument/2006/math" xmlns="" val="1"/>
+                <ma14:wrappingTextBoxFlag xmlns="" xmlns:m="http://schemas.openxmlformats.org/officeDocument/2006/math" xmlns:a14="http://schemas.microsoft.com/office/drawing/2010/main" xmlns:ma14="http://schemas.microsoft.com/office/mac/drawingml/2011/main" val="1"/>
               </a:ext>
             </a:extLst>
           </p:spPr>
@@ -11149,7 +11149,7 @@
             <a:effectLst/>
             <a:extLst>
               <a:ext uri="{C572A759-6A51-4108-AA02-DFA0A04FC94B}">
-                <ma14:wrappingTextBoxFlag xmlns:ma14="http://schemas.microsoft.com/office/mac/drawingml/2011/main" xmlns:a14="http://schemas.microsoft.com/office/drawing/2010/main" xmlns:m="http://schemas.openxmlformats.org/officeDocument/2006/math" xmlns="" val="1"/>
+                <ma14:wrappingTextBoxFlag xmlns="" xmlns:m="http://schemas.openxmlformats.org/officeDocument/2006/math" xmlns:a14="http://schemas.microsoft.com/office/drawing/2010/main" xmlns:ma14="http://schemas.microsoft.com/office/mac/drawingml/2011/main" val="1"/>
               </a:ext>
             </a:extLst>
           </p:spPr>
@@ -11255,7 +11255,7 @@
             <a:effectLst/>
             <a:extLst>
               <a:ext uri="{C572A759-6A51-4108-AA02-DFA0A04FC94B}">
-                <ma14:wrappingTextBoxFlag xmlns:ma14="http://schemas.microsoft.com/office/mac/drawingml/2011/main" xmlns:a14="http://schemas.microsoft.com/office/drawing/2010/main" xmlns:m="http://schemas.openxmlformats.org/officeDocument/2006/math" xmlns="" val="1"/>
+                <ma14:wrappingTextBoxFlag xmlns="" xmlns:m="http://schemas.openxmlformats.org/officeDocument/2006/math" xmlns:a14="http://schemas.microsoft.com/office/drawing/2010/main" xmlns:ma14="http://schemas.microsoft.com/office/mac/drawingml/2011/main" val="1"/>
               </a:ext>
             </a:extLst>
           </p:spPr>
@@ -11386,7 +11386,7 @@
           </a:ln>
           <a:extLst>
             <a:ext uri="{C572A759-6A51-4108-AA02-DFA0A04FC94B}">
-              <ma14:wrappingTextBoxFlag xmlns:ma14="http://schemas.microsoft.com/office/mac/drawingml/2011/main" xmlns:a14="http://schemas.microsoft.com/office/drawing/2010/main" xmlns:m="http://schemas.openxmlformats.org/officeDocument/2006/math" xmlns="" val="1"/>
+              <ma14:wrappingTextBoxFlag xmlns="" xmlns:m="http://schemas.openxmlformats.org/officeDocument/2006/math" xmlns:a14="http://schemas.microsoft.com/office/drawing/2010/main" xmlns:ma14="http://schemas.microsoft.com/office/mac/drawingml/2011/main" val="1"/>
             </a:ext>
           </a:extLst>
         </p:spPr>
@@ -11428,7 +11428,7 @@
           </a:ln>
           <a:extLst>
             <a:ext uri="{C572A759-6A51-4108-AA02-DFA0A04FC94B}">
-              <ma14:wrappingTextBoxFlag xmlns:ma14="http://schemas.microsoft.com/office/mac/drawingml/2011/main" xmlns:a14="http://schemas.microsoft.com/office/drawing/2010/main" xmlns:m="http://schemas.openxmlformats.org/officeDocument/2006/math" xmlns="" val="1"/>
+              <ma14:wrappingTextBoxFlag xmlns="" xmlns:m="http://schemas.openxmlformats.org/officeDocument/2006/math" xmlns:a14="http://schemas.microsoft.com/office/drawing/2010/main" xmlns:ma14="http://schemas.microsoft.com/office/mac/drawingml/2011/main" val="1"/>
             </a:ext>
           </a:extLst>
         </p:spPr>
@@ -11505,7 +11505,7 @@
           </a:ln>
           <a:extLst>
             <a:ext uri="{C572A759-6A51-4108-AA02-DFA0A04FC94B}">
-              <ma14:wrappingTextBoxFlag xmlns:ma14="http://schemas.microsoft.com/office/mac/drawingml/2011/main" xmlns:a14="http://schemas.microsoft.com/office/drawing/2010/main" xmlns:m="http://schemas.openxmlformats.org/officeDocument/2006/math" xmlns="" val="1"/>
+              <ma14:wrappingTextBoxFlag xmlns="" xmlns:m="http://schemas.openxmlformats.org/officeDocument/2006/math" xmlns:a14="http://schemas.microsoft.com/office/drawing/2010/main" xmlns:ma14="http://schemas.microsoft.com/office/mac/drawingml/2011/main" val="1"/>
             </a:ext>
           </a:extLst>
         </p:spPr>
@@ -11773,7 +11773,7 @@
           </a:ln>
           <a:extLst>
             <a:ext uri="{C572A759-6A51-4108-AA02-DFA0A04FC94B}">
-              <ma14:wrappingTextBoxFlag xmlns:ma14="http://schemas.microsoft.com/office/mac/drawingml/2011/main" xmlns:a14="http://schemas.microsoft.com/office/drawing/2010/main" xmlns:m="http://schemas.openxmlformats.org/officeDocument/2006/math" xmlns="" val="1"/>
+              <ma14:wrappingTextBoxFlag xmlns="" xmlns:m="http://schemas.openxmlformats.org/officeDocument/2006/math" xmlns:a14="http://schemas.microsoft.com/office/drawing/2010/main" xmlns:ma14="http://schemas.microsoft.com/office/mac/drawingml/2011/main" val="1"/>
             </a:ext>
           </a:extLst>
         </p:spPr>
@@ -11874,7 +11874,7 @@
             <a:effectLst/>
             <a:extLst>
               <a:ext uri="{C572A759-6A51-4108-AA02-DFA0A04FC94B}">
-                <ma14:wrappingTextBoxFlag xmlns:ma14="http://schemas.microsoft.com/office/mac/drawingml/2011/main" xmlns:a14="http://schemas.microsoft.com/office/drawing/2010/main" xmlns:m="http://schemas.openxmlformats.org/officeDocument/2006/math" xmlns="" val="1"/>
+                <ma14:wrappingTextBoxFlag xmlns="" xmlns:m="http://schemas.openxmlformats.org/officeDocument/2006/math" xmlns:a14="http://schemas.microsoft.com/office/drawing/2010/main" xmlns:ma14="http://schemas.microsoft.com/office/mac/drawingml/2011/main" val="1"/>
               </a:ext>
             </a:extLst>
           </p:spPr>
@@ -11980,7 +11980,7 @@
             <a:effectLst/>
             <a:extLst>
               <a:ext uri="{C572A759-6A51-4108-AA02-DFA0A04FC94B}">
-                <ma14:wrappingTextBoxFlag xmlns:ma14="http://schemas.microsoft.com/office/mac/drawingml/2011/main" xmlns:a14="http://schemas.microsoft.com/office/drawing/2010/main" xmlns:m="http://schemas.openxmlformats.org/officeDocument/2006/math" xmlns="" val="1"/>
+                <ma14:wrappingTextBoxFlag xmlns="" xmlns:m="http://schemas.openxmlformats.org/officeDocument/2006/math" xmlns:a14="http://schemas.microsoft.com/office/drawing/2010/main" xmlns:ma14="http://schemas.microsoft.com/office/mac/drawingml/2011/main" val="1"/>
               </a:ext>
             </a:extLst>
           </p:spPr>
@@ -12086,7 +12086,7 @@
             <a:effectLst/>
             <a:extLst>
               <a:ext uri="{C572A759-6A51-4108-AA02-DFA0A04FC94B}">
-                <ma14:wrappingTextBoxFlag xmlns:ma14="http://schemas.microsoft.com/office/mac/drawingml/2011/main" xmlns:a14="http://schemas.microsoft.com/office/drawing/2010/main" xmlns:m="http://schemas.openxmlformats.org/officeDocument/2006/math" xmlns="" val="1"/>
+                <ma14:wrappingTextBoxFlag xmlns="" xmlns:m="http://schemas.openxmlformats.org/officeDocument/2006/math" xmlns:a14="http://schemas.microsoft.com/office/drawing/2010/main" xmlns:ma14="http://schemas.microsoft.com/office/mac/drawingml/2011/main" val="1"/>
               </a:ext>
             </a:extLst>
           </p:spPr>
@@ -12226,7 +12226,7 @@
             <a:effectLst/>
             <a:extLst>
               <a:ext uri="{C572A759-6A51-4108-AA02-DFA0A04FC94B}">
-                <ma14:wrappingTextBoxFlag xmlns:ma14="http://schemas.microsoft.com/office/mac/drawingml/2011/main" xmlns:a14="http://schemas.microsoft.com/office/drawing/2010/main" xmlns:m="http://schemas.openxmlformats.org/officeDocument/2006/math" xmlns="" val="1"/>
+                <ma14:wrappingTextBoxFlag xmlns="" xmlns:m="http://schemas.openxmlformats.org/officeDocument/2006/math" xmlns:a14="http://schemas.microsoft.com/office/drawing/2010/main" xmlns:ma14="http://schemas.microsoft.com/office/mac/drawingml/2011/main" val="1"/>
               </a:ext>
             </a:extLst>
           </p:spPr>
@@ -12332,7 +12332,7 @@
             <a:effectLst/>
             <a:extLst>
               <a:ext uri="{C572A759-6A51-4108-AA02-DFA0A04FC94B}">
-                <ma14:wrappingTextBoxFlag xmlns:ma14="http://schemas.microsoft.com/office/mac/drawingml/2011/main" xmlns:a14="http://schemas.microsoft.com/office/drawing/2010/main" xmlns:m="http://schemas.openxmlformats.org/officeDocument/2006/math" xmlns="" val="1"/>
+                <ma14:wrappingTextBoxFlag xmlns="" xmlns:m="http://schemas.openxmlformats.org/officeDocument/2006/math" xmlns:a14="http://schemas.microsoft.com/office/drawing/2010/main" xmlns:ma14="http://schemas.microsoft.com/office/mac/drawingml/2011/main" val="1"/>
               </a:ext>
             </a:extLst>
           </p:spPr>
@@ -12438,7 +12438,7 @@
             <a:effectLst/>
             <a:extLst>
               <a:ext uri="{C572A759-6A51-4108-AA02-DFA0A04FC94B}">
-                <ma14:wrappingTextBoxFlag xmlns:ma14="http://schemas.microsoft.com/office/mac/drawingml/2011/main" xmlns:a14="http://schemas.microsoft.com/office/drawing/2010/main" xmlns:m="http://schemas.openxmlformats.org/officeDocument/2006/math" xmlns="" val="1"/>
+                <ma14:wrappingTextBoxFlag xmlns="" xmlns:m="http://schemas.openxmlformats.org/officeDocument/2006/math" xmlns:a14="http://schemas.microsoft.com/office/drawing/2010/main" xmlns:ma14="http://schemas.microsoft.com/office/mac/drawingml/2011/main" val="1"/>
               </a:ext>
             </a:extLst>
           </p:spPr>
@@ -12540,7 +12540,7 @@
             <a:effectLst/>
             <a:extLst>
               <a:ext uri="{C572A759-6A51-4108-AA02-DFA0A04FC94B}">
-                <ma14:wrappingTextBoxFlag xmlns:ma14="http://schemas.microsoft.com/office/mac/drawingml/2011/main" xmlns:a14="http://schemas.microsoft.com/office/drawing/2010/main" xmlns:m="http://schemas.openxmlformats.org/officeDocument/2006/math" xmlns="" val="1"/>
+                <ma14:wrappingTextBoxFlag xmlns="" xmlns:m="http://schemas.openxmlformats.org/officeDocument/2006/math" xmlns:a14="http://schemas.microsoft.com/office/drawing/2010/main" xmlns:ma14="http://schemas.microsoft.com/office/mac/drawingml/2011/main" val="1"/>
               </a:ext>
             </a:extLst>
           </p:spPr>
@@ -12659,7 +12659,7 @@
             <a:effectLst/>
             <a:extLst>
               <a:ext uri="{C572A759-6A51-4108-AA02-DFA0A04FC94B}">
-                <ma14:wrappingTextBoxFlag xmlns:ma14="http://schemas.microsoft.com/office/mac/drawingml/2011/main" xmlns:a14="http://schemas.microsoft.com/office/drawing/2010/main" xmlns:m="http://schemas.openxmlformats.org/officeDocument/2006/math" xmlns="" val="1"/>
+                <ma14:wrappingTextBoxFlag xmlns="" xmlns:m="http://schemas.openxmlformats.org/officeDocument/2006/math" xmlns:a14="http://schemas.microsoft.com/office/drawing/2010/main" xmlns:ma14="http://schemas.microsoft.com/office/mac/drawingml/2011/main" val="1"/>
               </a:ext>
             </a:extLst>
           </p:spPr>
@@ -12774,7 +12774,7 @@
             <a:effectLst/>
             <a:extLst>
               <a:ext uri="{C572A759-6A51-4108-AA02-DFA0A04FC94B}">
-                <ma14:wrappingTextBoxFlag xmlns:ma14="http://schemas.microsoft.com/office/mac/drawingml/2011/main" xmlns:a14="http://schemas.microsoft.com/office/drawing/2010/main" xmlns:m="http://schemas.openxmlformats.org/officeDocument/2006/math" xmlns="" val="1"/>
+                <ma14:wrappingTextBoxFlag xmlns="" xmlns:m="http://schemas.openxmlformats.org/officeDocument/2006/math" xmlns:a14="http://schemas.microsoft.com/office/drawing/2010/main" xmlns:ma14="http://schemas.microsoft.com/office/mac/drawingml/2011/main" val="1"/>
               </a:ext>
             </a:extLst>
           </p:spPr>
@@ -13092,7 +13092,7 @@
           </a:ln>
           <a:extLst>
             <a:ext uri="{C572A759-6A51-4108-AA02-DFA0A04FC94B}">
-              <ma14:wrappingTextBoxFlag xmlns:ma14="http://schemas.microsoft.com/office/mac/drawingml/2011/main" xmlns:a14="http://schemas.microsoft.com/office/drawing/2010/main" xmlns:m="http://schemas.openxmlformats.org/officeDocument/2006/math" xmlns="" val="1"/>
+              <ma14:wrappingTextBoxFlag xmlns="" xmlns:m="http://schemas.openxmlformats.org/officeDocument/2006/math" xmlns:a14="http://schemas.microsoft.com/office/drawing/2010/main" xmlns:ma14="http://schemas.microsoft.com/office/mac/drawingml/2011/main" val="1"/>
             </a:ext>
           </a:extLst>
         </p:spPr>
@@ -13199,7 +13199,7 @@
           </a:ln>
           <a:extLst>
             <a:ext uri="{C572A759-6A51-4108-AA02-DFA0A04FC94B}">
-              <ma14:wrappingTextBoxFlag xmlns:ma14="http://schemas.microsoft.com/office/mac/drawingml/2011/main" xmlns:a14="http://schemas.microsoft.com/office/drawing/2010/main" xmlns:m="http://schemas.openxmlformats.org/officeDocument/2006/math" xmlns="" val="1"/>
+              <ma14:wrappingTextBoxFlag xmlns="" xmlns:m="http://schemas.openxmlformats.org/officeDocument/2006/math" xmlns:a14="http://schemas.microsoft.com/office/drawing/2010/main" xmlns:ma14="http://schemas.microsoft.com/office/mac/drawingml/2011/main" val="1"/>
             </a:ext>
           </a:extLst>
         </p:spPr>
@@ -13385,7 +13385,7 @@
             <a:effectLst/>
             <a:extLst>
               <a:ext uri="{C572A759-6A51-4108-AA02-DFA0A04FC94B}">
-                <ma14:wrappingTextBoxFlag xmlns:ma14="http://schemas.microsoft.com/office/mac/drawingml/2011/main" xmlns:a14="http://schemas.microsoft.com/office/drawing/2010/main" xmlns:m="http://schemas.openxmlformats.org/officeDocument/2006/math" xmlns="" val="1"/>
+                <ma14:wrappingTextBoxFlag xmlns="" xmlns:m="http://schemas.openxmlformats.org/officeDocument/2006/math" xmlns:a14="http://schemas.microsoft.com/office/drawing/2010/main" xmlns:ma14="http://schemas.microsoft.com/office/mac/drawingml/2011/main" val="1"/>
               </a:ext>
             </a:extLst>
           </p:spPr>
@@ -13520,7 +13520,7 @@
               <a:effectLst/>
               <a:extLst>
                 <a:ext uri="{C572A759-6A51-4108-AA02-DFA0A04FC94B}">
-                  <ma14:wrappingTextBoxFlag xmlns:ma14="http://schemas.microsoft.com/office/mac/drawingml/2011/main" xmlns:a14="http://schemas.microsoft.com/office/drawing/2010/main" xmlns:m="http://schemas.openxmlformats.org/officeDocument/2006/math" xmlns="" val="1"/>
+                  <ma14:wrappingTextBoxFlag xmlns="" xmlns:m="http://schemas.openxmlformats.org/officeDocument/2006/math" xmlns:a14="http://schemas.microsoft.com/office/drawing/2010/main" xmlns:ma14="http://schemas.microsoft.com/office/mac/drawingml/2011/main" val="1"/>
                 </a:ext>
               </a:extLst>
             </p:spPr>
@@ -13633,7 +13633,7 @@
             <a:effectLst/>
             <a:extLst>
               <a:ext uri="{C572A759-6A51-4108-AA02-DFA0A04FC94B}">
-                <ma14:wrappingTextBoxFlag xmlns:ma14="http://schemas.microsoft.com/office/mac/drawingml/2011/main" xmlns:a14="http://schemas.microsoft.com/office/drawing/2010/main" xmlns:m="http://schemas.openxmlformats.org/officeDocument/2006/math" xmlns="" val="1"/>
+                <ma14:wrappingTextBoxFlag xmlns="" xmlns:m="http://schemas.openxmlformats.org/officeDocument/2006/math" xmlns:a14="http://schemas.microsoft.com/office/drawing/2010/main" xmlns:ma14="http://schemas.microsoft.com/office/mac/drawingml/2011/main" val="1"/>
               </a:ext>
             </a:extLst>
           </p:spPr>
@@ -13676,7 +13676,7 @@
             <a:effectLst/>
             <a:extLst>
               <a:ext uri="{C572A759-6A51-4108-AA02-DFA0A04FC94B}">
-                <ma14:wrappingTextBoxFlag xmlns:ma14="http://schemas.microsoft.com/office/mac/drawingml/2011/main" xmlns:a14="http://schemas.microsoft.com/office/drawing/2010/main" xmlns:m="http://schemas.openxmlformats.org/officeDocument/2006/math" xmlns="" val="1"/>
+                <ma14:wrappingTextBoxFlag xmlns="" xmlns:m="http://schemas.openxmlformats.org/officeDocument/2006/math" xmlns:a14="http://schemas.microsoft.com/office/drawing/2010/main" xmlns:ma14="http://schemas.microsoft.com/office/mac/drawingml/2011/main" val="1"/>
               </a:ext>
             </a:extLst>
           </p:spPr>
@@ -13719,7 +13719,7 @@
             <a:effectLst/>
             <a:extLst>
               <a:ext uri="{C572A759-6A51-4108-AA02-DFA0A04FC94B}">
-                <ma14:wrappingTextBoxFlag xmlns:ma14="http://schemas.microsoft.com/office/mac/drawingml/2011/main" xmlns:a14="http://schemas.microsoft.com/office/drawing/2010/main" xmlns:m="http://schemas.openxmlformats.org/officeDocument/2006/math" xmlns="" val="1"/>
+                <ma14:wrappingTextBoxFlag xmlns="" xmlns:m="http://schemas.openxmlformats.org/officeDocument/2006/math" xmlns:a14="http://schemas.microsoft.com/office/drawing/2010/main" xmlns:ma14="http://schemas.microsoft.com/office/mac/drawingml/2011/main" val="1"/>
               </a:ext>
             </a:extLst>
           </p:spPr>
@@ -13812,7 +13812,7 @@
             <a:effectLst/>
             <a:extLst>
               <a:ext uri="{C572A759-6A51-4108-AA02-DFA0A04FC94B}">
-                <ma14:wrappingTextBoxFlag xmlns:ma14="http://schemas.microsoft.com/office/mac/drawingml/2011/main" xmlns:a14="http://schemas.microsoft.com/office/drawing/2010/main" xmlns:m="http://schemas.openxmlformats.org/officeDocument/2006/math" xmlns="" val="1"/>
+                <ma14:wrappingTextBoxFlag xmlns="" xmlns:m="http://schemas.openxmlformats.org/officeDocument/2006/math" xmlns:a14="http://schemas.microsoft.com/office/drawing/2010/main" xmlns:ma14="http://schemas.microsoft.com/office/mac/drawingml/2011/main" val="1"/>
               </a:ext>
             </a:extLst>
           </p:spPr>
@@ -13866,7 +13866,7 @@
             <a:effectLst/>
             <a:extLst>
               <a:ext uri="{C572A759-6A51-4108-AA02-DFA0A04FC94B}">
-                <ma14:wrappingTextBoxFlag xmlns:ma14="http://schemas.microsoft.com/office/mac/drawingml/2011/main" xmlns:a14="http://schemas.microsoft.com/office/drawing/2010/main" xmlns:m="http://schemas.openxmlformats.org/officeDocument/2006/math" xmlns="" val="1"/>
+                <ma14:wrappingTextBoxFlag xmlns="" xmlns:m="http://schemas.openxmlformats.org/officeDocument/2006/math" xmlns:a14="http://schemas.microsoft.com/office/drawing/2010/main" xmlns:ma14="http://schemas.microsoft.com/office/mac/drawingml/2011/main" val="1"/>
               </a:ext>
             </a:extLst>
           </p:spPr>
@@ -13982,7 +13982,7 @@
             <a:effectLst/>
             <a:extLst>
               <a:ext uri="{C572A759-6A51-4108-AA02-DFA0A04FC94B}">
-                <ma14:wrappingTextBoxFlag xmlns:ma14="http://schemas.microsoft.com/office/mac/drawingml/2011/main" xmlns:a14="http://schemas.microsoft.com/office/drawing/2010/main" xmlns:m="http://schemas.openxmlformats.org/officeDocument/2006/math" xmlns="" val="1"/>
+                <ma14:wrappingTextBoxFlag xmlns="" xmlns:m="http://schemas.openxmlformats.org/officeDocument/2006/math" xmlns:a14="http://schemas.microsoft.com/office/drawing/2010/main" xmlns:ma14="http://schemas.microsoft.com/office/mac/drawingml/2011/main" val="1"/>
               </a:ext>
             </a:extLst>
           </p:spPr>
@@ -14029,7 +14029,7 @@
           </a:ln>
           <a:extLst>
             <a:ext uri="{C572A759-6A51-4108-AA02-DFA0A04FC94B}">
-              <ma14:wrappingTextBoxFlag xmlns:ma14="http://schemas.microsoft.com/office/mac/drawingml/2011/main" xmlns:a14="http://schemas.microsoft.com/office/drawing/2010/main" xmlns:m="http://schemas.openxmlformats.org/officeDocument/2006/math" xmlns="" val="1"/>
+              <ma14:wrappingTextBoxFlag xmlns="" xmlns:m="http://schemas.openxmlformats.org/officeDocument/2006/math" xmlns:a14="http://schemas.microsoft.com/office/drawing/2010/main" xmlns:ma14="http://schemas.microsoft.com/office/mac/drawingml/2011/main" val="1"/>
             </a:ext>
           </a:extLst>
         </p:spPr>
@@ -14103,7 +14103,7 @@
           </a:ln>
           <a:extLst>
             <a:ext uri="{C572A759-6A51-4108-AA02-DFA0A04FC94B}">
-              <ma14:wrappingTextBoxFlag xmlns:ma14="http://schemas.microsoft.com/office/mac/drawingml/2011/main" xmlns:a14="http://schemas.microsoft.com/office/drawing/2010/main" xmlns:m="http://schemas.openxmlformats.org/officeDocument/2006/math" xmlns="" val="1"/>
+              <ma14:wrappingTextBoxFlag xmlns="" xmlns:m="http://schemas.openxmlformats.org/officeDocument/2006/math" xmlns:a14="http://schemas.microsoft.com/office/drawing/2010/main" xmlns:ma14="http://schemas.microsoft.com/office/mac/drawingml/2011/main" val="1"/>
             </a:ext>
           </a:extLst>
         </p:spPr>
@@ -14149,7 +14149,7 @@
           </a:ln>
           <a:extLst>
             <a:ext uri="{C572A759-6A51-4108-AA02-DFA0A04FC94B}">
-              <ma14:wrappingTextBoxFlag xmlns:ma14="http://schemas.microsoft.com/office/mac/drawingml/2011/main" xmlns:a14="http://schemas.microsoft.com/office/drawing/2010/main" xmlns:m="http://schemas.openxmlformats.org/officeDocument/2006/math" xmlns="" val="1"/>
+              <ma14:wrappingTextBoxFlag xmlns="" xmlns:m="http://schemas.openxmlformats.org/officeDocument/2006/math" xmlns:a14="http://schemas.microsoft.com/office/drawing/2010/main" xmlns:ma14="http://schemas.microsoft.com/office/mac/drawingml/2011/main" val="1"/>
             </a:ext>
           </a:extLst>
         </p:spPr>
@@ -14195,7 +14195,7 @@
           </a:ln>
           <a:extLst>
             <a:ext uri="{C572A759-6A51-4108-AA02-DFA0A04FC94B}">
-              <ma14:wrappingTextBoxFlag xmlns:ma14="http://schemas.microsoft.com/office/mac/drawingml/2011/main" xmlns:a14="http://schemas.microsoft.com/office/drawing/2010/main" xmlns:m="http://schemas.openxmlformats.org/officeDocument/2006/math" xmlns="" val="1"/>
+              <ma14:wrappingTextBoxFlag xmlns="" xmlns:m="http://schemas.openxmlformats.org/officeDocument/2006/math" xmlns:a14="http://schemas.microsoft.com/office/drawing/2010/main" xmlns:ma14="http://schemas.microsoft.com/office/mac/drawingml/2011/main" val="1"/>
             </a:ext>
           </a:extLst>
         </p:spPr>
@@ -14279,7 +14279,7 @@
           </a:ln>
           <a:extLst>
             <a:ext uri="{C572A759-6A51-4108-AA02-DFA0A04FC94B}">
-              <ma14:wrappingTextBoxFlag xmlns:ma14="http://schemas.microsoft.com/office/mac/drawingml/2011/main" xmlns:a14="http://schemas.microsoft.com/office/drawing/2010/main" xmlns:m="http://schemas.openxmlformats.org/officeDocument/2006/math" xmlns="" val="1"/>
+              <ma14:wrappingTextBoxFlag xmlns="" xmlns:m="http://schemas.openxmlformats.org/officeDocument/2006/math" xmlns:a14="http://schemas.microsoft.com/office/drawing/2010/main" xmlns:ma14="http://schemas.microsoft.com/office/mac/drawingml/2011/main" val="1"/>
             </a:ext>
           </a:extLst>
         </p:spPr>
@@ -14344,7 +14344,7 @@
           </a:ln>
           <a:extLst>
             <a:ext uri="{C572A759-6A51-4108-AA02-DFA0A04FC94B}">
-              <ma14:wrappingTextBoxFlag xmlns:ma14="http://schemas.microsoft.com/office/mac/drawingml/2011/main" xmlns:a14="http://schemas.microsoft.com/office/drawing/2010/main" xmlns:m="http://schemas.openxmlformats.org/officeDocument/2006/math" xmlns="" val="1"/>
+              <ma14:wrappingTextBoxFlag xmlns="" xmlns:m="http://schemas.openxmlformats.org/officeDocument/2006/math" xmlns:a14="http://schemas.microsoft.com/office/drawing/2010/main" xmlns:ma14="http://schemas.microsoft.com/office/mac/drawingml/2011/main" val="1"/>
             </a:ext>
           </a:extLst>
         </p:spPr>
@@ -14406,7 +14406,7 @@
           </a:ln>
           <a:extLst>
             <a:ext uri="{C572A759-6A51-4108-AA02-DFA0A04FC94B}">
-              <ma14:wrappingTextBoxFlag xmlns:ma14="http://schemas.microsoft.com/office/mac/drawingml/2011/main" xmlns:a14="http://schemas.microsoft.com/office/drawing/2010/main" xmlns:m="http://schemas.openxmlformats.org/officeDocument/2006/math" xmlns="" val="1"/>
+              <ma14:wrappingTextBoxFlag xmlns="" xmlns:m="http://schemas.openxmlformats.org/officeDocument/2006/math" xmlns:a14="http://schemas.microsoft.com/office/drawing/2010/main" xmlns:ma14="http://schemas.microsoft.com/office/mac/drawingml/2011/main" val="1"/>
             </a:ext>
           </a:extLst>
         </p:spPr>
@@ -14467,7 +14467,7 @@
           </a:ln>
           <a:extLst>
             <a:ext uri="{C572A759-6A51-4108-AA02-DFA0A04FC94B}">
-              <ma14:wrappingTextBoxFlag xmlns:ma14="http://schemas.microsoft.com/office/mac/drawingml/2011/main" xmlns:a14="http://schemas.microsoft.com/office/drawing/2010/main" xmlns:m="http://schemas.openxmlformats.org/officeDocument/2006/math" xmlns="" val="1"/>
+              <ma14:wrappingTextBoxFlag xmlns="" xmlns:m="http://schemas.openxmlformats.org/officeDocument/2006/math" xmlns:a14="http://schemas.microsoft.com/office/drawing/2010/main" xmlns:ma14="http://schemas.microsoft.com/office/mac/drawingml/2011/main" val="1"/>
             </a:ext>
           </a:extLst>
         </p:spPr>
@@ -14569,7 +14569,7 @@
             <a:effectLst/>
             <a:extLst>
               <a:ext uri="{C572A759-6A51-4108-AA02-DFA0A04FC94B}">
-                <ma14:wrappingTextBoxFlag xmlns:ma14="http://schemas.microsoft.com/office/mac/drawingml/2011/main" xmlns:a14="http://schemas.microsoft.com/office/drawing/2010/main" xmlns:m="http://schemas.openxmlformats.org/officeDocument/2006/math" xmlns="" val="1"/>
+                <ma14:wrappingTextBoxFlag xmlns="" xmlns:m="http://schemas.openxmlformats.org/officeDocument/2006/math" xmlns:a14="http://schemas.microsoft.com/office/drawing/2010/main" xmlns:ma14="http://schemas.microsoft.com/office/mac/drawingml/2011/main" val="1"/>
               </a:ext>
             </a:extLst>
           </p:spPr>
@@ -14696,7 +14696,7 @@
             <a:effectLst/>
             <a:extLst>
               <a:ext uri="{C572A759-6A51-4108-AA02-DFA0A04FC94B}">
-                <ma14:wrappingTextBoxFlag xmlns:ma14="http://schemas.microsoft.com/office/mac/drawingml/2011/main" xmlns:a14="http://schemas.microsoft.com/office/drawing/2010/main" xmlns:m="http://schemas.openxmlformats.org/officeDocument/2006/math" xmlns="" val="1"/>
+                <ma14:wrappingTextBoxFlag xmlns="" xmlns:m="http://schemas.openxmlformats.org/officeDocument/2006/math" xmlns:a14="http://schemas.microsoft.com/office/drawing/2010/main" xmlns:ma14="http://schemas.microsoft.com/office/mac/drawingml/2011/main" val="1"/>
               </a:ext>
             </a:extLst>
           </p:spPr>
@@ -14798,7 +14798,7 @@
             <a:effectLst/>
             <a:extLst>
               <a:ext uri="{C572A759-6A51-4108-AA02-DFA0A04FC94B}">
-                <ma14:wrappingTextBoxFlag xmlns:ma14="http://schemas.microsoft.com/office/mac/drawingml/2011/main" xmlns:a14="http://schemas.microsoft.com/office/drawing/2010/main" xmlns:m="http://schemas.openxmlformats.org/officeDocument/2006/math" xmlns="" val="1"/>
+                <ma14:wrappingTextBoxFlag xmlns="" xmlns:m="http://schemas.openxmlformats.org/officeDocument/2006/math" xmlns:a14="http://schemas.microsoft.com/office/drawing/2010/main" xmlns:ma14="http://schemas.microsoft.com/office/mac/drawingml/2011/main" val="1"/>
               </a:ext>
             </a:extLst>
           </p:spPr>
@@ -14990,7 +14990,7 @@
             <a:effectLst/>
             <a:extLst>
               <a:ext uri="{C572A759-6A51-4108-AA02-DFA0A04FC94B}">
-                <ma14:wrappingTextBoxFlag xmlns:ma14="http://schemas.microsoft.com/office/mac/drawingml/2011/main" xmlns:a14="http://schemas.microsoft.com/office/drawing/2010/main" xmlns:m="http://schemas.openxmlformats.org/officeDocument/2006/math" xmlns="" val="1"/>
+                <ma14:wrappingTextBoxFlag xmlns="" xmlns:m="http://schemas.openxmlformats.org/officeDocument/2006/math" xmlns:a14="http://schemas.microsoft.com/office/drawing/2010/main" xmlns:ma14="http://schemas.microsoft.com/office/mac/drawingml/2011/main" val="1"/>
               </a:ext>
             </a:extLst>
           </p:spPr>
@@ -15033,7 +15033,7 @@
             <a:effectLst/>
             <a:extLst>
               <a:ext uri="{C572A759-6A51-4108-AA02-DFA0A04FC94B}">
-                <ma14:wrappingTextBoxFlag xmlns:ma14="http://schemas.microsoft.com/office/mac/drawingml/2011/main" xmlns:a14="http://schemas.microsoft.com/office/drawing/2010/main" xmlns:m="http://schemas.openxmlformats.org/officeDocument/2006/math" xmlns="" val="1"/>
+                <ma14:wrappingTextBoxFlag xmlns="" xmlns:m="http://schemas.openxmlformats.org/officeDocument/2006/math" xmlns:a14="http://schemas.microsoft.com/office/drawing/2010/main" xmlns:ma14="http://schemas.microsoft.com/office/mac/drawingml/2011/main" val="1"/>
               </a:ext>
             </a:extLst>
           </p:spPr>
@@ -15096,7 +15096,7 @@
           </a:ln>
           <a:extLst>
             <a:ext uri="{C572A759-6A51-4108-AA02-DFA0A04FC94B}">
-              <ma14:wrappingTextBoxFlag xmlns:ma14="http://schemas.microsoft.com/office/mac/drawingml/2011/main" xmlns:a14="http://schemas.microsoft.com/office/drawing/2010/main" xmlns:m="http://schemas.openxmlformats.org/officeDocument/2006/math" xmlns="" val="1"/>
+              <ma14:wrappingTextBoxFlag xmlns="" xmlns:m="http://schemas.openxmlformats.org/officeDocument/2006/math" xmlns:a14="http://schemas.microsoft.com/office/drawing/2010/main" xmlns:ma14="http://schemas.microsoft.com/office/mac/drawingml/2011/main" val="1"/>
             </a:ext>
           </a:extLst>
         </p:spPr>
@@ -15159,7 +15159,7 @@
           </a:ln>
           <a:extLst>
             <a:ext uri="{C572A759-6A51-4108-AA02-DFA0A04FC94B}">
-              <ma14:wrappingTextBoxFlag xmlns:ma14="http://schemas.microsoft.com/office/mac/drawingml/2011/main" xmlns:a14="http://schemas.microsoft.com/office/drawing/2010/main" xmlns:m="http://schemas.openxmlformats.org/officeDocument/2006/math" xmlns="" val="1"/>
+              <ma14:wrappingTextBoxFlag xmlns="" xmlns:m="http://schemas.openxmlformats.org/officeDocument/2006/math" xmlns:a14="http://schemas.microsoft.com/office/drawing/2010/main" xmlns:ma14="http://schemas.microsoft.com/office/mac/drawingml/2011/main" val="1"/>
             </a:ext>
           </a:extLst>
         </p:spPr>
@@ -15366,7 +15366,7 @@
               <a:effectLst/>
               <a:extLst>
                 <a:ext uri="{C572A759-6A51-4108-AA02-DFA0A04FC94B}">
-                  <ma14:wrappingTextBoxFlag xmlns:ma14="http://schemas.microsoft.com/office/mac/drawingml/2011/main" xmlns:a14="http://schemas.microsoft.com/office/drawing/2010/main" xmlns:m="http://schemas.openxmlformats.org/officeDocument/2006/math" xmlns="" val="1"/>
+                  <ma14:wrappingTextBoxFlag xmlns="" xmlns:m="http://schemas.openxmlformats.org/officeDocument/2006/math" xmlns:a14="http://schemas.microsoft.com/office/drawing/2010/main" xmlns:ma14="http://schemas.microsoft.com/office/mac/drawingml/2011/main" val="1"/>
                 </a:ext>
               </a:extLst>
             </p:spPr>
@@ -15414,7 +15414,7 @@
               <a:effectLst/>
               <a:extLst>
                 <a:ext uri="{C572A759-6A51-4108-AA02-DFA0A04FC94B}">
-                  <ma14:wrappingTextBoxFlag xmlns:ma14="http://schemas.microsoft.com/office/mac/drawingml/2011/main" xmlns:a14="http://schemas.microsoft.com/office/drawing/2010/main" xmlns:m="http://schemas.openxmlformats.org/officeDocument/2006/math" xmlns="" val="1"/>
+                  <ma14:wrappingTextBoxFlag xmlns="" xmlns:m="http://schemas.openxmlformats.org/officeDocument/2006/math" xmlns:a14="http://schemas.microsoft.com/office/drawing/2010/main" xmlns:ma14="http://schemas.microsoft.com/office/mac/drawingml/2011/main" val="1"/>
                 </a:ext>
               </a:extLst>
             </p:spPr>
@@ -15496,7 +15496,7 @@
               <a:effectLst/>
               <a:extLst>
                 <a:ext uri="{C572A759-6A51-4108-AA02-DFA0A04FC94B}">
-                  <ma14:wrappingTextBoxFlag xmlns:ma14="http://schemas.microsoft.com/office/mac/drawingml/2011/main" xmlns:a14="http://schemas.microsoft.com/office/drawing/2010/main" xmlns:m="http://schemas.openxmlformats.org/officeDocument/2006/math" xmlns="" val="1"/>
+                  <ma14:wrappingTextBoxFlag xmlns="" xmlns:m="http://schemas.openxmlformats.org/officeDocument/2006/math" xmlns:a14="http://schemas.microsoft.com/office/drawing/2010/main" xmlns:ma14="http://schemas.microsoft.com/office/mac/drawingml/2011/main" val="1"/>
                 </a:ext>
               </a:extLst>
             </p:spPr>
@@ -15577,7 +15577,7 @@
             <a:effectLst/>
             <a:extLst>
               <a:ext uri="{C572A759-6A51-4108-AA02-DFA0A04FC94B}">
-                <ma14:wrappingTextBoxFlag xmlns:ma14="http://schemas.microsoft.com/office/mac/drawingml/2011/main" xmlns:a14="http://schemas.microsoft.com/office/drawing/2010/main" xmlns:m="http://schemas.openxmlformats.org/officeDocument/2006/math" xmlns="" val="1"/>
+                <ma14:wrappingTextBoxFlag xmlns="" xmlns:m="http://schemas.openxmlformats.org/officeDocument/2006/math" xmlns:a14="http://schemas.microsoft.com/office/drawing/2010/main" xmlns:ma14="http://schemas.microsoft.com/office/mac/drawingml/2011/main" val="1"/>
               </a:ext>
             </a:extLst>
           </p:spPr>
@@ -15882,7 +15882,7 @@
             <a:effectLst/>
             <a:extLst>
               <a:ext uri="{C572A759-6A51-4108-AA02-DFA0A04FC94B}">
-                <ma14:wrappingTextBoxFlag xmlns:ma14="http://schemas.microsoft.com/office/mac/drawingml/2011/main" xmlns:a14="http://schemas.microsoft.com/office/drawing/2010/main" xmlns:m="http://schemas.openxmlformats.org/officeDocument/2006/math" xmlns="" val="1"/>
+                <ma14:wrappingTextBoxFlag xmlns="" xmlns:m="http://schemas.openxmlformats.org/officeDocument/2006/math" xmlns:a14="http://schemas.microsoft.com/office/drawing/2010/main" xmlns:ma14="http://schemas.microsoft.com/office/mac/drawingml/2011/main" val="1"/>
               </a:ext>
             </a:extLst>
           </p:spPr>
@@ -16051,7 +16051,7 @@
           </a:ln>
           <a:extLst>
             <a:ext uri="{C572A759-6A51-4108-AA02-DFA0A04FC94B}">
-              <ma14:wrappingTextBoxFlag xmlns:ma14="http://schemas.microsoft.com/office/mac/drawingml/2011/main" xmlns:a14="http://schemas.microsoft.com/office/drawing/2010/main" xmlns:m="http://schemas.openxmlformats.org/officeDocument/2006/math" xmlns="" val="1"/>
+              <ma14:wrappingTextBoxFlag xmlns="" xmlns:m="http://schemas.openxmlformats.org/officeDocument/2006/math" xmlns:a14="http://schemas.microsoft.com/office/drawing/2010/main" xmlns:ma14="http://schemas.microsoft.com/office/mac/drawingml/2011/main" val="1"/>
             </a:ext>
           </a:extLst>
         </p:spPr>
@@ -16110,7 +16110,7 @@
           </a:ln>
           <a:extLst>
             <a:ext uri="{C572A759-6A51-4108-AA02-DFA0A04FC94B}">
-              <ma14:wrappingTextBoxFlag xmlns:ma14="http://schemas.microsoft.com/office/mac/drawingml/2011/main" xmlns:a14="http://schemas.microsoft.com/office/drawing/2010/main" xmlns:m="http://schemas.openxmlformats.org/officeDocument/2006/math" xmlns="" val="1"/>
+              <ma14:wrappingTextBoxFlag xmlns="" xmlns:m="http://schemas.openxmlformats.org/officeDocument/2006/math" xmlns:a14="http://schemas.microsoft.com/office/drawing/2010/main" xmlns:ma14="http://schemas.microsoft.com/office/mac/drawingml/2011/main" val="1"/>
             </a:ext>
           </a:extLst>
         </p:spPr>
@@ -16372,7 +16372,7 @@
           </a:ln>
           <a:extLst>
             <a:ext uri="{C572A759-6A51-4108-AA02-DFA0A04FC94B}">
-              <ma14:wrappingTextBoxFlag xmlns:ma14="http://schemas.microsoft.com/office/mac/drawingml/2011/main" xmlns:a14="http://schemas.microsoft.com/office/drawing/2010/main" xmlns:m="http://schemas.openxmlformats.org/officeDocument/2006/math" xmlns="" val="1"/>
+              <ma14:wrappingTextBoxFlag xmlns="" xmlns:m="http://schemas.openxmlformats.org/officeDocument/2006/math" xmlns:a14="http://schemas.microsoft.com/office/drawing/2010/main" xmlns:ma14="http://schemas.microsoft.com/office/mac/drawingml/2011/main" val="1"/>
             </a:ext>
           </a:extLst>
         </p:spPr>
@@ -16414,7 +16414,7 @@
           </a:ln>
           <a:extLst>
             <a:ext uri="{C572A759-6A51-4108-AA02-DFA0A04FC94B}">
-              <ma14:wrappingTextBoxFlag xmlns:ma14="http://schemas.microsoft.com/office/mac/drawingml/2011/main" xmlns:a14="http://schemas.microsoft.com/office/drawing/2010/main" xmlns:m="http://schemas.openxmlformats.org/officeDocument/2006/math" xmlns="" val="1"/>
+              <ma14:wrappingTextBoxFlag xmlns="" xmlns:m="http://schemas.openxmlformats.org/officeDocument/2006/math" xmlns:a14="http://schemas.microsoft.com/office/drawing/2010/main" xmlns:ma14="http://schemas.microsoft.com/office/mac/drawingml/2011/main" val="1"/>
             </a:ext>
           </a:extLst>
         </p:spPr>
@@ -16456,7 +16456,7 @@
           </a:ln>
           <a:extLst>
             <a:ext uri="{C572A759-6A51-4108-AA02-DFA0A04FC94B}">
-              <ma14:wrappingTextBoxFlag xmlns:ma14="http://schemas.microsoft.com/office/mac/drawingml/2011/main" xmlns:a14="http://schemas.microsoft.com/office/drawing/2010/main" xmlns:m="http://schemas.openxmlformats.org/officeDocument/2006/math" xmlns="" val="1"/>
+              <ma14:wrappingTextBoxFlag xmlns="" xmlns:m="http://schemas.openxmlformats.org/officeDocument/2006/math" xmlns:a14="http://schemas.microsoft.com/office/drawing/2010/main" xmlns:ma14="http://schemas.microsoft.com/office/mac/drawingml/2011/main" val="1"/>
             </a:ext>
           </a:extLst>
         </p:spPr>
@@ -16525,7 +16525,7 @@
           </a:ln>
           <a:extLst>
             <a:ext uri="{C572A759-6A51-4108-AA02-DFA0A04FC94B}">
-              <ma14:wrappingTextBoxFlag xmlns:ma14="http://schemas.microsoft.com/office/mac/drawingml/2011/main" xmlns:a14="http://schemas.microsoft.com/office/drawing/2010/main" xmlns:m="http://schemas.openxmlformats.org/officeDocument/2006/math" xmlns="" val="1"/>
+              <ma14:wrappingTextBoxFlag xmlns="" xmlns:m="http://schemas.openxmlformats.org/officeDocument/2006/math" xmlns:a14="http://schemas.microsoft.com/office/drawing/2010/main" xmlns:ma14="http://schemas.microsoft.com/office/mac/drawingml/2011/main" val="1"/>
             </a:ext>
           </a:extLst>
         </p:spPr>
@@ -16622,7 +16622,7 @@
           </a:ln>
           <a:extLst>
             <a:ext uri="{C572A759-6A51-4108-AA02-DFA0A04FC94B}">
-              <ma14:wrappingTextBoxFlag xmlns:ma14="http://schemas.microsoft.com/office/mac/drawingml/2011/main" xmlns:a14="http://schemas.microsoft.com/office/drawing/2010/main" xmlns:m="http://schemas.openxmlformats.org/officeDocument/2006/math" xmlns="" val="1"/>
+              <ma14:wrappingTextBoxFlag xmlns="" xmlns:m="http://schemas.openxmlformats.org/officeDocument/2006/math" xmlns:a14="http://schemas.microsoft.com/office/drawing/2010/main" xmlns:ma14="http://schemas.microsoft.com/office/mac/drawingml/2011/main" val="1"/>
             </a:ext>
           </a:extLst>
         </p:spPr>
@@ -16664,7 +16664,7 @@
           </a:ln>
           <a:extLst>
             <a:ext uri="{C572A759-6A51-4108-AA02-DFA0A04FC94B}">
-              <ma14:wrappingTextBoxFlag xmlns:ma14="http://schemas.microsoft.com/office/mac/drawingml/2011/main" xmlns:a14="http://schemas.microsoft.com/office/drawing/2010/main" xmlns:m="http://schemas.openxmlformats.org/officeDocument/2006/math" xmlns="" val="1"/>
+              <ma14:wrappingTextBoxFlag xmlns="" xmlns:m="http://schemas.openxmlformats.org/officeDocument/2006/math" xmlns:a14="http://schemas.microsoft.com/office/drawing/2010/main" xmlns:ma14="http://schemas.microsoft.com/office/mac/drawingml/2011/main" val="1"/>
             </a:ext>
           </a:extLst>
         </p:spPr>
@@ -16736,7 +16736,7 @@
           </a:ln>
           <a:extLst>
             <a:ext uri="{C572A759-6A51-4108-AA02-DFA0A04FC94B}">
-              <ma14:wrappingTextBoxFlag xmlns:ma14="http://schemas.microsoft.com/office/mac/drawingml/2011/main" xmlns:a14="http://schemas.microsoft.com/office/drawing/2010/main" xmlns:m="http://schemas.openxmlformats.org/officeDocument/2006/math" xmlns="" val="1"/>
+              <ma14:wrappingTextBoxFlag xmlns="" xmlns:m="http://schemas.openxmlformats.org/officeDocument/2006/math" xmlns:a14="http://schemas.microsoft.com/office/drawing/2010/main" xmlns:ma14="http://schemas.microsoft.com/office/mac/drawingml/2011/main" val="1"/>
             </a:ext>
           </a:extLst>
         </p:spPr>
@@ -16798,7 +16798,7 @@
           </a:ln>
           <a:extLst>
             <a:ext uri="{C572A759-6A51-4108-AA02-DFA0A04FC94B}">
-              <ma14:wrappingTextBoxFlag xmlns:ma14="http://schemas.microsoft.com/office/mac/drawingml/2011/main" xmlns:a14="http://schemas.microsoft.com/office/drawing/2010/main" xmlns:m="http://schemas.openxmlformats.org/officeDocument/2006/math" xmlns="" val="1"/>
+              <ma14:wrappingTextBoxFlag xmlns="" xmlns:m="http://schemas.openxmlformats.org/officeDocument/2006/math" xmlns:a14="http://schemas.microsoft.com/office/drawing/2010/main" xmlns:ma14="http://schemas.microsoft.com/office/mac/drawingml/2011/main" val="1"/>
             </a:ext>
           </a:extLst>
         </p:spPr>
@@ -16951,7 +16951,7 @@
             <a:effectLst/>
             <a:extLst>
               <a:ext uri="{C572A759-6A51-4108-AA02-DFA0A04FC94B}">
-                <ma14:wrappingTextBoxFlag xmlns:ma14="http://schemas.microsoft.com/office/mac/drawingml/2011/main" xmlns:a14="http://schemas.microsoft.com/office/drawing/2010/main" xmlns:m="http://schemas.openxmlformats.org/officeDocument/2006/math" xmlns="" val="1"/>
+                <ma14:wrappingTextBoxFlag xmlns="" xmlns:m="http://schemas.openxmlformats.org/officeDocument/2006/math" xmlns:a14="http://schemas.microsoft.com/office/drawing/2010/main" xmlns:ma14="http://schemas.microsoft.com/office/mac/drawingml/2011/main" val="1"/>
               </a:ext>
             </a:extLst>
           </p:spPr>
@@ -17065,7 +17065,7 @@
             <a:effectLst/>
             <a:extLst>
               <a:ext uri="{C572A759-6A51-4108-AA02-DFA0A04FC94B}">
-                <ma14:wrappingTextBoxFlag xmlns:ma14="http://schemas.microsoft.com/office/mac/drawingml/2011/main" xmlns:a14="http://schemas.microsoft.com/office/drawing/2010/main" xmlns:m="http://schemas.openxmlformats.org/officeDocument/2006/math" xmlns="" val="1"/>
+                <ma14:wrappingTextBoxFlag xmlns="" xmlns:m="http://schemas.openxmlformats.org/officeDocument/2006/math" xmlns:a14="http://schemas.microsoft.com/office/drawing/2010/main" xmlns:ma14="http://schemas.microsoft.com/office/mac/drawingml/2011/main" val="1"/>
               </a:ext>
             </a:extLst>
           </p:spPr>
@@ -17118,7 +17118,7 @@
           </a:ln>
           <a:extLst>
             <a:ext uri="{C572A759-6A51-4108-AA02-DFA0A04FC94B}">
-              <ma14:wrappingTextBoxFlag xmlns:ma14="http://schemas.microsoft.com/office/mac/drawingml/2011/main" xmlns:a14="http://schemas.microsoft.com/office/drawing/2010/main" xmlns:m="http://schemas.openxmlformats.org/officeDocument/2006/math" xmlns="" val="1"/>
+              <ma14:wrappingTextBoxFlag xmlns="" xmlns:m="http://schemas.openxmlformats.org/officeDocument/2006/math" xmlns:a14="http://schemas.microsoft.com/office/drawing/2010/main" xmlns:ma14="http://schemas.microsoft.com/office/mac/drawingml/2011/main" val="1"/>
             </a:ext>
           </a:extLst>
         </p:spPr>
@@ -17173,7 +17173,7 @@
           </a:ln>
           <a:extLst>
             <a:ext uri="{C572A759-6A51-4108-AA02-DFA0A04FC94B}">
-              <ma14:wrappingTextBoxFlag xmlns:ma14="http://schemas.microsoft.com/office/mac/drawingml/2011/main" xmlns:a14="http://schemas.microsoft.com/office/drawing/2010/main" xmlns:m="http://schemas.openxmlformats.org/officeDocument/2006/math" xmlns="" val="1"/>
+              <ma14:wrappingTextBoxFlag xmlns="" xmlns:m="http://schemas.openxmlformats.org/officeDocument/2006/math" xmlns:a14="http://schemas.microsoft.com/office/drawing/2010/main" xmlns:ma14="http://schemas.microsoft.com/office/mac/drawingml/2011/main" val="1"/>
             </a:ext>
           </a:extLst>
         </p:spPr>
@@ -17228,7 +17228,7 @@
           </a:ln>
           <a:extLst>
             <a:ext uri="{C572A759-6A51-4108-AA02-DFA0A04FC94B}">
-              <ma14:wrappingTextBoxFlag xmlns:ma14="http://schemas.microsoft.com/office/mac/drawingml/2011/main" xmlns:a14="http://schemas.microsoft.com/office/drawing/2010/main" xmlns:m="http://schemas.openxmlformats.org/officeDocument/2006/math" xmlns="" val="1"/>
+              <ma14:wrappingTextBoxFlag xmlns="" xmlns:m="http://schemas.openxmlformats.org/officeDocument/2006/math" xmlns:a14="http://schemas.microsoft.com/office/drawing/2010/main" xmlns:ma14="http://schemas.microsoft.com/office/mac/drawingml/2011/main" val="1"/>
             </a:ext>
           </a:extLst>
         </p:spPr>
@@ -17268,7 +17268,7 @@
         <p:dissolve/>
       </p:transition>
     </mc:Choice>
-    <mc:Fallback xmlns:a14="http://schemas.microsoft.com/office/drawing/2010/main" xmlns:m="http://schemas.openxmlformats.org/officeDocument/2006/math" xmlns="">
+    <mc:Fallback xmlns="" xmlns:m="http://schemas.openxmlformats.org/officeDocument/2006/math" xmlns:a14="http://schemas.microsoft.com/office/drawing/2010/main">
       <p:transition spd="slow">
         <p:fade/>
       </p:transition>
@@ -19910,6 +19910,7 @@
             <a:avLst/>
           </a:prstGeom>
           <a:ln>
+            <a:headEnd type="triangle"/>
             <a:tailEnd type="triangle"/>
           </a:ln>
         </p:spPr>
@@ -19959,7 +19960,7 @@
             <a:pPr algn="ctr"/>
             <a:r>
               <a:rPr lang="en-DE" sz="1000" dirty="0"/>
-              <a:t>Translate</a:t>
+              <a:t>Customer</a:t>
             </a:r>
           </a:p>
           <a:p>
@@ -20039,6 +20040,7 @@
             <a:avLst/>
           </a:prstGeom>
           <a:ln>
+            <a:headEnd type="triangle"/>
             <a:tailEnd type="triangle"/>
           </a:ln>
         </p:spPr>
@@ -20088,7 +20090,7 @@
             <a:pPr algn="ctr"/>
             <a:r>
               <a:rPr lang="en-DE" sz="1000" dirty="0"/>
-              <a:t>Decompose</a:t>
+              <a:t>Transformed</a:t>
             </a:r>
           </a:p>
           <a:p>
@@ -20165,7 +20167,7 @@
         </p:nvSpPr>
         <p:spPr>
           <a:xfrm>
-            <a:off x="7381079" y="4644010"/>
+            <a:off x="6807430" y="4637717"/>
             <a:ext cx="1078786" cy="400110"/>
           </a:xfrm>
           <a:prstGeom prst="rect">
@@ -20182,7 +20184,7 @@
             <a:pPr algn="ctr"/>
             <a:r>
               <a:rPr lang="en-DE" sz="1000" dirty="0"/>
-              <a:t>Execute</a:t>
+              <a:t>Decomposed</a:t>
             </a:r>
           </a:p>
           <a:p>
@@ -20194,31 +20196,75 @@
           </a:p>
         </p:txBody>
       </p:sp>
+      <p:sp>
+        <p:nvSpPr>
+          <p:cNvPr id="16" name="TextBox 15">
+            <a:extLst>
+              <a:ext uri="{FF2B5EF4-FFF2-40B4-BE49-F238E27FC236}">
+                <a16:creationId xmlns:a16="http://schemas.microsoft.com/office/drawing/2014/main" id="{0FCD2E03-9195-CD4E-8853-6033525FAEFC}"/>
+              </a:ext>
+            </a:extLst>
+          </p:cNvPr>
+          <p:cNvSpPr txBox="1"/>
+          <p:nvPr/>
+        </p:nvSpPr>
+        <p:spPr>
+          <a:xfrm>
+            <a:off x="8170174" y="4514607"/>
+            <a:ext cx="2147299" cy="646330"/>
+          </a:xfrm>
+          <a:prstGeom prst="rect">
+            <a:avLst/>
+          </a:prstGeom>
+          <a:noFill/>
+          <a:ln w="12700">
+            <a:solidFill>
+              <a:schemeClr val="tx1">
+                <a:lumMod val="50000"/>
+                <a:lumOff val="50000"/>
+              </a:schemeClr>
+            </a:solidFill>
+          </a:ln>
+        </p:spPr>
+        <p:txBody>
+          <a:bodyPr wrap="square" rtlCol="0">
+            <a:noAutofit/>
+          </a:bodyPr>
+          <a:lstStyle/>
+          <a:p>
+            <a:pPr algn="ctr"/>
+            <a:r>
+              <a:rPr lang="en-DE" dirty="0"/>
+              <a:t>TMF APIs</a:t>
+            </a:r>
+          </a:p>
+        </p:txBody>
+      </p:sp>
       <p:cxnSp>
         <p:nvCxnSpPr>
-          <p:cNvPr id="20" name="Elbow Connector 19">
+          <p:cNvPr id="12" name="Straight Arrow Connector 11">
             <a:extLst>
               <a:ext uri="{FF2B5EF4-FFF2-40B4-BE49-F238E27FC236}">
-                <a16:creationId xmlns:a16="http://schemas.microsoft.com/office/drawing/2014/main" id="{EA9D7BC0-0847-AE4E-87EE-2D392CF95FDB}"/>
+                <a16:creationId xmlns:a16="http://schemas.microsoft.com/office/drawing/2014/main" id="{9D064F10-FCF9-CE40-B547-F4BBDFD67CF1}"/>
               </a:ext>
             </a:extLst>
           </p:cNvPr>
           <p:cNvCxnSpPr>
-            <a:cxnSpLocks/>
             <a:stCxn id="11" idx="2"/>
-            <a:endCxn id="15" idx="3"/>
+            <a:endCxn id="16" idx="0"/>
           </p:cNvCxnSpPr>
           <p:nvPr/>
         </p:nvCxnSpPr>
         <p:spPr>
-          <a:xfrm rot="5400000">
-            <a:off x="7193206" y="2793447"/>
-            <a:ext cx="1454532" cy="2646707"/>
-          </a:xfrm>
-          <a:prstGeom prst="bentConnector2">
+          <a:xfrm flipH="1">
+            <a:off x="9243824" y="3389534"/>
+            <a:ext cx="1" cy="1125073"/>
+          </a:xfrm>
+          <a:prstGeom prst="straightConnector1">
             <a:avLst/>
           </a:prstGeom>
           <a:ln>
+            <a:headEnd type="triangle"/>
             <a:tailEnd type="triangle"/>
           </a:ln>
         </p:spPr>
@@ -20237,6 +20283,92 @@
           </a:fontRef>
         </p:style>
       </p:cxnSp>
+      <p:cxnSp>
+        <p:nvCxnSpPr>
+          <p:cNvPr id="19" name="Straight Arrow Connector 18">
+            <a:extLst>
+              <a:ext uri="{FF2B5EF4-FFF2-40B4-BE49-F238E27FC236}">
+                <a16:creationId xmlns:a16="http://schemas.microsoft.com/office/drawing/2014/main" id="{43EC170F-2E3A-0D4B-98EB-E0B09DC46EB7}"/>
+              </a:ext>
+            </a:extLst>
+          </p:cNvPr>
+          <p:cNvCxnSpPr>
+            <a:stCxn id="16" idx="1"/>
+            <a:endCxn id="15" idx="3"/>
+          </p:cNvCxnSpPr>
+          <p:nvPr/>
+        </p:nvCxnSpPr>
+        <p:spPr>
+          <a:xfrm flipH="1">
+            <a:off x="6597118" y="4837772"/>
+            <a:ext cx="1573056" cy="6294"/>
+          </a:xfrm>
+          <a:prstGeom prst="straightConnector1">
+            <a:avLst/>
+          </a:prstGeom>
+          <a:ln>
+            <a:headEnd type="triangle"/>
+            <a:tailEnd type="triangle"/>
+          </a:ln>
+        </p:spPr>
+        <p:style>
+          <a:lnRef idx="1">
+            <a:schemeClr val="accent1"/>
+          </a:lnRef>
+          <a:fillRef idx="0">
+            <a:schemeClr val="accent1"/>
+          </a:fillRef>
+          <a:effectRef idx="0">
+            <a:schemeClr val="accent1"/>
+          </a:effectRef>
+          <a:fontRef idx="minor">
+            <a:schemeClr val="tx1"/>
+          </a:fontRef>
+        </p:style>
+      </p:cxnSp>
+      <p:sp>
+        <p:nvSpPr>
+          <p:cNvPr id="21" name="TextBox 20">
+            <a:extLst>
+              <a:ext uri="{FF2B5EF4-FFF2-40B4-BE49-F238E27FC236}">
+                <a16:creationId xmlns:a16="http://schemas.microsoft.com/office/drawing/2014/main" id="{435E2A97-AD9D-FD4B-83FB-1256A432EE98}"/>
+              </a:ext>
+            </a:extLst>
+          </p:cNvPr>
+          <p:cNvSpPr txBox="1"/>
+          <p:nvPr/>
+        </p:nvSpPr>
+        <p:spPr>
+          <a:xfrm>
+            <a:off x="9086804" y="3752015"/>
+            <a:ext cx="1078786" cy="400110"/>
+          </a:xfrm>
+          <a:prstGeom prst="rect">
+            <a:avLst/>
+          </a:prstGeom>
+          <a:noFill/>
+        </p:spPr>
+        <p:txBody>
+          <a:bodyPr wrap="square" rtlCol="0">
+            <a:spAutoFit/>
+          </a:bodyPr>
+          <a:lstStyle/>
+          <a:p>
+            <a:pPr algn="ctr"/>
+            <a:r>
+              <a:rPr lang="en-DE" sz="1000" dirty="0"/>
+              <a:t>Executable</a:t>
+            </a:r>
+          </a:p>
+          <a:p>
+            <a:pPr algn="ctr"/>
+            <a:r>
+              <a:rPr lang="en-DE" sz="1000" dirty="0"/>
+              <a:t>Order</a:t>
+            </a:r>
+          </a:p>
+        </p:txBody>
+      </p:sp>
     </p:spTree>
     <p:extLst>
       <p:ext uri="{BB962C8B-B14F-4D97-AF65-F5344CB8AC3E}">
@@ -20510,7 +20642,7 @@
           <a:p>
             <a:r>
               <a:rPr lang="en-US" dirty="0"/>
-              <a:t>Telco Integrator – Use Case: Developer</a:t>
+              <a:t>Telco Integrator – Developer View</a:t>
             </a:r>
           </a:p>
         </p:txBody>
@@ -20545,7 +20677,14 @@
           <a:p>
             <a:r>
               <a:rPr lang="en-US" sz="1600" dirty="0"/>
-              <a:t>TBD</a:t>
+              <a:t>How does a developer benefit from the asset?</a:t>
+            </a:r>
+            <a:br>
+              <a:rPr lang="en-US" sz="1600" dirty="0"/>
+            </a:br>
+            <a:r>
+              <a:rPr lang="en-US" sz="1600" dirty="0"/>
+              <a:t>(based on the flow)</a:t>
             </a:r>
           </a:p>
           <a:p>
@@ -20826,7 +20965,7 @@
           <a:p>
             <a:r>
               <a:rPr lang="en-US" dirty="0"/>
-              <a:t>Telco Integrator – Use Case: Business User</a:t>
+              <a:t>Telco Integrator – Business User View</a:t>
             </a:r>
           </a:p>
         </p:txBody>
@@ -20861,7 +21000,7 @@
           <a:p>
             <a:r>
               <a:rPr lang="en-US" sz="1600" dirty="0"/>
-              <a:t>TBD</a:t>
+              <a:t>How does the business benefit from the asset?</a:t>
             </a:r>
           </a:p>
           <a:p>

--- a/Business/Telco Integrator - Business Case.pptx
+++ b/Business/Telco Integrator - Business Case.pptx
@@ -241,7 +241,7 @@
           <a:p>
             <a:fld id="{C2FFCE37-189F-5F45-AD20-00B1DF149488}" type="datetimeFigureOut">
               <a:rPr lang="en-DE" smtClean="0"/>
-              <a:t>29.06.21</a:t>
+              <a:t>30.06.21</a:t>
             </a:fld>
             <a:endParaRPr lang="en-DE"/>
           </a:p>
@@ -1062,7 +1062,7 @@
           <a:p>
             <a:fld id="{EA0C0817-A112-4847-8014-A94B7D2A4EA3}" type="datetime1">
               <a:rPr lang="en-US" smtClean="0"/>
-              <a:t>6/29/21</a:t>
+              <a:t>6/30/21</a:t>
             </a:fld>
             <a:endParaRPr lang="en-US" dirty="0"/>
           </a:p>
@@ -1264,7 +1264,7 @@
           <a:p>
             <a:fld id="{134F40B7-36AB-4376-BE14-EF7004D79BB9}" type="datetime1">
               <a:rPr lang="en-US" smtClean="0"/>
-              <a:t>6/29/21</a:t>
+              <a:t>6/30/21</a:t>
             </a:fld>
             <a:endParaRPr lang="en-US"/>
           </a:p>
@@ -1444,7 +1444,7 @@
           <a:p>
             <a:fld id="{FF87CAB8-DCAE-46A5-AADA-B3FAD11A54E0}" type="datetime1">
               <a:rPr lang="en-US" smtClean="0"/>
-              <a:t>6/29/21</a:t>
+              <a:t>6/30/21</a:t>
             </a:fld>
             <a:endParaRPr lang="en-US"/>
           </a:p>
@@ -1614,7 +1614,7 @@
           <a:p>
             <a:fld id="{7332B432-ACDA-4023-A761-2BAB76577B62}" type="datetime1">
               <a:rPr lang="en-US" smtClean="0"/>
-              <a:t>6/29/21</a:t>
+              <a:t>6/30/21</a:t>
             </a:fld>
             <a:endParaRPr lang="en-US"/>
           </a:p>
@@ -2213,7 +2213,7 @@
           <a:p>
             <a:fld id="{D9C646AA-F36E-4540-911D-FFFC0A0EF24A}" type="datetime1">
               <a:rPr lang="en-US" smtClean="0"/>
-              <a:t>6/29/21</a:t>
+              <a:t>6/30/21</a:t>
             </a:fld>
             <a:endParaRPr lang="en-US" dirty="0"/>
           </a:p>
@@ -2533,7 +2533,7 @@
           <a:p>
             <a:fld id="{69186D26-FA5F-4637-B602-B7C2DC34CFD4}" type="datetime1">
               <a:rPr lang="en-US" smtClean="0"/>
-              <a:t>6/29/21</a:t>
+              <a:t>6/30/21</a:t>
             </a:fld>
             <a:endParaRPr lang="en-US"/>
           </a:p>
@@ -2968,7 +2968,7 @@
           <a:p>
             <a:fld id="{8A7F15D8-96D1-4781-BC50-CA8A088B2FE4}" type="datetime1">
               <a:rPr lang="en-US" smtClean="0"/>
-              <a:t>6/29/21</a:t>
+              <a:t>6/30/21</a:t>
             </a:fld>
             <a:endParaRPr lang="en-US"/>
           </a:p>
@@ -3086,7 +3086,7 @@
           <a:p>
             <a:fld id="{F9A96C99-B8F8-4528-BD05-0E16E943DC09}" type="datetime1">
               <a:rPr lang="en-US" smtClean="0"/>
-              <a:t>6/29/21</a:t>
+              <a:t>6/30/21</a:t>
             </a:fld>
             <a:endParaRPr lang="en-US"/>
           </a:p>
@@ -3181,7 +3181,7 @@
           <a:p>
             <a:fld id="{03636942-C211-4B28-8DBD-C953E00AF71B}" type="datetime1">
               <a:rPr lang="en-US" smtClean="0"/>
-              <a:t>6/29/21</a:t>
+              <a:t>6/30/21</a:t>
             </a:fld>
             <a:endParaRPr lang="en-US"/>
           </a:p>
@@ -3598,7 +3598,7 @@
           <a:p>
             <a:fld id="{7E8D12A6-918A-48BD-8CB9-CA713993B0EA}" type="datetime1">
               <a:rPr lang="en-US" smtClean="0"/>
-              <a:t>6/29/21</a:t>
+              <a:t>6/30/21</a:t>
             </a:fld>
             <a:endParaRPr lang="en-US"/>
           </a:p>
@@ -3860,7 +3860,7 @@
             <a:fld id="{E778CE86-875F-4587-BCF6-FA054AFC0D53}" type="datetime1">
               <a:rPr lang="en-US" smtClean="0"/>
               <a:pPr/>
-              <a:t>6/29/21</a:t>
+              <a:t>6/30/21</a:t>
             </a:fld>
             <a:endParaRPr lang="en-US" dirty="0"/>
           </a:p>
@@ -4376,7 +4376,7 @@
           <a:p>
             <a:fld id="{F6FA2B21-3FCD-4721-B95C-427943F61125}" type="datetime1">
               <a:rPr lang="en-US" smtClean="0"/>
-              <a:t>6/29/21</a:t>
+              <a:t>6/30/21</a:t>
             </a:fld>
             <a:endParaRPr lang="en-US"/>
           </a:p>
@@ -7000,7 +7000,7 @@
           </a:ln>
           <a:extLst>
             <a:ext uri="{C572A759-6A51-4108-AA02-DFA0A04FC94B}">
-              <ma14:wrappingTextBoxFlag xmlns="" xmlns:m="http://schemas.openxmlformats.org/officeDocument/2006/math" xmlns:a14="http://schemas.microsoft.com/office/drawing/2010/main" xmlns:ma14="http://schemas.microsoft.com/office/mac/drawingml/2011/main" val="1"/>
+              <ma14:wrappingTextBoxFlag xmlns:ma14="http://schemas.microsoft.com/office/mac/drawingml/2011/main" xmlns:a14="http://schemas.microsoft.com/office/drawing/2010/main" xmlns:m="http://schemas.openxmlformats.org/officeDocument/2006/math" xmlns="" val="1"/>
             </a:ext>
           </a:extLst>
         </p:spPr>
@@ -7082,7 +7082,7 @@
           </a:ln>
           <a:extLst>
             <a:ext uri="{C572A759-6A51-4108-AA02-DFA0A04FC94B}">
-              <ma14:wrappingTextBoxFlag xmlns="" xmlns:m="http://schemas.openxmlformats.org/officeDocument/2006/math" xmlns:a14="http://schemas.microsoft.com/office/drawing/2010/main" xmlns:ma14="http://schemas.microsoft.com/office/mac/drawingml/2011/main" val="1"/>
+              <ma14:wrappingTextBoxFlag xmlns:ma14="http://schemas.microsoft.com/office/mac/drawingml/2011/main" xmlns:a14="http://schemas.microsoft.com/office/drawing/2010/main" xmlns:m="http://schemas.openxmlformats.org/officeDocument/2006/math" xmlns="" val="1"/>
             </a:ext>
           </a:extLst>
         </p:spPr>
@@ -7223,7 +7223,7 @@
             <a:effectLst/>
             <a:extLst>
               <a:ext uri="{C572A759-6A51-4108-AA02-DFA0A04FC94B}">
-                <ma14:wrappingTextBoxFlag xmlns="" xmlns:m="http://schemas.openxmlformats.org/officeDocument/2006/math" xmlns:a14="http://schemas.microsoft.com/office/drawing/2010/main" xmlns:ma14="http://schemas.microsoft.com/office/mac/drawingml/2011/main" val="1"/>
+                <ma14:wrappingTextBoxFlag xmlns:ma14="http://schemas.microsoft.com/office/mac/drawingml/2011/main" xmlns:a14="http://schemas.microsoft.com/office/drawing/2010/main" xmlns:m="http://schemas.openxmlformats.org/officeDocument/2006/math" xmlns="" val="1"/>
               </a:ext>
             </a:extLst>
           </p:spPr>
@@ -7329,7 +7329,7 @@
             <a:effectLst/>
             <a:extLst>
               <a:ext uri="{C572A759-6A51-4108-AA02-DFA0A04FC94B}">
-                <ma14:wrappingTextBoxFlag xmlns="" xmlns:m="http://schemas.openxmlformats.org/officeDocument/2006/math" xmlns:a14="http://schemas.microsoft.com/office/drawing/2010/main" xmlns:ma14="http://schemas.microsoft.com/office/mac/drawingml/2011/main" val="1"/>
+                <ma14:wrappingTextBoxFlag xmlns:ma14="http://schemas.microsoft.com/office/mac/drawingml/2011/main" xmlns:a14="http://schemas.microsoft.com/office/drawing/2010/main" xmlns:m="http://schemas.openxmlformats.org/officeDocument/2006/math" xmlns="" val="1"/>
               </a:ext>
             </a:extLst>
           </p:spPr>
@@ -7435,7 +7435,7 @@
             <a:effectLst/>
             <a:extLst>
               <a:ext uri="{C572A759-6A51-4108-AA02-DFA0A04FC94B}">
-                <ma14:wrappingTextBoxFlag xmlns="" xmlns:m="http://schemas.openxmlformats.org/officeDocument/2006/math" xmlns:a14="http://schemas.microsoft.com/office/drawing/2010/main" xmlns:ma14="http://schemas.microsoft.com/office/mac/drawingml/2011/main" val="1"/>
+                <ma14:wrappingTextBoxFlag xmlns:ma14="http://schemas.microsoft.com/office/mac/drawingml/2011/main" xmlns:a14="http://schemas.microsoft.com/office/drawing/2010/main" xmlns:m="http://schemas.openxmlformats.org/officeDocument/2006/math" xmlns="" val="1"/>
               </a:ext>
             </a:extLst>
           </p:spPr>
@@ -7575,7 +7575,7 @@
             <a:effectLst/>
             <a:extLst>
               <a:ext uri="{C572A759-6A51-4108-AA02-DFA0A04FC94B}">
-                <ma14:wrappingTextBoxFlag xmlns="" xmlns:m="http://schemas.openxmlformats.org/officeDocument/2006/math" xmlns:a14="http://schemas.microsoft.com/office/drawing/2010/main" xmlns:ma14="http://schemas.microsoft.com/office/mac/drawingml/2011/main" val="1"/>
+                <ma14:wrappingTextBoxFlag xmlns:ma14="http://schemas.microsoft.com/office/mac/drawingml/2011/main" xmlns:a14="http://schemas.microsoft.com/office/drawing/2010/main" xmlns:m="http://schemas.openxmlformats.org/officeDocument/2006/math" xmlns="" val="1"/>
               </a:ext>
             </a:extLst>
           </p:spPr>
@@ -7681,7 +7681,7 @@
             <a:effectLst/>
             <a:extLst>
               <a:ext uri="{C572A759-6A51-4108-AA02-DFA0A04FC94B}">
-                <ma14:wrappingTextBoxFlag xmlns="" xmlns:m="http://schemas.openxmlformats.org/officeDocument/2006/math" xmlns:a14="http://schemas.microsoft.com/office/drawing/2010/main" xmlns:ma14="http://schemas.microsoft.com/office/mac/drawingml/2011/main" val="1"/>
+                <ma14:wrappingTextBoxFlag xmlns:ma14="http://schemas.microsoft.com/office/mac/drawingml/2011/main" xmlns:a14="http://schemas.microsoft.com/office/drawing/2010/main" xmlns:m="http://schemas.openxmlformats.org/officeDocument/2006/math" xmlns="" val="1"/>
               </a:ext>
             </a:extLst>
           </p:spPr>
@@ -7821,7 +7821,7 @@
             <a:effectLst/>
             <a:extLst>
               <a:ext uri="{C572A759-6A51-4108-AA02-DFA0A04FC94B}">
-                <ma14:wrappingTextBoxFlag xmlns="" xmlns:m="http://schemas.openxmlformats.org/officeDocument/2006/math" xmlns:a14="http://schemas.microsoft.com/office/drawing/2010/main" xmlns:ma14="http://schemas.microsoft.com/office/mac/drawingml/2011/main" val="1"/>
+                <ma14:wrappingTextBoxFlag xmlns:ma14="http://schemas.microsoft.com/office/mac/drawingml/2011/main" xmlns:a14="http://schemas.microsoft.com/office/drawing/2010/main" xmlns:m="http://schemas.openxmlformats.org/officeDocument/2006/math" xmlns="" val="1"/>
               </a:ext>
             </a:extLst>
           </p:spPr>
@@ -7964,7 +7964,7 @@
               <a:effectLst/>
               <a:extLst>
                 <a:ext uri="{C572A759-6A51-4108-AA02-DFA0A04FC94B}">
-                  <ma14:wrappingTextBoxFlag xmlns="" xmlns:m="http://schemas.openxmlformats.org/officeDocument/2006/math" xmlns:a14="http://schemas.microsoft.com/office/drawing/2010/main" xmlns:ma14="http://schemas.microsoft.com/office/mac/drawingml/2011/main" val="1"/>
+                  <ma14:wrappingTextBoxFlag xmlns:ma14="http://schemas.microsoft.com/office/mac/drawingml/2011/main" xmlns:a14="http://schemas.microsoft.com/office/drawing/2010/main" xmlns:m="http://schemas.openxmlformats.org/officeDocument/2006/math" xmlns="" val="1"/>
                 </a:ext>
               </a:extLst>
             </p:spPr>
@@ -8104,7 +8104,7 @@
               <a:effectLst/>
               <a:extLst>
                 <a:ext uri="{C572A759-6A51-4108-AA02-DFA0A04FC94B}">
-                  <ma14:wrappingTextBoxFlag xmlns="" xmlns:m="http://schemas.openxmlformats.org/officeDocument/2006/math" xmlns:a14="http://schemas.microsoft.com/office/drawing/2010/main" xmlns:ma14="http://schemas.microsoft.com/office/mac/drawingml/2011/main" val="1"/>
+                  <ma14:wrappingTextBoxFlag xmlns:ma14="http://schemas.microsoft.com/office/mac/drawingml/2011/main" xmlns:a14="http://schemas.microsoft.com/office/drawing/2010/main" xmlns:m="http://schemas.openxmlformats.org/officeDocument/2006/math" xmlns="" val="1"/>
                 </a:ext>
               </a:extLst>
             </p:spPr>
@@ -8244,7 +8244,7 @@
               <a:effectLst/>
               <a:extLst>
                 <a:ext uri="{C572A759-6A51-4108-AA02-DFA0A04FC94B}">
-                  <ma14:wrappingTextBoxFlag xmlns="" xmlns:m="http://schemas.openxmlformats.org/officeDocument/2006/math" xmlns:a14="http://schemas.microsoft.com/office/drawing/2010/main" xmlns:ma14="http://schemas.microsoft.com/office/mac/drawingml/2011/main" val="1"/>
+                  <ma14:wrappingTextBoxFlag xmlns:ma14="http://schemas.microsoft.com/office/mac/drawingml/2011/main" xmlns:a14="http://schemas.microsoft.com/office/drawing/2010/main" xmlns:m="http://schemas.openxmlformats.org/officeDocument/2006/math" xmlns="" val="1"/>
                 </a:ext>
               </a:extLst>
             </p:spPr>
@@ -8384,7 +8384,7 @@
               <a:effectLst/>
               <a:extLst>
                 <a:ext uri="{C572A759-6A51-4108-AA02-DFA0A04FC94B}">
-                  <ma14:wrappingTextBoxFlag xmlns="" xmlns:m="http://schemas.openxmlformats.org/officeDocument/2006/math" xmlns:a14="http://schemas.microsoft.com/office/drawing/2010/main" xmlns:ma14="http://schemas.microsoft.com/office/mac/drawingml/2011/main" val="1"/>
+                  <ma14:wrappingTextBoxFlag xmlns:ma14="http://schemas.microsoft.com/office/mac/drawingml/2011/main" xmlns:a14="http://schemas.microsoft.com/office/drawing/2010/main" xmlns:m="http://schemas.openxmlformats.org/officeDocument/2006/math" xmlns="" val="1"/>
                 </a:ext>
               </a:extLst>
             </p:spPr>
@@ -8524,7 +8524,7 @@
               <a:effectLst/>
               <a:extLst>
                 <a:ext uri="{C572A759-6A51-4108-AA02-DFA0A04FC94B}">
-                  <ma14:wrappingTextBoxFlag xmlns="" xmlns:m="http://schemas.openxmlformats.org/officeDocument/2006/math" xmlns:a14="http://schemas.microsoft.com/office/drawing/2010/main" xmlns:ma14="http://schemas.microsoft.com/office/mac/drawingml/2011/main" val="1"/>
+                  <ma14:wrappingTextBoxFlag xmlns:ma14="http://schemas.microsoft.com/office/mac/drawingml/2011/main" xmlns:a14="http://schemas.microsoft.com/office/drawing/2010/main" xmlns:m="http://schemas.openxmlformats.org/officeDocument/2006/math" xmlns="" val="1"/>
                 </a:ext>
               </a:extLst>
             </p:spPr>
@@ -8664,7 +8664,7 @@
               <a:effectLst/>
               <a:extLst>
                 <a:ext uri="{C572A759-6A51-4108-AA02-DFA0A04FC94B}">
-                  <ma14:wrappingTextBoxFlag xmlns="" xmlns:m="http://schemas.openxmlformats.org/officeDocument/2006/math" xmlns:a14="http://schemas.microsoft.com/office/drawing/2010/main" xmlns:ma14="http://schemas.microsoft.com/office/mac/drawingml/2011/main" val="1"/>
+                  <ma14:wrappingTextBoxFlag xmlns:ma14="http://schemas.microsoft.com/office/mac/drawingml/2011/main" xmlns:a14="http://schemas.microsoft.com/office/drawing/2010/main" xmlns:m="http://schemas.openxmlformats.org/officeDocument/2006/math" xmlns="" val="1"/>
                 </a:ext>
               </a:extLst>
             </p:spPr>
@@ -8710,7 +8710,7 @@
           </a:ln>
           <a:extLst>
             <a:ext uri="{C572A759-6A51-4108-AA02-DFA0A04FC94B}">
-              <ma14:wrappingTextBoxFlag xmlns="" xmlns:m="http://schemas.openxmlformats.org/officeDocument/2006/math" xmlns:a14="http://schemas.microsoft.com/office/drawing/2010/main" xmlns:ma14="http://schemas.microsoft.com/office/mac/drawingml/2011/main" val="1"/>
+              <ma14:wrappingTextBoxFlag xmlns:ma14="http://schemas.microsoft.com/office/mac/drawingml/2011/main" xmlns:a14="http://schemas.microsoft.com/office/drawing/2010/main" xmlns:m="http://schemas.openxmlformats.org/officeDocument/2006/math" xmlns="" val="1"/>
             </a:ext>
           </a:extLst>
         </p:spPr>
@@ -8762,7 +8762,7 @@
           </a:ln>
           <a:extLst>
             <a:ext uri="{C572A759-6A51-4108-AA02-DFA0A04FC94B}">
-              <ma14:wrappingTextBoxFlag xmlns="" xmlns:m="http://schemas.openxmlformats.org/officeDocument/2006/math" xmlns:a14="http://schemas.microsoft.com/office/drawing/2010/main" xmlns:ma14="http://schemas.microsoft.com/office/mac/drawingml/2011/main" val="1"/>
+              <ma14:wrappingTextBoxFlag xmlns:ma14="http://schemas.microsoft.com/office/mac/drawingml/2011/main" xmlns:a14="http://schemas.microsoft.com/office/drawing/2010/main" xmlns:m="http://schemas.openxmlformats.org/officeDocument/2006/math" xmlns="" val="1"/>
             </a:ext>
           </a:extLst>
         </p:spPr>
@@ -8867,7 +8867,7 @@
             <a:effectLst/>
             <a:extLst>
               <a:ext uri="{C572A759-6A51-4108-AA02-DFA0A04FC94B}">
-                <ma14:wrappingTextBoxFlag xmlns="" xmlns:m="http://schemas.openxmlformats.org/officeDocument/2006/math" xmlns:a14="http://schemas.microsoft.com/office/drawing/2010/main" xmlns:ma14="http://schemas.microsoft.com/office/mac/drawingml/2011/main" val="1"/>
+                <ma14:wrappingTextBoxFlag xmlns:ma14="http://schemas.microsoft.com/office/mac/drawingml/2011/main" xmlns:a14="http://schemas.microsoft.com/office/drawing/2010/main" xmlns:m="http://schemas.openxmlformats.org/officeDocument/2006/math" xmlns="" val="1"/>
               </a:ext>
             </a:extLst>
           </p:spPr>
@@ -9123,7 +9123,7 @@
             <a:effectLst/>
             <a:extLst>
               <a:ext uri="{C572A759-6A51-4108-AA02-DFA0A04FC94B}">
-                <ma14:wrappingTextBoxFlag xmlns="" xmlns:m="http://schemas.openxmlformats.org/officeDocument/2006/math" xmlns:a14="http://schemas.microsoft.com/office/drawing/2010/main" xmlns:ma14="http://schemas.microsoft.com/office/mac/drawingml/2011/main" val="1"/>
+                <ma14:wrappingTextBoxFlag xmlns:ma14="http://schemas.microsoft.com/office/mac/drawingml/2011/main" xmlns:a14="http://schemas.microsoft.com/office/drawing/2010/main" xmlns:m="http://schemas.openxmlformats.org/officeDocument/2006/math" xmlns="" val="1"/>
               </a:ext>
             </a:extLst>
           </p:spPr>
@@ -9229,7 +9229,7 @@
             <a:effectLst/>
             <a:extLst>
               <a:ext uri="{C572A759-6A51-4108-AA02-DFA0A04FC94B}">
-                <ma14:wrappingTextBoxFlag xmlns="" xmlns:m="http://schemas.openxmlformats.org/officeDocument/2006/math" xmlns:a14="http://schemas.microsoft.com/office/drawing/2010/main" xmlns:ma14="http://schemas.microsoft.com/office/mac/drawingml/2011/main" val="1"/>
+                <ma14:wrappingTextBoxFlag xmlns:ma14="http://schemas.microsoft.com/office/mac/drawingml/2011/main" xmlns:a14="http://schemas.microsoft.com/office/drawing/2010/main" xmlns:m="http://schemas.openxmlformats.org/officeDocument/2006/math" xmlns="" val="1"/>
               </a:ext>
             </a:extLst>
           </p:spPr>
@@ -9335,7 +9335,7 @@
             <a:effectLst/>
             <a:extLst>
               <a:ext uri="{C572A759-6A51-4108-AA02-DFA0A04FC94B}">
-                <ma14:wrappingTextBoxFlag xmlns="" xmlns:m="http://schemas.openxmlformats.org/officeDocument/2006/math" xmlns:a14="http://schemas.microsoft.com/office/drawing/2010/main" xmlns:ma14="http://schemas.microsoft.com/office/mac/drawingml/2011/main" val="1"/>
+                <ma14:wrappingTextBoxFlag xmlns:ma14="http://schemas.microsoft.com/office/mac/drawingml/2011/main" xmlns:a14="http://schemas.microsoft.com/office/drawing/2010/main" xmlns:m="http://schemas.openxmlformats.org/officeDocument/2006/math" xmlns="" val="1"/>
               </a:ext>
             </a:extLst>
           </p:spPr>
@@ -9441,7 +9441,7 @@
             <a:effectLst/>
             <a:extLst>
               <a:ext uri="{C572A759-6A51-4108-AA02-DFA0A04FC94B}">
-                <ma14:wrappingTextBoxFlag xmlns="" xmlns:m="http://schemas.openxmlformats.org/officeDocument/2006/math" xmlns:a14="http://schemas.microsoft.com/office/drawing/2010/main" xmlns:ma14="http://schemas.microsoft.com/office/mac/drawingml/2011/main" val="1"/>
+                <ma14:wrappingTextBoxFlag xmlns:ma14="http://schemas.microsoft.com/office/mac/drawingml/2011/main" xmlns:a14="http://schemas.microsoft.com/office/drawing/2010/main" xmlns:m="http://schemas.openxmlformats.org/officeDocument/2006/math" xmlns="" val="1"/>
               </a:ext>
             </a:extLst>
           </p:spPr>
@@ -9547,7 +9547,7 @@
             <a:effectLst/>
             <a:extLst>
               <a:ext uri="{C572A759-6A51-4108-AA02-DFA0A04FC94B}">
-                <ma14:wrappingTextBoxFlag xmlns="" xmlns:m="http://schemas.openxmlformats.org/officeDocument/2006/math" xmlns:a14="http://schemas.microsoft.com/office/drawing/2010/main" xmlns:ma14="http://schemas.microsoft.com/office/mac/drawingml/2011/main" val="1"/>
+                <ma14:wrappingTextBoxFlag xmlns:ma14="http://schemas.microsoft.com/office/mac/drawingml/2011/main" xmlns:a14="http://schemas.microsoft.com/office/drawing/2010/main" xmlns:m="http://schemas.openxmlformats.org/officeDocument/2006/math" xmlns="" val="1"/>
               </a:ext>
             </a:extLst>
           </p:spPr>
@@ -9653,7 +9653,7 @@
             <a:effectLst/>
             <a:extLst>
               <a:ext uri="{C572A759-6A51-4108-AA02-DFA0A04FC94B}">
-                <ma14:wrappingTextBoxFlag xmlns="" xmlns:m="http://schemas.openxmlformats.org/officeDocument/2006/math" xmlns:a14="http://schemas.microsoft.com/office/drawing/2010/main" xmlns:ma14="http://schemas.microsoft.com/office/mac/drawingml/2011/main" val="1"/>
+                <ma14:wrappingTextBoxFlag xmlns:ma14="http://schemas.microsoft.com/office/mac/drawingml/2011/main" xmlns:a14="http://schemas.microsoft.com/office/drawing/2010/main" xmlns:m="http://schemas.openxmlformats.org/officeDocument/2006/math" xmlns="" val="1"/>
               </a:ext>
             </a:extLst>
           </p:spPr>
@@ -9759,7 +9759,7 @@
             <a:effectLst/>
             <a:extLst>
               <a:ext uri="{C572A759-6A51-4108-AA02-DFA0A04FC94B}">
-                <ma14:wrappingTextBoxFlag xmlns="" xmlns:m="http://schemas.openxmlformats.org/officeDocument/2006/math" xmlns:a14="http://schemas.microsoft.com/office/drawing/2010/main" xmlns:ma14="http://schemas.microsoft.com/office/mac/drawingml/2011/main" val="1"/>
+                <ma14:wrappingTextBoxFlag xmlns:ma14="http://schemas.microsoft.com/office/mac/drawingml/2011/main" xmlns:a14="http://schemas.microsoft.com/office/drawing/2010/main" xmlns:m="http://schemas.openxmlformats.org/officeDocument/2006/math" xmlns="" val="1"/>
               </a:ext>
             </a:extLst>
           </p:spPr>
@@ -9804,7 +9804,7 @@
           </a:ln>
           <a:extLst>
             <a:ext uri="{C572A759-6A51-4108-AA02-DFA0A04FC94B}">
-              <ma14:wrappingTextBoxFlag xmlns="" xmlns:m="http://schemas.openxmlformats.org/officeDocument/2006/math" xmlns:a14="http://schemas.microsoft.com/office/drawing/2010/main" xmlns:ma14="http://schemas.microsoft.com/office/mac/drawingml/2011/main" val="1"/>
+              <ma14:wrappingTextBoxFlag xmlns:ma14="http://schemas.microsoft.com/office/mac/drawingml/2011/main" xmlns:a14="http://schemas.microsoft.com/office/drawing/2010/main" xmlns:m="http://schemas.openxmlformats.org/officeDocument/2006/math" xmlns="" val="1"/>
             </a:ext>
           </a:extLst>
         </p:spPr>
@@ -9844,7 +9844,7 @@
           </a:ln>
           <a:extLst>
             <a:ext uri="{C572A759-6A51-4108-AA02-DFA0A04FC94B}">
-              <ma14:wrappingTextBoxFlag xmlns="" xmlns:m="http://schemas.openxmlformats.org/officeDocument/2006/math" xmlns:a14="http://schemas.microsoft.com/office/drawing/2010/main" xmlns:ma14="http://schemas.microsoft.com/office/mac/drawingml/2011/main" val="1"/>
+              <ma14:wrappingTextBoxFlag xmlns:ma14="http://schemas.microsoft.com/office/mac/drawingml/2011/main" xmlns:a14="http://schemas.microsoft.com/office/drawing/2010/main" xmlns:m="http://schemas.openxmlformats.org/officeDocument/2006/math" xmlns="" val="1"/>
             </a:ext>
           </a:extLst>
         </p:spPr>
@@ -9884,7 +9884,7 @@
           </a:ln>
           <a:extLst>
             <a:ext uri="{C572A759-6A51-4108-AA02-DFA0A04FC94B}">
-              <ma14:wrappingTextBoxFlag xmlns="" xmlns:m="http://schemas.openxmlformats.org/officeDocument/2006/math" xmlns:a14="http://schemas.microsoft.com/office/drawing/2010/main" xmlns:ma14="http://schemas.microsoft.com/office/mac/drawingml/2011/main" val="1"/>
+              <ma14:wrappingTextBoxFlag xmlns:ma14="http://schemas.microsoft.com/office/mac/drawingml/2011/main" xmlns:a14="http://schemas.microsoft.com/office/drawing/2010/main" xmlns:m="http://schemas.openxmlformats.org/officeDocument/2006/math" xmlns="" val="1"/>
             </a:ext>
           </a:extLst>
         </p:spPr>
@@ -9926,7 +9926,7 @@
           </a:ln>
           <a:extLst>
             <a:ext uri="{C572A759-6A51-4108-AA02-DFA0A04FC94B}">
-              <ma14:wrappingTextBoxFlag xmlns="" xmlns:m="http://schemas.openxmlformats.org/officeDocument/2006/math" xmlns:a14="http://schemas.microsoft.com/office/drawing/2010/main" xmlns:ma14="http://schemas.microsoft.com/office/mac/drawingml/2011/main" val="1"/>
+              <ma14:wrappingTextBoxFlag xmlns:ma14="http://schemas.microsoft.com/office/mac/drawingml/2011/main" xmlns:a14="http://schemas.microsoft.com/office/drawing/2010/main" xmlns:m="http://schemas.openxmlformats.org/officeDocument/2006/math" xmlns="" val="1"/>
             </a:ext>
           </a:extLst>
         </p:spPr>
@@ -9978,7 +9978,7 @@
           </a:ln>
           <a:extLst>
             <a:ext uri="{C572A759-6A51-4108-AA02-DFA0A04FC94B}">
-              <ma14:wrappingTextBoxFlag xmlns="" xmlns:m="http://schemas.openxmlformats.org/officeDocument/2006/math" xmlns:a14="http://schemas.microsoft.com/office/drawing/2010/main" xmlns:ma14="http://schemas.microsoft.com/office/mac/drawingml/2011/main" val="1"/>
+              <ma14:wrappingTextBoxFlag xmlns:ma14="http://schemas.microsoft.com/office/mac/drawingml/2011/main" xmlns:a14="http://schemas.microsoft.com/office/drawing/2010/main" xmlns:m="http://schemas.openxmlformats.org/officeDocument/2006/math" xmlns="" val="1"/>
             </a:ext>
           </a:extLst>
         </p:spPr>
@@ -10102,7 +10102,7 @@
           </a:ln>
           <a:extLst>
             <a:ext uri="{C572A759-6A51-4108-AA02-DFA0A04FC94B}">
-              <ma14:wrappingTextBoxFlag xmlns="" xmlns:m="http://schemas.openxmlformats.org/officeDocument/2006/math" xmlns:a14="http://schemas.microsoft.com/office/drawing/2010/main" xmlns:ma14="http://schemas.microsoft.com/office/mac/drawingml/2011/main" val="1"/>
+              <ma14:wrappingTextBoxFlag xmlns:ma14="http://schemas.microsoft.com/office/mac/drawingml/2011/main" xmlns:a14="http://schemas.microsoft.com/office/drawing/2010/main" xmlns:m="http://schemas.openxmlformats.org/officeDocument/2006/math" xmlns="" val="1"/>
             </a:ext>
           </a:extLst>
         </p:spPr>
@@ -10215,7 +10215,7 @@
             <a:effectLst/>
             <a:extLst>
               <a:ext uri="{C572A759-6A51-4108-AA02-DFA0A04FC94B}">
-                <ma14:wrappingTextBoxFlag xmlns="" xmlns:m="http://schemas.openxmlformats.org/officeDocument/2006/math" xmlns:a14="http://schemas.microsoft.com/office/drawing/2010/main" xmlns:ma14="http://schemas.microsoft.com/office/mac/drawingml/2011/main" val="1"/>
+                <ma14:wrappingTextBoxFlag xmlns:ma14="http://schemas.microsoft.com/office/mac/drawingml/2011/main" xmlns:a14="http://schemas.microsoft.com/office/drawing/2010/main" xmlns:m="http://schemas.openxmlformats.org/officeDocument/2006/math" xmlns="" val="1"/>
               </a:ext>
             </a:extLst>
           </p:spPr>
@@ -10321,7 +10321,7 @@
             <a:effectLst/>
             <a:extLst>
               <a:ext uri="{C572A759-6A51-4108-AA02-DFA0A04FC94B}">
-                <ma14:wrappingTextBoxFlag xmlns="" xmlns:m="http://schemas.openxmlformats.org/officeDocument/2006/math" xmlns:a14="http://schemas.microsoft.com/office/drawing/2010/main" xmlns:ma14="http://schemas.microsoft.com/office/mac/drawingml/2011/main" val="1"/>
+                <ma14:wrappingTextBoxFlag xmlns:ma14="http://schemas.microsoft.com/office/mac/drawingml/2011/main" xmlns:a14="http://schemas.microsoft.com/office/drawing/2010/main" xmlns:m="http://schemas.openxmlformats.org/officeDocument/2006/math" xmlns="" val="1"/>
               </a:ext>
             </a:extLst>
           </p:spPr>
@@ -10427,7 +10427,7 @@
             <a:effectLst/>
             <a:extLst>
               <a:ext uri="{C572A759-6A51-4108-AA02-DFA0A04FC94B}">
-                <ma14:wrappingTextBoxFlag xmlns="" xmlns:m="http://schemas.openxmlformats.org/officeDocument/2006/math" xmlns:a14="http://schemas.microsoft.com/office/drawing/2010/main" xmlns:ma14="http://schemas.microsoft.com/office/mac/drawingml/2011/main" val="1"/>
+                <ma14:wrappingTextBoxFlag xmlns:ma14="http://schemas.microsoft.com/office/mac/drawingml/2011/main" xmlns:a14="http://schemas.microsoft.com/office/drawing/2010/main" xmlns:m="http://schemas.openxmlformats.org/officeDocument/2006/math" xmlns="" val="1"/>
               </a:ext>
             </a:extLst>
           </p:spPr>
@@ -10579,7 +10579,7 @@
             <a:effectLst/>
             <a:extLst>
               <a:ext uri="{C572A759-6A51-4108-AA02-DFA0A04FC94B}">
-                <ma14:wrappingTextBoxFlag xmlns="" xmlns:m="http://schemas.openxmlformats.org/officeDocument/2006/math" xmlns:a14="http://schemas.microsoft.com/office/drawing/2010/main" xmlns:ma14="http://schemas.microsoft.com/office/mac/drawingml/2011/main" val="1"/>
+                <ma14:wrappingTextBoxFlag xmlns:ma14="http://schemas.microsoft.com/office/mac/drawingml/2011/main" xmlns:a14="http://schemas.microsoft.com/office/drawing/2010/main" xmlns:m="http://schemas.openxmlformats.org/officeDocument/2006/math" xmlns="" val="1"/>
               </a:ext>
             </a:extLst>
           </p:spPr>
@@ -11043,7 +11043,7 @@
             <a:effectLst/>
             <a:extLst>
               <a:ext uri="{C572A759-6A51-4108-AA02-DFA0A04FC94B}">
-                <ma14:wrappingTextBoxFlag xmlns="" xmlns:m="http://schemas.openxmlformats.org/officeDocument/2006/math" xmlns:a14="http://schemas.microsoft.com/office/drawing/2010/main" xmlns:ma14="http://schemas.microsoft.com/office/mac/drawingml/2011/main" val="1"/>
+                <ma14:wrappingTextBoxFlag xmlns:ma14="http://schemas.microsoft.com/office/mac/drawingml/2011/main" xmlns:a14="http://schemas.microsoft.com/office/drawing/2010/main" xmlns:m="http://schemas.openxmlformats.org/officeDocument/2006/math" xmlns="" val="1"/>
               </a:ext>
             </a:extLst>
           </p:spPr>
@@ -11149,7 +11149,7 @@
             <a:effectLst/>
             <a:extLst>
               <a:ext uri="{C572A759-6A51-4108-AA02-DFA0A04FC94B}">
-                <ma14:wrappingTextBoxFlag xmlns="" xmlns:m="http://schemas.openxmlformats.org/officeDocument/2006/math" xmlns:a14="http://schemas.microsoft.com/office/drawing/2010/main" xmlns:ma14="http://schemas.microsoft.com/office/mac/drawingml/2011/main" val="1"/>
+                <ma14:wrappingTextBoxFlag xmlns:ma14="http://schemas.microsoft.com/office/mac/drawingml/2011/main" xmlns:a14="http://schemas.microsoft.com/office/drawing/2010/main" xmlns:m="http://schemas.openxmlformats.org/officeDocument/2006/math" xmlns="" val="1"/>
               </a:ext>
             </a:extLst>
           </p:spPr>
@@ -11255,7 +11255,7 @@
             <a:effectLst/>
             <a:extLst>
               <a:ext uri="{C572A759-6A51-4108-AA02-DFA0A04FC94B}">
-                <ma14:wrappingTextBoxFlag xmlns="" xmlns:m="http://schemas.openxmlformats.org/officeDocument/2006/math" xmlns:a14="http://schemas.microsoft.com/office/drawing/2010/main" xmlns:ma14="http://schemas.microsoft.com/office/mac/drawingml/2011/main" val="1"/>
+                <ma14:wrappingTextBoxFlag xmlns:ma14="http://schemas.microsoft.com/office/mac/drawingml/2011/main" xmlns:a14="http://schemas.microsoft.com/office/drawing/2010/main" xmlns:m="http://schemas.openxmlformats.org/officeDocument/2006/math" xmlns="" val="1"/>
               </a:ext>
             </a:extLst>
           </p:spPr>
@@ -11386,7 +11386,7 @@
           </a:ln>
           <a:extLst>
             <a:ext uri="{C572A759-6A51-4108-AA02-DFA0A04FC94B}">
-              <ma14:wrappingTextBoxFlag xmlns="" xmlns:m="http://schemas.openxmlformats.org/officeDocument/2006/math" xmlns:a14="http://schemas.microsoft.com/office/drawing/2010/main" xmlns:ma14="http://schemas.microsoft.com/office/mac/drawingml/2011/main" val="1"/>
+              <ma14:wrappingTextBoxFlag xmlns:ma14="http://schemas.microsoft.com/office/mac/drawingml/2011/main" xmlns:a14="http://schemas.microsoft.com/office/drawing/2010/main" xmlns:m="http://schemas.openxmlformats.org/officeDocument/2006/math" xmlns="" val="1"/>
             </a:ext>
           </a:extLst>
         </p:spPr>
@@ -11428,7 +11428,7 @@
           </a:ln>
           <a:extLst>
             <a:ext uri="{C572A759-6A51-4108-AA02-DFA0A04FC94B}">
-              <ma14:wrappingTextBoxFlag xmlns="" xmlns:m="http://schemas.openxmlformats.org/officeDocument/2006/math" xmlns:a14="http://schemas.microsoft.com/office/drawing/2010/main" xmlns:ma14="http://schemas.microsoft.com/office/mac/drawingml/2011/main" val="1"/>
+              <ma14:wrappingTextBoxFlag xmlns:ma14="http://schemas.microsoft.com/office/mac/drawingml/2011/main" xmlns:a14="http://schemas.microsoft.com/office/drawing/2010/main" xmlns:m="http://schemas.openxmlformats.org/officeDocument/2006/math" xmlns="" val="1"/>
             </a:ext>
           </a:extLst>
         </p:spPr>
@@ -11505,7 +11505,7 @@
           </a:ln>
           <a:extLst>
             <a:ext uri="{C572A759-6A51-4108-AA02-DFA0A04FC94B}">
-              <ma14:wrappingTextBoxFlag xmlns="" xmlns:m="http://schemas.openxmlformats.org/officeDocument/2006/math" xmlns:a14="http://schemas.microsoft.com/office/drawing/2010/main" xmlns:ma14="http://schemas.microsoft.com/office/mac/drawingml/2011/main" val="1"/>
+              <ma14:wrappingTextBoxFlag xmlns:ma14="http://schemas.microsoft.com/office/mac/drawingml/2011/main" xmlns:a14="http://schemas.microsoft.com/office/drawing/2010/main" xmlns:m="http://schemas.openxmlformats.org/officeDocument/2006/math" xmlns="" val="1"/>
             </a:ext>
           </a:extLst>
         </p:spPr>
@@ -11773,7 +11773,7 @@
           </a:ln>
           <a:extLst>
             <a:ext uri="{C572A759-6A51-4108-AA02-DFA0A04FC94B}">
-              <ma14:wrappingTextBoxFlag xmlns="" xmlns:m="http://schemas.openxmlformats.org/officeDocument/2006/math" xmlns:a14="http://schemas.microsoft.com/office/drawing/2010/main" xmlns:ma14="http://schemas.microsoft.com/office/mac/drawingml/2011/main" val="1"/>
+              <ma14:wrappingTextBoxFlag xmlns:ma14="http://schemas.microsoft.com/office/mac/drawingml/2011/main" xmlns:a14="http://schemas.microsoft.com/office/drawing/2010/main" xmlns:m="http://schemas.openxmlformats.org/officeDocument/2006/math" xmlns="" val="1"/>
             </a:ext>
           </a:extLst>
         </p:spPr>
@@ -11874,7 +11874,7 @@
             <a:effectLst/>
             <a:extLst>
               <a:ext uri="{C572A759-6A51-4108-AA02-DFA0A04FC94B}">
-                <ma14:wrappingTextBoxFlag xmlns="" xmlns:m="http://schemas.openxmlformats.org/officeDocument/2006/math" xmlns:a14="http://schemas.microsoft.com/office/drawing/2010/main" xmlns:ma14="http://schemas.microsoft.com/office/mac/drawingml/2011/main" val="1"/>
+                <ma14:wrappingTextBoxFlag xmlns:ma14="http://schemas.microsoft.com/office/mac/drawingml/2011/main" xmlns:a14="http://schemas.microsoft.com/office/drawing/2010/main" xmlns:m="http://schemas.openxmlformats.org/officeDocument/2006/math" xmlns="" val="1"/>
               </a:ext>
             </a:extLst>
           </p:spPr>
@@ -11980,7 +11980,7 @@
             <a:effectLst/>
             <a:extLst>
               <a:ext uri="{C572A759-6A51-4108-AA02-DFA0A04FC94B}">
-                <ma14:wrappingTextBoxFlag xmlns="" xmlns:m="http://schemas.openxmlformats.org/officeDocument/2006/math" xmlns:a14="http://schemas.microsoft.com/office/drawing/2010/main" xmlns:ma14="http://schemas.microsoft.com/office/mac/drawingml/2011/main" val="1"/>
+                <ma14:wrappingTextBoxFlag xmlns:ma14="http://schemas.microsoft.com/office/mac/drawingml/2011/main" xmlns:a14="http://schemas.microsoft.com/office/drawing/2010/main" xmlns:m="http://schemas.openxmlformats.org/officeDocument/2006/math" xmlns="" val="1"/>
               </a:ext>
             </a:extLst>
           </p:spPr>
@@ -12086,7 +12086,7 @@
             <a:effectLst/>
             <a:extLst>
               <a:ext uri="{C572A759-6A51-4108-AA02-DFA0A04FC94B}">
-                <ma14:wrappingTextBoxFlag xmlns="" xmlns:m="http://schemas.openxmlformats.org/officeDocument/2006/math" xmlns:a14="http://schemas.microsoft.com/office/drawing/2010/main" xmlns:ma14="http://schemas.microsoft.com/office/mac/drawingml/2011/main" val="1"/>
+                <ma14:wrappingTextBoxFlag xmlns:ma14="http://schemas.microsoft.com/office/mac/drawingml/2011/main" xmlns:a14="http://schemas.microsoft.com/office/drawing/2010/main" xmlns:m="http://schemas.openxmlformats.org/officeDocument/2006/math" xmlns="" val="1"/>
               </a:ext>
             </a:extLst>
           </p:spPr>
@@ -12226,7 +12226,7 @@
             <a:effectLst/>
             <a:extLst>
               <a:ext uri="{C572A759-6A51-4108-AA02-DFA0A04FC94B}">
-                <ma14:wrappingTextBoxFlag xmlns="" xmlns:m="http://schemas.openxmlformats.org/officeDocument/2006/math" xmlns:a14="http://schemas.microsoft.com/office/drawing/2010/main" xmlns:ma14="http://schemas.microsoft.com/office/mac/drawingml/2011/main" val="1"/>
+                <ma14:wrappingTextBoxFlag xmlns:ma14="http://schemas.microsoft.com/office/mac/drawingml/2011/main" xmlns:a14="http://schemas.microsoft.com/office/drawing/2010/main" xmlns:m="http://schemas.openxmlformats.org/officeDocument/2006/math" xmlns="" val="1"/>
               </a:ext>
             </a:extLst>
           </p:spPr>
@@ -12332,7 +12332,7 @@
             <a:effectLst/>
             <a:extLst>
               <a:ext uri="{C572A759-6A51-4108-AA02-DFA0A04FC94B}">
-                <ma14:wrappingTextBoxFlag xmlns="" xmlns:m="http://schemas.openxmlformats.org/officeDocument/2006/math" xmlns:a14="http://schemas.microsoft.com/office/drawing/2010/main" xmlns:ma14="http://schemas.microsoft.com/office/mac/drawingml/2011/main" val="1"/>
+                <ma14:wrappingTextBoxFlag xmlns:ma14="http://schemas.microsoft.com/office/mac/drawingml/2011/main" xmlns:a14="http://schemas.microsoft.com/office/drawing/2010/main" xmlns:m="http://schemas.openxmlformats.org/officeDocument/2006/math" xmlns="" val="1"/>
               </a:ext>
             </a:extLst>
           </p:spPr>
@@ -12438,7 +12438,7 @@
             <a:effectLst/>
             <a:extLst>
               <a:ext uri="{C572A759-6A51-4108-AA02-DFA0A04FC94B}">
-                <ma14:wrappingTextBoxFlag xmlns="" xmlns:m="http://schemas.openxmlformats.org/officeDocument/2006/math" xmlns:a14="http://schemas.microsoft.com/office/drawing/2010/main" xmlns:ma14="http://schemas.microsoft.com/office/mac/drawingml/2011/main" val="1"/>
+                <ma14:wrappingTextBoxFlag xmlns:ma14="http://schemas.microsoft.com/office/mac/drawingml/2011/main" xmlns:a14="http://schemas.microsoft.com/office/drawing/2010/main" xmlns:m="http://schemas.openxmlformats.org/officeDocument/2006/math" xmlns="" val="1"/>
               </a:ext>
             </a:extLst>
           </p:spPr>
@@ -12540,7 +12540,7 @@
             <a:effectLst/>
             <a:extLst>
               <a:ext uri="{C572A759-6A51-4108-AA02-DFA0A04FC94B}">
-                <ma14:wrappingTextBoxFlag xmlns="" xmlns:m="http://schemas.openxmlformats.org/officeDocument/2006/math" xmlns:a14="http://schemas.microsoft.com/office/drawing/2010/main" xmlns:ma14="http://schemas.microsoft.com/office/mac/drawingml/2011/main" val="1"/>
+                <ma14:wrappingTextBoxFlag xmlns:ma14="http://schemas.microsoft.com/office/mac/drawingml/2011/main" xmlns:a14="http://schemas.microsoft.com/office/drawing/2010/main" xmlns:m="http://schemas.openxmlformats.org/officeDocument/2006/math" xmlns="" val="1"/>
               </a:ext>
             </a:extLst>
           </p:spPr>
@@ -12659,7 +12659,7 @@
             <a:effectLst/>
             <a:extLst>
               <a:ext uri="{C572A759-6A51-4108-AA02-DFA0A04FC94B}">
-                <ma14:wrappingTextBoxFlag xmlns="" xmlns:m="http://schemas.openxmlformats.org/officeDocument/2006/math" xmlns:a14="http://schemas.microsoft.com/office/drawing/2010/main" xmlns:ma14="http://schemas.microsoft.com/office/mac/drawingml/2011/main" val="1"/>
+                <ma14:wrappingTextBoxFlag xmlns:ma14="http://schemas.microsoft.com/office/mac/drawingml/2011/main" xmlns:a14="http://schemas.microsoft.com/office/drawing/2010/main" xmlns:m="http://schemas.openxmlformats.org/officeDocument/2006/math" xmlns="" val="1"/>
               </a:ext>
             </a:extLst>
           </p:spPr>
@@ -12774,7 +12774,7 @@
             <a:effectLst/>
             <a:extLst>
               <a:ext uri="{C572A759-6A51-4108-AA02-DFA0A04FC94B}">
-                <ma14:wrappingTextBoxFlag xmlns="" xmlns:m="http://schemas.openxmlformats.org/officeDocument/2006/math" xmlns:a14="http://schemas.microsoft.com/office/drawing/2010/main" xmlns:ma14="http://schemas.microsoft.com/office/mac/drawingml/2011/main" val="1"/>
+                <ma14:wrappingTextBoxFlag xmlns:ma14="http://schemas.microsoft.com/office/mac/drawingml/2011/main" xmlns:a14="http://schemas.microsoft.com/office/drawing/2010/main" xmlns:m="http://schemas.openxmlformats.org/officeDocument/2006/math" xmlns="" val="1"/>
               </a:ext>
             </a:extLst>
           </p:spPr>
@@ -13092,7 +13092,7 @@
           </a:ln>
           <a:extLst>
             <a:ext uri="{C572A759-6A51-4108-AA02-DFA0A04FC94B}">
-              <ma14:wrappingTextBoxFlag xmlns="" xmlns:m="http://schemas.openxmlformats.org/officeDocument/2006/math" xmlns:a14="http://schemas.microsoft.com/office/drawing/2010/main" xmlns:ma14="http://schemas.microsoft.com/office/mac/drawingml/2011/main" val="1"/>
+              <ma14:wrappingTextBoxFlag xmlns:ma14="http://schemas.microsoft.com/office/mac/drawingml/2011/main" xmlns:a14="http://schemas.microsoft.com/office/drawing/2010/main" xmlns:m="http://schemas.openxmlformats.org/officeDocument/2006/math" xmlns="" val="1"/>
             </a:ext>
           </a:extLst>
         </p:spPr>
@@ -13199,7 +13199,7 @@
           </a:ln>
           <a:extLst>
             <a:ext uri="{C572A759-6A51-4108-AA02-DFA0A04FC94B}">
-              <ma14:wrappingTextBoxFlag xmlns="" xmlns:m="http://schemas.openxmlformats.org/officeDocument/2006/math" xmlns:a14="http://schemas.microsoft.com/office/drawing/2010/main" xmlns:ma14="http://schemas.microsoft.com/office/mac/drawingml/2011/main" val="1"/>
+              <ma14:wrappingTextBoxFlag xmlns:ma14="http://schemas.microsoft.com/office/mac/drawingml/2011/main" xmlns:a14="http://schemas.microsoft.com/office/drawing/2010/main" xmlns:m="http://schemas.openxmlformats.org/officeDocument/2006/math" xmlns="" val="1"/>
             </a:ext>
           </a:extLst>
         </p:spPr>
@@ -13385,7 +13385,7 @@
             <a:effectLst/>
             <a:extLst>
               <a:ext uri="{C572A759-6A51-4108-AA02-DFA0A04FC94B}">
-                <ma14:wrappingTextBoxFlag xmlns="" xmlns:m="http://schemas.openxmlformats.org/officeDocument/2006/math" xmlns:a14="http://schemas.microsoft.com/office/drawing/2010/main" xmlns:ma14="http://schemas.microsoft.com/office/mac/drawingml/2011/main" val="1"/>
+                <ma14:wrappingTextBoxFlag xmlns:ma14="http://schemas.microsoft.com/office/mac/drawingml/2011/main" xmlns:a14="http://schemas.microsoft.com/office/drawing/2010/main" xmlns:m="http://schemas.openxmlformats.org/officeDocument/2006/math" xmlns="" val="1"/>
               </a:ext>
             </a:extLst>
           </p:spPr>
@@ -13520,7 +13520,7 @@
               <a:effectLst/>
               <a:extLst>
                 <a:ext uri="{C572A759-6A51-4108-AA02-DFA0A04FC94B}">
-                  <ma14:wrappingTextBoxFlag xmlns="" xmlns:m="http://schemas.openxmlformats.org/officeDocument/2006/math" xmlns:a14="http://schemas.microsoft.com/office/drawing/2010/main" xmlns:ma14="http://schemas.microsoft.com/office/mac/drawingml/2011/main" val="1"/>
+                  <ma14:wrappingTextBoxFlag xmlns:ma14="http://schemas.microsoft.com/office/mac/drawingml/2011/main" xmlns:a14="http://schemas.microsoft.com/office/drawing/2010/main" xmlns:m="http://schemas.openxmlformats.org/officeDocument/2006/math" xmlns="" val="1"/>
                 </a:ext>
               </a:extLst>
             </p:spPr>
@@ -13633,7 +13633,7 @@
             <a:effectLst/>
             <a:extLst>
               <a:ext uri="{C572A759-6A51-4108-AA02-DFA0A04FC94B}">
-                <ma14:wrappingTextBoxFlag xmlns="" xmlns:m="http://schemas.openxmlformats.org/officeDocument/2006/math" xmlns:a14="http://schemas.microsoft.com/office/drawing/2010/main" xmlns:ma14="http://schemas.microsoft.com/office/mac/drawingml/2011/main" val="1"/>
+                <ma14:wrappingTextBoxFlag xmlns:ma14="http://schemas.microsoft.com/office/mac/drawingml/2011/main" xmlns:a14="http://schemas.microsoft.com/office/drawing/2010/main" xmlns:m="http://schemas.openxmlformats.org/officeDocument/2006/math" xmlns="" val="1"/>
               </a:ext>
             </a:extLst>
           </p:spPr>
@@ -13676,7 +13676,7 @@
             <a:effectLst/>
             <a:extLst>
               <a:ext uri="{C572A759-6A51-4108-AA02-DFA0A04FC94B}">
-                <ma14:wrappingTextBoxFlag xmlns="" xmlns:m="http://schemas.openxmlformats.org/officeDocument/2006/math" xmlns:a14="http://schemas.microsoft.com/office/drawing/2010/main" xmlns:ma14="http://schemas.microsoft.com/office/mac/drawingml/2011/main" val="1"/>
+                <ma14:wrappingTextBoxFlag xmlns:ma14="http://schemas.microsoft.com/office/mac/drawingml/2011/main" xmlns:a14="http://schemas.microsoft.com/office/drawing/2010/main" xmlns:m="http://schemas.openxmlformats.org/officeDocument/2006/math" xmlns="" val="1"/>
               </a:ext>
             </a:extLst>
           </p:spPr>
@@ -13719,7 +13719,7 @@
             <a:effectLst/>
             <a:extLst>
               <a:ext uri="{C572A759-6A51-4108-AA02-DFA0A04FC94B}">
-                <ma14:wrappingTextBoxFlag xmlns="" xmlns:m="http://schemas.openxmlformats.org/officeDocument/2006/math" xmlns:a14="http://schemas.microsoft.com/office/drawing/2010/main" xmlns:ma14="http://schemas.microsoft.com/office/mac/drawingml/2011/main" val="1"/>
+                <ma14:wrappingTextBoxFlag xmlns:ma14="http://schemas.microsoft.com/office/mac/drawingml/2011/main" xmlns:a14="http://schemas.microsoft.com/office/drawing/2010/main" xmlns:m="http://schemas.openxmlformats.org/officeDocument/2006/math" xmlns="" val="1"/>
               </a:ext>
             </a:extLst>
           </p:spPr>
@@ -13812,7 +13812,7 @@
             <a:effectLst/>
             <a:extLst>
               <a:ext uri="{C572A759-6A51-4108-AA02-DFA0A04FC94B}">
-                <ma14:wrappingTextBoxFlag xmlns="" xmlns:m="http://schemas.openxmlformats.org/officeDocument/2006/math" xmlns:a14="http://schemas.microsoft.com/office/drawing/2010/main" xmlns:ma14="http://schemas.microsoft.com/office/mac/drawingml/2011/main" val="1"/>
+                <ma14:wrappingTextBoxFlag xmlns:ma14="http://schemas.microsoft.com/office/mac/drawingml/2011/main" xmlns:a14="http://schemas.microsoft.com/office/drawing/2010/main" xmlns:m="http://schemas.openxmlformats.org/officeDocument/2006/math" xmlns="" val="1"/>
               </a:ext>
             </a:extLst>
           </p:spPr>
@@ -13866,7 +13866,7 @@
             <a:effectLst/>
             <a:extLst>
               <a:ext uri="{C572A759-6A51-4108-AA02-DFA0A04FC94B}">
-                <ma14:wrappingTextBoxFlag xmlns="" xmlns:m="http://schemas.openxmlformats.org/officeDocument/2006/math" xmlns:a14="http://schemas.microsoft.com/office/drawing/2010/main" xmlns:ma14="http://schemas.microsoft.com/office/mac/drawingml/2011/main" val="1"/>
+                <ma14:wrappingTextBoxFlag xmlns:ma14="http://schemas.microsoft.com/office/mac/drawingml/2011/main" xmlns:a14="http://schemas.microsoft.com/office/drawing/2010/main" xmlns:m="http://schemas.openxmlformats.org/officeDocument/2006/math" xmlns="" val="1"/>
               </a:ext>
             </a:extLst>
           </p:spPr>
@@ -13982,7 +13982,7 @@
             <a:effectLst/>
             <a:extLst>
               <a:ext uri="{C572A759-6A51-4108-AA02-DFA0A04FC94B}">
-                <ma14:wrappingTextBoxFlag xmlns="" xmlns:m="http://schemas.openxmlformats.org/officeDocument/2006/math" xmlns:a14="http://schemas.microsoft.com/office/drawing/2010/main" xmlns:ma14="http://schemas.microsoft.com/office/mac/drawingml/2011/main" val="1"/>
+                <ma14:wrappingTextBoxFlag xmlns:ma14="http://schemas.microsoft.com/office/mac/drawingml/2011/main" xmlns:a14="http://schemas.microsoft.com/office/drawing/2010/main" xmlns:m="http://schemas.openxmlformats.org/officeDocument/2006/math" xmlns="" val="1"/>
               </a:ext>
             </a:extLst>
           </p:spPr>
@@ -14029,7 +14029,7 @@
           </a:ln>
           <a:extLst>
             <a:ext uri="{C572A759-6A51-4108-AA02-DFA0A04FC94B}">
-              <ma14:wrappingTextBoxFlag xmlns="" xmlns:m="http://schemas.openxmlformats.org/officeDocument/2006/math" xmlns:a14="http://schemas.microsoft.com/office/drawing/2010/main" xmlns:ma14="http://schemas.microsoft.com/office/mac/drawingml/2011/main" val="1"/>
+              <ma14:wrappingTextBoxFlag xmlns:ma14="http://schemas.microsoft.com/office/mac/drawingml/2011/main" xmlns:a14="http://schemas.microsoft.com/office/drawing/2010/main" xmlns:m="http://schemas.openxmlformats.org/officeDocument/2006/math" xmlns="" val="1"/>
             </a:ext>
           </a:extLst>
         </p:spPr>
@@ -14103,7 +14103,7 @@
           </a:ln>
           <a:extLst>
             <a:ext uri="{C572A759-6A51-4108-AA02-DFA0A04FC94B}">
-              <ma14:wrappingTextBoxFlag xmlns="" xmlns:m="http://schemas.openxmlformats.org/officeDocument/2006/math" xmlns:a14="http://schemas.microsoft.com/office/drawing/2010/main" xmlns:ma14="http://schemas.microsoft.com/office/mac/drawingml/2011/main" val="1"/>
+              <ma14:wrappingTextBoxFlag xmlns:ma14="http://schemas.microsoft.com/office/mac/drawingml/2011/main" xmlns:a14="http://schemas.microsoft.com/office/drawing/2010/main" xmlns:m="http://schemas.openxmlformats.org/officeDocument/2006/math" xmlns="" val="1"/>
             </a:ext>
           </a:extLst>
         </p:spPr>
@@ -14149,7 +14149,7 @@
           </a:ln>
           <a:extLst>
             <a:ext uri="{C572A759-6A51-4108-AA02-DFA0A04FC94B}">
-              <ma14:wrappingTextBoxFlag xmlns="" xmlns:m="http://schemas.openxmlformats.org/officeDocument/2006/math" xmlns:a14="http://schemas.microsoft.com/office/drawing/2010/main" xmlns:ma14="http://schemas.microsoft.com/office/mac/drawingml/2011/main" val="1"/>
+              <ma14:wrappingTextBoxFlag xmlns:ma14="http://schemas.microsoft.com/office/mac/drawingml/2011/main" xmlns:a14="http://schemas.microsoft.com/office/drawing/2010/main" xmlns:m="http://schemas.openxmlformats.org/officeDocument/2006/math" xmlns="" val="1"/>
             </a:ext>
           </a:extLst>
         </p:spPr>
@@ -14195,7 +14195,7 @@
           </a:ln>
           <a:extLst>
             <a:ext uri="{C572A759-6A51-4108-AA02-DFA0A04FC94B}">
-              <ma14:wrappingTextBoxFlag xmlns="" xmlns:m="http://schemas.openxmlformats.org/officeDocument/2006/math" xmlns:a14="http://schemas.microsoft.com/office/drawing/2010/main" xmlns:ma14="http://schemas.microsoft.com/office/mac/drawingml/2011/main" val="1"/>
+              <ma14:wrappingTextBoxFlag xmlns:ma14="http://schemas.microsoft.com/office/mac/drawingml/2011/main" xmlns:a14="http://schemas.microsoft.com/office/drawing/2010/main" xmlns:m="http://schemas.openxmlformats.org/officeDocument/2006/math" xmlns="" val="1"/>
             </a:ext>
           </a:extLst>
         </p:spPr>
@@ -14279,7 +14279,7 @@
           </a:ln>
           <a:extLst>
             <a:ext uri="{C572A759-6A51-4108-AA02-DFA0A04FC94B}">
-              <ma14:wrappingTextBoxFlag xmlns="" xmlns:m="http://schemas.openxmlformats.org/officeDocument/2006/math" xmlns:a14="http://schemas.microsoft.com/office/drawing/2010/main" xmlns:ma14="http://schemas.microsoft.com/office/mac/drawingml/2011/main" val="1"/>
+              <ma14:wrappingTextBoxFlag xmlns:ma14="http://schemas.microsoft.com/office/mac/drawingml/2011/main" xmlns:a14="http://schemas.microsoft.com/office/drawing/2010/main" xmlns:m="http://schemas.openxmlformats.org/officeDocument/2006/math" xmlns="" val="1"/>
             </a:ext>
           </a:extLst>
         </p:spPr>
@@ -14344,7 +14344,7 @@
           </a:ln>
           <a:extLst>
             <a:ext uri="{C572A759-6A51-4108-AA02-DFA0A04FC94B}">
-              <ma14:wrappingTextBoxFlag xmlns="" xmlns:m="http://schemas.openxmlformats.org/officeDocument/2006/math" xmlns:a14="http://schemas.microsoft.com/office/drawing/2010/main" xmlns:ma14="http://schemas.microsoft.com/office/mac/drawingml/2011/main" val="1"/>
+              <ma14:wrappingTextBoxFlag xmlns:ma14="http://schemas.microsoft.com/office/mac/drawingml/2011/main" xmlns:a14="http://schemas.microsoft.com/office/drawing/2010/main" xmlns:m="http://schemas.openxmlformats.org/officeDocument/2006/math" xmlns="" val="1"/>
             </a:ext>
           </a:extLst>
         </p:spPr>
@@ -14406,7 +14406,7 @@
           </a:ln>
           <a:extLst>
             <a:ext uri="{C572A759-6A51-4108-AA02-DFA0A04FC94B}">
-              <ma14:wrappingTextBoxFlag xmlns="" xmlns:m="http://schemas.openxmlformats.org/officeDocument/2006/math" xmlns:a14="http://schemas.microsoft.com/office/drawing/2010/main" xmlns:ma14="http://schemas.microsoft.com/office/mac/drawingml/2011/main" val="1"/>
+              <ma14:wrappingTextBoxFlag xmlns:ma14="http://schemas.microsoft.com/office/mac/drawingml/2011/main" xmlns:a14="http://schemas.microsoft.com/office/drawing/2010/main" xmlns:m="http://schemas.openxmlformats.org/officeDocument/2006/math" xmlns="" val="1"/>
             </a:ext>
           </a:extLst>
         </p:spPr>
@@ -14467,7 +14467,7 @@
           </a:ln>
           <a:extLst>
             <a:ext uri="{C572A759-6A51-4108-AA02-DFA0A04FC94B}">
-              <ma14:wrappingTextBoxFlag xmlns="" xmlns:m="http://schemas.openxmlformats.org/officeDocument/2006/math" xmlns:a14="http://schemas.microsoft.com/office/drawing/2010/main" xmlns:ma14="http://schemas.microsoft.com/office/mac/drawingml/2011/main" val="1"/>
+              <ma14:wrappingTextBoxFlag xmlns:ma14="http://schemas.microsoft.com/office/mac/drawingml/2011/main" xmlns:a14="http://schemas.microsoft.com/office/drawing/2010/main" xmlns:m="http://schemas.openxmlformats.org/officeDocument/2006/math" xmlns="" val="1"/>
             </a:ext>
           </a:extLst>
         </p:spPr>
@@ -14569,7 +14569,7 @@
             <a:effectLst/>
             <a:extLst>
               <a:ext uri="{C572A759-6A51-4108-AA02-DFA0A04FC94B}">
-                <ma14:wrappingTextBoxFlag xmlns="" xmlns:m="http://schemas.openxmlformats.org/officeDocument/2006/math" xmlns:a14="http://schemas.microsoft.com/office/drawing/2010/main" xmlns:ma14="http://schemas.microsoft.com/office/mac/drawingml/2011/main" val="1"/>
+                <ma14:wrappingTextBoxFlag xmlns:ma14="http://schemas.microsoft.com/office/mac/drawingml/2011/main" xmlns:a14="http://schemas.microsoft.com/office/drawing/2010/main" xmlns:m="http://schemas.openxmlformats.org/officeDocument/2006/math" xmlns="" val="1"/>
               </a:ext>
             </a:extLst>
           </p:spPr>
@@ -14696,7 +14696,7 @@
             <a:effectLst/>
             <a:extLst>
               <a:ext uri="{C572A759-6A51-4108-AA02-DFA0A04FC94B}">
-                <ma14:wrappingTextBoxFlag xmlns="" xmlns:m="http://schemas.openxmlformats.org/officeDocument/2006/math" xmlns:a14="http://schemas.microsoft.com/office/drawing/2010/main" xmlns:ma14="http://schemas.microsoft.com/office/mac/drawingml/2011/main" val="1"/>
+                <ma14:wrappingTextBoxFlag xmlns:ma14="http://schemas.microsoft.com/office/mac/drawingml/2011/main" xmlns:a14="http://schemas.microsoft.com/office/drawing/2010/main" xmlns:m="http://schemas.openxmlformats.org/officeDocument/2006/math" xmlns="" val="1"/>
               </a:ext>
             </a:extLst>
           </p:spPr>
@@ -14798,7 +14798,7 @@
             <a:effectLst/>
             <a:extLst>
               <a:ext uri="{C572A759-6A51-4108-AA02-DFA0A04FC94B}">
-                <ma14:wrappingTextBoxFlag xmlns="" xmlns:m="http://schemas.openxmlformats.org/officeDocument/2006/math" xmlns:a14="http://schemas.microsoft.com/office/drawing/2010/main" xmlns:ma14="http://schemas.microsoft.com/office/mac/drawingml/2011/main" val="1"/>
+                <ma14:wrappingTextBoxFlag xmlns:ma14="http://schemas.microsoft.com/office/mac/drawingml/2011/main" xmlns:a14="http://schemas.microsoft.com/office/drawing/2010/main" xmlns:m="http://schemas.openxmlformats.org/officeDocument/2006/math" xmlns="" val="1"/>
               </a:ext>
             </a:extLst>
           </p:spPr>
@@ -14990,7 +14990,7 @@
             <a:effectLst/>
             <a:extLst>
               <a:ext uri="{C572A759-6A51-4108-AA02-DFA0A04FC94B}">
-                <ma14:wrappingTextBoxFlag xmlns="" xmlns:m="http://schemas.openxmlformats.org/officeDocument/2006/math" xmlns:a14="http://schemas.microsoft.com/office/drawing/2010/main" xmlns:ma14="http://schemas.microsoft.com/office/mac/drawingml/2011/main" val="1"/>
+                <ma14:wrappingTextBoxFlag xmlns:ma14="http://schemas.microsoft.com/office/mac/drawingml/2011/main" xmlns:a14="http://schemas.microsoft.com/office/drawing/2010/main" xmlns:m="http://schemas.openxmlformats.org/officeDocument/2006/math" xmlns="" val="1"/>
               </a:ext>
             </a:extLst>
           </p:spPr>
@@ -15033,7 +15033,7 @@
             <a:effectLst/>
             <a:extLst>
               <a:ext uri="{C572A759-6A51-4108-AA02-DFA0A04FC94B}">
-                <ma14:wrappingTextBoxFlag xmlns="" xmlns:m="http://schemas.openxmlformats.org/officeDocument/2006/math" xmlns:a14="http://schemas.microsoft.com/office/drawing/2010/main" xmlns:ma14="http://schemas.microsoft.com/office/mac/drawingml/2011/main" val="1"/>
+                <ma14:wrappingTextBoxFlag xmlns:ma14="http://schemas.microsoft.com/office/mac/drawingml/2011/main" xmlns:a14="http://schemas.microsoft.com/office/drawing/2010/main" xmlns:m="http://schemas.openxmlformats.org/officeDocument/2006/math" xmlns="" val="1"/>
               </a:ext>
             </a:extLst>
           </p:spPr>
@@ -15096,7 +15096,7 @@
           </a:ln>
           <a:extLst>
             <a:ext uri="{C572A759-6A51-4108-AA02-DFA0A04FC94B}">
-              <ma14:wrappingTextBoxFlag xmlns="" xmlns:m="http://schemas.openxmlformats.org/officeDocument/2006/math" xmlns:a14="http://schemas.microsoft.com/office/drawing/2010/main" xmlns:ma14="http://schemas.microsoft.com/office/mac/drawingml/2011/main" val="1"/>
+              <ma14:wrappingTextBoxFlag xmlns:ma14="http://schemas.microsoft.com/office/mac/drawingml/2011/main" xmlns:a14="http://schemas.microsoft.com/office/drawing/2010/main" xmlns:m="http://schemas.openxmlformats.org/officeDocument/2006/math" xmlns="" val="1"/>
             </a:ext>
           </a:extLst>
         </p:spPr>
@@ -15159,7 +15159,7 @@
           </a:ln>
           <a:extLst>
             <a:ext uri="{C572A759-6A51-4108-AA02-DFA0A04FC94B}">
-              <ma14:wrappingTextBoxFlag xmlns="" xmlns:m="http://schemas.openxmlformats.org/officeDocument/2006/math" xmlns:a14="http://schemas.microsoft.com/office/drawing/2010/main" xmlns:ma14="http://schemas.microsoft.com/office/mac/drawingml/2011/main" val="1"/>
+              <ma14:wrappingTextBoxFlag xmlns:ma14="http://schemas.microsoft.com/office/mac/drawingml/2011/main" xmlns:a14="http://schemas.microsoft.com/office/drawing/2010/main" xmlns:m="http://schemas.openxmlformats.org/officeDocument/2006/math" xmlns="" val="1"/>
             </a:ext>
           </a:extLst>
         </p:spPr>
@@ -15366,7 +15366,7 @@
               <a:effectLst/>
               <a:extLst>
                 <a:ext uri="{C572A759-6A51-4108-AA02-DFA0A04FC94B}">
-                  <ma14:wrappingTextBoxFlag xmlns="" xmlns:m="http://schemas.openxmlformats.org/officeDocument/2006/math" xmlns:a14="http://schemas.microsoft.com/office/drawing/2010/main" xmlns:ma14="http://schemas.microsoft.com/office/mac/drawingml/2011/main" val="1"/>
+                  <ma14:wrappingTextBoxFlag xmlns:ma14="http://schemas.microsoft.com/office/mac/drawingml/2011/main" xmlns:a14="http://schemas.microsoft.com/office/drawing/2010/main" xmlns:m="http://schemas.openxmlformats.org/officeDocument/2006/math" xmlns="" val="1"/>
                 </a:ext>
               </a:extLst>
             </p:spPr>
@@ -15414,7 +15414,7 @@
               <a:effectLst/>
               <a:extLst>
                 <a:ext uri="{C572A759-6A51-4108-AA02-DFA0A04FC94B}">
-                  <ma14:wrappingTextBoxFlag xmlns="" xmlns:m="http://schemas.openxmlformats.org/officeDocument/2006/math" xmlns:a14="http://schemas.microsoft.com/office/drawing/2010/main" xmlns:ma14="http://schemas.microsoft.com/office/mac/drawingml/2011/main" val="1"/>
+                  <ma14:wrappingTextBoxFlag xmlns:ma14="http://schemas.microsoft.com/office/mac/drawingml/2011/main" xmlns:a14="http://schemas.microsoft.com/office/drawing/2010/main" xmlns:m="http://schemas.openxmlformats.org/officeDocument/2006/math" xmlns="" val="1"/>
                 </a:ext>
               </a:extLst>
             </p:spPr>
@@ -15496,7 +15496,7 @@
               <a:effectLst/>
               <a:extLst>
                 <a:ext uri="{C572A759-6A51-4108-AA02-DFA0A04FC94B}">
-                  <ma14:wrappingTextBoxFlag xmlns="" xmlns:m="http://schemas.openxmlformats.org/officeDocument/2006/math" xmlns:a14="http://schemas.microsoft.com/office/drawing/2010/main" xmlns:ma14="http://schemas.microsoft.com/office/mac/drawingml/2011/main" val="1"/>
+                  <ma14:wrappingTextBoxFlag xmlns:ma14="http://schemas.microsoft.com/office/mac/drawingml/2011/main" xmlns:a14="http://schemas.microsoft.com/office/drawing/2010/main" xmlns:m="http://schemas.openxmlformats.org/officeDocument/2006/math" xmlns="" val="1"/>
                 </a:ext>
               </a:extLst>
             </p:spPr>
@@ -15577,7 +15577,7 @@
             <a:effectLst/>
             <a:extLst>
               <a:ext uri="{C572A759-6A51-4108-AA02-DFA0A04FC94B}">
-                <ma14:wrappingTextBoxFlag xmlns="" xmlns:m="http://schemas.openxmlformats.org/officeDocument/2006/math" xmlns:a14="http://schemas.microsoft.com/office/drawing/2010/main" xmlns:ma14="http://schemas.microsoft.com/office/mac/drawingml/2011/main" val="1"/>
+                <ma14:wrappingTextBoxFlag xmlns:ma14="http://schemas.microsoft.com/office/mac/drawingml/2011/main" xmlns:a14="http://schemas.microsoft.com/office/drawing/2010/main" xmlns:m="http://schemas.openxmlformats.org/officeDocument/2006/math" xmlns="" val="1"/>
               </a:ext>
             </a:extLst>
           </p:spPr>
@@ -15882,7 +15882,7 @@
             <a:effectLst/>
             <a:extLst>
               <a:ext uri="{C572A759-6A51-4108-AA02-DFA0A04FC94B}">
-                <ma14:wrappingTextBoxFlag xmlns="" xmlns:m="http://schemas.openxmlformats.org/officeDocument/2006/math" xmlns:a14="http://schemas.microsoft.com/office/drawing/2010/main" xmlns:ma14="http://schemas.microsoft.com/office/mac/drawingml/2011/main" val="1"/>
+                <ma14:wrappingTextBoxFlag xmlns:ma14="http://schemas.microsoft.com/office/mac/drawingml/2011/main" xmlns:a14="http://schemas.microsoft.com/office/drawing/2010/main" xmlns:m="http://schemas.openxmlformats.org/officeDocument/2006/math" xmlns="" val="1"/>
               </a:ext>
             </a:extLst>
           </p:spPr>
@@ -16051,7 +16051,7 @@
           </a:ln>
           <a:extLst>
             <a:ext uri="{C572A759-6A51-4108-AA02-DFA0A04FC94B}">
-              <ma14:wrappingTextBoxFlag xmlns="" xmlns:m="http://schemas.openxmlformats.org/officeDocument/2006/math" xmlns:a14="http://schemas.microsoft.com/office/drawing/2010/main" xmlns:ma14="http://schemas.microsoft.com/office/mac/drawingml/2011/main" val="1"/>
+              <ma14:wrappingTextBoxFlag xmlns:ma14="http://schemas.microsoft.com/office/mac/drawingml/2011/main" xmlns:a14="http://schemas.microsoft.com/office/drawing/2010/main" xmlns:m="http://schemas.openxmlformats.org/officeDocument/2006/math" xmlns="" val="1"/>
             </a:ext>
           </a:extLst>
         </p:spPr>
@@ -16110,7 +16110,7 @@
           </a:ln>
           <a:extLst>
             <a:ext uri="{C572A759-6A51-4108-AA02-DFA0A04FC94B}">
-              <ma14:wrappingTextBoxFlag xmlns="" xmlns:m="http://schemas.openxmlformats.org/officeDocument/2006/math" xmlns:a14="http://schemas.microsoft.com/office/drawing/2010/main" xmlns:ma14="http://schemas.microsoft.com/office/mac/drawingml/2011/main" val="1"/>
+              <ma14:wrappingTextBoxFlag xmlns:ma14="http://schemas.microsoft.com/office/mac/drawingml/2011/main" xmlns:a14="http://schemas.microsoft.com/office/drawing/2010/main" xmlns:m="http://schemas.openxmlformats.org/officeDocument/2006/math" xmlns="" val="1"/>
             </a:ext>
           </a:extLst>
         </p:spPr>
@@ -16372,7 +16372,7 @@
           </a:ln>
           <a:extLst>
             <a:ext uri="{C572A759-6A51-4108-AA02-DFA0A04FC94B}">
-              <ma14:wrappingTextBoxFlag xmlns="" xmlns:m="http://schemas.openxmlformats.org/officeDocument/2006/math" xmlns:a14="http://schemas.microsoft.com/office/drawing/2010/main" xmlns:ma14="http://schemas.microsoft.com/office/mac/drawingml/2011/main" val="1"/>
+              <ma14:wrappingTextBoxFlag xmlns:ma14="http://schemas.microsoft.com/office/mac/drawingml/2011/main" xmlns:a14="http://schemas.microsoft.com/office/drawing/2010/main" xmlns:m="http://schemas.openxmlformats.org/officeDocument/2006/math" xmlns="" val="1"/>
             </a:ext>
           </a:extLst>
         </p:spPr>
@@ -16414,7 +16414,7 @@
           </a:ln>
           <a:extLst>
             <a:ext uri="{C572A759-6A51-4108-AA02-DFA0A04FC94B}">
-              <ma14:wrappingTextBoxFlag xmlns="" xmlns:m="http://schemas.openxmlformats.org/officeDocument/2006/math" xmlns:a14="http://schemas.microsoft.com/office/drawing/2010/main" xmlns:ma14="http://schemas.microsoft.com/office/mac/drawingml/2011/main" val="1"/>
+              <ma14:wrappingTextBoxFlag xmlns:ma14="http://schemas.microsoft.com/office/mac/drawingml/2011/main" xmlns:a14="http://schemas.microsoft.com/office/drawing/2010/main" xmlns:m="http://schemas.openxmlformats.org/officeDocument/2006/math" xmlns="" val="1"/>
             </a:ext>
           </a:extLst>
         </p:spPr>
@@ -16456,7 +16456,7 @@
           </a:ln>
           <a:extLst>
             <a:ext uri="{C572A759-6A51-4108-AA02-DFA0A04FC94B}">
-              <ma14:wrappingTextBoxFlag xmlns="" xmlns:m="http://schemas.openxmlformats.org/officeDocument/2006/math" xmlns:a14="http://schemas.microsoft.com/office/drawing/2010/main" xmlns:ma14="http://schemas.microsoft.com/office/mac/drawingml/2011/main" val="1"/>
+              <ma14:wrappingTextBoxFlag xmlns:ma14="http://schemas.microsoft.com/office/mac/drawingml/2011/main" xmlns:a14="http://schemas.microsoft.com/office/drawing/2010/main" xmlns:m="http://schemas.openxmlformats.org/officeDocument/2006/math" xmlns="" val="1"/>
             </a:ext>
           </a:extLst>
         </p:spPr>
@@ -16525,7 +16525,7 @@
           </a:ln>
           <a:extLst>
             <a:ext uri="{C572A759-6A51-4108-AA02-DFA0A04FC94B}">
-              <ma14:wrappingTextBoxFlag xmlns="" xmlns:m="http://schemas.openxmlformats.org/officeDocument/2006/math" xmlns:a14="http://schemas.microsoft.com/office/drawing/2010/main" xmlns:ma14="http://schemas.microsoft.com/office/mac/drawingml/2011/main" val="1"/>
+              <ma14:wrappingTextBoxFlag xmlns:ma14="http://schemas.microsoft.com/office/mac/drawingml/2011/main" xmlns:a14="http://schemas.microsoft.com/office/drawing/2010/main" xmlns:m="http://schemas.openxmlformats.org/officeDocument/2006/math" xmlns="" val="1"/>
             </a:ext>
           </a:extLst>
         </p:spPr>
@@ -16622,7 +16622,7 @@
           </a:ln>
           <a:extLst>
             <a:ext uri="{C572A759-6A51-4108-AA02-DFA0A04FC94B}">
-              <ma14:wrappingTextBoxFlag xmlns="" xmlns:m="http://schemas.openxmlformats.org/officeDocument/2006/math" xmlns:a14="http://schemas.microsoft.com/office/drawing/2010/main" xmlns:ma14="http://schemas.microsoft.com/office/mac/drawingml/2011/main" val="1"/>
+              <ma14:wrappingTextBoxFlag xmlns:ma14="http://schemas.microsoft.com/office/mac/drawingml/2011/main" xmlns:a14="http://schemas.microsoft.com/office/drawing/2010/main" xmlns:m="http://schemas.openxmlformats.org/officeDocument/2006/math" xmlns="" val="1"/>
             </a:ext>
           </a:extLst>
         </p:spPr>
@@ -16664,7 +16664,7 @@
           </a:ln>
           <a:extLst>
             <a:ext uri="{C572A759-6A51-4108-AA02-DFA0A04FC94B}">
-              <ma14:wrappingTextBoxFlag xmlns="" xmlns:m="http://schemas.openxmlformats.org/officeDocument/2006/math" xmlns:a14="http://schemas.microsoft.com/office/drawing/2010/main" xmlns:ma14="http://schemas.microsoft.com/office/mac/drawingml/2011/main" val="1"/>
+              <ma14:wrappingTextBoxFlag xmlns:ma14="http://schemas.microsoft.com/office/mac/drawingml/2011/main" xmlns:a14="http://schemas.microsoft.com/office/drawing/2010/main" xmlns:m="http://schemas.openxmlformats.org/officeDocument/2006/math" xmlns="" val="1"/>
             </a:ext>
           </a:extLst>
         </p:spPr>
@@ -16736,7 +16736,7 @@
           </a:ln>
           <a:extLst>
             <a:ext uri="{C572A759-6A51-4108-AA02-DFA0A04FC94B}">
-              <ma14:wrappingTextBoxFlag xmlns="" xmlns:m="http://schemas.openxmlformats.org/officeDocument/2006/math" xmlns:a14="http://schemas.microsoft.com/office/drawing/2010/main" xmlns:ma14="http://schemas.microsoft.com/office/mac/drawingml/2011/main" val="1"/>
+              <ma14:wrappingTextBoxFlag xmlns:ma14="http://schemas.microsoft.com/office/mac/drawingml/2011/main" xmlns:a14="http://schemas.microsoft.com/office/drawing/2010/main" xmlns:m="http://schemas.openxmlformats.org/officeDocument/2006/math" xmlns="" val="1"/>
             </a:ext>
           </a:extLst>
         </p:spPr>
@@ -16798,7 +16798,7 @@
           </a:ln>
           <a:extLst>
             <a:ext uri="{C572A759-6A51-4108-AA02-DFA0A04FC94B}">
-              <ma14:wrappingTextBoxFlag xmlns="" xmlns:m="http://schemas.openxmlformats.org/officeDocument/2006/math" xmlns:a14="http://schemas.microsoft.com/office/drawing/2010/main" xmlns:ma14="http://schemas.microsoft.com/office/mac/drawingml/2011/main" val="1"/>
+              <ma14:wrappingTextBoxFlag xmlns:ma14="http://schemas.microsoft.com/office/mac/drawingml/2011/main" xmlns:a14="http://schemas.microsoft.com/office/drawing/2010/main" xmlns:m="http://schemas.openxmlformats.org/officeDocument/2006/math" xmlns="" val="1"/>
             </a:ext>
           </a:extLst>
         </p:spPr>
@@ -16951,7 +16951,7 @@
             <a:effectLst/>
             <a:extLst>
               <a:ext uri="{C572A759-6A51-4108-AA02-DFA0A04FC94B}">
-                <ma14:wrappingTextBoxFlag xmlns="" xmlns:m="http://schemas.openxmlformats.org/officeDocument/2006/math" xmlns:a14="http://schemas.microsoft.com/office/drawing/2010/main" xmlns:ma14="http://schemas.microsoft.com/office/mac/drawingml/2011/main" val="1"/>
+                <ma14:wrappingTextBoxFlag xmlns:ma14="http://schemas.microsoft.com/office/mac/drawingml/2011/main" xmlns:a14="http://schemas.microsoft.com/office/drawing/2010/main" xmlns:m="http://schemas.openxmlformats.org/officeDocument/2006/math" xmlns="" val="1"/>
               </a:ext>
             </a:extLst>
           </p:spPr>
@@ -17065,7 +17065,7 @@
             <a:effectLst/>
             <a:extLst>
               <a:ext uri="{C572A759-6A51-4108-AA02-DFA0A04FC94B}">
-                <ma14:wrappingTextBoxFlag xmlns="" xmlns:m="http://schemas.openxmlformats.org/officeDocument/2006/math" xmlns:a14="http://schemas.microsoft.com/office/drawing/2010/main" xmlns:ma14="http://schemas.microsoft.com/office/mac/drawingml/2011/main" val="1"/>
+                <ma14:wrappingTextBoxFlag xmlns:ma14="http://schemas.microsoft.com/office/mac/drawingml/2011/main" xmlns:a14="http://schemas.microsoft.com/office/drawing/2010/main" xmlns:m="http://schemas.openxmlformats.org/officeDocument/2006/math" xmlns="" val="1"/>
               </a:ext>
             </a:extLst>
           </p:spPr>
@@ -17118,7 +17118,7 @@
           </a:ln>
           <a:extLst>
             <a:ext uri="{C572A759-6A51-4108-AA02-DFA0A04FC94B}">
-              <ma14:wrappingTextBoxFlag xmlns="" xmlns:m="http://schemas.openxmlformats.org/officeDocument/2006/math" xmlns:a14="http://schemas.microsoft.com/office/drawing/2010/main" xmlns:ma14="http://schemas.microsoft.com/office/mac/drawingml/2011/main" val="1"/>
+              <ma14:wrappingTextBoxFlag xmlns:ma14="http://schemas.microsoft.com/office/mac/drawingml/2011/main" xmlns:a14="http://schemas.microsoft.com/office/drawing/2010/main" xmlns:m="http://schemas.openxmlformats.org/officeDocument/2006/math" xmlns="" val="1"/>
             </a:ext>
           </a:extLst>
         </p:spPr>
@@ -17173,7 +17173,7 @@
           </a:ln>
           <a:extLst>
             <a:ext uri="{C572A759-6A51-4108-AA02-DFA0A04FC94B}">
-              <ma14:wrappingTextBoxFlag xmlns="" xmlns:m="http://schemas.openxmlformats.org/officeDocument/2006/math" xmlns:a14="http://schemas.microsoft.com/office/drawing/2010/main" xmlns:ma14="http://schemas.microsoft.com/office/mac/drawingml/2011/main" val="1"/>
+              <ma14:wrappingTextBoxFlag xmlns:ma14="http://schemas.microsoft.com/office/mac/drawingml/2011/main" xmlns:a14="http://schemas.microsoft.com/office/drawing/2010/main" xmlns:m="http://schemas.openxmlformats.org/officeDocument/2006/math" xmlns="" val="1"/>
             </a:ext>
           </a:extLst>
         </p:spPr>
@@ -17228,7 +17228,7 @@
           </a:ln>
           <a:extLst>
             <a:ext uri="{C572A759-6A51-4108-AA02-DFA0A04FC94B}">
-              <ma14:wrappingTextBoxFlag xmlns="" xmlns:m="http://schemas.openxmlformats.org/officeDocument/2006/math" xmlns:a14="http://schemas.microsoft.com/office/drawing/2010/main" xmlns:ma14="http://schemas.microsoft.com/office/mac/drawingml/2011/main" val="1"/>
+              <ma14:wrappingTextBoxFlag xmlns:ma14="http://schemas.microsoft.com/office/mac/drawingml/2011/main" xmlns:a14="http://schemas.microsoft.com/office/drawing/2010/main" xmlns:m="http://schemas.openxmlformats.org/officeDocument/2006/math" xmlns="" val="1"/>
             </a:ext>
           </a:extLst>
         </p:spPr>
@@ -17268,7 +17268,7 @@
         <p:dissolve/>
       </p:transition>
     </mc:Choice>
-    <mc:Fallback xmlns="" xmlns:m="http://schemas.openxmlformats.org/officeDocument/2006/math" xmlns:a14="http://schemas.microsoft.com/office/drawing/2010/main">
+    <mc:Fallback xmlns:a14="http://schemas.microsoft.com/office/drawing/2010/main" xmlns:m="http://schemas.openxmlformats.org/officeDocument/2006/math" xmlns="">
       <p:transition spd="slow">
         <p:fade/>
       </p:transition>
@@ -19432,7 +19432,7 @@
           <a:p>
             <a:r>
               <a:rPr lang="en-US" dirty="0"/>
-              <a:t>Telco Integrator - Tooling</a:t>
+              <a:t>Telco Integrator – Tool Set</a:t>
             </a:r>
           </a:p>
         </p:txBody>

--- a/Business/Telco Integrator - Business Case.pptx
+++ b/Business/Telco Integrator - Business Case.pptx
@@ -241,7 +241,7 @@
           <a:p>
             <a:fld id="{C2FFCE37-189F-5F45-AD20-00B1DF149488}" type="datetimeFigureOut">
               <a:rPr lang="en-DE" smtClean="0"/>
-              <a:t>30.06.21</a:t>
+              <a:t>15.07.21</a:t>
             </a:fld>
             <a:endParaRPr lang="en-DE"/>
           </a:p>
@@ -1062,7 +1062,7 @@
           <a:p>
             <a:fld id="{EA0C0817-A112-4847-8014-A94B7D2A4EA3}" type="datetime1">
               <a:rPr lang="en-US" smtClean="0"/>
-              <a:t>6/30/21</a:t>
+              <a:t>7/15/21</a:t>
             </a:fld>
             <a:endParaRPr lang="en-US" dirty="0"/>
           </a:p>
@@ -1264,7 +1264,7 @@
           <a:p>
             <a:fld id="{134F40B7-36AB-4376-BE14-EF7004D79BB9}" type="datetime1">
               <a:rPr lang="en-US" smtClean="0"/>
-              <a:t>6/30/21</a:t>
+              <a:t>7/15/21</a:t>
             </a:fld>
             <a:endParaRPr lang="en-US"/>
           </a:p>
@@ -1444,7 +1444,7 @@
           <a:p>
             <a:fld id="{FF87CAB8-DCAE-46A5-AADA-B3FAD11A54E0}" type="datetime1">
               <a:rPr lang="en-US" smtClean="0"/>
-              <a:t>6/30/21</a:t>
+              <a:t>7/15/21</a:t>
             </a:fld>
             <a:endParaRPr lang="en-US"/>
           </a:p>
@@ -1614,7 +1614,7 @@
           <a:p>
             <a:fld id="{7332B432-ACDA-4023-A761-2BAB76577B62}" type="datetime1">
               <a:rPr lang="en-US" smtClean="0"/>
-              <a:t>6/30/21</a:t>
+              <a:t>7/15/21</a:t>
             </a:fld>
             <a:endParaRPr lang="en-US"/>
           </a:p>
@@ -2213,7 +2213,7 @@
           <a:p>
             <a:fld id="{D9C646AA-F36E-4540-911D-FFFC0A0EF24A}" type="datetime1">
               <a:rPr lang="en-US" smtClean="0"/>
-              <a:t>6/30/21</a:t>
+              <a:t>7/15/21</a:t>
             </a:fld>
             <a:endParaRPr lang="en-US" dirty="0"/>
           </a:p>
@@ -2533,7 +2533,7 @@
           <a:p>
             <a:fld id="{69186D26-FA5F-4637-B602-B7C2DC34CFD4}" type="datetime1">
               <a:rPr lang="en-US" smtClean="0"/>
-              <a:t>6/30/21</a:t>
+              <a:t>7/15/21</a:t>
             </a:fld>
             <a:endParaRPr lang="en-US"/>
           </a:p>
@@ -2968,7 +2968,7 @@
           <a:p>
             <a:fld id="{8A7F15D8-96D1-4781-BC50-CA8A088B2FE4}" type="datetime1">
               <a:rPr lang="en-US" smtClean="0"/>
-              <a:t>6/30/21</a:t>
+              <a:t>7/15/21</a:t>
             </a:fld>
             <a:endParaRPr lang="en-US"/>
           </a:p>
@@ -3086,7 +3086,7 @@
           <a:p>
             <a:fld id="{F9A96C99-B8F8-4528-BD05-0E16E943DC09}" type="datetime1">
               <a:rPr lang="en-US" smtClean="0"/>
-              <a:t>6/30/21</a:t>
+              <a:t>7/15/21</a:t>
             </a:fld>
             <a:endParaRPr lang="en-US"/>
           </a:p>
@@ -3181,7 +3181,7 @@
           <a:p>
             <a:fld id="{03636942-C211-4B28-8DBD-C953E00AF71B}" type="datetime1">
               <a:rPr lang="en-US" smtClean="0"/>
-              <a:t>6/30/21</a:t>
+              <a:t>7/15/21</a:t>
             </a:fld>
             <a:endParaRPr lang="en-US"/>
           </a:p>
@@ -3598,7 +3598,7 @@
           <a:p>
             <a:fld id="{7E8D12A6-918A-48BD-8CB9-CA713993B0EA}" type="datetime1">
               <a:rPr lang="en-US" smtClean="0"/>
-              <a:t>6/30/21</a:t>
+              <a:t>7/15/21</a:t>
             </a:fld>
             <a:endParaRPr lang="en-US"/>
           </a:p>
@@ -3860,7 +3860,7 @@
             <a:fld id="{E778CE86-875F-4587-BCF6-FA054AFC0D53}" type="datetime1">
               <a:rPr lang="en-US" smtClean="0"/>
               <a:pPr/>
-              <a:t>6/30/21</a:t>
+              <a:t>7/15/21</a:t>
             </a:fld>
             <a:endParaRPr lang="en-US" dirty="0"/>
           </a:p>
@@ -4376,7 +4376,7 @@
           <a:p>
             <a:fld id="{F6FA2B21-3FCD-4721-B95C-427943F61125}" type="datetime1">
               <a:rPr lang="en-US" smtClean="0"/>
-              <a:t>6/30/21</a:t>
+              <a:t>7/15/21</a:t>
             </a:fld>
             <a:endParaRPr lang="en-US"/>
           </a:p>
@@ -7000,7 +7000,7 @@
           </a:ln>
           <a:extLst>
             <a:ext uri="{C572A759-6A51-4108-AA02-DFA0A04FC94B}">
-              <ma14:wrappingTextBoxFlag xmlns:ma14="http://schemas.microsoft.com/office/mac/drawingml/2011/main" xmlns:a14="http://schemas.microsoft.com/office/drawing/2010/main" xmlns:m="http://schemas.openxmlformats.org/officeDocument/2006/math" xmlns="" val="1"/>
+              <ma14:wrappingTextBoxFlag xmlns="" xmlns:m="http://schemas.openxmlformats.org/officeDocument/2006/math" xmlns:a14="http://schemas.microsoft.com/office/drawing/2010/main" xmlns:ma14="http://schemas.microsoft.com/office/mac/drawingml/2011/main" val="1"/>
             </a:ext>
           </a:extLst>
         </p:spPr>
@@ -7082,7 +7082,7 @@
           </a:ln>
           <a:extLst>
             <a:ext uri="{C572A759-6A51-4108-AA02-DFA0A04FC94B}">
-              <ma14:wrappingTextBoxFlag xmlns:ma14="http://schemas.microsoft.com/office/mac/drawingml/2011/main" xmlns:a14="http://schemas.microsoft.com/office/drawing/2010/main" xmlns:m="http://schemas.openxmlformats.org/officeDocument/2006/math" xmlns="" val="1"/>
+              <ma14:wrappingTextBoxFlag xmlns="" xmlns:m="http://schemas.openxmlformats.org/officeDocument/2006/math" xmlns:a14="http://schemas.microsoft.com/office/drawing/2010/main" xmlns:ma14="http://schemas.microsoft.com/office/mac/drawingml/2011/main" val="1"/>
             </a:ext>
           </a:extLst>
         </p:spPr>
@@ -7223,7 +7223,7 @@
             <a:effectLst/>
             <a:extLst>
               <a:ext uri="{C572A759-6A51-4108-AA02-DFA0A04FC94B}">
-                <ma14:wrappingTextBoxFlag xmlns:ma14="http://schemas.microsoft.com/office/mac/drawingml/2011/main" xmlns:a14="http://schemas.microsoft.com/office/drawing/2010/main" xmlns:m="http://schemas.openxmlformats.org/officeDocument/2006/math" xmlns="" val="1"/>
+                <ma14:wrappingTextBoxFlag xmlns="" xmlns:m="http://schemas.openxmlformats.org/officeDocument/2006/math" xmlns:a14="http://schemas.microsoft.com/office/drawing/2010/main" xmlns:ma14="http://schemas.microsoft.com/office/mac/drawingml/2011/main" val="1"/>
               </a:ext>
             </a:extLst>
           </p:spPr>
@@ -7329,7 +7329,7 @@
             <a:effectLst/>
             <a:extLst>
               <a:ext uri="{C572A759-6A51-4108-AA02-DFA0A04FC94B}">
-                <ma14:wrappingTextBoxFlag xmlns:ma14="http://schemas.microsoft.com/office/mac/drawingml/2011/main" xmlns:a14="http://schemas.microsoft.com/office/drawing/2010/main" xmlns:m="http://schemas.openxmlformats.org/officeDocument/2006/math" xmlns="" val="1"/>
+                <ma14:wrappingTextBoxFlag xmlns="" xmlns:m="http://schemas.openxmlformats.org/officeDocument/2006/math" xmlns:a14="http://schemas.microsoft.com/office/drawing/2010/main" xmlns:ma14="http://schemas.microsoft.com/office/mac/drawingml/2011/main" val="1"/>
               </a:ext>
             </a:extLst>
           </p:spPr>
@@ -7435,7 +7435,7 @@
             <a:effectLst/>
             <a:extLst>
               <a:ext uri="{C572A759-6A51-4108-AA02-DFA0A04FC94B}">
-                <ma14:wrappingTextBoxFlag xmlns:ma14="http://schemas.microsoft.com/office/mac/drawingml/2011/main" xmlns:a14="http://schemas.microsoft.com/office/drawing/2010/main" xmlns:m="http://schemas.openxmlformats.org/officeDocument/2006/math" xmlns="" val="1"/>
+                <ma14:wrappingTextBoxFlag xmlns="" xmlns:m="http://schemas.openxmlformats.org/officeDocument/2006/math" xmlns:a14="http://schemas.microsoft.com/office/drawing/2010/main" xmlns:ma14="http://schemas.microsoft.com/office/mac/drawingml/2011/main" val="1"/>
               </a:ext>
             </a:extLst>
           </p:spPr>
@@ -7575,7 +7575,7 @@
             <a:effectLst/>
             <a:extLst>
               <a:ext uri="{C572A759-6A51-4108-AA02-DFA0A04FC94B}">
-                <ma14:wrappingTextBoxFlag xmlns:ma14="http://schemas.microsoft.com/office/mac/drawingml/2011/main" xmlns:a14="http://schemas.microsoft.com/office/drawing/2010/main" xmlns:m="http://schemas.openxmlformats.org/officeDocument/2006/math" xmlns="" val="1"/>
+                <ma14:wrappingTextBoxFlag xmlns="" xmlns:m="http://schemas.openxmlformats.org/officeDocument/2006/math" xmlns:a14="http://schemas.microsoft.com/office/drawing/2010/main" xmlns:ma14="http://schemas.microsoft.com/office/mac/drawingml/2011/main" val="1"/>
               </a:ext>
             </a:extLst>
           </p:spPr>
@@ -7681,7 +7681,7 @@
             <a:effectLst/>
             <a:extLst>
               <a:ext uri="{C572A759-6A51-4108-AA02-DFA0A04FC94B}">
-                <ma14:wrappingTextBoxFlag xmlns:ma14="http://schemas.microsoft.com/office/mac/drawingml/2011/main" xmlns:a14="http://schemas.microsoft.com/office/drawing/2010/main" xmlns:m="http://schemas.openxmlformats.org/officeDocument/2006/math" xmlns="" val="1"/>
+                <ma14:wrappingTextBoxFlag xmlns="" xmlns:m="http://schemas.openxmlformats.org/officeDocument/2006/math" xmlns:a14="http://schemas.microsoft.com/office/drawing/2010/main" xmlns:ma14="http://schemas.microsoft.com/office/mac/drawingml/2011/main" val="1"/>
               </a:ext>
             </a:extLst>
           </p:spPr>
@@ -7821,7 +7821,7 @@
             <a:effectLst/>
             <a:extLst>
               <a:ext uri="{C572A759-6A51-4108-AA02-DFA0A04FC94B}">
-                <ma14:wrappingTextBoxFlag xmlns:ma14="http://schemas.microsoft.com/office/mac/drawingml/2011/main" xmlns:a14="http://schemas.microsoft.com/office/drawing/2010/main" xmlns:m="http://schemas.openxmlformats.org/officeDocument/2006/math" xmlns="" val="1"/>
+                <ma14:wrappingTextBoxFlag xmlns="" xmlns:m="http://schemas.openxmlformats.org/officeDocument/2006/math" xmlns:a14="http://schemas.microsoft.com/office/drawing/2010/main" xmlns:ma14="http://schemas.microsoft.com/office/mac/drawingml/2011/main" val="1"/>
               </a:ext>
             </a:extLst>
           </p:spPr>
@@ -7964,7 +7964,7 @@
               <a:effectLst/>
               <a:extLst>
                 <a:ext uri="{C572A759-6A51-4108-AA02-DFA0A04FC94B}">
-                  <ma14:wrappingTextBoxFlag xmlns:ma14="http://schemas.microsoft.com/office/mac/drawingml/2011/main" xmlns:a14="http://schemas.microsoft.com/office/drawing/2010/main" xmlns:m="http://schemas.openxmlformats.org/officeDocument/2006/math" xmlns="" val="1"/>
+                  <ma14:wrappingTextBoxFlag xmlns="" xmlns:m="http://schemas.openxmlformats.org/officeDocument/2006/math" xmlns:a14="http://schemas.microsoft.com/office/drawing/2010/main" xmlns:ma14="http://schemas.microsoft.com/office/mac/drawingml/2011/main" val="1"/>
                 </a:ext>
               </a:extLst>
             </p:spPr>
@@ -8104,7 +8104,7 @@
               <a:effectLst/>
               <a:extLst>
                 <a:ext uri="{C572A759-6A51-4108-AA02-DFA0A04FC94B}">
-                  <ma14:wrappingTextBoxFlag xmlns:ma14="http://schemas.microsoft.com/office/mac/drawingml/2011/main" xmlns:a14="http://schemas.microsoft.com/office/drawing/2010/main" xmlns:m="http://schemas.openxmlformats.org/officeDocument/2006/math" xmlns="" val="1"/>
+                  <ma14:wrappingTextBoxFlag xmlns="" xmlns:m="http://schemas.openxmlformats.org/officeDocument/2006/math" xmlns:a14="http://schemas.microsoft.com/office/drawing/2010/main" xmlns:ma14="http://schemas.microsoft.com/office/mac/drawingml/2011/main" val="1"/>
                 </a:ext>
               </a:extLst>
             </p:spPr>
@@ -8244,7 +8244,7 @@
               <a:effectLst/>
               <a:extLst>
                 <a:ext uri="{C572A759-6A51-4108-AA02-DFA0A04FC94B}">
-                  <ma14:wrappingTextBoxFlag xmlns:ma14="http://schemas.microsoft.com/office/mac/drawingml/2011/main" xmlns:a14="http://schemas.microsoft.com/office/drawing/2010/main" xmlns:m="http://schemas.openxmlformats.org/officeDocument/2006/math" xmlns="" val="1"/>
+                  <ma14:wrappingTextBoxFlag xmlns="" xmlns:m="http://schemas.openxmlformats.org/officeDocument/2006/math" xmlns:a14="http://schemas.microsoft.com/office/drawing/2010/main" xmlns:ma14="http://schemas.microsoft.com/office/mac/drawingml/2011/main" val="1"/>
                 </a:ext>
               </a:extLst>
             </p:spPr>
@@ -8384,7 +8384,7 @@
               <a:effectLst/>
               <a:extLst>
                 <a:ext uri="{C572A759-6A51-4108-AA02-DFA0A04FC94B}">
-                  <ma14:wrappingTextBoxFlag xmlns:ma14="http://schemas.microsoft.com/office/mac/drawingml/2011/main" xmlns:a14="http://schemas.microsoft.com/office/drawing/2010/main" xmlns:m="http://schemas.openxmlformats.org/officeDocument/2006/math" xmlns="" val="1"/>
+                  <ma14:wrappingTextBoxFlag xmlns="" xmlns:m="http://schemas.openxmlformats.org/officeDocument/2006/math" xmlns:a14="http://schemas.microsoft.com/office/drawing/2010/main" xmlns:ma14="http://schemas.microsoft.com/office/mac/drawingml/2011/main" val="1"/>
                 </a:ext>
               </a:extLst>
             </p:spPr>
@@ -8524,7 +8524,7 @@
               <a:effectLst/>
               <a:extLst>
                 <a:ext uri="{C572A759-6A51-4108-AA02-DFA0A04FC94B}">
-                  <ma14:wrappingTextBoxFlag xmlns:ma14="http://schemas.microsoft.com/office/mac/drawingml/2011/main" xmlns:a14="http://schemas.microsoft.com/office/drawing/2010/main" xmlns:m="http://schemas.openxmlformats.org/officeDocument/2006/math" xmlns="" val="1"/>
+                  <ma14:wrappingTextBoxFlag xmlns="" xmlns:m="http://schemas.openxmlformats.org/officeDocument/2006/math" xmlns:a14="http://schemas.microsoft.com/office/drawing/2010/main" xmlns:ma14="http://schemas.microsoft.com/office/mac/drawingml/2011/main" val="1"/>
                 </a:ext>
               </a:extLst>
             </p:spPr>
@@ -8664,7 +8664,7 @@
               <a:effectLst/>
               <a:extLst>
                 <a:ext uri="{C572A759-6A51-4108-AA02-DFA0A04FC94B}">
-                  <ma14:wrappingTextBoxFlag xmlns:ma14="http://schemas.microsoft.com/office/mac/drawingml/2011/main" xmlns:a14="http://schemas.microsoft.com/office/drawing/2010/main" xmlns:m="http://schemas.openxmlformats.org/officeDocument/2006/math" xmlns="" val="1"/>
+                  <ma14:wrappingTextBoxFlag xmlns="" xmlns:m="http://schemas.openxmlformats.org/officeDocument/2006/math" xmlns:a14="http://schemas.microsoft.com/office/drawing/2010/main" xmlns:ma14="http://schemas.microsoft.com/office/mac/drawingml/2011/main" val="1"/>
                 </a:ext>
               </a:extLst>
             </p:spPr>
@@ -8710,7 +8710,7 @@
           </a:ln>
           <a:extLst>
             <a:ext uri="{C572A759-6A51-4108-AA02-DFA0A04FC94B}">
-              <ma14:wrappingTextBoxFlag xmlns:ma14="http://schemas.microsoft.com/office/mac/drawingml/2011/main" xmlns:a14="http://schemas.microsoft.com/office/drawing/2010/main" xmlns:m="http://schemas.openxmlformats.org/officeDocument/2006/math" xmlns="" val="1"/>
+              <ma14:wrappingTextBoxFlag xmlns="" xmlns:m="http://schemas.openxmlformats.org/officeDocument/2006/math" xmlns:a14="http://schemas.microsoft.com/office/drawing/2010/main" xmlns:ma14="http://schemas.microsoft.com/office/mac/drawingml/2011/main" val="1"/>
             </a:ext>
           </a:extLst>
         </p:spPr>
@@ -8762,7 +8762,7 @@
           </a:ln>
           <a:extLst>
             <a:ext uri="{C572A759-6A51-4108-AA02-DFA0A04FC94B}">
-              <ma14:wrappingTextBoxFlag xmlns:ma14="http://schemas.microsoft.com/office/mac/drawingml/2011/main" xmlns:a14="http://schemas.microsoft.com/office/drawing/2010/main" xmlns:m="http://schemas.openxmlformats.org/officeDocument/2006/math" xmlns="" val="1"/>
+              <ma14:wrappingTextBoxFlag xmlns="" xmlns:m="http://schemas.openxmlformats.org/officeDocument/2006/math" xmlns:a14="http://schemas.microsoft.com/office/drawing/2010/main" xmlns:ma14="http://schemas.microsoft.com/office/mac/drawingml/2011/main" val="1"/>
             </a:ext>
           </a:extLst>
         </p:spPr>
@@ -8867,7 +8867,7 @@
             <a:effectLst/>
             <a:extLst>
               <a:ext uri="{C572A759-6A51-4108-AA02-DFA0A04FC94B}">
-                <ma14:wrappingTextBoxFlag xmlns:ma14="http://schemas.microsoft.com/office/mac/drawingml/2011/main" xmlns:a14="http://schemas.microsoft.com/office/drawing/2010/main" xmlns:m="http://schemas.openxmlformats.org/officeDocument/2006/math" xmlns="" val="1"/>
+                <ma14:wrappingTextBoxFlag xmlns="" xmlns:m="http://schemas.openxmlformats.org/officeDocument/2006/math" xmlns:a14="http://schemas.microsoft.com/office/drawing/2010/main" xmlns:ma14="http://schemas.microsoft.com/office/mac/drawingml/2011/main" val="1"/>
               </a:ext>
             </a:extLst>
           </p:spPr>
@@ -9123,7 +9123,7 @@
             <a:effectLst/>
             <a:extLst>
               <a:ext uri="{C572A759-6A51-4108-AA02-DFA0A04FC94B}">
-                <ma14:wrappingTextBoxFlag xmlns:ma14="http://schemas.microsoft.com/office/mac/drawingml/2011/main" xmlns:a14="http://schemas.microsoft.com/office/drawing/2010/main" xmlns:m="http://schemas.openxmlformats.org/officeDocument/2006/math" xmlns="" val="1"/>
+                <ma14:wrappingTextBoxFlag xmlns="" xmlns:m="http://schemas.openxmlformats.org/officeDocument/2006/math" xmlns:a14="http://schemas.microsoft.com/office/drawing/2010/main" xmlns:ma14="http://schemas.microsoft.com/office/mac/drawingml/2011/main" val="1"/>
               </a:ext>
             </a:extLst>
           </p:spPr>
@@ -9229,7 +9229,7 @@
             <a:effectLst/>
             <a:extLst>
               <a:ext uri="{C572A759-6A51-4108-AA02-DFA0A04FC94B}">
-                <ma14:wrappingTextBoxFlag xmlns:ma14="http://schemas.microsoft.com/office/mac/drawingml/2011/main" xmlns:a14="http://schemas.microsoft.com/office/drawing/2010/main" xmlns:m="http://schemas.openxmlformats.org/officeDocument/2006/math" xmlns="" val="1"/>
+                <ma14:wrappingTextBoxFlag xmlns="" xmlns:m="http://schemas.openxmlformats.org/officeDocument/2006/math" xmlns:a14="http://schemas.microsoft.com/office/drawing/2010/main" xmlns:ma14="http://schemas.microsoft.com/office/mac/drawingml/2011/main" val="1"/>
               </a:ext>
             </a:extLst>
           </p:spPr>
@@ -9335,7 +9335,7 @@
             <a:effectLst/>
             <a:extLst>
               <a:ext uri="{C572A759-6A51-4108-AA02-DFA0A04FC94B}">
-                <ma14:wrappingTextBoxFlag xmlns:ma14="http://schemas.microsoft.com/office/mac/drawingml/2011/main" xmlns:a14="http://schemas.microsoft.com/office/drawing/2010/main" xmlns:m="http://schemas.openxmlformats.org/officeDocument/2006/math" xmlns="" val="1"/>
+                <ma14:wrappingTextBoxFlag xmlns="" xmlns:m="http://schemas.openxmlformats.org/officeDocument/2006/math" xmlns:a14="http://schemas.microsoft.com/office/drawing/2010/main" xmlns:ma14="http://schemas.microsoft.com/office/mac/drawingml/2011/main" val="1"/>
               </a:ext>
             </a:extLst>
           </p:spPr>
@@ -9441,7 +9441,7 @@
             <a:effectLst/>
             <a:extLst>
               <a:ext uri="{C572A759-6A51-4108-AA02-DFA0A04FC94B}">
-                <ma14:wrappingTextBoxFlag xmlns:ma14="http://schemas.microsoft.com/office/mac/drawingml/2011/main" xmlns:a14="http://schemas.microsoft.com/office/drawing/2010/main" xmlns:m="http://schemas.openxmlformats.org/officeDocument/2006/math" xmlns="" val="1"/>
+                <ma14:wrappingTextBoxFlag xmlns="" xmlns:m="http://schemas.openxmlformats.org/officeDocument/2006/math" xmlns:a14="http://schemas.microsoft.com/office/drawing/2010/main" xmlns:ma14="http://schemas.microsoft.com/office/mac/drawingml/2011/main" val="1"/>
               </a:ext>
             </a:extLst>
           </p:spPr>
@@ -9547,7 +9547,7 @@
             <a:effectLst/>
             <a:extLst>
               <a:ext uri="{C572A759-6A51-4108-AA02-DFA0A04FC94B}">
-                <ma14:wrappingTextBoxFlag xmlns:ma14="http://schemas.microsoft.com/office/mac/drawingml/2011/main" xmlns:a14="http://schemas.microsoft.com/office/drawing/2010/main" xmlns:m="http://schemas.openxmlformats.org/officeDocument/2006/math" xmlns="" val="1"/>
+                <ma14:wrappingTextBoxFlag xmlns="" xmlns:m="http://schemas.openxmlformats.org/officeDocument/2006/math" xmlns:a14="http://schemas.microsoft.com/office/drawing/2010/main" xmlns:ma14="http://schemas.microsoft.com/office/mac/drawingml/2011/main" val="1"/>
               </a:ext>
             </a:extLst>
           </p:spPr>
@@ -9653,7 +9653,7 @@
             <a:effectLst/>
             <a:extLst>
               <a:ext uri="{C572A759-6A51-4108-AA02-DFA0A04FC94B}">
-                <ma14:wrappingTextBoxFlag xmlns:ma14="http://schemas.microsoft.com/office/mac/drawingml/2011/main" xmlns:a14="http://schemas.microsoft.com/office/drawing/2010/main" xmlns:m="http://schemas.openxmlformats.org/officeDocument/2006/math" xmlns="" val="1"/>
+                <ma14:wrappingTextBoxFlag xmlns="" xmlns:m="http://schemas.openxmlformats.org/officeDocument/2006/math" xmlns:a14="http://schemas.microsoft.com/office/drawing/2010/main" xmlns:ma14="http://schemas.microsoft.com/office/mac/drawingml/2011/main" val="1"/>
               </a:ext>
             </a:extLst>
           </p:spPr>
@@ -9759,7 +9759,7 @@
             <a:effectLst/>
             <a:extLst>
               <a:ext uri="{C572A759-6A51-4108-AA02-DFA0A04FC94B}">
-                <ma14:wrappingTextBoxFlag xmlns:ma14="http://schemas.microsoft.com/office/mac/drawingml/2011/main" xmlns:a14="http://schemas.microsoft.com/office/drawing/2010/main" xmlns:m="http://schemas.openxmlformats.org/officeDocument/2006/math" xmlns="" val="1"/>
+                <ma14:wrappingTextBoxFlag xmlns="" xmlns:m="http://schemas.openxmlformats.org/officeDocument/2006/math" xmlns:a14="http://schemas.microsoft.com/office/drawing/2010/main" xmlns:ma14="http://schemas.microsoft.com/office/mac/drawingml/2011/main" val="1"/>
               </a:ext>
             </a:extLst>
           </p:spPr>
@@ -9804,7 +9804,7 @@
           </a:ln>
           <a:extLst>
             <a:ext uri="{C572A759-6A51-4108-AA02-DFA0A04FC94B}">
-              <ma14:wrappingTextBoxFlag xmlns:ma14="http://schemas.microsoft.com/office/mac/drawingml/2011/main" xmlns:a14="http://schemas.microsoft.com/office/drawing/2010/main" xmlns:m="http://schemas.openxmlformats.org/officeDocument/2006/math" xmlns="" val="1"/>
+              <ma14:wrappingTextBoxFlag xmlns="" xmlns:m="http://schemas.openxmlformats.org/officeDocument/2006/math" xmlns:a14="http://schemas.microsoft.com/office/drawing/2010/main" xmlns:ma14="http://schemas.microsoft.com/office/mac/drawingml/2011/main" val="1"/>
             </a:ext>
           </a:extLst>
         </p:spPr>
@@ -9844,7 +9844,7 @@
           </a:ln>
           <a:extLst>
             <a:ext uri="{C572A759-6A51-4108-AA02-DFA0A04FC94B}">
-              <ma14:wrappingTextBoxFlag xmlns:ma14="http://schemas.microsoft.com/office/mac/drawingml/2011/main" xmlns:a14="http://schemas.microsoft.com/office/drawing/2010/main" xmlns:m="http://schemas.openxmlformats.org/officeDocument/2006/math" xmlns="" val="1"/>
+              <ma14:wrappingTextBoxFlag xmlns="" xmlns:m="http://schemas.openxmlformats.org/officeDocument/2006/math" xmlns:a14="http://schemas.microsoft.com/office/drawing/2010/main" xmlns:ma14="http://schemas.microsoft.com/office/mac/drawingml/2011/main" val="1"/>
             </a:ext>
           </a:extLst>
         </p:spPr>
@@ -9884,7 +9884,7 @@
           </a:ln>
           <a:extLst>
             <a:ext uri="{C572A759-6A51-4108-AA02-DFA0A04FC94B}">
-              <ma14:wrappingTextBoxFlag xmlns:ma14="http://schemas.microsoft.com/office/mac/drawingml/2011/main" xmlns:a14="http://schemas.microsoft.com/office/drawing/2010/main" xmlns:m="http://schemas.openxmlformats.org/officeDocument/2006/math" xmlns="" val="1"/>
+              <ma14:wrappingTextBoxFlag xmlns="" xmlns:m="http://schemas.openxmlformats.org/officeDocument/2006/math" xmlns:a14="http://schemas.microsoft.com/office/drawing/2010/main" xmlns:ma14="http://schemas.microsoft.com/office/mac/drawingml/2011/main" val="1"/>
             </a:ext>
           </a:extLst>
         </p:spPr>
@@ -9926,7 +9926,7 @@
           </a:ln>
           <a:extLst>
             <a:ext uri="{C572A759-6A51-4108-AA02-DFA0A04FC94B}">
-              <ma14:wrappingTextBoxFlag xmlns:ma14="http://schemas.microsoft.com/office/mac/drawingml/2011/main" xmlns:a14="http://schemas.microsoft.com/office/drawing/2010/main" xmlns:m="http://schemas.openxmlformats.org/officeDocument/2006/math" xmlns="" val="1"/>
+              <ma14:wrappingTextBoxFlag xmlns="" xmlns:m="http://schemas.openxmlformats.org/officeDocument/2006/math" xmlns:a14="http://schemas.microsoft.com/office/drawing/2010/main" xmlns:ma14="http://schemas.microsoft.com/office/mac/drawingml/2011/main" val="1"/>
             </a:ext>
           </a:extLst>
         </p:spPr>
@@ -9978,7 +9978,7 @@
           </a:ln>
           <a:extLst>
             <a:ext uri="{C572A759-6A51-4108-AA02-DFA0A04FC94B}">
-              <ma14:wrappingTextBoxFlag xmlns:ma14="http://schemas.microsoft.com/office/mac/drawingml/2011/main" xmlns:a14="http://schemas.microsoft.com/office/drawing/2010/main" xmlns:m="http://schemas.openxmlformats.org/officeDocument/2006/math" xmlns="" val="1"/>
+              <ma14:wrappingTextBoxFlag xmlns="" xmlns:m="http://schemas.openxmlformats.org/officeDocument/2006/math" xmlns:a14="http://schemas.microsoft.com/office/drawing/2010/main" xmlns:ma14="http://schemas.microsoft.com/office/mac/drawingml/2011/main" val="1"/>
             </a:ext>
           </a:extLst>
         </p:spPr>
@@ -10102,7 +10102,7 @@
           </a:ln>
           <a:extLst>
             <a:ext uri="{C572A759-6A51-4108-AA02-DFA0A04FC94B}">
-              <ma14:wrappingTextBoxFlag xmlns:ma14="http://schemas.microsoft.com/office/mac/drawingml/2011/main" xmlns:a14="http://schemas.microsoft.com/office/drawing/2010/main" xmlns:m="http://schemas.openxmlformats.org/officeDocument/2006/math" xmlns="" val="1"/>
+              <ma14:wrappingTextBoxFlag xmlns="" xmlns:m="http://schemas.openxmlformats.org/officeDocument/2006/math" xmlns:a14="http://schemas.microsoft.com/office/drawing/2010/main" xmlns:ma14="http://schemas.microsoft.com/office/mac/drawingml/2011/main" val="1"/>
             </a:ext>
           </a:extLst>
         </p:spPr>
@@ -10215,7 +10215,7 @@
             <a:effectLst/>
             <a:extLst>
               <a:ext uri="{C572A759-6A51-4108-AA02-DFA0A04FC94B}">
-                <ma14:wrappingTextBoxFlag xmlns:ma14="http://schemas.microsoft.com/office/mac/drawingml/2011/main" xmlns:a14="http://schemas.microsoft.com/office/drawing/2010/main" xmlns:m="http://schemas.openxmlformats.org/officeDocument/2006/math" xmlns="" val="1"/>
+                <ma14:wrappingTextBoxFlag xmlns="" xmlns:m="http://schemas.openxmlformats.org/officeDocument/2006/math" xmlns:a14="http://schemas.microsoft.com/office/drawing/2010/main" xmlns:ma14="http://schemas.microsoft.com/office/mac/drawingml/2011/main" val="1"/>
               </a:ext>
             </a:extLst>
           </p:spPr>
@@ -10321,7 +10321,7 @@
             <a:effectLst/>
             <a:extLst>
               <a:ext uri="{C572A759-6A51-4108-AA02-DFA0A04FC94B}">
-                <ma14:wrappingTextBoxFlag xmlns:ma14="http://schemas.microsoft.com/office/mac/drawingml/2011/main" xmlns:a14="http://schemas.microsoft.com/office/drawing/2010/main" xmlns:m="http://schemas.openxmlformats.org/officeDocument/2006/math" xmlns="" val="1"/>
+                <ma14:wrappingTextBoxFlag xmlns="" xmlns:m="http://schemas.openxmlformats.org/officeDocument/2006/math" xmlns:a14="http://schemas.microsoft.com/office/drawing/2010/main" xmlns:ma14="http://schemas.microsoft.com/office/mac/drawingml/2011/main" val="1"/>
               </a:ext>
             </a:extLst>
           </p:spPr>
@@ -10427,7 +10427,7 @@
             <a:effectLst/>
             <a:extLst>
               <a:ext uri="{C572A759-6A51-4108-AA02-DFA0A04FC94B}">
-                <ma14:wrappingTextBoxFlag xmlns:ma14="http://schemas.microsoft.com/office/mac/drawingml/2011/main" xmlns:a14="http://schemas.microsoft.com/office/drawing/2010/main" xmlns:m="http://schemas.openxmlformats.org/officeDocument/2006/math" xmlns="" val="1"/>
+                <ma14:wrappingTextBoxFlag xmlns="" xmlns:m="http://schemas.openxmlformats.org/officeDocument/2006/math" xmlns:a14="http://schemas.microsoft.com/office/drawing/2010/main" xmlns:ma14="http://schemas.microsoft.com/office/mac/drawingml/2011/main" val="1"/>
               </a:ext>
             </a:extLst>
           </p:spPr>
@@ -10579,7 +10579,7 @@
             <a:effectLst/>
             <a:extLst>
               <a:ext uri="{C572A759-6A51-4108-AA02-DFA0A04FC94B}">
-                <ma14:wrappingTextBoxFlag xmlns:ma14="http://schemas.microsoft.com/office/mac/drawingml/2011/main" xmlns:a14="http://schemas.microsoft.com/office/drawing/2010/main" xmlns:m="http://schemas.openxmlformats.org/officeDocument/2006/math" xmlns="" val="1"/>
+                <ma14:wrappingTextBoxFlag xmlns="" xmlns:m="http://schemas.openxmlformats.org/officeDocument/2006/math" xmlns:a14="http://schemas.microsoft.com/office/drawing/2010/main" xmlns:ma14="http://schemas.microsoft.com/office/mac/drawingml/2011/main" val="1"/>
               </a:ext>
             </a:extLst>
           </p:spPr>
@@ -11043,7 +11043,7 @@
             <a:effectLst/>
             <a:extLst>
               <a:ext uri="{C572A759-6A51-4108-AA02-DFA0A04FC94B}">
-                <ma14:wrappingTextBoxFlag xmlns:ma14="http://schemas.microsoft.com/office/mac/drawingml/2011/main" xmlns:a14="http://schemas.microsoft.com/office/drawing/2010/main" xmlns:m="http://schemas.openxmlformats.org/officeDocument/2006/math" xmlns="" val="1"/>
+                <ma14:wrappingTextBoxFlag xmlns="" xmlns:m="http://schemas.openxmlformats.org/officeDocument/2006/math" xmlns:a14="http://schemas.microsoft.com/office/drawing/2010/main" xmlns:ma14="http://schemas.microsoft.com/office/mac/drawingml/2011/main" val="1"/>
               </a:ext>
             </a:extLst>
           </p:spPr>
@@ -11149,7 +11149,7 @@
             <a:effectLst/>
             <a:extLst>
               <a:ext uri="{C572A759-6A51-4108-AA02-DFA0A04FC94B}">
-                <ma14:wrappingTextBoxFlag xmlns:ma14="http://schemas.microsoft.com/office/mac/drawingml/2011/main" xmlns:a14="http://schemas.microsoft.com/office/drawing/2010/main" xmlns:m="http://schemas.openxmlformats.org/officeDocument/2006/math" xmlns="" val="1"/>
+                <ma14:wrappingTextBoxFlag xmlns="" xmlns:m="http://schemas.openxmlformats.org/officeDocument/2006/math" xmlns:a14="http://schemas.microsoft.com/office/drawing/2010/main" xmlns:ma14="http://schemas.microsoft.com/office/mac/drawingml/2011/main" val="1"/>
               </a:ext>
             </a:extLst>
           </p:spPr>
@@ -11255,7 +11255,7 @@
             <a:effectLst/>
             <a:extLst>
               <a:ext uri="{C572A759-6A51-4108-AA02-DFA0A04FC94B}">
-                <ma14:wrappingTextBoxFlag xmlns:ma14="http://schemas.microsoft.com/office/mac/drawingml/2011/main" xmlns:a14="http://schemas.microsoft.com/office/drawing/2010/main" xmlns:m="http://schemas.openxmlformats.org/officeDocument/2006/math" xmlns="" val="1"/>
+                <ma14:wrappingTextBoxFlag xmlns="" xmlns:m="http://schemas.openxmlformats.org/officeDocument/2006/math" xmlns:a14="http://schemas.microsoft.com/office/drawing/2010/main" xmlns:ma14="http://schemas.microsoft.com/office/mac/drawingml/2011/main" val="1"/>
               </a:ext>
             </a:extLst>
           </p:spPr>
@@ -11386,7 +11386,7 @@
           </a:ln>
           <a:extLst>
             <a:ext uri="{C572A759-6A51-4108-AA02-DFA0A04FC94B}">
-              <ma14:wrappingTextBoxFlag xmlns:ma14="http://schemas.microsoft.com/office/mac/drawingml/2011/main" xmlns:a14="http://schemas.microsoft.com/office/drawing/2010/main" xmlns:m="http://schemas.openxmlformats.org/officeDocument/2006/math" xmlns="" val="1"/>
+              <ma14:wrappingTextBoxFlag xmlns="" xmlns:m="http://schemas.openxmlformats.org/officeDocument/2006/math" xmlns:a14="http://schemas.microsoft.com/office/drawing/2010/main" xmlns:ma14="http://schemas.microsoft.com/office/mac/drawingml/2011/main" val="1"/>
             </a:ext>
           </a:extLst>
         </p:spPr>
@@ -11428,7 +11428,7 @@
           </a:ln>
           <a:extLst>
             <a:ext uri="{C572A759-6A51-4108-AA02-DFA0A04FC94B}">
-              <ma14:wrappingTextBoxFlag xmlns:ma14="http://schemas.microsoft.com/office/mac/drawingml/2011/main" xmlns:a14="http://schemas.microsoft.com/office/drawing/2010/main" xmlns:m="http://schemas.openxmlformats.org/officeDocument/2006/math" xmlns="" val="1"/>
+              <ma14:wrappingTextBoxFlag xmlns="" xmlns:m="http://schemas.openxmlformats.org/officeDocument/2006/math" xmlns:a14="http://schemas.microsoft.com/office/drawing/2010/main" xmlns:ma14="http://schemas.microsoft.com/office/mac/drawingml/2011/main" val="1"/>
             </a:ext>
           </a:extLst>
         </p:spPr>
@@ -11505,7 +11505,7 @@
           </a:ln>
           <a:extLst>
             <a:ext uri="{C572A759-6A51-4108-AA02-DFA0A04FC94B}">
-              <ma14:wrappingTextBoxFlag xmlns:ma14="http://schemas.microsoft.com/office/mac/drawingml/2011/main" xmlns:a14="http://schemas.microsoft.com/office/drawing/2010/main" xmlns:m="http://schemas.openxmlformats.org/officeDocument/2006/math" xmlns="" val="1"/>
+              <ma14:wrappingTextBoxFlag xmlns="" xmlns:m="http://schemas.openxmlformats.org/officeDocument/2006/math" xmlns:a14="http://schemas.microsoft.com/office/drawing/2010/main" xmlns:ma14="http://schemas.microsoft.com/office/mac/drawingml/2011/main" val="1"/>
             </a:ext>
           </a:extLst>
         </p:spPr>
@@ -11773,7 +11773,7 @@
           </a:ln>
           <a:extLst>
             <a:ext uri="{C572A759-6A51-4108-AA02-DFA0A04FC94B}">
-              <ma14:wrappingTextBoxFlag xmlns:ma14="http://schemas.microsoft.com/office/mac/drawingml/2011/main" xmlns:a14="http://schemas.microsoft.com/office/drawing/2010/main" xmlns:m="http://schemas.openxmlformats.org/officeDocument/2006/math" xmlns="" val="1"/>
+              <ma14:wrappingTextBoxFlag xmlns="" xmlns:m="http://schemas.openxmlformats.org/officeDocument/2006/math" xmlns:a14="http://schemas.microsoft.com/office/drawing/2010/main" xmlns:ma14="http://schemas.microsoft.com/office/mac/drawingml/2011/main" val="1"/>
             </a:ext>
           </a:extLst>
         </p:spPr>
@@ -11874,7 +11874,7 @@
             <a:effectLst/>
             <a:extLst>
               <a:ext uri="{C572A759-6A51-4108-AA02-DFA0A04FC94B}">
-                <ma14:wrappingTextBoxFlag xmlns:ma14="http://schemas.microsoft.com/office/mac/drawingml/2011/main" xmlns:a14="http://schemas.microsoft.com/office/drawing/2010/main" xmlns:m="http://schemas.openxmlformats.org/officeDocument/2006/math" xmlns="" val="1"/>
+                <ma14:wrappingTextBoxFlag xmlns="" xmlns:m="http://schemas.openxmlformats.org/officeDocument/2006/math" xmlns:a14="http://schemas.microsoft.com/office/drawing/2010/main" xmlns:ma14="http://schemas.microsoft.com/office/mac/drawingml/2011/main" val="1"/>
               </a:ext>
             </a:extLst>
           </p:spPr>
@@ -11980,7 +11980,7 @@
             <a:effectLst/>
             <a:extLst>
               <a:ext uri="{C572A759-6A51-4108-AA02-DFA0A04FC94B}">
-                <ma14:wrappingTextBoxFlag xmlns:ma14="http://schemas.microsoft.com/office/mac/drawingml/2011/main" xmlns:a14="http://schemas.microsoft.com/office/drawing/2010/main" xmlns:m="http://schemas.openxmlformats.org/officeDocument/2006/math" xmlns="" val="1"/>
+                <ma14:wrappingTextBoxFlag xmlns="" xmlns:m="http://schemas.openxmlformats.org/officeDocument/2006/math" xmlns:a14="http://schemas.microsoft.com/office/drawing/2010/main" xmlns:ma14="http://schemas.microsoft.com/office/mac/drawingml/2011/main" val="1"/>
               </a:ext>
             </a:extLst>
           </p:spPr>
@@ -12086,7 +12086,7 @@
             <a:effectLst/>
             <a:extLst>
               <a:ext uri="{C572A759-6A51-4108-AA02-DFA0A04FC94B}">
-                <ma14:wrappingTextBoxFlag xmlns:ma14="http://schemas.microsoft.com/office/mac/drawingml/2011/main" xmlns:a14="http://schemas.microsoft.com/office/drawing/2010/main" xmlns:m="http://schemas.openxmlformats.org/officeDocument/2006/math" xmlns="" val="1"/>
+                <ma14:wrappingTextBoxFlag xmlns="" xmlns:m="http://schemas.openxmlformats.org/officeDocument/2006/math" xmlns:a14="http://schemas.microsoft.com/office/drawing/2010/main" xmlns:ma14="http://schemas.microsoft.com/office/mac/drawingml/2011/main" val="1"/>
               </a:ext>
             </a:extLst>
           </p:spPr>
@@ -12226,7 +12226,7 @@
             <a:effectLst/>
             <a:extLst>
               <a:ext uri="{C572A759-6A51-4108-AA02-DFA0A04FC94B}">
-                <ma14:wrappingTextBoxFlag xmlns:ma14="http://schemas.microsoft.com/office/mac/drawingml/2011/main" xmlns:a14="http://schemas.microsoft.com/office/drawing/2010/main" xmlns:m="http://schemas.openxmlformats.org/officeDocument/2006/math" xmlns="" val="1"/>
+                <ma14:wrappingTextBoxFlag xmlns="" xmlns:m="http://schemas.openxmlformats.org/officeDocument/2006/math" xmlns:a14="http://schemas.microsoft.com/office/drawing/2010/main" xmlns:ma14="http://schemas.microsoft.com/office/mac/drawingml/2011/main" val="1"/>
               </a:ext>
             </a:extLst>
           </p:spPr>
@@ -12332,7 +12332,7 @@
             <a:effectLst/>
             <a:extLst>
               <a:ext uri="{C572A759-6A51-4108-AA02-DFA0A04FC94B}">
-                <ma14:wrappingTextBoxFlag xmlns:ma14="http://schemas.microsoft.com/office/mac/drawingml/2011/main" xmlns:a14="http://schemas.microsoft.com/office/drawing/2010/main" xmlns:m="http://schemas.openxmlformats.org/officeDocument/2006/math" xmlns="" val="1"/>
+                <ma14:wrappingTextBoxFlag xmlns="" xmlns:m="http://schemas.openxmlformats.org/officeDocument/2006/math" xmlns:a14="http://schemas.microsoft.com/office/drawing/2010/main" xmlns:ma14="http://schemas.microsoft.com/office/mac/drawingml/2011/main" val="1"/>
               </a:ext>
             </a:extLst>
           </p:spPr>
@@ -12438,7 +12438,7 @@
             <a:effectLst/>
             <a:extLst>
               <a:ext uri="{C572A759-6A51-4108-AA02-DFA0A04FC94B}">
-                <ma14:wrappingTextBoxFlag xmlns:ma14="http://schemas.microsoft.com/office/mac/drawingml/2011/main" xmlns:a14="http://schemas.microsoft.com/office/drawing/2010/main" xmlns:m="http://schemas.openxmlformats.org/officeDocument/2006/math" xmlns="" val="1"/>
+                <ma14:wrappingTextBoxFlag xmlns="" xmlns:m="http://schemas.openxmlformats.org/officeDocument/2006/math" xmlns:a14="http://schemas.microsoft.com/office/drawing/2010/main" xmlns:ma14="http://schemas.microsoft.com/office/mac/drawingml/2011/main" val="1"/>
               </a:ext>
             </a:extLst>
           </p:spPr>
@@ -12540,7 +12540,7 @@
             <a:effectLst/>
             <a:extLst>
               <a:ext uri="{C572A759-6A51-4108-AA02-DFA0A04FC94B}">
-                <ma14:wrappingTextBoxFlag xmlns:ma14="http://schemas.microsoft.com/office/mac/drawingml/2011/main" xmlns:a14="http://schemas.microsoft.com/office/drawing/2010/main" xmlns:m="http://schemas.openxmlformats.org/officeDocument/2006/math" xmlns="" val="1"/>
+                <ma14:wrappingTextBoxFlag xmlns="" xmlns:m="http://schemas.openxmlformats.org/officeDocument/2006/math" xmlns:a14="http://schemas.microsoft.com/office/drawing/2010/main" xmlns:ma14="http://schemas.microsoft.com/office/mac/drawingml/2011/main" val="1"/>
               </a:ext>
             </a:extLst>
           </p:spPr>
@@ -12659,7 +12659,7 @@
             <a:effectLst/>
             <a:extLst>
               <a:ext uri="{C572A759-6A51-4108-AA02-DFA0A04FC94B}">
-                <ma14:wrappingTextBoxFlag xmlns:ma14="http://schemas.microsoft.com/office/mac/drawingml/2011/main" xmlns:a14="http://schemas.microsoft.com/office/drawing/2010/main" xmlns:m="http://schemas.openxmlformats.org/officeDocument/2006/math" xmlns="" val="1"/>
+                <ma14:wrappingTextBoxFlag xmlns="" xmlns:m="http://schemas.openxmlformats.org/officeDocument/2006/math" xmlns:a14="http://schemas.microsoft.com/office/drawing/2010/main" xmlns:ma14="http://schemas.microsoft.com/office/mac/drawingml/2011/main" val="1"/>
               </a:ext>
             </a:extLst>
           </p:spPr>
@@ -12774,7 +12774,7 @@
             <a:effectLst/>
             <a:extLst>
               <a:ext uri="{C572A759-6A51-4108-AA02-DFA0A04FC94B}">
-                <ma14:wrappingTextBoxFlag xmlns:ma14="http://schemas.microsoft.com/office/mac/drawingml/2011/main" xmlns:a14="http://schemas.microsoft.com/office/drawing/2010/main" xmlns:m="http://schemas.openxmlformats.org/officeDocument/2006/math" xmlns="" val="1"/>
+                <ma14:wrappingTextBoxFlag xmlns="" xmlns:m="http://schemas.openxmlformats.org/officeDocument/2006/math" xmlns:a14="http://schemas.microsoft.com/office/drawing/2010/main" xmlns:ma14="http://schemas.microsoft.com/office/mac/drawingml/2011/main" val="1"/>
               </a:ext>
             </a:extLst>
           </p:spPr>
@@ -13092,7 +13092,7 @@
           </a:ln>
           <a:extLst>
             <a:ext uri="{C572A759-6A51-4108-AA02-DFA0A04FC94B}">
-              <ma14:wrappingTextBoxFlag xmlns:ma14="http://schemas.microsoft.com/office/mac/drawingml/2011/main" xmlns:a14="http://schemas.microsoft.com/office/drawing/2010/main" xmlns:m="http://schemas.openxmlformats.org/officeDocument/2006/math" xmlns="" val="1"/>
+              <ma14:wrappingTextBoxFlag xmlns="" xmlns:m="http://schemas.openxmlformats.org/officeDocument/2006/math" xmlns:a14="http://schemas.microsoft.com/office/drawing/2010/main" xmlns:ma14="http://schemas.microsoft.com/office/mac/drawingml/2011/main" val="1"/>
             </a:ext>
           </a:extLst>
         </p:spPr>
@@ -13199,7 +13199,7 @@
           </a:ln>
           <a:extLst>
             <a:ext uri="{C572A759-6A51-4108-AA02-DFA0A04FC94B}">
-              <ma14:wrappingTextBoxFlag xmlns:ma14="http://schemas.microsoft.com/office/mac/drawingml/2011/main" xmlns:a14="http://schemas.microsoft.com/office/drawing/2010/main" xmlns:m="http://schemas.openxmlformats.org/officeDocument/2006/math" xmlns="" val="1"/>
+              <ma14:wrappingTextBoxFlag xmlns="" xmlns:m="http://schemas.openxmlformats.org/officeDocument/2006/math" xmlns:a14="http://schemas.microsoft.com/office/drawing/2010/main" xmlns:ma14="http://schemas.microsoft.com/office/mac/drawingml/2011/main" val="1"/>
             </a:ext>
           </a:extLst>
         </p:spPr>
@@ -13385,7 +13385,7 @@
             <a:effectLst/>
             <a:extLst>
               <a:ext uri="{C572A759-6A51-4108-AA02-DFA0A04FC94B}">
-                <ma14:wrappingTextBoxFlag xmlns:ma14="http://schemas.microsoft.com/office/mac/drawingml/2011/main" xmlns:a14="http://schemas.microsoft.com/office/drawing/2010/main" xmlns:m="http://schemas.openxmlformats.org/officeDocument/2006/math" xmlns="" val="1"/>
+                <ma14:wrappingTextBoxFlag xmlns="" xmlns:m="http://schemas.openxmlformats.org/officeDocument/2006/math" xmlns:a14="http://schemas.microsoft.com/office/drawing/2010/main" xmlns:ma14="http://schemas.microsoft.com/office/mac/drawingml/2011/main" val="1"/>
               </a:ext>
             </a:extLst>
           </p:spPr>
@@ -13520,7 +13520,7 @@
               <a:effectLst/>
               <a:extLst>
                 <a:ext uri="{C572A759-6A51-4108-AA02-DFA0A04FC94B}">
-                  <ma14:wrappingTextBoxFlag xmlns:ma14="http://schemas.microsoft.com/office/mac/drawingml/2011/main" xmlns:a14="http://schemas.microsoft.com/office/drawing/2010/main" xmlns:m="http://schemas.openxmlformats.org/officeDocument/2006/math" xmlns="" val="1"/>
+                  <ma14:wrappingTextBoxFlag xmlns="" xmlns:m="http://schemas.openxmlformats.org/officeDocument/2006/math" xmlns:a14="http://schemas.microsoft.com/office/drawing/2010/main" xmlns:ma14="http://schemas.microsoft.com/office/mac/drawingml/2011/main" val="1"/>
                 </a:ext>
               </a:extLst>
             </p:spPr>
@@ -13633,7 +13633,7 @@
             <a:effectLst/>
             <a:extLst>
               <a:ext uri="{C572A759-6A51-4108-AA02-DFA0A04FC94B}">
-                <ma14:wrappingTextBoxFlag xmlns:ma14="http://schemas.microsoft.com/office/mac/drawingml/2011/main" xmlns:a14="http://schemas.microsoft.com/office/drawing/2010/main" xmlns:m="http://schemas.openxmlformats.org/officeDocument/2006/math" xmlns="" val="1"/>
+                <ma14:wrappingTextBoxFlag xmlns="" xmlns:m="http://schemas.openxmlformats.org/officeDocument/2006/math" xmlns:a14="http://schemas.microsoft.com/office/drawing/2010/main" xmlns:ma14="http://schemas.microsoft.com/office/mac/drawingml/2011/main" val="1"/>
               </a:ext>
             </a:extLst>
           </p:spPr>
@@ -13676,7 +13676,7 @@
             <a:effectLst/>
             <a:extLst>
               <a:ext uri="{C572A759-6A51-4108-AA02-DFA0A04FC94B}">
-                <ma14:wrappingTextBoxFlag xmlns:ma14="http://schemas.microsoft.com/office/mac/drawingml/2011/main" xmlns:a14="http://schemas.microsoft.com/office/drawing/2010/main" xmlns:m="http://schemas.openxmlformats.org/officeDocument/2006/math" xmlns="" val="1"/>
+                <ma14:wrappingTextBoxFlag xmlns="" xmlns:m="http://schemas.openxmlformats.org/officeDocument/2006/math" xmlns:a14="http://schemas.microsoft.com/office/drawing/2010/main" xmlns:ma14="http://schemas.microsoft.com/office/mac/drawingml/2011/main" val="1"/>
               </a:ext>
             </a:extLst>
           </p:spPr>
@@ -13719,7 +13719,7 @@
             <a:effectLst/>
             <a:extLst>
               <a:ext uri="{C572A759-6A51-4108-AA02-DFA0A04FC94B}">
-                <ma14:wrappingTextBoxFlag xmlns:ma14="http://schemas.microsoft.com/office/mac/drawingml/2011/main" xmlns:a14="http://schemas.microsoft.com/office/drawing/2010/main" xmlns:m="http://schemas.openxmlformats.org/officeDocument/2006/math" xmlns="" val="1"/>
+                <ma14:wrappingTextBoxFlag xmlns="" xmlns:m="http://schemas.openxmlformats.org/officeDocument/2006/math" xmlns:a14="http://schemas.microsoft.com/office/drawing/2010/main" xmlns:ma14="http://schemas.microsoft.com/office/mac/drawingml/2011/main" val="1"/>
               </a:ext>
             </a:extLst>
           </p:spPr>
@@ -13812,7 +13812,7 @@
             <a:effectLst/>
             <a:extLst>
               <a:ext uri="{C572A759-6A51-4108-AA02-DFA0A04FC94B}">
-                <ma14:wrappingTextBoxFlag xmlns:ma14="http://schemas.microsoft.com/office/mac/drawingml/2011/main" xmlns:a14="http://schemas.microsoft.com/office/drawing/2010/main" xmlns:m="http://schemas.openxmlformats.org/officeDocument/2006/math" xmlns="" val="1"/>
+                <ma14:wrappingTextBoxFlag xmlns="" xmlns:m="http://schemas.openxmlformats.org/officeDocument/2006/math" xmlns:a14="http://schemas.microsoft.com/office/drawing/2010/main" xmlns:ma14="http://schemas.microsoft.com/office/mac/drawingml/2011/main" val="1"/>
               </a:ext>
             </a:extLst>
           </p:spPr>
@@ -13866,7 +13866,7 @@
             <a:effectLst/>
             <a:extLst>
               <a:ext uri="{C572A759-6A51-4108-AA02-DFA0A04FC94B}">
-                <ma14:wrappingTextBoxFlag xmlns:ma14="http://schemas.microsoft.com/office/mac/drawingml/2011/main" xmlns:a14="http://schemas.microsoft.com/office/drawing/2010/main" xmlns:m="http://schemas.openxmlformats.org/officeDocument/2006/math" xmlns="" val="1"/>
+                <ma14:wrappingTextBoxFlag xmlns="" xmlns:m="http://schemas.openxmlformats.org/officeDocument/2006/math" xmlns:a14="http://schemas.microsoft.com/office/drawing/2010/main" xmlns:ma14="http://schemas.microsoft.com/office/mac/drawingml/2011/main" val="1"/>
               </a:ext>
             </a:extLst>
           </p:spPr>
@@ -13982,7 +13982,7 @@
             <a:effectLst/>
             <a:extLst>
               <a:ext uri="{C572A759-6A51-4108-AA02-DFA0A04FC94B}">
-                <ma14:wrappingTextBoxFlag xmlns:ma14="http://schemas.microsoft.com/office/mac/drawingml/2011/main" xmlns:a14="http://schemas.microsoft.com/office/drawing/2010/main" xmlns:m="http://schemas.openxmlformats.org/officeDocument/2006/math" xmlns="" val="1"/>
+                <ma14:wrappingTextBoxFlag xmlns="" xmlns:m="http://schemas.openxmlformats.org/officeDocument/2006/math" xmlns:a14="http://schemas.microsoft.com/office/drawing/2010/main" xmlns:ma14="http://schemas.microsoft.com/office/mac/drawingml/2011/main" val="1"/>
               </a:ext>
             </a:extLst>
           </p:spPr>
@@ -14029,7 +14029,7 @@
           </a:ln>
           <a:extLst>
             <a:ext uri="{C572A759-6A51-4108-AA02-DFA0A04FC94B}">
-              <ma14:wrappingTextBoxFlag xmlns:ma14="http://schemas.microsoft.com/office/mac/drawingml/2011/main" xmlns:a14="http://schemas.microsoft.com/office/drawing/2010/main" xmlns:m="http://schemas.openxmlformats.org/officeDocument/2006/math" xmlns="" val="1"/>
+              <ma14:wrappingTextBoxFlag xmlns="" xmlns:m="http://schemas.openxmlformats.org/officeDocument/2006/math" xmlns:a14="http://schemas.microsoft.com/office/drawing/2010/main" xmlns:ma14="http://schemas.microsoft.com/office/mac/drawingml/2011/main" val="1"/>
             </a:ext>
           </a:extLst>
         </p:spPr>
@@ -14103,7 +14103,7 @@
           </a:ln>
           <a:extLst>
             <a:ext uri="{C572A759-6A51-4108-AA02-DFA0A04FC94B}">
-              <ma14:wrappingTextBoxFlag xmlns:ma14="http://schemas.microsoft.com/office/mac/drawingml/2011/main" xmlns:a14="http://schemas.microsoft.com/office/drawing/2010/main" xmlns:m="http://schemas.openxmlformats.org/officeDocument/2006/math" xmlns="" val="1"/>
+              <ma14:wrappingTextBoxFlag xmlns="" xmlns:m="http://schemas.openxmlformats.org/officeDocument/2006/math" xmlns:a14="http://schemas.microsoft.com/office/drawing/2010/main" xmlns:ma14="http://schemas.microsoft.com/office/mac/drawingml/2011/main" val="1"/>
             </a:ext>
           </a:extLst>
         </p:spPr>
@@ -14149,7 +14149,7 @@
           </a:ln>
           <a:extLst>
             <a:ext uri="{C572A759-6A51-4108-AA02-DFA0A04FC94B}">
-              <ma14:wrappingTextBoxFlag xmlns:ma14="http://schemas.microsoft.com/office/mac/drawingml/2011/main" xmlns:a14="http://schemas.microsoft.com/office/drawing/2010/main" xmlns:m="http://schemas.openxmlformats.org/officeDocument/2006/math" xmlns="" val="1"/>
+              <ma14:wrappingTextBoxFlag xmlns="" xmlns:m="http://schemas.openxmlformats.org/officeDocument/2006/math" xmlns:a14="http://schemas.microsoft.com/office/drawing/2010/main" xmlns:ma14="http://schemas.microsoft.com/office/mac/drawingml/2011/main" val="1"/>
             </a:ext>
           </a:extLst>
         </p:spPr>
@@ -14195,7 +14195,7 @@
           </a:ln>
           <a:extLst>
             <a:ext uri="{C572A759-6A51-4108-AA02-DFA0A04FC94B}">
-              <ma14:wrappingTextBoxFlag xmlns:ma14="http://schemas.microsoft.com/office/mac/drawingml/2011/main" xmlns:a14="http://schemas.microsoft.com/office/drawing/2010/main" xmlns:m="http://schemas.openxmlformats.org/officeDocument/2006/math" xmlns="" val="1"/>
+              <ma14:wrappingTextBoxFlag xmlns="" xmlns:m="http://schemas.openxmlformats.org/officeDocument/2006/math" xmlns:a14="http://schemas.microsoft.com/office/drawing/2010/main" xmlns:ma14="http://schemas.microsoft.com/office/mac/drawingml/2011/main" val="1"/>
             </a:ext>
           </a:extLst>
         </p:spPr>
@@ -14279,7 +14279,7 @@
           </a:ln>
           <a:extLst>
             <a:ext uri="{C572A759-6A51-4108-AA02-DFA0A04FC94B}">
-              <ma14:wrappingTextBoxFlag xmlns:ma14="http://schemas.microsoft.com/office/mac/drawingml/2011/main" xmlns:a14="http://schemas.microsoft.com/office/drawing/2010/main" xmlns:m="http://schemas.openxmlformats.org/officeDocument/2006/math" xmlns="" val="1"/>
+              <ma14:wrappingTextBoxFlag xmlns="" xmlns:m="http://schemas.openxmlformats.org/officeDocument/2006/math" xmlns:a14="http://schemas.microsoft.com/office/drawing/2010/main" xmlns:ma14="http://schemas.microsoft.com/office/mac/drawingml/2011/main" val="1"/>
             </a:ext>
           </a:extLst>
         </p:spPr>
@@ -14344,7 +14344,7 @@
           </a:ln>
           <a:extLst>
             <a:ext uri="{C572A759-6A51-4108-AA02-DFA0A04FC94B}">
-              <ma14:wrappingTextBoxFlag xmlns:ma14="http://schemas.microsoft.com/office/mac/drawingml/2011/main" xmlns:a14="http://schemas.microsoft.com/office/drawing/2010/main" xmlns:m="http://schemas.openxmlformats.org/officeDocument/2006/math" xmlns="" val="1"/>
+              <ma14:wrappingTextBoxFlag xmlns="" xmlns:m="http://schemas.openxmlformats.org/officeDocument/2006/math" xmlns:a14="http://schemas.microsoft.com/office/drawing/2010/main" xmlns:ma14="http://schemas.microsoft.com/office/mac/drawingml/2011/main" val="1"/>
             </a:ext>
           </a:extLst>
         </p:spPr>
@@ -14406,7 +14406,7 @@
           </a:ln>
           <a:extLst>
             <a:ext uri="{C572A759-6A51-4108-AA02-DFA0A04FC94B}">
-              <ma14:wrappingTextBoxFlag xmlns:ma14="http://schemas.microsoft.com/office/mac/drawingml/2011/main" xmlns:a14="http://schemas.microsoft.com/office/drawing/2010/main" xmlns:m="http://schemas.openxmlformats.org/officeDocument/2006/math" xmlns="" val="1"/>
+              <ma14:wrappingTextBoxFlag xmlns="" xmlns:m="http://schemas.openxmlformats.org/officeDocument/2006/math" xmlns:a14="http://schemas.microsoft.com/office/drawing/2010/main" xmlns:ma14="http://schemas.microsoft.com/office/mac/drawingml/2011/main" val="1"/>
             </a:ext>
           </a:extLst>
         </p:spPr>
@@ -14467,7 +14467,7 @@
           </a:ln>
           <a:extLst>
             <a:ext uri="{C572A759-6A51-4108-AA02-DFA0A04FC94B}">
-              <ma14:wrappingTextBoxFlag xmlns:ma14="http://schemas.microsoft.com/office/mac/drawingml/2011/main" xmlns:a14="http://schemas.microsoft.com/office/drawing/2010/main" xmlns:m="http://schemas.openxmlformats.org/officeDocument/2006/math" xmlns="" val="1"/>
+              <ma14:wrappingTextBoxFlag xmlns="" xmlns:m="http://schemas.openxmlformats.org/officeDocument/2006/math" xmlns:a14="http://schemas.microsoft.com/office/drawing/2010/main" xmlns:ma14="http://schemas.microsoft.com/office/mac/drawingml/2011/main" val="1"/>
             </a:ext>
           </a:extLst>
         </p:spPr>
@@ -14569,7 +14569,7 @@
             <a:effectLst/>
             <a:extLst>
               <a:ext uri="{C572A759-6A51-4108-AA02-DFA0A04FC94B}">
-                <ma14:wrappingTextBoxFlag xmlns:ma14="http://schemas.microsoft.com/office/mac/drawingml/2011/main" xmlns:a14="http://schemas.microsoft.com/office/drawing/2010/main" xmlns:m="http://schemas.openxmlformats.org/officeDocument/2006/math" xmlns="" val="1"/>
+                <ma14:wrappingTextBoxFlag xmlns="" xmlns:m="http://schemas.openxmlformats.org/officeDocument/2006/math" xmlns:a14="http://schemas.microsoft.com/office/drawing/2010/main" xmlns:ma14="http://schemas.microsoft.com/office/mac/drawingml/2011/main" val="1"/>
               </a:ext>
             </a:extLst>
           </p:spPr>
@@ -14696,7 +14696,7 @@
             <a:effectLst/>
             <a:extLst>
               <a:ext uri="{C572A759-6A51-4108-AA02-DFA0A04FC94B}">
-                <ma14:wrappingTextBoxFlag xmlns:ma14="http://schemas.microsoft.com/office/mac/drawingml/2011/main" xmlns:a14="http://schemas.microsoft.com/office/drawing/2010/main" xmlns:m="http://schemas.openxmlformats.org/officeDocument/2006/math" xmlns="" val="1"/>
+                <ma14:wrappingTextBoxFlag xmlns="" xmlns:m="http://schemas.openxmlformats.org/officeDocument/2006/math" xmlns:a14="http://schemas.microsoft.com/office/drawing/2010/main" xmlns:ma14="http://schemas.microsoft.com/office/mac/drawingml/2011/main" val="1"/>
               </a:ext>
             </a:extLst>
           </p:spPr>
@@ -14798,7 +14798,7 @@
             <a:effectLst/>
             <a:extLst>
               <a:ext uri="{C572A759-6A51-4108-AA02-DFA0A04FC94B}">
-                <ma14:wrappingTextBoxFlag xmlns:ma14="http://schemas.microsoft.com/office/mac/drawingml/2011/main" xmlns:a14="http://schemas.microsoft.com/office/drawing/2010/main" xmlns:m="http://schemas.openxmlformats.org/officeDocument/2006/math" xmlns="" val="1"/>
+                <ma14:wrappingTextBoxFlag xmlns="" xmlns:m="http://schemas.openxmlformats.org/officeDocument/2006/math" xmlns:a14="http://schemas.microsoft.com/office/drawing/2010/main" xmlns:ma14="http://schemas.microsoft.com/office/mac/drawingml/2011/main" val="1"/>
               </a:ext>
             </a:extLst>
           </p:spPr>
@@ -14990,7 +14990,7 @@
             <a:effectLst/>
             <a:extLst>
               <a:ext uri="{C572A759-6A51-4108-AA02-DFA0A04FC94B}">
-                <ma14:wrappingTextBoxFlag xmlns:ma14="http://schemas.microsoft.com/office/mac/drawingml/2011/main" xmlns:a14="http://schemas.microsoft.com/office/drawing/2010/main" xmlns:m="http://schemas.openxmlformats.org/officeDocument/2006/math" xmlns="" val="1"/>
+                <ma14:wrappingTextBoxFlag xmlns="" xmlns:m="http://schemas.openxmlformats.org/officeDocument/2006/math" xmlns:a14="http://schemas.microsoft.com/office/drawing/2010/main" xmlns:ma14="http://schemas.microsoft.com/office/mac/drawingml/2011/main" val="1"/>
               </a:ext>
             </a:extLst>
           </p:spPr>
@@ -15033,7 +15033,7 @@
             <a:effectLst/>
             <a:extLst>
               <a:ext uri="{C572A759-6A51-4108-AA02-DFA0A04FC94B}">
-                <ma14:wrappingTextBoxFlag xmlns:ma14="http://schemas.microsoft.com/office/mac/drawingml/2011/main" xmlns:a14="http://schemas.microsoft.com/office/drawing/2010/main" xmlns:m="http://schemas.openxmlformats.org/officeDocument/2006/math" xmlns="" val="1"/>
+                <ma14:wrappingTextBoxFlag xmlns="" xmlns:m="http://schemas.openxmlformats.org/officeDocument/2006/math" xmlns:a14="http://schemas.microsoft.com/office/drawing/2010/main" xmlns:ma14="http://schemas.microsoft.com/office/mac/drawingml/2011/main" val="1"/>
               </a:ext>
             </a:extLst>
           </p:spPr>
@@ -15096,7 +15096,7 @@
           </a:ln>
           <a:extLst>
             <a:ext uri="{C572A759-6A51-4108-AA02-DFA0A04FC94B}">
-              <ma14:wrappingTextBoxFlag xmlns:ma14="http://schemas.microsoft.com/office/mac/drawingml/2011/main" xmlns:a14="http://schemas.microsoft.com/office/drawing/2010/main" xmlns:m="http://schemas.openxmlformats.org/officeDocument/2006/math" xmlns="" val="1"/>
+              <ma14:wrappingTextBoxFlag xmlns="" xmlns:m="http://schemas.openxmlformats.org/officeDocument/2006/math" xmlns:a14="http://schemas.microsoft.com/office/drawing/2010/main" xmlns:ma14="http://schemas.microsoft.com/office/mac/drawingml/2011/main" val="1"/>
             </a:ext>
           </a:extLst>
         </p:spPr>
@@ -15159,7 +15159,7 @@
           </a:ln>
           <a:extLst>
             <a:ext uri="{C572A759-6A51-4108-AA02-DFA0A04FC94B}">
-              <ma14:wrappingTextBoxFlag xmlns:ma14="http://schemas.microsoft.com/office/mac/drawingml/2011/main" xmlns:a14="http://schemas.microsoft.com/office/drawing/2010/main" xmlns:m="http://schemas.openxmlformats.org/officeDocument/2006/math" xmlns="" val="1"/>
+              <ma14:wrappingTextBoxFlag xmlns="" xmlns:m="http://schemas.openxmlformats.org/officeDocument/2006/math" xmlns:a14="http://schemas.microsoft.com/office/drawing/2010/main" xmlns:ma14="http://schemas.microsoft.com/office/mac/drawingml/2011/main" val="1"/>
             </a:ext>
           </a:extLst>
         </p:spPr>
@@ -15366,7 +15366,7 @@
               <a:effectLst/>
               <a:extLst>
                 <a:ext uri="{C572A759-6A51-4108-AA02-DFA0A04FC94B}">
-                  <ma14:wrappingTextBoxFlag xmlns:ma14="http://schemas.microsoft.com/office/mac/drawingml/2011/main" xmlns:a14="http://schemas.microsoft.com/office/drawing/2010/main" xmlns:m="http://schemas.openxmlformats.org/officeDocument/2006/math" xmlns="" val="1"/>
+                  <ma14:wrappingTextBoxFlag xmlns="" xmlns:m="http://schemas.openxmlformats.org/officeDocument/2006/math" xmlns:a14="http://schemas.microsoft.com/office/drawing/2010/main" xmlns:ma14="http://schemas.microsoft.com/office/mac/drawingml/2011/main" val="1"/>
                 </a:ext>
               </a:extLst>
             </p:spPr>
@@ -15414,7 +15414,7 @@
               <a:effectLst/>
               <a:extLst>
                 <a:ext uri="{C572A759-6A51-4108-AA02-DFA0A04FC94B}">
-                  <ma14:wrappingTextBoxFlag xmlns:ma14="http://schemas.microsoft.com/office/mac/drawingml/2011/main" xmlns:a14="http://schemas.microsoft.com/office/drawing/2010/main" xmlns:m="http://schemas.openxmlformats.org/officeDocument/2006/math" xmlns="" val="1"/>
+                  <ma14:wrappingTextBoxFlag xmlns="" xmlns:m="http://schemas.openxmlformats.org/officeDocument/2006/math" xmlns:a14="http://schemas.microsoft.com/office/drawing/2010/main" xmlns:ma14="http://schemas.microsoft.com/office/mac/drawingml/2011/main" val="1"/>
                 </a:ext>
               </a:extLst>
             </p:spPr>
@@ -15496,7 +15496,7 @@
               <a:effectLst/>
               <a:extLst>
                 <a:ext uri="{C572A759-6A51-4108-AA02-DFA0A04FC94B}">
-                  <ma14:wrappingTextBoxFlag xmlns:ma14="http://schemas.microsoft.com/office/mac/drawingml/2011/main" xmlns:a14="http://schemas.microsoft.com/office/drawing/2010/main" xmlns:m="http://schemas.openxmlformats.org/officeDocument/2006/math" xmlns="" val="1"/>
+                  <ma14:wrappingTextBoxFlag xmlns="" xmlns:m="http://schemas.openxmlformats.org/officeDocument/2006/math" xmlns:a14="http://schemas.microsoft.com/office/drawing/2010/main" xmlns:ma14="http://schemas.microsoft.com/office/mac/drawingml/2011/main" val="1"/>
                 </a:ext>
               </a:extLst>
             </p:spPr>
@@ -15577,7 +15577,7 @@
             <a:effectLst/>
             <a:extLst>
               <a:ext uri="{C572A759-6A51-4108-AA02-DFA0A04FC94B}">
-                <ma14:wrappingTextBoxFlag xmlns:ma14="http://schemas.microsoft.com/office/mac/drawingml/2011/main" xmlns:a14="http://schemas.microsoft.com/office/drawing/2010/main" xmlns:m="http://schemas.openxmlformats.org/officeDocument/2006/math" xmlns="" val="1"/>
+                <ma14:wrappingTextBoxFlag xmlns="" xmlns:m="http://schemas.openxmlformats.org/officeDocument/2006/math" xmlns:a14="http://schemas.microsoft.com/office/drawing/2010/main" xmlns:ma14="http://schemas.microsoft.com/office/mac/drawingml/2011/main" val="1"/>
               </a:ext>
             </a:extLst>
           </p:spPr>
@@ -15882,7 +15882,7 @@
             <a:effectLst/>
             <a:extLst>
               <a:ext uri="{C572A759-6A51-4108-AA02-DFA0A04FC94B}">
-                <ma14:wrappingTextBoxFlag xmlns:ma14="http://schemas.microsoft.com/office/mac/drawingml/2011/main" xmlns:a14="http://schemas.microsoft.com/office/drawing/2010/main" xmlns:m="http://schemas.openxmlformats.org/officeDocument/2006/math" xmlns="" val="1"/>
+                <ma14:wrappingTextBoxFlag xmlns="" xmlns:m="http://schemas.openxmlformats.org/officeDocument/2006/math" xmlns:a14="http://schemas.microsoft.com/office/drawing/2010/main" xmlns:ma14="http://schemas.microsoft.com/office/mac/drawingml/2011/main" val="1"/>
               </a:ext>
             </a:extLst>
           </p:spPr>
@@ -16051,7 +16051,7 @@
           </a:ln>
           <a:extLst>
             <a:ext uri="{C572A759-6A51-4108-AA02-DFA0A04FC94B}">
-              <ma14:wrappingTextBoxFlag xmlns:ma14="http://schemas.microsoft.com/office/mac/drawingml/2011/main" xmlns:a14="http://schemas.microsoft.com/office/drawing/2010/main" xmlns:m="http://schemas.openxmlformats.org/officeDocument/2006/math" xmlns="" val="1"/>
+              <ma14:wrappingTextBoxFlag xmlns="" xmlns:m="http://schemas.openxmlformats.org/officeDocument/2006/math" xmlns:a14="http://schemas.microsoft.com/office/drawing/2010/main" xmlns:ma14="http://schemas.microsoft.com/office/mac/drawingml/2011/main" val="1"/>
             </a:ext>
           </a:extLst>
         </p:spPr>
@@ -16110,7 +16110,7 @@
           </a:ln>
           <a:extLst>
             <a:ext uri="{C572A759-6A51-4108-AA02-DFA0A04FC94B}">
-              <ma14:wrappingTextBoxFlag xmlns:ma14="http://schemas.microsoft.com/office/mac/drawingml/2011/main" xmlns:a14="http://schemas.microsoft.com/office/drawing/2010/main" xmlns:m="http://schemas.openxmlformats.org/officeDocument/2006/math" xmlns="" val="1"/>
+              <ma14:wrappingTextBoxFlag xmlns="" xmlns:m="http://schemas.openxmlformats.org/officeDocument/2006/math" xmlns:a14="http://schemas.microsoft.com/office/drawing/2010/main" xmlns:ma14="http://schemas.microsoft.com/office/mac/drawingml/2011/main" val="1"/>
             </a:ext>
           </a:extLst>
         </p:spPr>
@@ -16372,7 +16372,7 @@
           </a:ln>
           <a:extLst>
             <a:ext uri="{C572A759-6A51-4108-AA02-DFA0A04FC94B}">
-              <ma14:wrappingTextBoxFlag xmlns:ma14="http://schemas.microsoft.com/office/mac/drawingml/2011/main" xmlns:a14="http://schemas.microsoft.com/office/drawing/2010/main" xmlns:m="http://schemas.openxmlformats.org/officeDocument/2006/math" xmlns="" val="1"/>
+              <ma14:wrappingTextBoxFlag xmlns="" xmlns:m="http://schemas.openxmlformats.org/officeDocument/2006/math" xmlns:a14="http://schemas.microsoft.com/office/drawing/2010/main" xmlns:ma14="http://schemas.microsoft.com/office/mac/drawingml/2011/main" val="1"/>
             </a:ext>
           </a:extLst>
         </p:spPr>
@@ -16414,7 +16414,7 @@
           </a:ln>
           <a:extLst>
             <a:ext uri="{C572A759-6A51-4108-AA02-DFA0A04FC94B}">
-              <ma14:wrappingTextBoxFlag xmlns:ma14="http://schemas.microsoft.com/office/mac/drawingml/2011/main" xmlns:a14="http://schemas.microsoft.com/office/drawing/2010/main" xmlns:m="http://schemas.openxmlformats.org/officeDocument/2006/math" xmlns="" val="1"/>
+              <ma14:wrappingTextBoxFlag xmlns="" xmlns:m="http://schemas.openxmlformats.org/officeDocument/2006/math" xmlns:a14="http://schemas.microsoft.com/office/drawing/2010/main" xmlns:ma14="http://schemas.microsoft.com/office/mac/drawingml/2011/main" val="1"/>
             </a:ext>
           </a:extLst>
         </p:spPr>
@@ -16456,7 +16456,7 @@
           </a:ln>
           <a:extLst>
             <a:ext uri="{C572A759-6A51-4108-AA02-DFA0A04FC94B}">
-              <ma14:wrappingTextBoxFlag xmlns:ma14="http://schemas.microsoft.com/office/mac/drawingml/2011/main" xmlns:a14="http://schemas.microsoft.com/office/drawing/2010/main" xmlns:m="http://schemas.openxmlformats.org/officeDocument/2006/math" xmlns="" val="1"/>
+              <ma14:wrappingTextBoxFlag xmlns="" xmlns:m="http://schemas.openxmlformats.org/officeDocument/2006/math" xmlns:a14="http://schemas.microsoft.com/office/drawing/2010/main" xmlns:ma14="http://schemas.microsoft.com/office/mac/drawingml/2011/main" val="1"/>
             </a:ext>
           </a:extLst>
         </p:spPr>
@@ -16525,7 +16525,7 @@
           </a:ln>
           <a:extLst>
             <a:ext uri="{C572A759-6A51-4108-AA02-DFA0A04FC94B}">
-              <ma14:wrappingTextBoxFlag xmlns:ma14="http://schemas.microsoft.com/office/mac/drawingml/2011/main" xmlns:a14="http://schemas.microsoft.com/office/drawing/2010/main" xmlns:m="http://schemas.openxmlformats.org/officeDocument/2006/math" xmlns="" val="1"/>
+              <ma14:wrappingTextBoxFlag xmlns="" xmlns:m="http://schemas.openxmlformats.org/officeDocument/2006/math" xmlns:a14="http://schemas.microsoft.com/office/drawing/2010/main" xmlns:ma14="http://schemas.microsoft.com/office/mac/drawingml/2011/main" val="1"/>
             </a:ext>
           </a:extLst>
         </p:spPr>
@@ -16622,7 +16622,7 @@
           </a:ln>
           <a:extLst>
             <a:ext uri="{C572A759-6A51-4108-AA02-DFA0A04FC94B}">
-              <ma14:wrappingTextBoxFlag xmlns:ma14="http://schemas.microsoft.com/office/mac/drawingml/2011/main" xmlns:a14="http://schemas.microsoft.com/office/drawing/2010/main" xmlns:m="http://schemas.openxmlformats.org/officeDocument/2006/math" xmlns="" val="1"/>
+              <ma14:wrappingTextBoxFlag xmlns="" xmlns:m="http://schemas.openxmlformats.org/officeDocument/2006/math" xmlns:a14="http://schemas.microsoft.com/office/drawing/2010/main" xmlns:ma14="http://schemas.microsoft.com/office/mac/drawingml/2011/main" val="1"/>
             </a:ext>
           </a:extLst>
         </p:spPr>
@@ -16664,7 +16664,7 @@
           </a:ln>
           <a:extLst>
             <a:ext uri="{C572A759-6A51-4108-AA02-DFA0A04FC94B}">
-              <ma14:wrappingTextBoxFlag xmlns:ma14="http://schemas.microsoft.com/office/mac/drawingml/2011/main" xmlns:a14="http://schemas.microsoft.com/office/drawing/2010/main" xmlns:m="http://schemas.openxmlformats.org/officeDocument/2006/math" xmlns="" val="1"/>
+              <ma14:wrappingTextBoxFlag xmlns="" xmlns:m="http://schemas.openxmlformats.org/officeDocument/2006/math" xmlns:a14="http://schemas.microsoft.com/office/drawing/2010/main" xmlns:ma14="http://schemas.microsoft.com/office/mac/drawingml/2011/main" val="1"/>
             </a:ext>
           </a:extLst>
         </p:spPr>
@@ -16736,7 +16736,7 @@
           </a:ln>
           <a:extLst>
             <a:ext uri="{C572A759-6A51-4108-AA02-DFA0A04FC94B}">
-              <ma14:wrappingTextBoxFlag xmlns:ma14="http://schemas.microsoft.com/office/mac/drawingml/2011/main" xmlns:a14="http://schemas.microsoft.com/office/drawing/2010/main" xmlns:m="http://schemas.openxmlformats.org/officeDocument/2006/math" xmlns="" val="1"/>
+              <ma14:wrappingTextBoxFlag xmlns="" xmlns:m="http://schemas.openxmlformats.org/officeDocument/2006/math" xmlns:a14="http://schemas.microsoft.com/office/drawing/2010/main" xmlns:ma14="http://schemas.microsoft.com/office/mac/drawingml/2011/main" val="1"/>
             </a:ext>
           </a:extLst>
         </p:spPr>
@@ -16798,7 +16798,7 @@
           </a:ln>
           <a:extLst>
             <a:ext uri="{C572A759-6A51-4108-AA02-DFA0A04FC94B}">
-              <ma14:wrappingTextBoxFlag xmlns:ma14="http://schemas.microsoft.com/office/mac/drawingml/2011/main" xmlns:a14="http://schemas.microsoft.com/office/drawing/2010/main" xmlns:m="http://schemas.openxmlformats.org/officeDocument/2006/math" xmlns="" val="1"/>
+              <ma14:wrappingTextBoxFlag xmlns="" xmlns:m="http://schemas.openxmlformats.org/officeDocument/2006/math" xmlns:a14="http://schemas.microsoft.com/office/drawing/2010/main" xmlns:ma14="http://schemas.microsoft.com/office/mac/drawingml/2011/main" val="1"/>
             </a:ext>
           </a:extLst>
         </p:spPr>
@@ -16951,7 +16951,7 @@
             <a:effectLst/>
             <a:extLst>
               <a:ext uri="{C572A759-6A51-4108-AA02-DFA0A04FC94B}">
-                <ma14:wrappingTextBoxFlag xmlns:ma14="http://schemas.microsoft.com/office/mac/drawingml/2011/main" xmlns:a14="http://schemas.microsoft.com/office/drawing/2010/main" xmlns:m="http://schemas.openxmlformats.org/officeDocument/2006/math" xmlns="" val="1"/>
+                <ma14:wrappingTextBoxFlag xmlns="" xmlns:m="http://schemas.openxmlformats.org/officeDocument/2006/math" xmlns:a14="http://schemas.microsoft.com/office/drawing/2010/main" xmlns:ma14="http://schemas.microsoft.com/office/mac/drawingml/2011/main" val="1"/>
               </a:ext>
             </a:extLst>
           </p:spPr>
@@ -17065,7 +17065,7 @@
             <a:effectLst/>
             <a:extLst>
               <a:ext uri="{C572A759-6A51-4108-AA02-DFA0A04FC94B}">
-                <ma14:wrappingTextBoxFlag xmlns:ma14="http://schemas.microsoft.com/office/mac/drawingml/2011/main" xmlns:a14="http://schemas.microsoft.com/office/drawing/2010/main" xmlns:m="http://schemas.openxmlformats.org/officeDocument/2006/math" xmlns="" val="1"/>
+                <ma14:wrappingTextBoxFlag xmlns="" xmlns:m="http://schemas.openxmlformats.org/officeDocument/2006/math" xmlns:a14="http://schemas.microsoft.com/office/drawing/2010/main" xmlns:ma14="http://schemas.microsoft.com/office/mac/drawingml/2011/main" val="1"/>
               </a:ext>
             </a:extLst>
           </p:spPr>
@@ -17118,7 +17118,7 @@
           </a:ln>
           <a:extLst>
             <a:ext uri="{C572A759-6A51-4108-AA02-DFA0A04FC94B}">
-              <ma14:wrappingTextBoxFlag xmlns:ma14="http://schemas.microsoft.com/office/mac/drawingml/2011/main" xmlns:a14="http://schemas.microsoft.com/office/drawing/2010/main" xmlns:m="http://schemas.openxmlformats.org/officeDocument/2006/math" xmlns="" val="1"/>
+              <ma14:wrappingTextBoxFlag xmlns="" xmlns:m="http://schemas.openxmlformats.org/officeDocument/2006/math" xmlns:a14="http://schemas.microsoft.com/office/drawing/2010/main" xmlns:ma14="http://schemas.microsoft.com/office/mac/drawingml/2011/main" val="1"/>
             </a:ext>
           </a:extLst>
         </p:spPr>
@@ -17173,7 +17173,7 @@
           </a:ln>
           <a:extLst>
             <a:ext uri="{C572A759-6A51-4108-AA02-DFA0A04FC94B}">
-              <ma14:wrappingTextBoxFlag xmlns:ma14="http://schemas.microsoft.com/office/mac/drawingml/2011/main" xmlns:a14="http://schemas.microsoft.com/office/drawing/2010/main" xmlns:m="http://schemas.openxmlformats.org/officeDocument/2006/math" xmlns="" val="1"/>
+              <ma14:wrappingTextBoxFlag xmlns="" xmlns:m="http://schemas.openxmlformats.org/officeDocument/2006/math" xmlns:a14="http://schemas.microsoft.com/office/drawing/2010/main" xmlns:ma14="http://schemas.microsoft.com/office/mac/drawingml/2011/main" val="1"/>
             </a:ext>
           </a:extLst>
         </p:spPr>
@@ -17228,7 +17228,7 @@
           </a:ln>
           <a:extLst>
             <a:ext uri="{C572A759-6A51-4108-AA02-DFA0A04FC94B}">
-              <ma14:wrappingTextBoxFlag xmlns:ma14="http://schemas.microsoft.com/office/mac/drawingml/2011/main" xmlns:a14="http://schemas.microsoft.com/office/drawing/2010/main" xmlns:m="http://schemas.openxmlformats.org/officeDocument/2006/math" xmlns="" val="1"/>
+              <ma14:wrappingTextBoxFlag xmlns="" xmlns:m="http://schemas.openxmlformats.org/officeDocument/2006/math" xmlns:a14="http://schemas.microsoft.com/office/drawing/2010/main" xmlns:ma14="http://schemas.microsoft.com/office/mac/drawingml/2011/main" val="1"/>
             </a:ext>
           </a:extLst>
         </p:spPr>
@@ -17268,7 +17268,7 @@
         <p:dissolve/>
       </p:transition>
     </mc:Choice>
-    <mc:Fallback xmlns:a14="http://schemas.microsoft.com/office/drawing/2010/main" xmlns:m="http://schemas.openxmlformats.org/officeDocument/2006/math" xmlns="">
+    <mc:Fallback xmlns="" xmlns:m="http://schemas.openxmlformats.org/officeDocument/2006/math" xmlns:a14="http://schemas.microsoft.com/office/drawing/2010/main">
       <p:transition spd="slow">
         <p:fade/>
       </p:transition>
@@ -21425,7 +21425,15 @@
           <a:p>
             <a:r>
               <a:rPr lang="en-US" sz="1600" dirty="0"/>
-              <a:t>A Cloud-native asset based on IBM Cloud Pak for Integration that leverages IBM Cloud Pak for Data to infuse AI into telco processes</a:t>
+              <a:t>A Cloud-native asset based on IBM Cloud Pak for Integration that leverages IBM Cloud Pak for Data to infuse AI </a:t>
+            </a:r>
+            <a:r>
+              <a:rPr lang="en-US" sz="1600"/>
+              <a:t>into Telco </a:t>
+            </a:r>
+            <a:r>
+              <a:rPr lang="en-US" sz="1600" dirty="0"/>
+              <a:t>processes</a:t>
             </a:r>
           </a:p>
           <a:p>
